--- a/docs/Lectures/Week05/Week05_Park02.pptx
+++ b/docs/Lectures/Week05/Week05_Park02.pptx
@@ -5,10 +5,10 @@
     <p:sldMasterId id="2147483685" r:id="rId1"/>
   </p:sldMasterIdLst>
   <p:notesMasterIdLst>
-    <p:notesMasterId r:id="rId12"/>
+    <p:notesMasterId r:id="rId22"/>
   </p:notesMasterIdLst>
   <p:handoutMasterIdLst>
-    <p:handoutMasterId r:id="rId13"/>
+    <p:handoutMasterId r:id="rId23"/>
   </p:handoutMasterIdLst>
   <p:sldIdLst>
     <p:sldId id="256" r:id="rId2"/>
@@ -16,11 +16,21 @@
     <p:sldId id="323" r:id="rId4"/>
     <p:sldId id="341" r:id="rId5"/>
     <p:sldId id="328" r:id="rId6"/>
-    <p:sldId id="327" r:id="rId7"/>
-    <p:sldId id="326" r:id="rId8"/>
-    <p:sldId id="330" r:id="rId9"/>
-    <p:sldId id="331" r:id="rId10"/>
-    <p:sldId id="332" r:id="rId11"/>
+    <p:sldId id="342" r:id="rId7"/>
+    <p:sldId id="343" r:id="rId8"/>
+    <p:sldId id="344" r:id="rId9"/>
+    <p:sldId id="345" r:id="rId10"/>
+    <p:sldId id="346" r:id="rId11"/>
+    <p:sldId id="347" r:id="rId12"/>
+    <p:sldId id="348" r:id="rId13"/>
+    <p:sldId id="349" r:id="rId14"/>
+    <p:sldId id="350" r:id="rId15"/>
+    <p:sldId id="351" r:id="rId16"/>
+    <p:sldId id="327" r:id="rId17"/>
+    <p:sldId id="326" r:id="rId18"/>
+    <p:sldId id="330" r:id="rId19"/>
+    <p:sldId id="331" r:id="rId20"/>
+    <p:sldId id="332" r:id="rId21"/>
   </p:sldIdLst>
   <p:sldSz cx="12192000" cy="6858000"/>
   <p:notesSz cx="6858000" cy="9144000"/>
@@ -221,7 +231,7 @@
           <a:p>
             <a:fld id="{3AF106B3-F2DA-48D3-8BC9-D8AF4A5AEC52}" type="datetimeFigureOut">
               <a:rPr lang="en-US" smtClean="0"/>
-              <a:t>2/9/2025</a:t>
+              <a:t>2/10/2025</a:t>
             </a:fld>
             <a:endParaRPr lang="en-US"/>
           </a:p>
@@ -399,7 +409,7 @@
           <a:p>
             <a:fld id="{F12EB5DA-1790-4C4A-B092-095C6475A200}" type="datetimeFigureOut">
               <a:rPr lang="en-US" smtClean="0"/>
-              <a:t>2/9/2025</a:t>
+              <a:t>2/10/2025</a:t>
             </a:fld>
             <a:endParaRPr lang="en-US"/>
           </a:p>
@@ -904,7 +914,7 @@
           <a:p>
             <a:fld id="{ED291B17-9318-49DB-B28B-6E5994AE9581}" type="datetime1">
               <a:rPr lang="en-US" smtClean="0"/>
-              <a:t>2/9/2025</a:t>
+              <a:t>2/10/2025</a:t>
             </a:fld>
             <a:endParaRPr lang="en-US" dirty="0"/>
           </a:p>
@@ -1107,7 +1117,7 @@
           <a:p>
             <a:fld id="{2CED4963-E985-44C4-B8C4-FDD613B7C2F8}" type="datetime1">
               <a:rPr lang="en-US" smtClean="0"/>
-              <a:t>2/9/2025</a:t>
+              <a:t>2/10/2025</a:t>
             </a:fld>
             <a:endParaRPr lang="en-US" dirty="0"/>
           </a:p>
@@ -1468,7 +1478,7 @@
           <a:p>
             <a:fld id="{ED291B17-9318-49DB-B28B-6E5994AE9581}" type="datetime1">
               <a:rPr lang="en-US" smtClean="0"/>
-              <a:t>2/9/2025</a:t>
+              <a:t>2/10/2025</a:t>
             </a:fld>
             <a:endParaRPr lang="en-US" dirty="0"/>
           </a:p>
@@ -1664,7 +1674,7 @@
           <a:p>
             <a:fld id="{78DD82B9-B8EE-4375-B6FF-88FA6ABB15D9}" type="datetime1">
               <a:rPr lang="en-US" smtClean="0"/>
-              <a:t>2/9/2025</a:t>
+              <a:t>2/10/2025</a:t>
             </a:fld>
             <a:endParaRPr lang="en-US" dirty="0"/>
           </a:p>
@@ -1975,7 +1985,7 @@
           <a:p>
             <a:fld id="{B2497495-0637-405E-AE64-5CC7506D51F5}" type="datetime1">
               <a:rPr lang="en-US" smtClean="0"/>
-              <a:t>2/9/2025</a:t>
+              <a:t>2/10/2025</a:t>
             </a:fld>
             <a:endParaRPr lang="en-US" dirty="0"/>
           </a:p>
@@ -2225,7 +2235,7 @@
           <a:p>
             <a:fld id="{7BFFD690-9426-415D-8B65-26881E07B2D4}" type="datetime1">
               <a:rPr lang="en-US" smtClean="0"/>
-              <a:t>2/9/2025</a:t>
+              <a:t>2/10/2025</a:t>
             </a:fld>
             <a:endParaRPr lang="en-US" dirty="0"/>
           </a:p>
@@ -2644,7 +2654,7 @@
           <a:p>
             <a:fld id="{04C4989A-474C-40DE-95B9-011C28B71673}" type="datetime1">
               <a:rPr lang="en-US" smtClean="0"/>
-              <a:t>2/9/2025</a:t>
+              <a:t>2/10/2025</a:t>
             </a:fld>
             <a:endParaRPr lang="en-US" dirty="0"/>
           </a:p>
@@ -2766,7 +2776,7 @@
           <a:p>
             <a:fld id="{5DB4ED54-5B5E-4A04-93D3-5772E3CE3818}" type="datetime1">
               <a:rPr lang="en-US" smtClean="0"/>
-              <a:t>2/9/2025</a:t>
+              <a:t>2/10/2025</a:t>
             </a:fld>
             <a:endParaRPr lang="en-US" dirty="0"/>
           </a:p>
@@ -2861,7 +2871,7 @@
           <a:p>
             <a:fld id="{4EDE50D6-574B-40AF-946F-D52A04ADE379}" type="datetime1">
               <a:rPr lang="en-US" smtClean="0"/>
-              <a:t>2/9/2025</a:t>
+              <a:t>2/10/2025</a:t>
             </a:fld>
             <a:endParaRPr lang="en-US" dirty="0"/>
           </a:p>
@@ -3236,7 +3246,7 @@
           <a:p>
             <a:fld id="{D82884F1-FFEA-405F-9602-3DCA865EDA4E}" type="datetime1">
               <a:rPr lang="en-US" smtClean="0"/>
-              <a:t>2/9/2025</a:t>
+              <a:t>2/10/2025</a:t>
             </a:fld>
             <a:endParaRPr lang="en-US" dirty="0"/>
           </a:p>
@@ -3527,7 +3537,7 @@
           <a:p>
             <a:fld id="{7E18DB4A-8810-4A10-AD5C-D5E2C667F5B3}" type="datetime1">
               <a:rPr lang="en-US" smtClean="0"/>
-              <a:t>2/9/2025</a:t>
+              <a:t>2/10/2025</a:t>
             </a:fld>
             <a:endParaRPr lang="en-US" dirty="0"/>
           </a:p>
@@ -3740,7 +3750,7 @@
           <a:p>
             <a:fld id="{ED291B17-9318-49DB-B28B-6E5994AE9581}" type="datetime1">
               <a:rPr lang="en-US" smtClean="0"/>
-              <a:t>2/9/2025</a:t>
+              <a:t>2/10/2025</a:t>
             </a:fld>
             <a:endParaRPr lang="en-US" dirty="0"/>
           </a:p>
@@ -4819,10 +4829,1378 @@
       </p:grpSpPr>
       <p:sp>
         <p:nvSpPr>
+          <p:cNvPr id="3" name="Content Placeholder 2">
+            <a:extLst>
+              <a:ext uri="{FF2B5EF4-FFF2-40B4-BE49-F238E27FC236}">
+                <a16:creationId xmlns:a16="http://schemas.microsoft.com/office/drawing/2014/main" id="{FA1B1DC5-5C8F-51D6-2B65-9F6B52B8848E}"/>
+              </a:ext>
+            </a:extLst>
+          </p:cNvPr>
+          <p:cNvSpPr>
+            <a:spLocks noGrp="1"/>
+          </p:cNvSpPr>
+          <p:nvPr>
+            <p:ph idx="1"/>
+          </p:nvPr>
+        </p:nvSpPr>
+        <p:spPr>
+          <a:xfrm>
+            <a:off x="581192" y="1426464"/>
+            <a:ext cx="11029615" cy="2697861"/>
+          </a:xfrm>
+        </p:spPr>
+        <p:txBody>
+          <a:bodyPr>
+            <a:normAutofit/>
+          </a:bodyPr>
+          <a:lstStyle/>
+          <a:p>
+            <a:r>
+              <a:rPr lang="en-US" sz="2000" dirty="0"/>
+              <a:t>List express subway stations within 50 meters of one-way major streets.</a:t>
+            </a:r>
+          </a:p>
+          <a:p>
+            <a:pPr marL="324000" lvl="1" indent="0">
+              <a:buNone/>
+            </a:pPr>
+            <a:r>
+              <a:rPr lang="en-US" sz="2000" dirty="0">
+                <a:solidFill>
+                  <a:srgbClr val="00B0F0"/>
+                </a:solidFill>
+              </a:rPr>
+              <a:t>SELECT </a:t>
+            </a:r>
+            <a:r>
+              <a:rPr lang="en-US" sz="2000" dirty="0" err="1">
+                <a:solidFill>
+                  <a:srgbClr val="00B0F0"/>
+                </a:solidFill>
+              </a:rPr>
+              <a:t>station_name</a:t>
+            </a:r>
+            <a:r>
+              <a:rPr lang="en-US" sz="2000" dirty="0">
+                <a:solidFill>
+                  <a:srgbClr val="00B0F0"/>
+                </a:solidFill>
+              </a:rPr>
+              <a:t>, name AS </a:t>
+            </a:r>
+            <a:r>
+              <a:rPr lang="en-US" sz="2000" dirty="0" err="1">
+                <a:solidFill>
+                  <a:srgbClr val="00B0F0"/>
+                </a:solidFill>
+              </a:rPr>
+              <a:t>street_name</a:t>
+            </a:r>
+            <a:endParaRPr lang="en-US" sz="2000" dirty="0">
+              <a:solidFill>
+                <a:srgbClr val="00B0F0"/>
+              </a:solidFill>
+            </a:endParaRPr>
+          </a:p>
+          <a:p>
+            <a:pPr marL="324000" lvl="1" indent="0">
+              <a:buNone/>
+            </a:pPr>
+            <a:r>
+              <a:rPr lang="en-US" sz="2000" dirty="0">
+                <a:solidFill>
+                  <a:srgbClr val="00B0F0"/>
+                </a:solidFill>
+              </a:rPr>
+              <a:t>FROM ch05.subway, ch05.streets</a:t>
+            </a:r>
+          </a:p>
+          <a:p>
+            <a:pPr marL="324000" lvl="1" indent="0">
+              <a:buNone/>
+            </a:pPr>
+            <a:r>
+              <a:rPr lang="en-US" sz="2000" dirty="0">
+                <a:solidFill>
+                  <a:srgbClr val="00B0F0"/>
+                </a:solidFill>
+              </a:rPr>
+              <a:t>WHERE </a:t>
+            </a:r>
+            <a:r>
+              <a:rPr lang="en-US" sz="2000" dirty="0" err="1">
+                <a:solidFill>
+                  <a:srgbClr val="00B0F0"/>
+                </a:solidFill>
+              </a:rPr>
+              <a:t>express_stop</a:t>
+            </a:r>
+            <a:r>
+              <a:rPr lang="en-US" sz="2000" dirty="0">
+                <a:solidFill>
+                  <a:srgbClr val="00B0F0"/>
+                </a:solidFill>
+              </a:rPr>
+              <a:t> = '</a:t>
+            </a:r>
+            <a:r>
+              <a:rPr lang="en-US" sz="2000" dirty="0" err="1">
+                <a:solidFill>
+                  <a:srgbClr val="00B0F0"/>
+                </a:solidFill>
+              </a:rPr>
+              <a:t>Yes'AND</a:t>
+            </a:r>
+            <a:r>
+              <a:rPr lang="en-US" sz="2000" dirty="0">
+                <a:solidFill>
+                  <a:srgbClr val="00B0F0"/>
+                </a:solidFill>
+              </a:rPr>
+              <a:t> </a:t>
+            </a:r>
+            <a:r>
+              <a:rPr lang="en-US" sz="2000" dirty="0" err="1">
+                <a:solidFill>
+                  <a:srgbClr val="00B0F0"/>
+                </a:solidFill>
+              </a:rPr>
+              <a:t>road_type</a:t>
+            </a:r>
+            <a:r>
+              <a:rPr lang="en-US" sz="2000" dirty="0">
+                <a:solidFill>
+                  <a:srgbClr val="00B0F0"/>
+                </a:solidFill>
+              </a:rPr>
+              <a:t> = '</a:t>
+            </a:r>
+            <a:r>
+              <a:rPr lang="en-US" sz="2000" dirty="0" err="1">
+                <a:solidFill>
+                  <a:srgbClr val="00B0F0"/>
+                </a:solidFill>
+              </a:rPr>
+              <a:t>Major'AND</a:t>
+            </a:r>
+            <a:r>
+              <a:rPr lang="en-US" sz="2000" dirty="0">
+                <a:solidFill>
+                  <a:srgbClr val="00B0F0"/>
+                </a:solidFill>
+              </a:rPr>
+              <a:t> </a:t>
+            </a:r>
+            <a:r>
+              <a:rPr lang="en-US" sz="2000" dirty="0" err="1">
+                <a:solidFill>
+                  <a:srgbClr val="00B0F0"/>
+                </a:solidFill>
+              </a:rPr>
+              <a:t>oneway</a:t>
+            </a:r>
+            <a:r>
+              <a:rPr lang="en-US" sz="2000" dirty="0">
+                <a:solidFill>
+                  <a:srgbClr val="00B0F0"/>
+                </a:solidFill>
+              </a:rPr>
+              <a:t> = '</a:t>
+            </a:r>
+            <a:r>
+              <a:rPr lang="en-US" sz="2000" dirty="0" err="1">
+                <a:solidFill>
+                  <a:srgbClr val="00B0F0"/>
+                </a:solidFill>
+              </a:rPr>
+              <a:t>Yes'AND</a:t>
+            </a:r>
+            <a:r>
+              <a:rPr lang="en-US" sz="2000" dirty="0">
+                <a:solidFill>
+                  <a:srgbClr val="00B0F0"/>
+                </a:solidFill>
+              </a:rPr>
+              <a:t> </a:t>
+            </a:r>
+            <a:r>
+              <a:rPr lang="en-US" sz="2000" dirty="0" err="1">
+                <a:solidFill>
+                  <a:srgbClr val="00B0F0"/>
+                </a:solidFill>
+              </a:rPr>
+              <a:t>ST_Intersects</a:t>
+            </a:r>
+            <a:r>
+              <a:rPr lang="en-US" sz="2000" dirty="0">
+                <a:solidFill>
+                  <a:srgbClr val="00B0F0"/>
+                </a:solidFill>
+              </a:rPr>
+              <a:t>(</a:t>
+            </a:r>
+            <a:r>
+              <a:rPr lang="en-US" sz="2000" dirty="0" err="1">
+                <a:solidFill>
+                  <a:srgbClr val="00B0F0"/>
+                </a:solidFill>
+              </a:rPr>
+              <a:t>ST_Buffer</a:t>
+            </a:r>
+            <a:r>
+              <a:rPr lang="en-US" sz="2000" dirty="0">
+                <a:solidFill>
+                  <a:srgbClr val="00B0F0"/>
+                </a:solidFill>
+              </a:rPr>
+              <a:t>(ch05.subway.geom, 50), ch05.streets.geom);</a:t>
+            </a:r>
+          </a:p>
+        </p:txBody>
+      </p:sp>
+      <p:sp>
+        <p:nvSpPr>
+          <p:cNvPr id="4" name="TextBox 3">
+            <a:extLst>
+              <a:ext uri="{FF2B5EF4-FFF2-40B4-BE49-F238E27FC236}">
+                <a16:creationId xmlns:a16="http://schemas.microsoft.com/office/drawing/2014/main" id="{315A5990-DC54-DDC4-3634-E4DBE02D943E}"/>
+              </a:ext>
+            </a:extLst>
+          </p:cNvPr>
+          <p:cNvSpPr txBox="1"/>
+          <p:nvPr/>
+        </p:nvSpPr>
+        <p:spPr>
+          <a:xfrm>
+            <a:off x="504992" y="743916"/>
+            <a:ext cx="5514808" cy="523220"/>
+          </a:xfrm>
+          <a:prstGeom prst="rect">
+            <a:avLst/>
+          </a:prstGeom>
+          <a:noFill/>
+        </p:spPr>
+        <p:txBody>
+          <a:bodyPr wrap="square" rtlCol="0">
+            <a:spAutoFit/>
+          </a:bodyPr>
+          <a:lstStyle/>
+          <a:p>
+            <a:r>
+              <a:rPr lang="en-US" sz="2800" dirty="0"/>
+              <a:t>Exercise</a:t>
+            </a:r>
+            <a:r>
+              <a:rPr lang="en-US" altLang="zh-CN" sz="2800" dirty="0"/>
+              <a:t> 3</a:t>
+            </a:r>
+            <a:r>
+              <a:rPr lang="en-US" sz="2800" dirty="0"/>
+              <a:t>: </a:t>
+            </a:r>
+            <a:r>
+              <a:rPr lang="en-US" sz="2800" dirty="0" err="1"/>
+              <a:t>ST_Intersects</a:t>
+            </a:r>
+            <a:endParaRPr lang="en-US" sz="2800" dirty="0"/>
+          </a:p>
+        </p:txBody>
+      </p:sp>
+    </p:spTree>
+    <p:extLst>
+      <p:ext uri="{BB962C8B-B14F-4D97-AF65-F5344CB8AC3E}">
+        <p14:creationId xmlns:p14="http://schemas.microsoft.com/office/powerpoint/2010/main" val="3127353908"/>
+      </p:ext>
+    </p:extLst>
+  </p:cSld>
+  <p:clrMapOvr>
+    <a:masterClrMapping/>
+  </p:clrMapOvr>
+</p:sld>
+</file>
+
+<file path=ppt/slides/slide11.xml><?xml version="1.0" encoding="utf-8"?>
+<p:sld xmlns:a="http://schemas.openxmlformats.org/drawingml/2006/main" xmlns:r="http://schemas.openxmlformats.org/officeDocument/2006/relationships" xmlns:p="http://schemas.openxmlformats.org/presentationml/2006/main">
+  <p:cSld>
+    <p:spTree>
+      <p:nvGrpSpPr>
+        <p:cNvPr id="1" name=""/>
+        <p:cNvGrpSpPr/>
+        <p:nvPr/>
+      </p:nvGrpSpPr>
+      <p:grpSpPr>
+        <a:xfrm>
+          <a:off x="0" y="0"/>
+          <a:ext cx="0" cy="0"/>
+          <a:chOff x="0" y="0"/>
+          <a:chExt cx="0" cy="0"/>
+        </a:xfrm>
+      </p:grpSpPr>
+      <p:sp>
+        <p:nvSpPr>
+          <p:cNvPr id="3" name="Content Placeholder 2">
+            <a:extLst>
+              <a:ext uri="{FF2B5EF4-FFF2-40B4-BE49-F238E27FC236}">
+                <a16:creationId xmlns:a16="http://schemas.microsoft.com/office/drawing/2014/main" id="{6E4898B9-733B-2765-4ABA-D82A5BB6E3E1}"/>
+              </a:ext>
+            </a:extLst>
+          </p:cNvPr>
+          <p:cNvSpPr>
+            <a:spLocks noGrp="1"/>
+          </p:cNvSpPr>
+          <p:nvPr>
+            <p:ph idx="1"/>
+          </p:nvPr>
+        </p:nvSpPr>
+        <p:spPr>
+          <a:xfrm>
+            <a:off x="581192" y="1426463"/>
+            <a:ext cx="5324308" cy="1535811"/>
+          </a:xfrm>
+        </p:spPr>
+        <p:txBody>
+          <a:bodyPr>
+            <a:normAutofit/>
+          </a:bodyPr>
+          <a:lstStyle/>
+          <a:p>
+            <a:r>
+              <a:rPr lang="en-US" dirty="0" err="1">
+                <a:solidFill>
+                  <a:srgbClr val="00B0F0"/>
+                </a:solidFill>
+              </a:rPr>
+              <a:t>ST_Intersects</a:t>
+            </a:r>
+            <a:r>
+              <a:rPr lang="en-US" dirty="0">
+                <a:solidFill>
+                  <a:srgbClr val="00B0F0"/>
+                </a:solidFill>
+              </a:rPr>
+              <a:t>(geometry A, geometry B) </a:t>
+            </a:r>
+            <a:r>
+              <a:rPr lang="en-US" dirty="0"/>
+              <a:t>returns (TRUE) if the two shapes have any space in common, i.e., if their boundaries or interiors intersect.</a:t>
+            </a:r>
+          </a:p>
+        </p:txBody>
+      </p:sp>
+      <p:sp>
+        <p:nvSpPr>
+          <p:cNvPr id="4" name="TextBox 3">
+            <a:extLst>
+              <a:ext uri="{FF2B5EF4-FFF2-40B4-BE49-F238E27FC236}">
+                <a16:creationId xmlns:a16="http://schemas.microsoft.com/office/drawing/2014/main" id="{3A2B8C12-A13E-D171-01EF-EB91FBC41DAD}"/>
+              </a:ext>
+            </a:extLst>
+          </p:cNvPr>
+          <p:cNvSpPr txBox="1"/>
+          <p:nvPr/>
+        </p:nvSpPr>
+        <p:spPr>
+          <a:xfrm>
+            <a:off x="581192" y="621040"/>
+            <a:ext cx="2542310" cy="523220"/>
+          </a:xfrm>
+          <a:prstGeom prst="rect">
+            <a:avLst/>
+          </a:prstGeom>
+          <a:noFill/>
+        </p:spPr>
+        <p:txBody>
+          <a:bodyPr wrap="square" rtlCol="0">
+            <a:spAutoFit/>
+          </a:bodyPr>
+          <a:lstStyle/>
+          <a:p>
+            <a:r>
+              <a:rPr lang="en-US" sz="2800" dirty="0" err="1"/>
+              <a:t>ST_Disjoint</a:t>
+            </a:r>
+            <a:endParaRPr lang="en-US" sz="2800" dirty="0"/>
+          </a:p>
+        </p:txBody>
+      </p:sp>
+      <p:pic>
+        <p:nvPicPr>
+          <p:cNvPr id="7" name="Picture 6">
+            <a:extLst>
+              <a:ext uri="{FF2B5EF4-FFF2-40B4-BE49-F238E27FC236}">
+                <a16:creationId xmlns:a16="http://schemas.microsoft.com/office/drawing/2014/main" id="{4E534A10-2292-DDE3-1763-57297070F733}"/>
+              </a:ext>
+            </a:extLst>
+          </p:cNvPr>
+          <p:cNvPicPr>
+            <a:picLocks noChangeAspect="1"/>
+          </p:cNvPicPr>
+          <p:nvPr/>
+        </p:nvPicPr>
+        <p:blipFill>
+          <a:blip r:embed="rId2"/>
+          <a:stretch>
+            <a:fillRect/>
+          </a:stretch>
+        </p:blipFill>
+        <p:spPr>
+          <a:xfrm>
+            <a:off x="6953249" y="748252"/>
+            <a:ext cx="4391025" cy="5563629"/>
+          </a:xfrm>
+          <a:prstGeom prst="rect">
+            <a:avLst/>
+          </a:prstGeom>
+        </p:spPr>
+      </p:pic>
+    </p:spTree>
+    <p:extLst>
+      <p:ext uri="{BB962C8B-B14F-4D97-AF65-F5344CB8AC3E}">
+        <p14:creationId xmlns:p14="http://schemas.microsoft.com/office/powerpoint/2010/main" val="3482726137"/>
+      </p:ext>
+    </p:extLst>
+  </p:cSld>
+  <p:clrMapOvr>
+    <a:masterClrMapping/>
+  </p:clrMapOvr>
+</p:sld>
+</file>
+
+<file path=ppt/slides/slide12.xml><?xml version="1.0" encoding="utf-8"?>
+<p:sld xmlns:a="http://schemas.openxmlformats.org/drawingml/2006/main" xmlns:r="http://schemas.openxmlformats.org/officeDocument/2006/relationships" xmlns:p="http://schemas.openxmlformats.org/presentationml/2006/main">
+  <p:cSld>
+    <p:spTree>
+      <p:nvGrpSpPr>
+        <p:cNvPr id="1" name=""/>
+        <p:cNvGrpSpPr/>
+        <p:nvPr/>
+      </p:nvGrpSpPr>
+      <p:grpSpPr>
+        <a:xfrm>
+          <a:off x="0" y="0"/>
+          <a:ext cx="0" cy="0"/>
+          <a:chOff x="0" y="0"/>
+          <a:chExt cx="0" cy="0"/>
+        </a:xfrm>
+      </p:grpSpPr>
+      <p:sp>
+        <p:nvSpPr>
+          <p:cNvPr id="5" name="Content Placeholder 4">
+            <a:extLst>
+              <a:ext uri="{FF2B5EF4-FFF2-40B4-BE49-F238E27FC236}">
+                <a16:creationId xmlns:a16="http://schemas.microsoft.com/office/drawing/2014/main" id="{0DEA7FD2-61CD-8E59-CFBE-9C4EF7358AF2}"/>
+              </a:ext>
+            </a:extLst>
+          </p:cNvPr>
+          <p:cNvSpPr txBox="1">
+            <a:spLocks noGrp="1"/>
+          </p:cNvSpPr>
+          <p:nvPr>
+            <p:ph idx="1"/>
+          </p:nvPr>
+        </p:nvSpPr>
+        <p:spPr>
+          <a:xfrm>
+            <a:off x="580858" y="1452061"/>
+            <a:ext cx="11029950" cy="2631490"/>
+          </a:xfrm>
+          <a:prstGeom prst="rect">
+            <a:avLst/>
+          </a:prstGeom>
+          <a:noFill/>
+        </p:spPr>
+        <p:txBody>
+          <a:bodyPr wrap="square" rtlCol="0">
+            <a:spAutoFit/>
+          </a:bodyPr>
+          <a:lstStyle/>
+          <a:p>
+            <a:r>
+              <a:rPr lang="en-US" sz="2000" dirty="0"/>
+              <a:t>Find streets that do not intersect with any subway station.</a:t>
+            </a:r>
+          </a:p>
+          <a:p>
+            <a:pPr marL="324000" lvl="1" indent="0">
+              <a:buNone/>
+            </a:pPr>
+            <a:r>
+              <a:rPr lang="en-US" sz="2000" dirty="0">
+                <a:solidFill>
+                  <a:srgbClr val="00B0F0"/>
+                </a:solidFill>
+              </a:rPr>
+              <a:t>SELECT name</a:t>
+            </a:r>
+          </a:p>
+          <a:p>
+            <a:pPr marL="324000" lvl="1" indent="0">
+              <a:buNone/>
+            </a:pPr>
+            <a:r>
+              <a:rPr lang="en-US" sz="2000" dirty="0">
+                <a:solidFill>
+                  <a:srgbClr val="00B0F0"/>
+                </a:solidFill>
+              </a:rPr>
+              <a:t>FROM ch05.streets</a:t>
+            </a:r>
+          </a:p>
+          <a:p>
+            <a:pPr marL="324000" lvl="1" indent="0">
+              <a:buNone/>
+            </a:pPr>
+            <a:r>
+              <a:rPr lang="en-US" sz="2000" dirty="0">
+                <a:solidFill>
+                  <a:srgbClr val="00B0F0"/>
+                </a:solidFill>
+              </a:rPr>
+              <a:t>WHERE NOT EXISTS (</a:t>
+            </a:r>
+          </a:p>
+          <a:p>
+            <a:pPr marL="324000" lvl="1" indent="0">
+              <a:buNone/>
+            </a:pPr>
+            <a:r>
+              <a:rPr lang="en-US" sz="2000" dirty="0">
+                <a:solidFill>
+                  <a:srgbClr val="00B0F0"/>
+                </a:solidFill>
+              </a:rPr>
+              <a:t>SELECT 1 FROM ch05.subway </a:t>
+            </a:r>
+          </a:p>
+          <a:p>
+            <a:pPr marL="324000" lvl="1" indent="0">
+              <a:buNone/>
+            </a:pPr>
+            <a:r>
+              <a:rPr lang="en-US" sz="2000" dirty="0">
+                <a:solidFill>
+                  <a:srgbClr val="00B0F0"/>
+                </a:solidFill>
+              </a:rPr>
+              <a:t>WHERE </a:t>
+            </a:r>
+            <a:r>
+              <a:rPr lang="en-US" sz="2000" dirty="0" err="1">
+                <a:solidFill>
+                  <a:srgbClr val="00B0F0"/>
+                </a:solidFill>
+              </a:rPr>
+              <a:t>ST_Disjoint</a:t>
+            </a:r>
+            <a:r>
+              <a:rPr lang="en-US" sz="2000" dirty="0">
+                <a:solidFill>
+                  <a:srgbClr val="00B0F0"/>
+                </a:solidFill>
+              </a:rPr>
+              <a:t>(ch05.streets.geom, </a:t>
+            </a:r>
+            <a:r>
+              <a:rPr lang="en-US" sz="2000" dirty="0" err="1">
+                <a:solidFill>
+                  <a:srgbClr val="00B0F0"/>
+                </a:solidFill>
+              </a:rPr>
+              <a:t>ST_Buffer</a:t>
+            </a:r>
+            <a:r>
+              <a:rPr lang="en-US" sz="2000" dirty="0">
+                <a:solidFill>
+                  <a:srgbClr val="00B0F0"/>
+                </a:solidFill>
+              </a:rPr>
+              <a:t>(ch05.subway.geom, 50)) = FALSE);</a:t>
+            </a:r>
+          </a:p>
+        </p:txBody>
+      </p:sp>
+      <p:sp>
+        <p:nvSpPr>
+          <p:cNvPr id="4" name="TextBox 3">
+            <a:extLst>
+              <a:ext uri="{FF2B5EF4-FFF2-40B4-BE49-F238E27FC236}">
+                <a16:creationId xmlns:a16="http://schemas.microsoft.com/office/drawing/2014/main" id="{484B1751-F76A-2FBB-FCFC-16D4EF8C2F07}"/>
+              </a:ext>
+            </a:extLst>
+          </p:cNvPr>
+          <p:cNvSpPr txBox="1"/>
+          <p:nvPr/>
+        </p:nvSpPr>
+        <p:spPr>
+          <a:xfrm>
+            <a:off x="504992" y="743916"/>
+            <a:ext cx="5514808" cy="523220"/>
+          </a:xfrm>
+          <a:prstGeom prst="rect">
+            <a:avLst/>
+          </a:prstGeom>
+          <a:noFill/>
+        </p:spPr>
+        <p:txBody>
+          <a:bodyPr wrap="square" rtlCol="0">
+            <a:spAutoFit/>
+          </a:bodyPr>
+          <a:lstStyle/>
+          <a:p>
+            <a:r>
+              <a:rPr lang="en-US" sz="2800" dirty="0"/>
+              <a:t>Example</a:t>
+            </a:r>
+            <a:r>
+              <a:rPr lang="en-US" altLang="zh-CN" sz="2800" dirty="0"/>
+              <a:t> 1</a:t>
+            </a:r>
+            <a:r>
+              <a:rPr lang="en-US" sz="2800" dirty="0"/>
+              <a:t>: </a:t>
+            </a:r>
+            <a:r>
+              <a:rPr lang="en-US" sz="2800" dirty="0" err="1"/>
+              <a:t>ST_Disjoint</a:t>
+            </a:r>
+            <a:endParaRPr lang="en-US" sz="2800" dirty="0"/>
+          </a:p>
+        </p:txBody>
+      </p:sp>
+    </p:spTree>
+    <p:extLst>
+      <p:ext uri="{BB962C8B-B14F-4D97-AF65-F5344CB8AC3E}">
+        <p14:creationId xmlns:p14="http://schemas.microsoft.com/office/powerpoint/2010/main" val="43407044"/>
+      </p:ext>
+    </p:extLst>
+  </p:cSld>
+  <p:clrMapOvr>
+    <a:masterClrMapping/>
+  </p:clrMapOvr>
+</p:sld>
+</file>
+
+<file path=ppt/slides/slide13.xml><?xml version="1.0" encoding="utf-8"?>
+<p:sld xmlns:a="http://schemas.openxmlformats.org/drawingml/2006/main" xmlns:r="http://schemas.openxmlformats.org/officeDocument/2006/relationships" xmlns:p="http://schemas.openxmlformats.org/presentationml/2006/main">
+  <p:cSld>
+    <p:spTree>
+      <p:nvGrpSpPr>
+        <p:cNvPr id="1" name=""/>
+        <p:cNvGrpSpPr/>
+        <p:nvPr/>
+      </p:nvGrpSpPr>
+      <p:grpSpPr>
+        <a:xfrm>
+          <a:off x="0" y="0"/>
+          <a:ext cx="0" cy="0"/>
+          <a:chOff x="0" y="0"/>
+          <a:chExt cx="0" cy="0"/>
+        </a:xfrm>
+      </p:grpSpPr>
+      <p:sp>
+        <p:nvSpPr>
+          <p:cNvPr id="3" name="Content Placeholder 2">
+            <a:extLst>
+              <a:ext uri="{FF2B5EF4-FFF2-40B4-BE49-F238E27FC236}">
+                <a16:creationId xmlns:a16="http://schemas.microsoft.com/office/drawing/2014/main" id="{2F9E5E82-3C5D-323F-970D-EF112FB5DA03}"/>
+              </a:ext>
+            </a:extLst>
+          </p:cNvPr>
+          <p:cNvSpPr>
+            <a:spLocks noGrp="1"/>
+          </p:cNvSpPr>
+          <p:nvPr>
+            <p:ph idx="1"/>
+          </p:nvPr>
+        </p:nvSpPr>
+        <p:spPr>
+          <a:xfrm>
+            <a:off x="581191" y="1416938"/>
+            <a:ext cx="11029615" cy="3288411"/>
+          </a:xfrm>
+        </p:spPr>
+        <p:txBody>
+          <a:bodyPr>
+            <a:noAutofit/>
+          </a:bodyPr>
+          <a:lstStyle/>
+          <a:p>
+            <a:r>
+              <a:rPr lang="en-US" sz="2000" dirty="0"/>
+              <a:t>List one-way streets that do not intersect with any subway station.</a:t>
+            </a:r>
+          </a:p>
+          <a:p>
+            <a:pPr marL="324000" lvl="1" indent="0">
+              <a:buNone/>
+            </a:pPr>
+            <a:r>
+              <a:rPr lang="en-US" sz="1800" dirty="0">
+                <a:solidFill>
+                  <a:srgbClr val="00B0F0"/>
+                </a:solidFill>
+              </a:rPr>
+              <a:t>SELECT name</a:t>
+            </a:r>
+          </a:p>
+          <a:p>
+            <a:pPr marL="324000" lvl="1" indent="0">
+              <a:buNone/>
+            </a:pPr>
+            <a:r>
+              <a:rPr lang="en-US" sz="1800" dirty="0">
+                <a:solidFill>
+                  <a:srgbClr val="00B0F0"/>
+                </a:solidFill>
+              </a:rPr>
+              <a:t>FROM ch05.streets</a:t>
+            </a:r>
+          </a:p>
+          <a:p>
+            <a:pPr marL="324000" lvl="1" indent="0">
+              <a:buNone/>
+            </a:pPr>
+            <a:r>
+              <a:rPr lang="en-US" sz="1800" dirty="0">
+                <a:solidFill>
+                  <a:srgbClr val="00B0F0"/>
+                </a:solidFill>
+              </a:rPr>
+              <a:t>WHERE </a:t>
+            </a:r>
+            <a:r>
+              <a:rPr lang="en-US" sz="1800" dirty="0" err="1">
+                <a:solidFill>
+                  <a:srgbClr val="00B0F0"/>
+                </a:solidFill>
+              </a:rPr>
+              <a:t>oneway</a:t>
+            </a:r>
+            <a:r>
+              <a:rPr lang="en-US" sz="1800" dirty="0">
+                <a:solidFill>
+                  <a:srgbClr val="00B0F0"/>
+                </a:solidFill>
+              </a:rPr>
+              <a:t> = 'Yes’</a:t>
+            </a:r>
+          </a:p>
+          <a:p>
+            <a:pPr marL="324000" lvl="1" indent="0">
+              <a:buNone/>
+            </a:pPr>
+            <a:r>
+              <a:rPr lang="en-US" sz="1800" dirty="0">
+                <a:solidFill>
+                  <a:srgbClr val="00B0F0"/>
+                </a:solidFill>
+              </a:rPr>
+              <a:t>AND NOT EXISTS ( </a:t>
+            </a:r>
+          </a:p>
+          <a:p>
+            <a:pPr marL="324000" lvl="1" indent="0">
+              <a:buNone/>
+            </a:pPr>
+            <a:r>
+              <a:rPr lang="en-US" sz="1800" dirty="0">
+                <a:solidFill>
+                  <a:srgbClr val="00B0F0"/>
+                </a:solidFill>
+              </a:rPr>
+              <a:t>SELECT 1 FROM ch05.subway </a:t>
+            </a:r>
+          </a:p>
+          <a:p>
+            <a:pPr marL="324000" lvl="1" indent="0">
+              <a:buNone/>
+            </a:pPr>
+            <a:r>
+              <a:rPr lang="en-US" sz="1800" dirty="0">
+                <a:solidFill>
+                  <a:srgbClr val="00B0F0"/>
+                </a:solidFill>
+              </a:rPr>
+              <a:t>WHERE </a:t>
+            </a:r>
+            <a:r>
+              <a:rPr lang="en-US" sz="1800" dirty="0" err="1">
+                <a:solidFill>
+                  <a:srgbClr val="00B0F0"/>
+                </a:solidFill>
+              </a:rPr>
+              <a:t>ST_Disjoint</a:t>
+            </a:r>
+            <a:r>
+              <a:rPr lang="en-US" sz="1800" dirty="0">
+                <a:solidFill>
+                  <a:srgbClr val="00B0F0"/>
+                </a:solidFill>
+              </a:rPr>
+              <a:t>(ch05.streets.geom, </a:t>
+            </a:r>
+            <a:r>
+              <a:rPr lang="en-US" sz="1800" dirty="0" err="1">
+                <a:solidFill>
+                  <a:srgbClr val="00B0F0"/>
+                </a:solidFill>
+              </a:rPr>
+              <a:t>ST_Buffer</a:t>
+            </a:r>
+            <a:r>
+              <a:rPr lang="en-US" sz="1800" dirty="0">
+                <a:solidFill>
+                  <a:srgbClr val="00B0F0"/>
+                </a:solidFill>
+              </a:rPr>
+              <a:t>(ch05.subway.geom, 50)) = FALSE);</a:t>
+            </a:r>
+          </a:p>
+        </p:txBody>
+      </p:sp>
+      <p:sp>
+        <p:nvSpPr>
+          <p:cNvPr id="4" name="TextBox 3">
+            <a:extLst>
+              <a:ext uri="{FF2B5EF4-FFF2-40B4-BE49-F238E27FC236}">
+                <a16:creationId xmlns:a16="http://schemas.microsoft.com/office/drawing/2014/main" id="{DE421040-9A45-B9E1-81EB-4AC79DC7CF67}"/>
+              </a:ext>
+            </a:extLst>
+          </p:cNvPr>
+          <p:cNvSpPr txBox="1"/>
+          <p:nvPr/>
+        </p:nvSpPr>
+        <p:spPr>
+          <a:xfrm>
+            <a:off x="504992" y="743916"/>
+            <a:ext cx="5514808" cy="523220"/>
+          </a:xfrm>
+          <a:prstGeom prst="rect">
+            <a:avLst/>
+          </a:prstGeom>
+          <a:noFill/>
+        </p:spPr>
+        <p:txBody>
+          <a:bodyPr wrap="square" rtlCol="0">
+            <a:spAutoFit/>
+          </a:bodyPr>
+          <a:lstStyle/>
+          <a:p>
+            <a:r>
+              <a:rPr lang="en-US" sz="2800" dirty="0"/>
+              <a:t>Exercise</a:t>
+            </a:r>
+            <a:r>
+              <a:rPr lang="en-US" altLang="zh-CN" sz="2800" dirty="0"/>
+              <a:t> 1</a:t>
+            </a:r>
+            <a:r>
+              <a:rPr lang="en-US" sz="2800" dirty="0"/>
+              <a:t>: </a:t>
+            </a:r>
+            <a:r>
+              <a:rPr lang="en-US" sz="2800" dirty="0" err="1"/>
+              <a:t>ST_Disjoint</a:t>
+            </a:r>
+            <a:endParaRPr lang="en-US" sz="2800" dirty="0"/>
+          </a:p>
+        </p:txBody>
+      </p:sp>
+    </p:spTree>
+    <p:extLst>
+      <p:ext uri="{BB962C8B-B14F-4D97-AF65-F5344CB8AC3E}">
+        <p14:creationId xmlns:p14="http://schemas.microsoft.com/office/powerpoint/2010/main" val="964224813"/>
+      </p:ext>
+    </p:extLst>
+  </p:cSld>
+  <p:clrMapOvr>
+    <a:masterClrMapping/>
+  </p:clrMapOvr>
+</p:sld>
+</file>
+
+<file path=ppt/slides/slide14.xml><?xml version="1.0" encoding="utf-8"?>
+<p:sld xmlns:a="http://schemas.openxmlformats.org/drawingml/2006/main" xmlns:r="http://schemas.openxmlformats.org/officeDocument/2006/relationships" xmlns:p="http://schemas.openxmlformats.org/presentationml/2006/main">
+  <p:cSld>
+    <p:spTree>
+      <p:nvGrpSpPr>
+        <p:cNvPr id="1" name=""/>
+        <p:cNvGrpSpPr/>
+        <p:nvPr/>
+      </p:nvGrpSpPr>
+      <p:grpSpPr>
+        <a:xfrm>
+          <a:off x="0" y="0"/>
+          <a:ext cx="0" cy="0"/>
+          <a:chOff x="0" y="0"/>
+          <a:chExt cx="0" cy="0"/>
+        </a:xfrm>
+      </p:grpSpPr>
+      <p:sp>
+        <p:nvSpPr>
+          <p:cNvPr id="3" name="Content Placeholder 2">
+            <a:extLst>
+              <a:ext uri="{FF2B5EF4-FFF2-40B4-BE49-F238E27FC236}">
+                <a16:creationId xmlns:a16="http://schemas.microsoft.com/office/drawing/2014/main" id="{560FAE92-1044-2D93-DCDA-90DC459FBE12}"/>
+              </a:ext>
+            </a:extLst>
+          </p:cNvPr>
+          <p:cNvSpPr>
+            <a:spLocks noGrp="1"/>
+          </p:cNvSpPr>
+          <p:nvPr>
+            <p:ph idx="1"/>
+          </p:nvPr>
+        </p:nvSpPr>
+        <p:spPr>
+          <a:xfrm>
+            <a:off x="504992" y="1512843"/>
+            <a:ext cx="11029615" cy="3259181"/>
+          </a:xfrm>
+        </p:spPr>
+        <p:txBody>
+          <a:bodyPr>
+            <a:noAutofit/>
+          </a:bodyPr>
+          <a:lstStyle/>
+          <a:p>
+            <a:r>
+              <a:rPr lang="en-US" sz="2000" dirty="0"/>
+              <a:t>List neighborhoods with no subway stations.</a:t>
+            </a:r>
+          </a:p>
+          <a:p>
+            <a:pPr marL="324000" lvl="1" indent="0">
+              <a:buNone/>
+            </a:pPr>
+            <a:r>
+              <a:rPr lang="en-US" sz="2000" dirty="0">
+                <a:solidFill>
+                  <a:srgbClr val="00B0F0"/>
+                </a:solidFill>
+              </a:rPr>
+              <a:t>SELECT </a:t>
+            </a:r>
+            <a:r>
+              <a:rPr lang="en-US" sz="2000" dirty="0" err="1">
+                <a:solidFill>
+                  <a:srgbClr val="00B0F0"/>
+                </a:solidFill>
+              </a:rPr>
+              <a:t>boroname</a:t>
+            </a:r>
+            <a:endParaRPr lang="en-US" sz="2000" dirty="0">
+              <a:solidFill>
+                <a:srgbClr val="00B0F0"/>
+              </a:solidFill>
+            </a:endParaRPr>
+          </a:p>
+          <a:p>
+            <a:pPr marL="324000" lvl="1" indent="0">
+              <a:buNone/>
+            </a:pPr>
+            <a:r>
+              <a:rPr lang="en-US" sz="2000" dirty="0">
+                <a:solidFill>
+                  <a:srgbClr val="00B0F0"/>
+                </a:solidFill>
+              </a:rPr>
+              <a:t>FROM ch05.neighborhoods</a:t>
+            </a:r>
+          </a:p>
+          <a:p>
+            <a:pPr marL="324000" lvl="1" indent="0">
+              <a:buNone/>
+            </a:pPr>
+            <a:r>
+              <a:rPr lang="en-US" sz="2000" dirty="0">
+                <a:solidFill>
+                  <a:srgbClr val="00B0F0"/>
+                </a:solidFill>
+              </a:rPr>
+              <a:t>WHERE NOT EXISTS ( </a:t>
+            </a:r>
+          </a:p>
+          <a:p>
+            <a:pPr marL="324000" lvl="1" indent="0">
+              <a:buNone/>
+            </a:pPr>
+            <a:r>
+              <a:rPr lang="en-US" sz="2000" dirty="0">
+                <a:solidFill>
+                  <a:srgbClr val="00B0F0"/>
+                </a:solidFill>
+              </a:rPr>
+              <a:t>SELECT 1 FROM ch05.subway    </a:t>
+            </a:r>
+          </a:p>
+          <a:p>
+            <a:pPr marL="324000" lvl="1" indent="0">
+              <a:buNone/>
+            </a:pPr>
+            <a:r>
+              <a:rPr lang="en-US" sz="2000" dirty="0">
+                <a:solidFill>
+                  <a:srgbClr val="00B0F0"/>
+                </a:solidFill>
+              </a:rPr>
+              <a:t>WHERE </a:t>
+            </a:r>
+            <a:r>
+              <a:rPr lang="en-US" sz="2000" dirty="0" err="1">
+                <a:solidFill>
+                  <a:srgbClr val="00B0F0"/>
+                </a:solidFill>
+              </a:rPr>
+              <a:t>ST_Disjoint</a:t>
+            </a:r>
+            <a:r>
+              <a:rPr lang="en-US" sz="2000" dirty="0">
+                <a:solidFill>
+                  <a:srgbClr val="00B0F0"/>
+                </a:solidFill>
+              </a:rPr>
+              <a:t>(ch05.neighborhoods.geom, ch05.subway.geom) = FALSE);</a:t>
+            </a:r>
+          </a:p>
+        </p:txBody>
+      </p:sp>
+      <p:sp>
+        <p:nvSpPr>
+          <p:cNvPr id="4" name="TextBox 3">
+            <a:extLst>
+              <a:ext uri="{FF2B5EF4-FFF2-40B4-BE49-F238E27FC236}">
+                <a16:creationId xmlns:a16="http://schemas.microsoft.com/office/drawing/2014/main" id="{91F3053D-754E-8441-461A-44E8C55A4153}"/>
+              </a:ext>
+            </a:extLst>
+          </p:cNvPr>
+          <p:cNvSpPr txBox="1"/>
+          <p:nvPr/>
+        </p:nvSpPr>
+        <p:spPr>
+          <a:xfrm>
+            <a:off x="504992" y="743916"/>
+            <a:ext cx="5514808" cy="523220"/>
+          </a:xfrm>
+          <a:prstGeom prst="rect">
+            <a:avLst/>
+          </a:prstGeom>
+          <a:noFill/>
+        </p:spPr>
+        <p:txBody>
+          <a:bodyPr wrap="square" rtlCol="0">
+            <a:spAutoFit/>
+          </a:bodyPr>
+          <a:lstStyle/>
+          <a:p>
+            <a:r>
+              <a:rPr lang="en-US" sz="2800" dirty="0"/>
+              <a:t>Example</a:t>
+            </a:r>
+            <a:r>
+              <a:rPr lang="en-US" altLang="zh-CN" sz="2800" dirty="0"/>
+              <a:t> 2</a:t>
+            </a:r>
+            <a:r>
+              <a:rPr lang="en-US" sz="2800" dirty="0"/>
+              <a:t>: </a:t>
+            </a:r>
+            <a:r>
+              <a:rPr lang="en-US" sz="2800" dirty="0" err="1"/>
+              <a:t>ST_Disjoint</a:t>
+            </a:r>
+            <a:endParaRPr lang="en-US" sz="2800" dirty="0"/>
+          </a:p>
+        </p:txBody>
+      </p:sp>
+    </p:spTree>
+    <p:extLst>
+      <p:ext uri="{BB962C8B-B14F-4D97-AF65-F5344CB8AC3E}">
+        <p14:creationId xmlns:p14="http://schemas.microsoft.com/office/powerpoint/2010/main" val="3851545665"/>
+      </p:ext>
+    </p:extLst>
+  </p:cSld>
+  <p:clrMapOvr>
+    <a:masterClrMapping/>
+  </p:clrMapOvr>
+</p:sld>
+</file>
+
+<file path=ppt/slides/slide15.xml><?xml version="1.0" encoding="utf-8"?>
+<p:sld xmlns:a="http://schemas.openxmlformats.org/drawingml/2006/main" xmlns:r="http://schemas.openxmlformats.org/officeDocument/2006/relationships" xmlns:p="http://schemas.openxmlformats.org/presentationml/2006/main">
+  <p:cSld>
+    <p:spTree>
+      <p:nvGrpSpPr>
+        <p:cNvPr id="1" name=""/>
+        <p:cNvGrpSpPr/>
+        <p:nvPr/>
+      </p:nvGrpSpPr>
+      <p:grpSpPr>
+        <a:xfrm>
+          <a:off x="0" y="0"/>
+          <a:ext cx="0" cy="0"/>
+          <a:chOff x="0" y="0"/>
+          <a:chExt cx="0" cy="0"/>
+        </a:xfrm>
+      </p:grpSpPr>
+      <p:sp>
+        <p:nvSpPr>
+          <p:cNvPr id="3" name="Content Placeholder 2">
+            <a:extLst>
+              <a:ext uri="{FF2B5EF4-FFF2-40B4-BE49-F238E27FC236}">
+                <a16:creationId xmlns:a16="http://schemas.microsoft.com/office/drawing/2014/main" id="{7A5F7DF1-4BCE-BE52-535B-C03DD3B0D222}"/>
+              </a:ext>
+            </a:extLst>
+          </p:cNvPr>
+          <p:cNvSpPr>
+            <a:spLocks noGrp="1"/>
+          </p:cNvSpPr>
+          <p:nvPr>
+            <p:ph idx="1"/>
+          </p:nvPr>
+        </p:nvSpPr>
+        <p:spPr>
+          <a:xfrm>
+            <a:off x="581191" y="1483613"/>
+            <a:ext cx="11029615" cy="3688461"/>
+          </a:xfrm>
+        </p:spPr>
+        <p:txBody>
+          <a:bodyPr>
+            <a:normAutofit/>
+          </a:bodyPr>
+          <a:lstStyle/>
+          <a:p>
+            <a:r>
+              <a:rPr lang="en-US" dirty="0"/>
+              <a:t>Find subway stations that are disjoint from major roads.</a:t>
+            </a:r>
+          </a:p>
+          <a:p>
+            <a:pPr marL="324000" lvl="1" indent="0">
+              <a:buNone/>
+            </a:pPr>
+            <a:r>
+              <a:rPr lang="en-US" sz="1800" dirty="0">
+                <a:solidFill>
+                  <a:srgbClr val="00B0F0"/>
+                </a:solidFill>
+              </a:rPr>
+              <a:t>SELECT </a:t>
+            </a:r>
+            <a:r>
+              <a:rPr lang="en-US" sz="1800" dirty="0" err="1">
+                <a:solidFill>
+                  <a:srgbClr val="00B0F0"/>
+                </a:solidFill>
+              </a:rPr>
+              <a:t>station_name</a:t>
+            </a:r>
+            <a:endParaRPr lang="en-US" sz="1800" dirty="0">
+              <a:solidFill>
+                <a:srgbClr val="00B0F0"/>
+              </a:solidFill>
+            </a:endParaRPr>
+          </a:p>
+          <a:p>
+            <a:pPr marL="324000" lvl="1" indent="0">
+              <a:buNone/>
+            </a:pPr>
+            <a:r>
+              <a:rPr lang="en-US" sz="1800" dirty="0">
+                <a:solidFill>
+                  <a:srgbClr val="00B0F0"/>
+                </a:solidFill>
+              </a:rPr>
+              <a:t>FROM ch05.subway</a:t>
+            </a:r>
+          </a:p>
+          <a:p>
+            <a:pPr marL="324000" lvl="1" indent="0">
+              <a:buNone/>
+            </a:pPr>
+            <a:r>
+              <a:rPr lang="en-US" sz="1800" dirty="0">
+                <a:solidFill>
+                  <a:srgbClr val="00B0F0"/>
+                </a:solidFill>
+              </a:rPr>
+              <a:t>WHERE NOT EXISTS (</a:t>
+            </a:r>
+          </a:p>
+          <a:p>
+            <a:pPr marL="324000" lvl="1" indent="0">
+              <a:buNone/>
+            </a:pPr>
+            <a:r>
+              <a:rPr lang="en-US" sz="1800" dirty="0">
+                <a:solidFill>
+                  <a:srgbClr val="00B0F0"/>
+                </a:solidFill>
+              </a:rPr>
+              <a:t>SELECT 1 FROM ch05.streets    </a:t>
+            </a:r>
+          </a:p>
+          <a:p>
+            <a:pPr marL="324000" lvl="1" indent="0">
+              <a:buNone/>
+            </a:pPr>
+            <a:r>
+              <a:rPr lang="en-US" sz="1800" dirty="0">
+                <a:solidFill>
+                  <a:srgbClr val="00B0F0"/>
+                </a:solidFill>
+              </a:rPr>
+              <a:t>WHERE </a:t>
+            </a:r>
+            <a:r>
+              <a:rPr lang="en-US" sz="1800" dirty="0" err="1">
+                <a:solidFill>
+                  <a:srgbClr val="00B0F0"/>
+                </a:solidFill>
+              </a:rPr>
+              <a:t>road_type</a:t>
+            </a:r>
+            <a:r>
+              <a:rPr lang="en-US" sz="1800" dirty="0">
+                <a:solidFill>
+                  <a:srgbClr val="00B0F0"/>
+                </a:solidFill>
+              </a:rPr>
+              <a:t> = 'Major'    </a:t>
+            </a:r>
+          </a:p>
+          <a:p>
+            <a:pPr marL="324000" lvl="1" indent="0">
+              <a:buNone/>
+            </a:pPr>
+            <a:r>
+              <a:rPr lang="en-US" sz="1800" dirty="0">
+                <a:solidFill>
+                  <a:srgbClr val="00B0F0"/>
+                </a:solidFill>
+              </a:rPr>
+              <a:t>AND </a:t>
+            </a:r>
+            <a:r>
+              <a:rPr lang="en-US" sz="1800" dirty="0" err="1">
+                <a:solidFill>
+                  <a:srgbClr val="00B0F0"/>
+                </a:solidFill>
+              </a:rPr>
+              <a:t>ST_Disjoint</a:t>
+            </a:r>
+            <a:r>
+              <a:rPr lang="en-US" sz="1800" dirty="0">
+                <a:solidFill>
+                  <a:srgbClr val="00B0F0"/>
+                </a:solidFill>
+              </a:rPr>
+              <a:t>(</a:t>
+            </a:r>
+            <a:r>
+              <a:rPr lang="en-US" sz="1800" dirty="0" err="1">
+                <a:solidFill>
+                  <a:srgbClr val="00B0F0"/>
+                </a:solidFill>
+              </a:rPr>
+              <a:t>ST_Buffer</a:t>
+            </a:r>
+            <a:r>
+              <a:rPr lang="en-US" sz="1800" dirty="0">
+                <a:solidFill>
+                  <a:srgbClr val="00B0F0"/>
+                </a:solidFill>
+              </a:rPr>
+              <a:t>(ch05.subway.geom, 50), ch05.streets.geom) = FALSE);</a:t>
+            </a:r>
+          </a:p>
+        </p:txBody>
+      </p:sp>
+      <p:sp>
+        <p:nvSpPr>
+          <p:cNvPr id="4" name="TextBox 3">
+            <a:extLst>
+              <a:ext uri="{FF2B5EF4-FFF2-40B4-BE49-F238E27FC236}">
+                <a16:creationId xmlns:a16="http://schemas.microsoft.com/office/drawing/2014/main" id="{484A90A6-4F20-8935-0B63-0BD0B8C0A82E}"/>
+              </a:ext>
+            </a:extLst>
+          </p:cNvPr>
+          <p:cNvSpPr txBox="1"/>
+          <p:nvPr/>
+        </p:nvSpPr>
+        <p:spPr>
+          <a:xfrm>
+            <a:off x="504992" y="743916"/>
+            <a:ext cx="5514808" cy="523220"/>
+          </a:xfrm>
+          <a:prstGeom prst="rect">
+            <a:avLst/>
+          </a:prstGeom>
+          <a:noFill/>
+        </p:spPr>
+        <p:txBody>
+          <a:bodyPr wrap="square" rtlCol="0">
+            <a:spAutoFit/>
+          </a:bodyPr>
+          <a:lstStyle/>
+          <a:p>
+            <a:r>
+              <a:rPr lang="en-US" sz="2800" dirty="0"/>
+              <a:t>Exercise</a:t>
+            </a:r>
+            <a:r>
+              <a:rPr lang="en-US" altLang="zh-CN" sz="2800" dirty="0"/>
+              <a:t> 2</a:t>
+            </a:r>
+            <a:r>
+              <a:rPr lang="en-US" sz="2800" dirty="0"/>
+              <a:t>: </a:t>
+            </a:r>
+            <a:r>
+              <a:rPr lang="en-US" sz="2800" dirty="0" err="1"/>
+              <a:t>ST_Disjoint</a:t>
+            </a:r>
+            <a:endParaRPr lang="en-US" sz="2800" dirty="0"/>
+          </a:p>
+        </p:txBody>
+      </p:sp>
+    </p:spTree>
+    <p:extLst>
+      <p:ext uri="{BB962C8B-B14F-4D97-AF65-F5344CB8AC3E}">
+        <p14:creationId xmlns:p14="http://schemas.microsoft.com/office/powerpoint/2010/main" val="1994899666"/>
+      </p:ext>
+    </p:extLst>
+  </p:cSld>
+  <p:clrMapOvr>
+    <a:masterClrMapping/>
+  </p:clrMapOvr>
+</p:sld>
+</file>
+
+<file path=ppt/slides/slide16.xml><?xml version="1.0" encoding="utf-8"?>
+<p:sld xmlns:a="http://schemas.openxmlformats.org/drawingml/2006/main" xmlns:r="http://schemas.openxmlformats.org/officeDocument/2006/relationships" xmlns:p="http://schemas.openxmlformats.org/presentationml/2006/main">
+  <p:cSld>
+    <p:spTree>
+      <p:nvGrpSpPr>
+        <p:cNvPr id="1" name=""/>
+        <p:cNvGrpSpPr/>
+        <p:nvPr/>
+      </p:nvGrpSpPr>
+      <p:grpSpPr>
+        <a:xfrm>
+          <a:off x="0" y="0"/>
+          <a:ext cx="0" cy="0"/>
+          <a:chOff x="0" y="0"/>
+          <a:chExt cx="0" cy="0"/>
+        </a:xfrm>
+      </p:grpSpPr>
+      <p:sp>
+        <p:nvSpPr>
           <p:cNvPr id="2" name="Title 1">
             <a:extLst>
               <a:ext uri="{FF2B5EF4-FFF2-40B4-BE49-F238E27FC236}">
-                <a16:creationId xmlns:a16="http://schemas.microsoft.com/office/drawing/2014/main" id="{6AFDAB0B-1269-9F6C-D8A0-E3650409C648}"/>
+                <a16:creationId xmlns:a16="http://schemas.microsoft.com/office/drawing/2014/main" id="{68997778-0D92-C897-B435-DC143BD6E979}"/>
               </a:ext>
             </a:extLst>
           </p:cNvPr>
@@ -4835,13 +6213,16 @@
         </p:nvSpPr>
         <p:spPr/>
         <p:txBody>
-          <a:bodyPr/>
+          <a:bodyPr>
+            <a:normAutofit/>
+          </a:bodyPr>
           <a:lstStyle/>
           <a:p>
             <a:r>
-              <a:rPr lang="en-US" dirty="0"/>
-              <a:t>TOOLS IN PGADMIN 4 - VIEWS</a:t>
-            </a:r>
+              <a:rPr lang="en-US" b="1" dirty="0"/>
+              <a:t>Scenario 2</a:t>
+            </a:r>
+            <a:endParaRPr lang="en-US" dirty="0"/>
           </a:p>
         </p:txBody>
       </p:sp>
@@ -4850,7 +6231,7 @@
           <p:cNvPr id="3" name="Content Placeholder 2">
             <a:extLst>
               <a:ext uri="{FF2B5EF4-FFF2-40B4-BE49-F238E27FC236}">
-                <a16:creationId xmlns:a16="http://schemas.microsoft.com/office/drawing/2014/main" id="{57CF7F19-5B2B-AB2D-263A-2A3D1302199B}"/>
+                <a16:creationId xmlns:a16="http://schemas.microsoft.com/office/drawing/2014/main" id="{86BB65ED-F08E-6AF8-CE05-FABCF43D860C}"/>
               </a:ext>
             </a:extLst>
           </p:cNvPr>
@@ -4861,30 +6242,34 @@
             <p:ph idx="1"/>
           </p:nvPr>
         </p:nvSpPr>
-        <p:spPr/>
-        <p:txBody>
-          <a:bodyPr/>
+        <p:spPr>
+          <a:xfrm>
+            <a:off x="581192" y="2340864"/>
+            <a:ext cx="11029615" cy="2051027"/>
+          </a:xfrm>
+        </p:spPr>
+        <p:txBody>
+          <a:bodyPr>
+            <a:normAutofit/>
+          </a:bodyPr>
           <a:lstStyle/>
           <a:p>
-            <a:r>
-              <a:rPr lang="en-US" dirty="0"/>
-              <a:t>Simplify complex queries with views for better data visualization.</a:t>
-            </a:r>
-          </a:p>
-          <a:p>
-            <a:endParaRPr lang="en-US" dirty="0"/>
+            <a:pPr lvl="1"/>
+            <a:r>
+              <a:rPr lang="en-US" sz="1800" dirty="0"/>
+              <a:t>Identify potential flood zones by buffering the coastline and identifying streets within the buffer.</a:t>
+            </a:r>
           </a:p>
           <a:p>
             <a:pPr marL="594000" lvl="2" indent="0">
               <a:buNone/>
             </a:pPr>
-            <a:r>
-              <a:rPr lang="en-US" dirty="0">
-                <a:solidFill>
-                  <a:srgbClr val="00B0F0"/>
-                </a:solidFill>
-              </a:rPr>
-              <a:t>CREATE VIEW ch05.residential_near_stations AS </a:t>
+            <a:br>
+              <a:rPr lang="en-US" sz="1800" dirty="0"/>
+            </a:br>
+            <a:r>
+              <a:rPr lang="en-US" sz="1800" dirty="0"/>
+              <a:t>SELECT s.NAME  </a:t>
             </a:r>
           </a:p>
           <a:p>
@@ -4892,44 +6277,24 @@
               <a:buNone/>
             </a:pPr>
             <a:r>
-              <a:rPr lang="en-US" dirty="0">
-                <a:solidFill>
-                  <a:srgbClr val="00B0F0"/>
-                </a:solidFill>
-              </a:rPr>
-              <a:t>SELECT s.NAME AS </a:t>
-            </a:r>
-            <a:r>
-              <a:rPr lang="en-US" dirty="0" err="1">
-                <a:solidFill>
-                  <a:srgbClr val="00B0F0"/>
-                </a:solidFill>
-              </a:rPr>
-              <a:t>street_name</a:t>
-            </a:r>
-            <a:r>
-              <a:rPr lang="en-US" dirty="0">
-                <a:solidFill>
-                  <a:srgbClr val="00B0F0"/>
-                </a:solidFill>
-              </a:rPr>
-              <a:t>, st.NAME AS </a:t>
-            </a:r>
-            <a:r>
-              <a:rPr lang="en-US" dirty="0" err="1">
-                <a:solidFill>
-                  <a:srgbClr val="00B0F0"/>
-                </a:solidFill>
-              </a:rPr>
-              <a:t>station_name</a:t>
-            </a:r>
-            <a:r>
-              <a:rPr lang="en-US" dirty="0">
-                <a:solidFill>
-                  <a:srgbClr val="00B0F0"/>
-                </a:solidFill>
-              </a:rPr>
-              <a:t> </a:t>
+              <a:rPr lang="en-US" sz="1800" dirty="0"/>
+              <a:t>FROM </a:t>
+            </a:r>
+            <a:r>
+              <a:rPr lang="en-US" sz="1800" dirty="0" err="1"/>
+              <a:t>nyc_streets</a:t>
+            </a:r>
+            <a:r>
+              <a:rPr lang="en-US" sz="1800" dirty="0"/>
+              <a:t> s, </a:t>
+            </a:r>
+            <a:r>
+              <a:rPr lang="en-US" sz="1800" dirty="0" err="1"/>
+              <a:t>nyc_coastline</a:t>
+            </a:r>
+            <a:r>
+              <a:rPr lang="en-US" sz="1800" dirty="0"/>
+              <a:t> c  </a:t>
             </a:r>
           </a:p>
           <a:p>
@@ -4937,131 +6302,40 @@
               <a:buNone/>
             </a:pPr>
             <a:r>
-              <a:rPr lang="en-US" dirty="0">
-                <a:solidFill>
-                  <a:srgbClr val="00B0F0"/>
-                </a:solidFill>
-              </a:rPr>
-              <a:t>FROM ch05.nyc_streets s </a:t>
-            </a:r>
-          </a:p>
-          <a:p>
-            <a:pPr marL="594000" lvl="2" indent="0">
-              <a:buNone/>
-            </a:pPr>
-            <a:r>
-              <a:rPr lang="en-US" dirty="0">
-                <a:solidFill>
-                  <a:srgbClr val="00B0F0"/>
-                </a:solidFill>
-              </a:rPr>
-              <a:t>JOIN ch05.nyc_subway_stations </a:t>
-            </a:r>
-            <a:r>
-              <a:rPr lang="en-US" dirty="0" err="1">
-                <a:solidFill>
-                  <a:srgbClr val="00B0F0"/>
-                </a:solidFill>
-              </a:rPr>
-              <a:t>st</a:t>
-            </a:r>
-            <a:r>
-              <a:rPr lang="en-US" dirty="0">
-                <a:solidFill>
-                  <a:srgbClr val="00B0F0"/>
-                </a:solidFill>
-              </a:rPr>
-              <a:t> </a:t>
-            </a:r>
-          </a:p>
-          <a:p>
-            <a:pPr marL="594000" lvl="2" indent="0">
-              <a:buNone/>
-            </a:pPr>
-            <a:r>
-              <a:rPr lang="en-US" dirty="0">
-                <a:solidFill>
-                  <a:srgbClr val="00B0F0"/>
-                </a:solidFill>
-              </a:rPr>
-              <a:t>ON </a:t>
-            </a:r>
-            <a:r>
-              <a:rPr lang="en-US" dirty="0" err="1">
-                <a:solidFill>
-                  <a:srgbClr val="00B0F0"/>
-                </a:solidFill>
-              </a:rPr>
-              <a:t>ST_DWithin</a:t>
-            </a:r>
-            <a:r>
-              <a:rPr lang="en-US" dirty="0">
-                <a:solidFill>
-                  <a:srgbClr val="00B0F0"/>
-                </a:solidFill>
-              </a:rPr>
+              <a:rPr lang="en-US" sz="1800" dirty="0"/>
+              <a:t>WHERE </a:t>
+            </a:r>
+            <a:r>
+              <a:rPr lang="en-US" sz="1800" dirty="0" err="1"/>
+              <a:t>ST_Intersects</a:t>
+            </a:r>
+            <a:r>
+              <a:rPr lang="en-US" sz="1800" dirty="0"/>
               <a:t>(</a:t>
             </a:r>
             <a:r>
-              <a:rPr lang="en-US" dirty="0" err="1">
-                <a:solidFill>
-                  <a:srgbClr val="00B0F0"/>
-                </a:solidFill>
-              </a:rPr>
+              <a:rPr lang="en-US" sz="1800" dirty="0" err="1"/>
+              <a:t>ST_Buffer</a:t>
+            </a:r>
+            <a:r>
+              <a:rPr lang="en-US" sz="1800" dirty="0"/>
+              <a:t>(</a:t>
+            </a:r>
+            <a:r>
+              <a:rPr lang="en-US" sz="1800" dirty="0" err="1"/>
+              <a:t>c.geometry</a:t>
+            </a:r>
+            <a:r>
+              <a:rPr lang="en-US" sz="1800" dirty="0"/>
+              <a:t>, 1000), </a:t>
+            </a:r>
+            <a:r>
+              <a:rPr lang="en-US" sz="1800" dirty="0" err="1"/>
               <a:t>s.geometry</a:t>
             </a:r>
             <a:r>
-              <a:rPr lang="en-US" dirty="0">
-                <a:solidFill>
-                  <a:srgbClr val="00B0F0"/>
-                </a:solidFill>
-              </a:rPr>
-              <a:t>, </a:t>
-            </a:r>
-            <a:r>
-              <a:rPr lang="en-US" dirty="0" err="1">
-                <a:solidFill>
-                  <a:srgbClr val="00B0F0"/>
-                </a:solidFill>
-              </a:rPr>
-              <a:t>st.geometry</a:t>
-            </a:r>
-            <a:r>
-              <a:rPr lang="en-US" dirty="0">
-                <a:solidFill>
-                  <a:srgbClr val="00B0F0"/>
-                </a:solidFill>
-              </a:rPr>
-              <a:t>, 300) </a:t>
-            </a:r>
-          </a:p>
-          <a:p>
-            <a:pPr marL="594000" lvl="2" indent="0">
-              <a:buNone/>
-            </a:pPr>
-            <a:r>
-              <a:rPr lang="en-US" dirty="0">
-                <a:solidFill>
-                  <a:srgbClr val="00B0F0"/>
-                </a:solidFill>
-              </a:rPr>
-              <a:t>WHERE </a:t>
-            </a:r>
-            <a:r>
-              <a:rPr lang="en-US" dirty="0" err="1">
-                <a:solidFill>
-                  <a:srgbClr val="00B0F0"/>
-                </a:solidFill>
-              </a:rPr>
-              <a:t>s.TYPE</a:t>
-            </a:r>
-            <a:r>
-              <a:rPr lang="en-US" dirty="0">
-                <a:solidFill>
-                  <a:srgbClr val="00B0F0"/>
-                </a:solidFill>
-              </a:rPr>
-              <a:t> = 'residential';</a:t>
+              <a:rPr lang="en-US" sz="1800" dirty="0"/>
+              <a:t>);</a:t>
             </a:r>
           </a:p>
         </p:txBody>
@@ -5069,7 +6343,804 @@
     </p:spTree>
     <p:extLst>
       <p:ext uri="{BB962C8B-B14F-4D97-AF65-F5344CB8AC3E}">
-        <p14:creationId xmlns:p14="http://schemas.microsoft.com/office/powerpoint/2010/main" val="3857661707"/>
+        <p14:creationId xmlns:p14="http://schemas.microsoft.com/office/powerpoint/2010/main" val="78832131"/>
+      </p:ext>
+    </p:extLst>
+  </p:cSld>
+  <p:clrMapOvr>
+    <a:masterClrMapping/>
+  </p:clrMapOvr>
+</p:sld>
+</file>
+
+<file path=ppt/slides/slide17.xml><?xml version="1.0" encoding="utf-8"?>
+<p:sld xmlns:a="http://schemas.openxmlformats.org/drawingml/2006/main" xmlns:r="http://schemas.openxmlformats.org/officeDocument/2006/relationships" xmlns:p="http://schemas.openxmlformats.org/presentationml/2006/main">
+  <p:cSld>
+    <p:spTree>
+      <p:nvGrpSpPr>
+        <p:cNvPr id="1" name=""/>
+        <p:cNvGrpSpPr/>
+        <p:nvPr/>
+      </p:nvGrpSpPr>
+      <p:grpSpPr>
+        <a:xfrm>
+          <a:off x="0" y="0"/>
+          <a:ext cx="0" cy="0"/>
+          <a:chOff x="0" y="0"/>
+          <a:chExt cx="0" cy="0"/>
+        </a:xfrm>
+      </p:grpSpPr>
+      <p:sp>
+        <p:nvSpPr>
+          <p:cNvPr id="2" name="Title 1">
+            <a:extLst>
+              <a:ext uri="{FF2B5EF4-FFF2-40B4-BE49-F238E27FC236}">
+                <a16:creationId xmlns:a16="http://schemas.microsoft.com/office/drawing/2014/main" id="{E9A99951-2173-336C-6657-79F75A79B63A}"/>
+              </a:ext>
+            </a:extLst>
+          </p:cNvPr>
+          <p:cNvSpPr>
+            <a:spLocks noGrp="1"/>
+          </p:cNvSpPr>
+          <p:nvPr>
+            <p:ph type="title"/>
+          </p:nvPr>
+        </p:nvSpPr>
+        <p:spPr>
+          <a:xfrm>
+            <a:off x="581192" y="702156"/>
+            <a:ext cx="11029616" cy="600171"/>
+          </a:xfrm>
+        </p:spPr>
+        <p:txBody>
+          <a:bodyPr>
+            <a:normAutofit/>
+          </a:bodyPr>
+          <a:lstStyle/>
+          <a:p>
+            <a:r>
+              <a:rPr lang="en-US" dirty="0"/>
+              <a:t>Real-World Project Example</a:t>
+            </a:r>
+          </a:p>
+        </p:txBody>
+      </p:sp>
+      <p:sp>
+        <p:nvSpPr>
+          <p:cNvPr id="3" name="Content Placeholder 2">
+            <a:extLst>
+              <a:ext uri="{FF2B5EF4-FFF2-40B4-BE49-F238E27FC236}">
+                <a16:creationId xmlns:a16="http://schemas.microsoft.com/office/drawing/2014/main" id="{5D5C0DB1-FCD0-2193-7033-AB0BEA2196DC}"/>
+              </a:ext>
+            </a:extLst>
+          </p:cNvPr>
+          <p:cNvSpPr>
+            <a:spLocks noGrp="1"/>
+          </p:cNvSpPr>
+          <p:nvPr>
+            <p:ph idx="1"/>
+          </p:nvPr>
+        </p:nvSpPr>
+        <p:spPr>
+          <a:xfrm>
+            <a:off x="581193" y="1454172"/>
+            <a:ext cx="11029615" cy="2833809"/>
+          </a:xfrm>
+        </p:spPr>
+        <p:txBody>
+          <a:bodyPr>
+            <a:normAutofit/>
+          </a:bodyPr>
+          <a:lstStyle/>
+          <a:p>
+            <a:pPr>
+              <a:buFont typeface="Wingdings" panose="05000000000000000000" pitchFamily="2" charset="2"/>
+              <a:buChar char="§"/>
+            </a:pPr>
+            <a:r>
+              <a:rPr lang="en-US" b="1" dirty="0"/>
+              <a:t>NYC Emergency Response Planning:</a:t>
+            </a:r>
+            <a:endParaRPr lang="en-US" dirty="0"/>
+          </a:p>
+          <a:p>
+            <a:pPr marL="742950" lvl="1" indent="-285750">
+              <a:buFont typeface="Arial" panose="020B0604020202020204" pitchFamily="34" charset="0"/>
+              <a:buChar char="•"/>
+            </a:pPr>
+            <a:r>
+              <a:rPr lang="en-US" dirty="0"/>
+              <a:t>Buffer zones around subway stations are used to plan emergency evacuation routes and resource allocation.</a:t>
+            </a:r>
+          </a:p>
+          <a:p>
+            <a:pPr marL="742950" lvl="1" indent="-285750">
+              <a:buFont typeface="Arial" panose="020B0604020202020204" pitchFamily="34" charset="0"/>
+              <a:buChar char="•"/>
+            </a:pPr>
+            <a:r>
+              <a:rPr lang="en-US" b="1" dirty="0"/>
+              <a:t>Example:</a:t>
+            </a:r>
+            <a:r>
+              <a:rPr lang="en-US" dirty="0"/>
+              <a:t> During Hurricane Sandy, buffer analysis helped identify critical infrastructure within flood-prone zones, aiding in evacuation and resource deployment.</a:t>
+            </a:r>
+          </a:p>
+          <a:p>
+            <a:pPr marL="594000" lvl="2" indent="0">
+              <a:buNone/>
+            </a:pPr>
+            <a:r>
+              <a:rPr lang="en-US" dirty="0">
+                <a:solidFill>
+                  <a:srgbClr val="00B0F0"/>
+                </a:solidFill>
+              </a:rPr>
+              <a:t>SELECT st.NAME AS </a:t>
+            </a:r>
+            <a:r>
+              <a:rPr lang="en-US" dirty="0" err="1">
+                <a:solidFill>
+                  <a:srgbClr val="00B0F0"/>
+                </a:solidFill>
+              </a:rPr>
+              <a:t>station_name</a:t>
+            </a:r>
+            <a:r>
+              <a:rPr lang="en-US" dirty="0">
+                <a:solidFill>
+                  <a:srgbClr val="00B0F0"/>
+                </a:solidFill>
+              </a:rPr>
+              <a:t>, s.NAME AS </a:t>
+            </a:r>
+            <a:r>
+              <a:rPr lang="en-US" dirty="0" err="1">
+                <a:solidFill>
+                  <a:srgbClr val="00B0F0"/>
+                </a:solidFill>
+              </a:rPr>
+              <a:t>street_name</a:t>
+            </a:r>
+            <a:r>
+              <a:rPr lang="en-US" dirty="0">
+                <a:solidFill>
+                  <a:srgbClr val="00B0F0"/>
+                </a:solidFill>
+              </a:rPr>
+              <a:t>  </a:t>
+            </a:r>
+          </a:p>
+          <a:p>
+            <a:pPr marL="594000" lvl="2" indent="0">
+              <a:buNone/>
+            </a:pPr>
+            <a:r>
+              <a:rPr lang="en-US" dirty="0">
+                <a:solidFill>
+                  <a:srgbClr val="00B0F0"/>
+                </a:solidFill>
+              </a:rPr>
+              <a:t>FROM </a:t>
+            </a:r>
+            <a:r>
+              <a:rPr lang="en-US" dirty="0" err="1">
+                <a:solidFill>
+                  <a:srgbClr val="00B0F0"/>
+                </a:solidFill>
+              </a:rPr>
+              <a:t>nyc_subway_stations</a:t>
+            </a:r>
+            <a:r>
+              <a:rPr lang="en-US" dirty="0">
+                <a:solidFill>
+                  <a:srgbClr val="00B0F0"/>
+                </a:solidFill>
+              </a:rPr>
+              <a:t> </a:t>
+            </a:r>
+            <a:r>
+              <a:rPr lang="en-US" dirty="0" err="1">
+                <a:solidFill>
+                  <a:srgbClr val="00B0F0"/>
+                </a:solidFill>
+              </a:rPr>
+              <a:t>st</a:t>
+            </a:r>
+            <a:r>
+              <a:rPr lang="en-US" dirty="0">
+                <a:solidFill>
+                  <a:srgbClr val="00B0F0"/>
+                </a:solidFill>
+              </a:rPr>
+              <a:t>, </a:t>
+            </a:r>
+            <a:r>
+              <a:rPr lang="en-US" dirty="0" err="1">
+                <a:solidFill>
+                  <a:srgbClr val="00B0F0"/>
+                </a:solidFill>
+              </a:rPr>
+              <a:t>nyc_streets</a:t>
+            </a:r>
+            <a:r>
+              <a:rPr lang="en-US" dirty="0">
+                <a:solidFill>
+                  <a:srgbClr val="00B0F0"/>
+                </a:solidFill>
+              </a:rPr>
+              <a:t> s  </a:t>
+            </a:r>
+          </a:p>
+          <a:p>
+            <a:pPr marL="594000" lvl="2" indent="0">
+              <a:buNone/>
+            </a:pPr>
+            <a:r>
+              <a:rPr lang="en-US" dirty="0">
+                <a:solidFill>
+                  <a:srgbClr val="00B0F0"/>
+                </a:solidFill>
+              </a:rPr>
+              <a:t>WHERE </a:t>
+            </a:r>
+            <a:r>
+              <a:rPr lang="en-US" dirty="0" err="1">
+                <a:solidFill>
+                  <a:srgbClr val="00B0F0"/>
+                </a:solidFill>
+              </a:rPr>
+              <a:t>ST_DWithin</a:t>
+            </a:r>
+            <a:r>
+              <a:rPr lang="en-US" dirty="0">
+                <a:solidFill>
+                  <a:srgbClr val="00B0F0"/>
+                </a:solidFill>
+              </a:rPr>
+              <a:t>(</a:t>
+            </a:r>
+            <a:r>
+              <a:rPr lang="en-US" dirty="0" err="1">
+                <a:solidFill>
+                  <a:srgbClr val="00B0F0"/>
+                </a:solidFill>
+              </a:rPr>
+              <a:t>st.geometry</a:t>
+            </a:r>
+            <a:r>
+              <a:rPr lang="en-US" dirty="0">
+                <a:solidFill>
+                  <a:srgbClr val="00B0F0"/>
+                </a:solidFill>
+              </a:rPr>
+              <a:t>, </a:t>
+            </a:r>
+            <a:r>
+              <a:rPr lang="en-US" dirty="0" err="1">
+                <a:solidFill>
+                  <a:srgbClr val="00B0F0"/>
+                </a:solidFill>
+              </a:rPr>
+              <a:t>s.geometry</a:t>
+            </a:r>
+            <a:r>
+              <a:rPr lang="en-US" dirty="0">
+                <a:solidFill>
+                  <a:srgbClr val="00B0F0"/>
+                </a:solidFill>
+              </a:rPr>
+              <a:t>, 300)  AND </a:t>
+            </a:r>
+            <a:r>
+              <a:rPr lang="en-US" dirty="0" err="1">
+                <a:solidFill>
+                  <a:srgbClr val="00B0F0"/>
+                </a:solidFill>
+              </a:rPr>
+              <a:t>st.BOROUGH</a:t>
+            </a:r>
+            <a:r>
+              <a:rPr lang="en-US" dirty="0">
+                <a:solidFill>
+                  <a:srgbClr val="00B0F0"/>
+                </a:solidFill>
+              </a:rPr>
+              <a:t> = 'Manhattan'  AND </a:t>
+            </a:r>
+            <a:r>
+              <a:rPr lang="en-US" dirty="0" err="1">
+                <a:solidFill>
+                  <a:srgbClr val="00B0F0"/>
+                </a:solidFill>
+              </a:rPr>
+              <a:t>s.TYPE</a:t>
+            </a:r>
+            <a:r>
+              <a:rPr lang="en-US" dirty="0">
+                <a:solidFill>
+                  <a:srgbClr val="00B0F0"/>
+                </a:solidFill>
+              </a:rPr>
+              <a:t> = 'residential';</a:t>
+            </a:r>
+          </a:p>
+        </p:txBody>
+      </p:sp>
+    </p:spTree>
+    <p:extLst>
+      <p:ext uri="{BB962C8B-B14F-4D97-AF65-F5344CB8AC3E}">
+        <p14:creationId xmlns:p14="http://schemas.microsoft.com/office/powerpoint/2010/main" val="3118275270"/>
+      </p:ext>
+    </p:extLst>
+  </p:cSld>
+  <p:clrMapOvr>
+    <a:masterClrMapping/>
+  </p:clrMapOvr>
+</p:sld>
+</file>
+
+<file path=ppt/slides/slide18.xml><?xml version="1.0" encoding="utf-8"?>
+<p:sld xmlns:a="http://schemas.openxmlformats.org/drawingml/2006/main" xmlns:r="http://schemas.openxmlformats.org/officeDocument/2006/relationships" xmlns:p="http://schemas.openxmlformats.org/presentationml/2006/main">
+  <p:cSld>
+    <p:spTree>
+      <p:nvGrpSpPr>
+        <p:cNvPr id="1" name=""/>
+        <p:cNvGrpSpPr/>
+        <p:nvPr/>
+      </p:nvGrpSpPr>
+      <p:grpSpPr>
+        <a:xfrm>
+          <a:off x="0" y="0"/>
+          <a:ext cx="0" cy="0"/>
+          <a:chOff x="0" y="0"/>
+          <a:chExt cx="0" cy="0"/>
+        </a:xfrm>
+      </p:grpSpPr>
+      <p:sp>
+        <p:nvSpPr>
+          <p:cNvPr id="2" name="Title 1">
+            <a:extLst>
+              <a:ext uri="{FF2B5EF4-FFF2-40B4-BE49-F238E27FC236}">
+                <a16:creationId xmlns:a16="http://schemas.microsoft.com/office/drawing/2014/main" id="{64E36CD5-3DBF-BAE6-7CF6-585C5F525485}"/>
+              </a:ext>
+            </a:extLst>
+          </p:cNvPr>
+          <p:cNvSpPr>
+            <a:spLocks noGrp="1"/>
+          </p:cNvSpPr>
+          <p:nvPr>
+            <p:ph type="title"/>
+          </p:nvPr>
+        </p:nvSpPr>
+        <p:spPr/>
+        <p:txBody>
+          <a:bodyPr/>
+          <a:lstStyle/>
+          <a:p>
+            <a:r>
+              <a:rPr lang="en-US" dirty="0"/>
+              <a:t>TOOLS IN PGADMIN 4 – MATERIALIZED VIEWS</a:t>
+            </a:r>
+          </a:p>
+        </p:txBody>
+      </p:sp>
+      <p:sp>
+        <p:nvSpPr>
+          <p:cNvPr id="3" name="Content Placeholder 2">
+            <a:extLst>
+              <a:ext uri="{FF2B5EF4-FFF2-40B4-BE49-F238E27FC236}">
+                <a16:creationId xmlns:a16="http://schemas.microsoft.com/office/drawing/2014/main" id="{861D47DB-0F47-DE91-A1F8-68D7581EF238}"/>
+              </a:ext>
+            </a:extLst>
+          </p:cNvPr>
+          <p:cNvSpPr>
+            <a:spLocks noGrp="1"/>
+          </p:cNvSpPr>
+          <p:nvPr>
+            <p:ph idx="1"/>
+          </p:nvPr>
+        </p:nvSpPr>
+        <p:spPr>
+          <a:xfrm>
+            <a:off x="581192" y="2340864"/>
+            <a:ext cx="11029615" cy="1935861"/>
+          </a:xfrm>
+        </p:spPr>
+        <p:txBody>
+          <a:bodyPr/>
+          <a:lstStyle/>
+          <a:p>
+            <a:r>
+              <a:rPr lang="en-US" dirty="0"/>
+              <a:t>Create materialized views to store complex buffer analysis results for faster querying.</a:t>
+            </a:r>
+          </a:p>
+          <a:p>
+            <a:pPr marL="324000" lvl="1" indent="0">
+              <a:buNone/>
+            </a:pPr>
+            <a:r>
+              <a:rPr lang="en-US" dirty="0">
+                <a:solidFill>
+                  <a:srgbClr val="00B0F0"/>
+                </a:solidFill>
+              </a:rPr>
+              <a:t>CREATE MATERIALIZED VIEW ch05.station_buffers AS </a:t>
+            </a:r>
+          </a:p>
+          <a:p>
+            <a:pPr marL="324000" lvl="1" indent="0">
+              <a:buNone/>
+            </a:pPr>
+            <a:r>
+              <a:rPr lang="en-US" dirty="0">
+                <a:solidFill>
+                  <a:srgbClr val="00B0F0"/>
+                </a:solidFill>
+              </a:rPr>
+              <a:t>SELECT NAME, </a:t>
+            </a:r>
+            <a:r>
+              <a:rPr lang="en-US" dirty="0" err="1">
+                <a:solidFill>
+                  <a:srgbClr val="00B0F0"/>
+                </a:solidFill>
+              </a:rPr>
+              <a:t>ST_Buffer</a:t>
+            </a:r>
+            <a:r>
+              <a:rPr lang="en-US" dirty="0">
+                <a:solidFill>
+                  <a:srgbClr val="00B0F0"/>
+                </a:solidFill>
+              </a:rPr>
+              <a:t>(geometry, 300) AS </a:t>
+            </a:r>
+            <a:r>
+              <a:rPr lang="en-US" dirty="0" err="1">
+                <a:solidFill>
+                  <a:srgbClr val="00B0F0"/>
+                </a:solidFill>
+              </a:rPr>
+              <a:t>buffer_geom</a:t>
+            </a:r>
+            <a:r>
+              <a:rPr lang="en-US" dirty="0">
+                <a:solidFill>
+                  <a:srgbClr val="00B0F0"/>
+                </a:solidFill>
+              </a:rPr>
+              <a:t> </a:t>
+            </a:r>
+          </a:p>
+          <a:p>
+            <a:pPr marL="324000" lvl="1" indent="0">
+              <a:buNone/>
+            </a:pPr>
+            <a:r>
+              <a:rPr lang="en-US" dirty="0">
+                <a:solidFill>
+                  <a:srgbClr val="00B0F0"/>
+                </a:solidFill>
+              </a:rPr>
+              <a:t>FROM ch05.nyc_subway_stations;</a:t>
+            </a:r>
+          </a:p>
+        </p:txBody>
+      </p:sp>
+    </p:spTree>
+    <p:extLst>
+      <p:ext uri="{BB962C8B-B14F-4D97-AF65-F5344CB8AC3E}">
+        <p14:creationId xmlns:p14="http://schemas.microsoft.com/office/powerpoint/2010/main" val="2854411829"/>
+      </p:ext>
+    </p:extLst>
+  </p:cSld>
+  <p:clrMapOvr>
+    <a:masterClrMapping/>
+  </p:clrMapOvr>
+</p:sld>
+</file>
+
+<file path=ppt/slides/slide19.xml><?xml version="1.0" encoding="utf-8"?>
+<p:sld xmlns:a="http://schemas.openxmlformats.org/drawingml/2006/main" xmlns:r="http://schemas.openxmlformats.org/officeDocument/2006/relationships" xmlns:p="http://schemas.openxmlformats.org/presentationml/2006/main">
+  <p:cSld>
+    <p:spTree>
+      <p:nvGrpSpPr>
+        <p:cNvPr id="1" name=""/>
+        <p:cNvGrpSpPr/>
+        <p:nvPr/>
+      </p:nvGrpSpPr>
+      <p:grpSpPr>
+        <a:xfrm>
+          <a:off x="0" y="0"/>
+          <a:ext cx="0" cy="0"/>
+          <a:chOff x="0" y="0"/>
+          <a:chExt cx="0" cy="0"/>
+        </a:xfrm>
+      </p:grpSpPr>
+      <p:sp>
+        <p:nvSpPr>
+          <p:cNvPr id="2" name="Title 1">
+            <a:extLst>
+              <a:ext uri="{FF2B5EF4-FFF2-40B4-BE49-F238E27FC236}">
+                <a16:creationId xmlns:a16="http://schemas.microsoft.com/office/drawing/2014/main" id="{E0EC588A-D6DE-08A3-EFFB-AF7F0822DC33}"/>
+              </a:ext>
+            </a:extLst>
+          </p:cNvPr>
+          <p:cNvSpPr>
+            <a:spLocks noGrp="1"/>
+          </p:cNvSpPr>
+          <p:nvPr>
+            <p:ph type="title"/>
+          </p:nvPr>
+        </p:nvSpPr>
+        <p:spPr/>
+        <p:txBody>
+          <a:bodyPr/>
+          <a:lstStyle/>
+          <a:p>
+            <a:r>
+              <a:rPr lang="en-US" dirty="0"/>
+              <a:t>TOOLS IN PGADMIN 4 - FUNCTIONS</a:t>
+            </a:r>
+          </a:p>
+        </p:txBody>
+      </p:sp>
+      <p:sp>
+        <p:nvSpPr>
+          <p:cNvPr id="3" name="Content Placeholder 2">
+            <a:extLst>
+              <a:ext uri="{FF2B5EF4-FFF2-40B4-BE49-F238E27FC236}">
+                <a16:creationId xmlns:a16="http://schemas.microsoft.com/office/drawing/2014/main" id="{BE6037DF-D050-5883-3EC2-3BDD696D1E25}"/>
+              </a:ext>
+            </a:extLst>
+          </p:cNvPr>
+          <p:cNvSpPr>
+            <a:spLocks noGrp="1"/>
+          </p:cNvSpPr>
+          <p:nvPr>
+            <p:ph idx="1"/>
+          </p:nvPr>
+        </p:nvSpPr>
+        <p:spPr/>
+        <p:txBody>
+          <a:bodyPr>
+            <a:normAutofit lnSpcReduction="10000"/>
+          </a:bodyPr>
+          <a:lstStyle/>
+          <a:p>
+            <a:r>
+              <a:rPr lang="en-US" dirty="0"/>
+              <a:t>Write custom SQL functions to automate repetitive buffer analysis tasks.</a:t>
+            </a:r>
+          </a:p>
+          <a:p>
+            <a:endParaRPr lang="en-US" dirty="0"/>
+          </a:p>
+          <a:p>
+            <a:pPr marL="324000" lvl="1" indent="0">
+              <a:buNone/>
+            </a:pPr>
+            <a:r>
+              <a:rPr lang="en-US" dirty="0">
+                <a:solidFill>
+                  <a:srgbClr val="00B0F0"/>
+                </a:solidFill>
+              </a:rPr>
+              <a:t>CREATE FUNCTION ch05.get_stations_within_buffer(distance FLOAT) </a:t>
+            </a:r>
+          </a:p>
+          <a:p>
+            <a:pPr marL="324000" lvl="1" indent="0">
+              <a:buNone/>
+            </a:pPr>
+            <a:r>
+              <a:rPr lang="en-US" dirty="0">
+                <a:solidFill>
+                  <a:srgbClr val="00B0F0"/>
+                </a:solidFill>
+              </a:rPr>
+              <a:t>RETURNS TABLE(</a:t>
+            </a:r>
+            <a:r>
+              <a:rPr lang="en-US" dirty="0" err="1">
+                <a:solidFill>
+                  <a:srgbClr val="00B0F0"/>
+                </a:solidFill>
+              </a:rPr>
+              <a:t>station_name</a:t>
+            </a:r>
+            <a:r>
+              <a:rPr lang="en-US" dirty="0">
+                <a:solidFill>
+                  <a:srgbClr val="00B0F0"/>
+                </a:solidFill>
+              </a:rPr>
+              <a:t> TEXT, </a:t>
+            </a:r>
+            <a:r>
+              <a:rPr lang="en-US" dirty="0" err="1">
+                <a:solidFill>
+                  <a:srgbClr val="00B0F0"/>
+                </a:solidFill>
+              </a:rPr>
+              <a:t>street_name</a:t>
+            </a:r>
+            <a:r>
+              <a:rPr lang="en-US" dirty="0">
+                <a:solidFill>
+                  <a:srgbClr val="00B0F0"/>
+                </a:solidFill>
+              </a:rPr>
+              <a:t> TEXT) AS $$</a:t>
+            </a:r>
+          </a:p>
+          <a:p>
+            <a:pPr marL="324000" lvl="1" indent="0">
+              <a:buNone/>
+            </a:pPr>
+            <a:r>
+              <a:rPr lang="en-US" dirty="0">
+                <a:solidFill>
+                  <a:srgbClr val="00B0F0"/>
+                </a:solidFill>
+              </a:rPr>
+              <a:t>BEGIN  </a:t>
+            </a:r>
+          </a:p>
+          <a:p>
+            <a:pPr marL="324000" lvl="1" indent="0">
+              <a:buNone/>
+            </a:pPr>
+            <a:r>
+              <a:rPr lang="en-US" dirty="0">
+                <a:solidFill>
+                  <a:srgbClr val="00B0F0"/>
+                </a:solidFill>
+              </a:rPr>
+              <a:t>RETURN QUERY   </a:t>
+            </a:r>
+          </a:p>
+          <a:p>
+            <a:pPr marL="324000" lvl="1" indent="0">
+              <a:buNone/>
+            </a:pPr>
+            <a:r>
+              <a:rPr lang="en-US" dirty="0">
+                <a:solidFill>
+                  <a:srgbClr val="00B0F0"/>
+                </a:solidFill>
+              </a:rPr>
+              <a:t>SELECT st.NAME, s.NAME   </a:t>
+            </a:r>
+          </a:p>
+          <a:p>
+            <a:pPr marL="324000" lvl="1" indent="0">
+              <a:buNone/>
+            </a:pPr>
+            <a:r>
+              <a:rPr lang="en-US" dirty="0">
+                <a:solidFill>
+                  <a:srgbClr val="00B0F0"/>
+                </a:solidFill>
+              </a:rPr>
+              <a:t>FROM ch05.nyc_subway_stations </a:t>
+            </a:r>
+            <a:r>
+              <a:rPr lang="en-US" dirty="0" err="1">
+                <a:solidFill>
+                  <a:srgbClr val="00B0F0"/>
+                </a:solidFill>
+              </a:rPr>
+              <a:t>st</a:t>
+            </a:r>
+            <a:r>
+              <a:rPr lang="en-US" dirty="0">
+                <a:solidFill>
+                  <a:srgbClr val="00B0F0"/>
+                </a:solidFill>
+              </a:rPr>
+              <a:t>, ch05.nyc_streets s   </a:t>
+            </a:r>
+          </a:p>
+          <a:p>
+            <a:pPr marL="324000" lvl="1" indent="0">
+              <a:buNone/>
+            </a:pPr>
+            <a:r>
+              <a:rPr lang="en-US" dirty="0">
+                <a:solidFill>
+                  <a:srgbClr val="00B0F0"/>
+                </a:solidFill>
+              </a:rPr>
+              <a:t>WHERE </a:t>
+            </a:r>
+            <a:r>
+              <a:rPr lang="en-US" dirty="0" err="1">
+                <a:solidFill>
+                  <a:srgbClr val="00B0F0"/>
+                </a:solidFill>
+              </a:rPr>
+              <a:t>ST_DWithin</a:t>
+            </a:r>
+            <a:r>
+              <a:rPr lang="en-US" dirty="0">
+                <a:solidFill>
+                  <a:srgbClr val="00B0F0"/>
+                </a:solidFill>
+              </a:rPr>
+              <a:t>(</a:t>
+            </a:r>
+            <a:r>
+              <a:rPr lang="en-US" dirty="0" err="1">
+                <a:solidFill>
+                  <a:srgbClr val="00B0F0"/>
+                </a:solidFill>
+              </a:rPr>
+              <a:t>st.geometry</a:t>
+            </a:r>
+            <a:r>
+              <a:rPr lang="en-US" dirty="0">
+                <a:solidFill>
+                  <a:srgbClr val="00B0F0"/>
+                </a:solidFill>
+              </a:rPr>
+              <a:t>, </a:t>
+            </a:r>
+            <a:r>
+              <a:rPr lang="en-US" dirty="0" err="1">
+                <a:solidFill>
+                  <a:srgbClr val="00B0F0"/>
+                </a:solidFill>
+              </a:rPr>
+              <a:t>s.geometry</a:t>
+            </a:r>
+            <a:r>
+              <a:rPr lang="en-US" dirty="0">
+                <a:solidFill>
+                  <a:srgbClr val="00B0F0"/>
+                </a:solidFill>
+              </a:rPr>
+              <a:t>, distance);</a:t>
+            </a:r>
+          </a:p>
+          <a:p>
+            <a:pPr marL="324000" lvl="1" indent="0">
+              <a:buNone/>
+            </a:pPr>
+            <a:r>
+              <a:rPr lang="en-US" dirty="0">
+                <a:solidFill>
+                  <a:srgbClr val="00B0F0"/>
+                </a:solidFill>
+              </a:rPr>
+              <a:t>END;$$ LANGUAGE </a:t>
+            </a:r>
+            <a:r>
+              <a:rPr lang="en-US" dirty="0" err="1">
+                <a:solidFill>
+                  <a:srgbClr val="00B0F0"/>
+                </a:solidFill>
+              </a:rPr>
+              <a:t>plpgsql</a:t>
+            </a:r>
+            <a:r>
+              <a:rPr lang="en-US" dirty="0">
+                <a:solidFill>
+                  <a:srgbClr val="00B0F0"/>
+                </a:solidFill>
+              </a:rPr>
+              <a:t>;</a:t>
+            </a:r>
+          </a:p>
+        </p:txBody>
+      </p:sp>
+    </p:spTree>
+    <p:extLst>
+      <p:ext uri="{BB962C8B-B14F-4D97-AF65-F5344CB8AC3E}">
+        <p14:creationId xmlns:p14="http://schemas.microsoft.com/office/powerpoint/2010/main" val="2221672660"/>
       </p:ext>
     </p:extLst>
   </p:cSld>
@@ -5305,6 +7376,285 @@
     <p:extLst>
       <p:ext uri="{BB962C8B-B14F-4D97-AF65-F5344CB8AC3E}">
         <p14:creationId xmlns:p14="http://schemas.microsoft.com/office/powerpoint/2010/main" val="1888964802"/>
+      </p:ext>
+    </p:extLst>
+  </p:cSld>
+  <p:clrMapOvr>
+    <a:masterClrMapping/>
+  </p:clrMapOvr>
+</p:sld>
+</file>
+
+<file path=ppt/slides/slide20.xml><?xml version="1.0" encoding="utf-8"?>
+<p:sld xmlns:a="http://schemas.openxmlformats.org/drawingml/2006/main" xmlns:r="http://schemas.openxmlformats.org/officeDocument/2006/relationships" xmlns:p="http://schemas.openxmlformats.org/presentationml/2006/main">
+  <p:cSld>
+    <p:spTree>
+      <p:nvGrpSpPr>
+        <p:cNvPr id="1" name=""/>
+        <p:cNvGrpSpPr/>
+        <p:nvPr/>
+      </p:nvGrpSpPr>
+      <p:grpSpPr>
+        <a:xfrm>
+          <a:off x="0" y="0"/>
+          <a:ext cx="0" cy="0"/>
+          <a:chOff x="0" y="0"/>
+          <a:chExt cx="0" cy="0"/>
+        </a:xfrm>
+      </p:grpSpPr>
+      <p:sp>
+        <p:nvSpPr>
+          <p:cNvPr id="2" name="Title 1">
+            <a:extLst>
+              <a:ext uri="{FF2B5EF4-FFF2-40B4-BE49-F238E27FC236}">
+                <a16:creationId xmlns:a16="http://schemas.microsoft.com/office/drawing/2014/main" id="{6AFDAB0B-1269-9F6C-D8A0-E3650409C648}"/>
+              </a:ext>
+            </a:extLst>
+          </p:cNvPr>
+          <p:cNvSpPr>
+            <a:spLocks noGrp="1"/>
+          </p:cNvSpPr>
+          <p:nvPr>
+            <p:ph type="title"/>
+          </p:nvPr>
+        </p:nvSpPr>
+        <p:spPr/>
+        <p:txBody>
+          <a:bodyPr/>
+          <a:lstStyle/>
+          <a:p>
+            <a:r>
+              <a:rPr lang="en-US" dirty="0"/>
+              <a:t>TOOLS IN PGADMIN 4 - VIEWS</a:t>
+            </a:r>
+          </a:p>
+        </p:txBody>
+      </p:sp>
+      <p:sp>
+        <p:nvSpPr>
+          <p:cNvPr id="3" name="Content Placeholder 2">
+            <a:extLst>
+              <a:ext uri="{FF2B5EF4-FFF2-40B4-BE49-F238E27FC236}">
+                <a16:creationId xmlns:a16="http://schemas.microsoft.com/office/drawing/2014/main" id="{57CF7F19-5B2B-AB2D-263A-2A3D1302199B}"/>
+              </a:ext>
+            </a:extLst>
+          </p:cNvPr>
+          <p:cNvSpPr>
+            <a:spLocks noGrp="1"/>
+          </p:cNvSpPr>
+          <p:nvPr>
+            <p:ph idx="1"/>
+          </p:nvPr>
+        </p:nvSpPr>
+        <p:spPr/>
+        <p:txBody>
+          <a:bodyPr/>
+          <a:lstStyle/>
+          <a:p>
+            <a:r>
+              <a:rPr lang="en-US" dirty="0"/>
+              <a:t>Simplify complex queries with views for better data visualization.</a:t>
+            </a:r>
+          </a:p>
+          <a:p>
+            <a:endParaRPr lang="en-US" dirty="0"/>
+          </a:p>
+          <a:p>
+            <a:pPr marL="594000" lvl="2" indent="0">
+              <a:buNone/>
+            </a:pPr>
+            <a:r>
+              <a:rPr lang="en-US" dirty="0">
+                <a:solidFill>
+                  <a:srgbClr val="00B0F0"/>
+                </a:solidFill>
+              </a:rPr>
+              <a:t>CREATE VIEW ch05.residential_near_stations AS </a:t>
+            </a:r>
+          </a:p>
+          <a:p>
+            <a:pPr marL="594000" lvl="2" indent="0">
+              <a:buNone/>
+            </a:pPr>
+            <a:r>
+              <a:rPr lang="en-US" dirty="0">
+                <a:solidFill>
+                  <a:srgbClr val="00B0F0"/>
+                </a:solidFill>
+              </a:rPr>
+              <a:t>SELECT s.NAME AS </a:t>
+            </a:r>
+            <a:r>
+              <a:rPr lang="en-US" dirty="0" err="1">
+                <a:solidFill>
+                  <a:srgbClr val="00B0F0"/>
+                </a:solidFill>
+              </a:rPr>
+              <a:t>street_name</a:t>
+            </a:r>
+            <a:r>
+              <a:rPr lang="en-US" dirty="0">
+                <a:solidFill>
+                  <a:srgbClr val="00B0F0"/>
+                </a:solidFill>
+              </a:rPr>
+              <a:t>, st.NAME AS </a:t>
+            </a:r>
+            <a:r>
+              <a:rPr lang="en-US" dirty="0" err="1">
+                <a:solidFill>
+                  <a:srgbClr val="00B0F0"/>
+                </a:solidFill>
+              </a:rPr>
+              <a:t>station_name</a:t>
+            </a:r>
+            <a:r>
+              <a:rPr lang="en-US" dirty="0">
+                <a:solidFill>
+                  <a:srgbClr val="00B0F0"/>
+                </a:solidFill>
+              </a:rPr>
+              <a:t> </a:t>
+            </a:r>
+          </a:p>
+          <a:p>
+            <a:pPr marL="594000" lvl="2" indent="0">
+              <a:buNone/>
+            </a:pPr>
+            <a:r>
+              <a:rPr lang="en-US" dirty="0">
+                <a:solidFill>
+                  <a:srgbClr val="00B0F0"/>
+                </a:solidFill>
+              </a:rPr>
+              <a:t>FROM ch05.nyc_streets s </a:t>
+            </a:r>
+          </a:p>
+          <a:p>
+            <a:pPr marL="594000" lvl="2" indent="0">
+              <a:buNone/>
+            </a:pPr>
+            <a:r>
+              <a:rPr lang="en-US" dirty="0">
+                <a:solidFill>
+                  <a:srgbClr val="00B0F0"/>
+                </a:solidFill>
+              </a:rPr>
+              <a:t>JOIN ch05.nyc_subway_stations </a:t>
+            </a:r>
+            <a:r>
+              <a:rPr lang="en-US" dirty="0" err="1">
+                <a:solidFill>
+                  <a:srgbClr val="00B0F0"/>
+                </a:solidFill>
+              </a:rPr>
+              <a:t>st</a:t>
+            </a:r>
+            <a:r>
+              <a:rPr lang="en-US" dirty="0">
+                <a:solidFill>
+                  <a:srgbClr val="00B0F0"/>
+                </a:solidFill>
+              </a:rPr>
+              <a:t> </a:t>
+            </a:r>
+          </a:p>
+          <a:p>
+            <a:pPr marL="594000" lvl="2" indent="0">
+              <a:buNone/>
+            </a:pPr>
+            <a:r>
+              <a:rPr lang="en-US" dirty="0">
+                <a:solidFill>
+                  <a:srgbClr val="00B0F0"/>
+                </a:solidFill>
+              </a:rPr>
+              <a:t>ON </a:t>
+            </a:r>
+            <a:r>
+              <a:rPr lang="en-US" dirty="0" err="1">
+                <a:solidFill>
+                  <a:srgbClr val="00B0F0"/>
+                </a:solidFill>
+              </a:rPr>
+              <a:t>ST_DWithin</a:t>
+            </a:r>
+            <a:r>
+              <a:rPr lang="en-US" dirty="0">
+                <a:solidFill>
+                  <a:srgbClr val="00B0F0"/>
+                </a:solidFill>
+              </a:rPr>
+              <a:t>(</a:t>
+            </a:r>
+            <a:r>
+              <a:rPr lang="en-US" dirty="0" err="1">
+                <a:solidFill>
+                  <a:srgbClr val="00B0F0"/>
+                </a:solidFill>
+              </a:rPr>
+              <a:t>s.geometry</a:t>
+            </a:r>
+            <a:r>
+              <a:rPr lang="en-US" dirty="0">
+                <a:solidFill>
+                  <a:srgbClr val="00B0F0"/>
+                </a:solidFill>
+              </a:rPr>
+              <a:t>, </a:t>
+            </a:r>
+            <a:r>
+              <a:rPr lang="en-US" dirty="0" err="1">
+                <a:solidFill>
+                  <a:srgbClr val="00B0F0"/>
+                </a:solidFill>
+              </a:rPr>
+              <a:t>st.geometry</a:t>
+            </a:r>
+            <a:r>
+              <a:rPr lang="en-US" dirty="0">
+                <a:solidFill>
+                  <a:srgbClr val="00B0F0"/>
+                </a:solidFill>
+              </a:rPr>
+              <a:t>, 300) </a:t>
+            </a:r>
+          </a:p>
+          <a:p>
+            <a:pPr marL="594000" lvl="2" indent="0">
+              <a:buNone/>
+            </a:pPr>
+            <a:r>
+              <a:rPr lang="en-US" dirty="0">
+                <a:solidFill>
+                  <a:srgbClr val="00B0F0"/>
+                </a:solidFill>
+              </a:rPr>
+              <a:t>WHERE </a:t>
+            </a:r>
+            <a:r>
+              <a:rPr lang="en-US" dirty="0" err="1">
+                <a:solidFill>
+                  <a:srgbClr val="00B0F0"/>
+                </a:solidFill>
+              </a:rPr>
+              <a:t>s.TYPE</a:t>
+            </a:r>
+            <a:r>
+              <a:rPr lang="en-US" dirty="0">
+                <a:solidFill>
+                  <a:srgbClr val="00B0F0"/>
+                </a:solidFill>
+              </a:rPr>
+              <a:t> = 'residential';</a:t>
+            </a:r>
+          </a:p>
+        </p:txBody>
+      </p:sp>
+    </p:spTree>
+    <p:extLst>
+      <p:ext uri="{BB962C8B-B14F-4D97-AF65-F5344CB8AC3E}">
+        <p14:creationId xmlns:p14="http://schemas.microsoft.com/office/powerpoint/2010/main" val="3857661707"/>
       </p:ext>
     </p:extLst>
   </p:cSld>
@@ -6021,31 +8371,35 @@
           <a:chExt cx="0" cy="0"/>
         </a:xfrm>
       </p:grpSpPr>
-      <p:sp>
-        <p:nvSpPr>
-          <p:cNvPr id="3" name="Content Placeholder 2">
+      <p:pic>
+        <p:nvPicPr>
+          <p:cNvPr id="4" name="Content Placeholder 3">
             <a:extLst>
               <a:ext uri="{FF2B5EF4-FFF2-40B4-BE49-F238E27FC236}">
-                <a16:creationId xmlns:a16="http://schemas.microsoft.com/office/drawing/2014/main" id="{E9BE8762-560B-06E5-A636-513AE61E8224}"/>
+                <a16:creationId xmlns:a16="http://schemas.microsoft.com/office/drawing/2014/main" id="{011EB1D5-0AFC-852E-AC8C-65814213A793}"/>
               </a:ext>
             </a:extLst>
           </p:cNvPr>
-          <p:cNvSpPr>
-            <a:spLocks noGrp="1"/>
-          </p:cNvSpPr>
+          <p:cNvPicPr>
+            <a:picLocks noGrp="1" noChangeAspect="1"/>
+          </p:cNvPicPr>
           <p:nvPr>
             <p:ph idx="1"/>
           </p:nvPr>
-        </p:nvSpPr>
-        <p:spPr/>
-        <p:txBody>
-          <a:bodyPr/>
-          <a:lstStyle/>
-          <a:p>
-            <a:endParaRPr lang="en-US"/>
-          </a:p>
-        </p:txBody>
-      </p:sp>
+        </p:nvPicPr>
+        <p:blipFill>
+          <a:blip r:embed="rId2"/>
+          <a:stretch>
+            <a:fillRect/>
+          </a:stretch>
+        </p:blipFill>
+        <p:spPr>
+          <a:xfrm>
+            <a:off x="6900692" y="1243657"/>
+            <a:ext cx="4410512" cy="4974263"/>
+          </a:xfrm>
+        </p:spPr>
+      </p:pic>
       <p:sp>
         <p:nvSpPr>
           <p:cNvPr id="6" name="TextBox 5">
@@ -6130,8 +8484,8 @@
         </p:nvSpPr>
         <p:spPr>
           <a:xfrm>
-            <a:off x="657392" y="1343336"/>
-            <a:ext cx="11029615" cy="1843209"/>
+            <a:off x="657392" y="1333811"/>
+            <a:ext cx="11029615" cy="2209489"/>
           </a:xfrm>
         </p:spPr>
         <p:txBody>
@@ -6140,7 +8494,11 @@
           <a:p>
             <a:r>
               <a:rPr lang="en-US" dirty="0"/>
-              <a:t>Find all streets within 500 meters of subway stations in Manhattan.</a:t>
+              <a:t> </a:t>
+            </a:r>
+            <a:r>
+              <a:rPr lang="en-US" sz="2400" dirty="0"/>
+              <a:t>Find all streets within 50 meters of subway stations (using buffer).</a:t>
             </a:r>
           </a:p>
           <a:p>
@@ -6148,105 +8506,38 @@
               <a:buNone/>
             </a:pPr>
             <a:r>
-              <a:rPr lang="en-US" dirty="0">
-                <a:solidFill>
-                  <a:srgbClr val="00B0F0"/>
-                </a:solidFill>
-              </a:rPr>
-              <a:t>SELECT s.NAME AS </a:t>
-            </a:r>
-            <a:r>
-              <a:rPr lang="en-US" dirty="0" err="1">
-                <a:solidFill>
-                  <a:srgbClr val="00B0F0"/>
-                </a:solidFill>
-              </a:rPr>
-              <a:t>street_name</a:t>
-            </a:r>
-            <a:r>
-              <a:rPr lang="en-US" dirty="0">
-                <a:solidFill>
-                  <a:srgbClr val="00B0F0"/>
-                </a:solidFill>
-              </a:rPr>
-              <a:t>, st.NAME AS </a:t>
-            </a:r>
-            <a:r>
-              <a:rPr lang="en-US" dirty="0" err="1">
-                <a:solidFill>
-                  <a:srgbClr val="00B0F0"/>
-                </a:solidFill>
-              </a:rPr>
-              <a:t>station_name</a:t>
-            </a:r>
-            <a:r>
-              <a:rPr lang="en-US" dirty="0">
-                <a:solidFill>
-                  <a:srgbClr val="00B0F0"/>
-                </a:solidFill>
-              </a:rPr>
-              <a:t>  </a:t>
-            </a:r>
+              <a:rPr lang="en-US" sz="1800" dirty="0">
+                <a:solidFill>
+                  <a:srgbClr val="00B0F0"/>
+                </a:solidFill>
+              </a:rPr>
+              <a:t>SELECT name, </a:t>
+            </a:r>
+            <a:r>
+              <a:rPr lang="en-US" sz="1800" dirty="0" err="1">
+                <a:solidFill>
+                  <a:srgbClr val="00B0F0"/>
+                </a:solidFill>
+              </a:rPr>
+              <a:t>borough_name</a:t>
+            </a:r>
+            <a:endParaRPr lang="en-US" sz="1800" dirty="0">
+              <a:solidFill>
+                <a:srgbClr val="00B0F0"/>
+              </a:solidFill>
+            </a:endParaRPr>
           </a:p>
           <a:p>
             <a:pPr marL="324000" lvl="1" indent="0">
               <a:buNone/>
             </a:pPr>
             <a:r>
-              <a:rPr lang="en-US" dirty="0">
-                <a:solidFill>
-                  <a:srgbClr val="00B0F0"/>
-                </a:solidFill>
-              </a:rPr>
-              <a:t>FROM </a:t>
-            </a:r>
-            <a:r>
-              <a:rPr lang="en-US" dirty="0" err="1">
-                <a:solidFill>
-                  <a:srgbClr val="00B0F0"/>
-                </a:solidFill>
-              </a:rPr>
-              <a:t>nyc_streets</a:t>
-            </a:r>
-            <a:r>
-              <a:rPr lang="en-US" dirty="0">
-                <a:solidFill>
-                  <a:srgbClr val="00B0F0"/>
-                </a:solidFill>
-              </a:rPr>
-              <a:t> s, </a:t>
-            </a:r>
-            <a:r>
-              <a:rPr lang="en-US" dirty="0" err="1">
-                <a:solidFill>
-                  <a:srgbClr val="00B0F0"/>
-                </a:solidFill>
-              </a:rPr>
-              <a:t>nyc_subway_stations</a:t>
-            </a:r>
-            <a:r>
-              <a:rPr lang="en-US" dirty="0">
-                <a:solidFill>
-                  <a:srgbClr val="00B0F0"/>
-                </a:solidFill>
-              </a:rPr>
-              <a:t> </a:t>
-            </a:r>
-            <a:r>
-              <a:rPr lang="en-US" dirty="0" err="1">
-                <a:solidFill>
-                  <a:srgbClr val="00B0F0"/>
-                </a:solidFill>
-              </a:rPr>
-              <a:t>st</a:t>
-            </a:r>
-            <a:r>
-              <a:rPr lang="en-US" dirty="0">
-                <a:solidFill>
-                  <a:srgbClr val="00B0F0"/>
-                </a:solidFill>
-              </a:rPr>
-              <a:t>  </a:t>
+              <a:rPr lang="en-US" sz="1800" dirty="0">
+                <a:solidFill>
+                  <a:srgbClr val="00B0F0"/>
+                </a:solidFill>
+              </a:rPr>
+              <a:t>FROM ch05.streets , ch05.subway</a:t>
             </a:r>
           </a:p>
           <a:p>
@@ -6254,7 +8545,7 @@
               <a:buNone/>
             </a:pPr>
             <a:r>
-              <a:rPr lang="en-US" dirty="0">
+              <a:rPr lang="en-US" sz="1800" dirty="0">
                 <a:solidFill>
                   <a:srgbClr val="00B0F0"/>
                 </a:solidFill>
@@ -6262,68 +8553,36 @@
               <a:t>WHERE </a:t>
             </a:r>
             <a:r>
-              <a:rPr lang="en-US" dirty="0" err="1">
-                <a:solidFill>
-                  <a:srgbClr val="00B0F0"/>
-                </a:solidFill>
-              </a:rPr>
-              <a:t>ST_DWithin</a:t>
-            </a:r>
-            <a:r>
-              <a:rPr lang="en-US" dirty="0">
-                <a:solidFill>
-                  <a:srgbClr val="00B0F0"/>
-                </a:solidFill>
-              </a:rPr>
-              <a:t>(</a:t>
-            </a:r>
-            <a:r>
-              <a:rPr lang="en-US" dirty="0" err="1">
-                <a:solidFill>
-                  <a:srgbClr val="00B0F0"/>
-                </a:solidFill>
-              </a:rPr>
-              <a:t>s.geometry</a:t>
-            </a:r>
-            <a:r>
-              <a:rPr lang="en-US" dirty="0">
-                <a:solidFill>
-                  <a:srgbClr val="00B0F0"/>
-                </a:solidFill>
-              </a:rPr>
-              <a:t>, </a:t>
-            </a:r>
-            <a:r>
-              <a:rPr lang="en-US" dirty="0" err="1">
-                <a:solidFill>
-                  <a:srgbClr val="00B0F0"/>
-                </a:solidFill>
-              </a:rPr>
-              <a:t>st.geometry</a:t>
-            </a:r>
-            <a:r>
-              <a:rPr lang="en-US" dirty="0">
-                <a:solidFill>
-                  <a:srgbClr val="00B0F0"/>
-                </a:solidFill>
-              </a:rPr>
-              <a:t>, 500)  AND </a:t>
-            </a:r>
-            <a:r>
-              <a:rPr lang="en-US" dirty="0" err="1">
-                <a:solidFill>
-                  <a:srgbClr val="00B0F0"/>
-                </a:solidFill>
-              </a:rPr>
-              <a:t>st.BOROUGH</a:t>
-            </a:r>
-            <a:r>
-              <a:rPr lang="en-US" dirty="0">
-                <a:solidFill>
-                  <a:srgbClr val="00B0F0"/>
-                </a:solidFill>
-              </a:rPr>
-              <a:t> = 'Manhattan';</a:t>
+              <a:rPr lang="en-US" sz="1800" dirty="0" err="1">
+                <a:solidFill>
+                  <a:srgbClr val="00B0F0"/>
+                </a:solidFill>
+              </a:rPr>
+              <a:t>ST_Intersects</a:t>
+            </a:r>
+            <a:r>
+              <a:rPr lang="en-US" sz="1800" dirty="0">
+                <a:solidFill>
+                  <a:srgbClr val="00B0F0"/>
+                </a:solidFill>
+              </a:rPr>
+              <a:t>(ch05.streets.geom, </a:t>
+            </a:r>
+            <a:r>
+              <a:rPr lang="en-US" sz="1800" dirty="0" err="1">
+                <a:solidFill>
+                  <a:srgbClr val="00B0F0"/>
+                </a:solidFill>
+              </a:rPr>
+              <a:t>ST_Buffer</a:t>
+            </a:r>
+            <a:r>
+              <a:rPr lang="en-US" sz="1800" dirty="0">
+                <a:solidFill>
+                  <a:srgbClr val="00B0F0"/>
+                </a:solidFill>
+              </a:rPr>
+              <a:t>(ch05.subway.geom, 50))</a:t>
             </a:r>
           </a:p>
         </p:txBody>
@@ -6342,7 +8601,7 @@
         </p:nvSpPr>
         <p:spPr>
           <a:xfrm>
-            <a:off x="657392" y="820116"/>
+            <a:off x="657392" y="705816"/>
             <a:ext cx="5514808" cy="523220"/>
           </a:xfrm>
           <a:prstGeom prst="rect">
@@ -6358,15 +8617,19 @@
           <a:p>
             <a:r>
               <a:rPr lang="en-US" sz="2800" dirty="0"/>
-              <a:t>Exercise: </a:t>
+              <a:t>Ex</a:t>
+            </a:r>
+            <a:r>
+              <a:rPr lang="en-US" altLang="zh-CN" sz="2800" dirty="0"/>
+              <a:t>ample 1</a:t>
+            </a:r>
+            <a:r>
+              <a:rPr lang="en-US" sz="2800" dirty="0"/>
+              <a:t>: </a:t>
             </a:r>
             <a:r>
               <a:rPr lang="en-US" sz="2800" dirty="0" err="1"/>
-              <a:t>ST_DW</a:t>
-            </a:r>
-            <a:r>
-              <a:rPr lang="en-US" altLang="zh-CN" sz="2800" dirty="0" err="1"/>
-              <a:t>ithin</a:t>
+              <a:t>ST_Intersects</a:t>
             </a:r>
             <a:endParaRPr lang="en-US" sz="2800" dirty="0"/>
           </a:p>
@@ -6404,10 +8667,10 @@
       </p:grpSpPr>
       <p:sp>
         <p:nvSpPr>
-          <p:cNvPr id="2" name="Title 1">
+          <p:cNvPr id="3" name="Content Placeholder 2">
             <a:extLst>
               <a:ext uri="{FF2B5EF4-FFF2-40B4-BE49-F238E27FC236}">
-                <a16:creationId xmlns:a16="http://schemas.microsoft.com/office/drawing/2014/main" id="{68997778-0D92-C897-B435-DC143BD6E979}"/>
+                <a16:creationId xmlns:a16="http://schemas.microsoft.com/office/drawing/2014/main" id="{6A9CA78D-49EC-E613-9580-B1B826112245}"/>
               </a:ext>
             </a:extLst>
           </p:cNvPr>
@@ -6415,10 +8678,15 @@
             <a:spLocks noGrp="1"/>
           </p:cNvSpPr>
           <p:nvPr>
-            <p:ph type="title"/>
-          </p:nvPr>
-        </p:nvSpPr>
-        <p:spPr/>
+            <p:ph idx="1"/>
+          </p:nvPr>
+        </p:nvSpPr>
+        <p:spPr>
+          <a:xfrm>
+            <a:off x="657392" y="1359789"/>
+            <a:ext cx="11029615" cy="2221611"/>
+          </a:xfrm>
+        </p:spPr>
         <p:txBody>
           <a:bodyPr>
             <a:normAutofit/>
@@ -6426,131 +8694,164 @@
           <a:lstStyle/>
           <a:p>
             <a:r>
-              <a:rPr lang="en-US" b="1" dirty="0"/>
-              <a:t>Scenario 2</a:t>
-            </a:r>
-            <a:endParaRPr lang="en-US" dirty="0"/>
-          </a:p>
-        </p:txBody>
-      </p:sp>
-      <p:sp>
-        <p:nvSpPr>
-          <p:cNvPr id="3" name="Content Placeholder 2">
+              <a:rPr lang="en-US" sz="2000" dirty="0"/>
+              <a:t>Find all one-way streets within 50 meters of subway stations.</a:t>
+            </a:r>
+          </a:p>
+          <a:p>
+            <a:pPr marL="324000" lvl="1" indent="0">
+              <a:buNone/>
+            </a:pPr>
+            <a:r>
+              <a:rPr lang="en-US" sz="2000" dirty="0">
+                <a:solidFill>
+                  <a:srgbClr val="00B0F0"/>
+                </a:solidFill>
+              </a:rPr>
+              <a:t>SELECT name, </a:t>
+            </a:r>
+            <a:r>
+              <a:rPr lang="en-US" sz="2000" dirty="0" err="1">
+                <a:solidFill>
+                  <a:srgbClr val="00B0F0"/>
+                </a:solidFill>
+              </a:rPr>
+              <a:t>borough_name</a:t>
+            </a:r>
+            <a:endParaRPr lang="en-US" sz="2000" dirty="0">
+              <a:solidFill>
+                <a:srgbClr val="00B0F0"/>
+              </a:solidFill>
+            </a:endParaRPr>
+          </a:p>
+          <a:p>
+            <a:pPr marL="324000" lvl="1" indent="0">
+              <a:buNone/>
+            </a:pPr>
+            <a:r>
+              <a:rPr lang="en-US" sz="2000" dirty="0">
+                <a:solidFill>
+                  <a:srgbClr val="00B0F0"/>
+                </a:solidFill>
+              </a:rPr>
+              <a:t>FROM ch05.streets, ch05.subway</a:t>
+            </a:r>
+          </a:p>
+          <a:p>
+            <a:pPr marL="324000" lvl="1" indent="0">
+              <a:buNone/>
+            </a:pPr>
+            <a:r>
+              <a:rPr lang="en-US" sz="2000" dirty="0">
+                <a:solidFill>
+                  <a:srgbClr val="00B0F0"/>
+                </a:solidFill>
+              </a:rPr>
+              <a:t>WHERE </a:t>
+            </a:r>
+            <a:r>
+              <a:rPr lang="en-US" sz="2000" dirty="0" err="1">
+                <a:solidFill>
+                  <a:srgbClr val="00B0F0"/>
+                </a:solidFill>
+              </a:rPr>
+              <a:t>oneway</a:t>
+            </a:r>
+            <a:r>
+              <a:rPr lang="en-US" sz="2000" dirty="0">
+                <a:solidFill>
+                  <a:srgbClr val="00B0F0"/>
+                </a:solidFill>
+              </a:rPr>
+              <a:t> = 'Yes’ AND </a:t>
+            </a:r>
+            <a:r>
+              <a:rPr lang="en-US" sz="2000" dirty="0" err="1">
+                <a:solidFill>
+                  <a:srgbClr val="00B0F0"/>
+                </a:solidFill>
+              </a:rPr>
+              <a:t>ST_Intersects</a:t>
+            </a:r>
+            <a:r>
+              <a:rPr lang="en-US" sz="2000" dirty="0">
+                <a:solidFill>
+                  <a:srgbClr val="00B0F0"/>
+                </a:solidFill>
+              </a:rPr>
+              <a:t>(ch05.streets.geom, </a:t>
+            </a:r>
+            <a:r>
+              <a:rPr lang="en-US" sz="2000" dirty="0" err="1">
+                <a:solidFill>
+                  <a:srgbClr val="00B0F0"/>
+                </a:solidFill>
+              </a:rPr>
+              <a:t>ST_Buffer</a:t>
+            </a:r>
+            <a:r>
+              <a:rPr lang="en-US" sz="2000" dirty="0">
+                <a:solidFill>
+                  <a:srgbClr val="00B0F0"/>
+                </a:solidFill>
+              </a:rPr>
+              <a:t>(ch05.subway.geom, 50))</a:t>
+            </a:r>
+          </a:p>
+        </p:txBody>
+      </p:sp>
+      <p:sp>
+        <p:nvSpPr>
+          <p:cNvPr id="4" name="TextBox 3">
             <a:extLst>
               <a:ext uri="{FF2B5EF4-FFF2-40B4-BE49-F238E27FC236}">
-                <a16:creationId xmlns:a16="http://schemas.microsoft.com/office/drawing/2014/main" id="{86BB65ED-F08E-6AF8-CE05-FABCF43D860C}"/>
+                <a16:creationId xmlns:a16="http://schemas.microsoft.com/office/drawing/2014/main" id="{DCAA6E37-B83C-AF15-4609-B21F02744E0F}"/>
               </a:ext>
             </a:extLst>
           </p:cNvPr>
-          <p:cNvSpPr>
-            <a:spLocks noGrp="1"/>
-          </p:cNvSpPr>
-          <p:nvPr>
-            <p:ph idx="1"/>
-          </p:nvPr>
+          <p:cNvSpPr txBox="1"/>
+          <p:nvPr/>
         </p:nvSpPr>
         <p:spPr>
           <a:xfrm>
-            <a:off x="581192" y="2340864"/>
-            <a:ext cx="11029615" cy="2051027"/>
+            <a:off x="657392" y="705816"/>
+            <a:ext cx="5514808" cy="523220"/>
           </a:xfrm>
+          <a:prstGeom prst="rect">
+            <a:avLst/>
+          </a:prstGeom>
+          <a:noFill/>
         </p:spPr>
         <p:txBody>
-          <a:bodyPr>
-            <a:normAutofit/>
+          <a:bodyPr wrap="square" rtlCol="0">
+            <a:spAutoFit/>
           </a:bodyPr>
           <a:lstStyle/>
           <a:p>
-            <a:pPr lvl="1"/>
-            <a:r>
-              <a:rPr lang="en-US" sz="1800" dirty="0"/>
-              <a:t>Identify potential flood zones by buffering the coastline and identifying streets within the buffer.</a:t>
-            </a:r>
-          </a:p>
-          <a:p>
-            <a:pPr marL="594000" lvl="2" indent="0">
-              <a:buNone/>
-            </a:pPr>
-            <a:br>
-              <a:rPr lang="en-US" sz="1800" dirty="0"/>
-            </a:br>
-            <a:r>
-              <a:rPr lang="en-US" sz="1800" dirty="0"/>
-              <a:t>SELECT s.NAME  </a:t>
-            </a:r>
-          </a:p>
-          <a:p>
-            <a:pPr marL="594000" lvl="2" indent="0">
-              <a:buNone/>
-            </a:pPr>
-            <a:r>
-              <a:rPr lang="en-US" sz="1800" dirty="0"/>
-              <a:t>FROM </a:t>
-            </a:r>
-            <a:r>
-              <a:rPr lang="en-US" sz="1800" dirty="0" err="1"/>
-              <a:t>nyc_streets</a:t>
-            </a:r>
-            <a:r>
-              <a:rPr lang="en-US" sz="1800" dirty="0"/>
-              <a:t> s, </a:t>
-            </a:r>
-            <a:r>
-              <a:rPr lang="en-US" sz="1800" dirty="0" err="1"/>
-              <a:t>nyc_coastline</a:t>
-            </a:r>
-            <a:r>
-              <a:rPr lang="en-US" sz="1800" dirty="0"/>
-              <a:t> c  </a:t>
-            </a:r>
-          </a:p>
-          <a:p>
-            <a:pPr marL="594000" lvl="2" indent="0">
-              <a:buNone/>
-            </a:pPr>
-            <a:r>
-              <a:rPr lang="en-US" sz="1800" dirty="0"/>
-              <a:t>WHERE </a:t>
-            </a:r>
-            <a:r>
-              <a:rPr lang="en-US" sz="1800" dirty="0" err="1"/>
+            <a:r>
+              <a:rPr lang="en-US" sz="2800" dirty="0"/>
+              <a:t>Exercise</a:t>
+            </a:r>
+            <a:r>
+              <a:rPr lang="en-US" altLang="zh-CN" sz="2800" dirty="0"/>
+              <a:t> 1</a:t>
+            </a:r>
+            <a:r>
+              <a:rPr lang="en-US" sz="2800" dirty="0"/>
+              <a:t>: </a:t>
+            </a:r>
+            <a:r>
+              <a:rPr lang="en-US" sz="2800" dirty="0" err="1"/>
               <a:t>ST_Intersects</a:t>
             </a:r>
-            <a:r>
-              <a:rPr lang="en-US" sz="1800" dirty="0"/>
-              <a:t>(</a:t>
-            </a:r>
-            <a:r>
-              <a:rPr lang="en-US" sz="1800" dirty="0" err="1"/>
-              <a:t>ST_Buffer</a:t>
-            </a:r>
-            <a:r>
-              <a:rPr lang="en-US" sz="1800" dirty="0"/>
-              <a:t>(</a:t>
-            </a:r>
-            <a:r>
-              <a:rPr lang="en-US" sz="1800" dirty="0" err="1"/>
-              <a:t>c.geometry</a:t>
-            </a:r>
-            <a:r>
-              <a:rPr lang="en-US" sz="1800" dirty="0"/>
-              <a:t>, 1000), </a:t>
-            </a:r>
-            <a:r>
-              <a:rPr lang="en-US" sz="1800" dirty="0" err="1"/>
-              <a:t>s.geometry</a:t>
-            </a:r>
-            <a:r>
-              <a:rPr lang="en-US" sz="1800" dirty="0"/>
-              <a:t>);</a:t>
-            </a:r>
+            <a:endParaRPr lang="en-US" sz="2800" dirty="0"/>
           </a:p>
         </p:txBody>
       </p:sp>
     </p:spTree>
     <p:extLst>
       <p:ext uri="{BB962C8B-B14F-4D97-AF65-F5344CB8AC3E}">
-        <p14:creationId xmlns:p14="http://schemas.microsoft.com/office/powerpoint/2010/main" val="78832131"/>
+        <p14:creationId xmlns:p14="http://schemas.microsoft.com/office/powerpoint/2010/main" val="2061068511"/>
       </p:ext>
     </p:extLst>
   </p:cSld>
@@ -6579,10 +8880,10 @@
       </p:grpSpPr>
       <p:sp>
         <p:nvSpPr>
-          <p:cNvPr id="2" name="Title 1">
+          <p:cNvPr id="3" name="Content Placeholder 2">
             <a:extLst>
               <a:ext uri="{FF2B5EF4-FFF2-40B4-BE49-F238E27FC236}">
-                <a16:creationId xmlns:a16="http://schemas.microsoft.com/office/drawing/2014/main" id="{E9A99951-2173-336C-6657-79F75A79B63A}"/>
+                <a16:creationId xmlns:a16="http://schemas.microsoft.com/office/drawing/2014/main" id="{30D8807F-2FB5-2F5E-6648-A02CD73FB141}"/>
               </a:ext>
             </a:extLst>
           </p:cNvPr>
@@ -6590,13 +8891,13 @@
             <a:spLocks noGrp="1"/>
           </p:cNvSpPr>
           <p:nvPr>
-            <p:ph type="title"/>
+            <p:ph idx="1"/>
           </p:nvPr>
         </p:nvSpPr>
         <p:spPr>
           <a:xfrm>
-            <a:off x="581192" y="702156"/>
-            <a:ext cx="11029616" cy="600171"/>
+            <a:off x="581191" y="1340739"/>
+            <a:ext cx="11029615" cy="2554986"/>
           </a:xfrm>
         </p:spPr>
         <p:txBody>
@@ -6606,279 +8907,177 @@
           <a:lstStyle/>
           <a:p>
             <a:r>
-              <a:rPr lang="en-US" dirty="0"/>
-              <a:t>Real-World Project Example</a:t>
-            </a:r>
-          </a:p>
-        </p:txBody>
-      </p:sp>
-      <p:sp>
-        <p:nvSpPr>
-          <p:cNvPr id="3" name="Content Placeholder 2">
+              <a:rPr lang="en-US" sz="2000" dirty="0"/>
+              <a:t>Identify neighborhoods where there are subway stations</a:t>
+            </a:r>
+          </a:p>
+          <a:p>
+            <a:pPr marL="324000" lvl="1" indent="0">
+              <a:buNone/>
+            </a:pPr>
+            <a:r>
+              <a:rPr lang="en-US" sz="2000" dirty="0">
+                <a:solidFill>
+                  <a:srgbClr val="00B0F0"/>
+                </a:solidFill>
+              </a:rPr>
+              <a:t>SELECT </a:t>
+            </a:r>
+            <a:r>
+              <a:rPr lang="en-US" sz="2000" dirty="0" err="1">
+                <a:solidFill>
+                  <a:srgbClr val="00B0F0"/>
+                </a:solidFill>
+              </a:rPr>
+              <a:t>boroname</a:t>
+            </a:r>
+            <a:r>
+              <a:rPr lang="en-US" sz="2000" dirty="0">
+                <a:solidFill>
+                  <a:srgbClr val="00B0F0"/>
+                </a:solidFill>
+              </a:rPr>
+              <a:t>, COUNT(*) AS </a:t>
+            </a:r>
+            <a:r>
+              <a:rPr lang="en-US" sz="2000" dirty="0" err="1">
+                <a:solidFill>
+                  <a:srgbClr val="00B0F0"/>
+                </a:solidFill>
+              </a:rPr>
+              <a:t>station_count</a:t>
+            </a:r>
+            <a:endParaRPr lang="en-US" sz="2000" dirty="0">
+              <a:solidFill>
+                <a:srgbClr val="00B0F0"/>
+              </a:solidFill>
+            </a:endParaRPr>
+          </a:p>
+          <a:p>
+            <a:pPr marL="324000" lvl="1" indent="0">
+              <a:buNone/>
+            </a:pPr>
+            <a:r>
+              <a:rPr lang="en-US" sz="2000" dirty="0">
+                <a:solidFill>
+                  <a:srgbClr val="00B0F0"/>
+                </a:solidFill>
+              </a:rPr>
+              <a:t>FROM ch05.neighborhoods, ch05.subway</a:t>
+            </a:r>
+          </a:p>
+          <a:p>
+            <a:pPr marL="324000" lvl="1" indent="0">
+              <a:buNone/>
+            </a:pPr>
+            <a:r>
+              <a:rPr lang="en-US" sz="2000" dirty="0">
+                <a:solidFill>
+                  <a:srgbClr val="00B0F0"/>
+                </a:solidFill>
+              </a:rPr>
+              <a:t>WHERE </a:t>
+            </a:r>
+            <a:r>
+              <a:rPr lang="en-US" sz="2000" dirty="0" err="1">
+                <a:solidFill>
+                  <a:srgbClr val="00B0F0"/>
+                </a:solidFill>
+              </a:rPr>
+              <a:t>ST_Intersects</a:t>
+            </a:r>
+            <a:r>
+              <a:rPr lang="en-US" sz="2000" dirty="0">
+                <a:solidFill>
+                  <a:srgbClr val="00B0F0"/>
+                </a:solidFill>
+              </a:rPr>
+              <a:t>(ch05.neighborhoods.geom, ch05.subway.geom)</a:t>
+            </a:r>
+          </a:p>
+          <a:p>
+            <a:pPr marL="324000" lvl="1" indent="0">
+              <a:buNone/>
+            </a:pPr>
+            <a:r>
+              <a:rPr lang="en-US" sz="2000" dirty="0">
+                <a:solidFill>
+                  <a:srgbClr val="00B0F0"/>
+                </a:solidFill>
+              </a:rPr>
+              <a:t>GROUP BY </a:t>
+            </a:r>
+            <a:r>
+              <a:rPr lang="en-US" sz="2000" dirty="0" err="1">
+                <a:solidFill>
+                  <a:srgbClr val="00B0F0"/>
+                </a:solidFill>
+              </a:rPr>
+              <a:t>boroname</a:t>
+            </a:r>
+            <a:r>
+              <a:rPr lang="en-US" sz="2000" dirty="0">
+                <a:solidFill>
+                  <a:srgbClr val="00B0F0"/>
+                </a:solidFill>
+              </a:rPr>
+              <a:t>;</a:t>
+            </a:r>
+          </a:p>
+        </p:txBody>
+      </p:sp>
+      <p:sp>
+        <p:nvSpPr>
+          <p:cNvPr id="4" name="TextBox 3">
             <a:extLst>
               <a:ext uri="{FF2B5EF4-FFF2-40B4-BE49-F238E27FC236}">
-                <a16:creationId xmlns:a16="http://schemas.microsoft.com/office/drawing/2014/main" id="{5D5C0DB1-FCD0-2193-7033-AB0BEA2196DC}"/>
+                <a16:creationId xmlns:a16="http://schemas.microsoft.com/office/drawing/2014/main" id="{8310F8FB-E4D3-00B2-587D-339C50534E60}"/>
               </a:ext>
             </a:extLst>
           </p:cNvPr>
-          <p:cNvSpPr>
-            <a:spLocks noGrp="1"/>
-          </p:cNvSpPr>
-          <p:nvPr>
-            <p:ph idx="1"/>
-          </p:nvPr>
+          <p:cNvSpPr txBox="1"/>
+          <p:nvPr/>
         </p:nvSpPr>
         <p:spPr>
           <a:xfrm>
-            <a:off x="581193" y="1454172"/>
-            <a:ext cx="11029615" cy="2833809"/>
+            <a:off x="657392" y="705816"/>
+            <a:ext cx="5514808" cy="523220"/>
           </a:xfrm>
+          <a:prstGeom prst="rect">
+            <a:avLst/>
+          </a:prstGeom>
+          <a:noFill/>
         </p:spPr>
         <p:txBody>
-          <a:bodyPr>
-            <a:normAutofit/>
+          <a:bodyPr wrap="square" rtlCol="0">
+            <a:spAutoFit/>
           </a:bodyPr>
           <a:lstStyle/>
           <a:p>
-            <a:pPr>
-              <a:buFont typeface="Wingdings" panose="05000000000000000000" pitchFamily="2" charset="2"/>
-              <a:buChar char="§"/>
-            </a:pPr>
-            <a:r>
-              <a:rPr lang="en-US" b="1" dirty="0"/>
-              <a:t>NYC Emergency Response Planning:</a:t>
-            </a:r>
-            <a:endParaRPr lang="en-US" dirty="0"/>
-          </a:p>
-          <a:p>
-            <a:pPr marL="742950" lvl="1" indent="-285750">
-              <a:buFont typeface="Arial" panose="020B0604020202020204" pitchFamily="34" charset="0"/>
-              <a:buChar char="•"/>
-            </a:pPr>
-            <a:r>
-              <a:rPr lang="en-US" dirty="0"/>
-              <a:t>Buffer zones around subway stations are used to plan emergency evacuation routes and resource allocation.</a:t>
-            </a:r>
-          </a:p>
-          <a:p>
-            <a:pPr marL="742950" lvl="1" indent="-285750">
-              <a:buFont typeface="Arial" panose="020B0604020202020204" pitchFamily="34" charset="0"/>
-              <a:buChar char="•"/>
-            </a:pPr>
-            <a:r>
-              <a:rPr lang="en-US" b="1" dirty="0"/>
-              <a:t>Example:</a:t>
-            </a:r>
-            <a:r>
-              <a:rPr lang="en-US" dirty="0"/>
-              <a:t> During Hurricane Sandy, buffer analysis helped identify critical infrastructure within flood-prone zones, aiding in evacuation and resource deployment.</a:t>
-            </a:r>
-          </a:p>
-          <a:p>
-            <a:pPr marL="594000" lvl="2" indent="0">
-              <a:buNone/>
-            </a:pPr>
-            <a:r>
-              <a:rPr lang="en-US" dirty="0">
-                <a:solidFill>
-                  <a:srgbClr val="00B0F0"/>
-                </a:solidFill>
-              </a:rPr>
-              <a:t>SELECT st.NAME AS </a:t>
-            </a:r>
-            <a:r>
-              <a:rPr lang="en-US" dirty="0" err="1">
-                <a:solidFill>
-                  <a:srgbClr val="00B0F0"/>
-                </a:solidFill>
-              </a:rPr>
-              <a:t>station_name</a:t>
-            </a:r>
-            <a:r>
-              <a:rPr lang="en-US" dirty="0">
-                <a:solidFill>
-                  <a:srgbClr val="00B0F0"/>
-                </a:solidFill>
-              </a:rPr>
-              <a:t>, s.NAME AS </a:t>
-            </a:r>
-            <a:r>
-              <a:rPr lang="en-US" dirty="0" err="1">
-                <a:solidFill>
-                  <a:srgbClr val="00B0F0"/>
-                </a:solidFill>
-              </a:rPr>
-              <a:t>street_name</a:t>
-            </a:r>
-            <a:r>
-              <a:rPr lang="en-US" dirty="0">
-                <a:solidFill>
-                  <a:srgbClr val="00B0F0"/>
-                </a:solidFill>
-              </a:rPr>
-              <a:t>  </a:t>
-            </a:r>
-          </a:p>
-          <a:p>
-            <a:pPr marL="594000" lvl="2" indent="0">
-              <a:buNone/>
-            </a:pPr>
-            <a:r>
-              <a:rPr lang="en-US" dirty="0">
-                <a:solidFill>
-                  <a:srgbClr val="00B0F0"/>
-                </a:solidFill>
-              </a:rPr>
-              <a:t>FROM </a:t>
-            </a:r>
-            <a:r>
-              <a:rPr lang="en-US" dirty="0" err="1">
-                <a:solidFill>
-                  <a:srgbClr val="00B0F0"/>
-                </a:solidFill>
-              </a:rPr>
-              <a:t>nyc_subway_stations</a:t>
-            </a:r>
-            <a:r>
-              <a:rPr lang="en-US" dirty="0">
-                <a:solidFill>
-                  <a:srgbClr val="00B0F0"/>
-                </a:solidFill>
-              </a:rPr>
-              <a:t> </a:t>
-            </a:r>
-            <a:r>
-              <a:rPr lang="en-US" dirty="0" err="1">
-                <a:solidFill>
-                  <a:srgbClr val="00B0F0"/>
-                </a:solidFill>
-              </a:rPr>
-              <a:t>st</a:t>
-            </a:r>
-            <a:r>
-              <a:rPr lang="en-US" dirty="0">
-                <a:solidFill>
-                  <a:srgbClr val="00B0F0"/>
-                </a:solidFill>
-              </a:rPr>
-              <a:t>, </a:t>
-            </a:r>
-            <a:r>
-              <a:rPr lang="en-US" dirty="0" err="1">
-                <a:solidFill>
-                  <a:srgbClr val="00B0F0"/>
-                </a:solidFill>
-              </a:rPr>
-              <a:t>nyc_streets</a:t>
-            </a:r>
-            <a:r>
-              <a:rPr lang="en-US" dirty="0">
-                <a:solidFill>
-                  <a:srgbClr val="00B0F0"/>
-                </a:solidFill>
-              </a:rPr>
-              <a:t> s  </a:t>
-            </a:r>
-          </a:p>
-          <a:p>
-            <a:pPr marL="594000" lvl="2" indent="0">
-              <a:buNone/>
-            </a:pPr>
-            <a:r>
-              <a:rPr lang="en-US" dirty="0">
-                <a:solidFill>
-                  <a:srgbClr val="00B0F0"/>
-                </a:solidFill>
-              </a:rPr>
-              <a:t>WHERE </a:t>
-            </a:r>
-            <a:r>
-              <a:rPr lang="en-US" dirty="0" err="1">
-                <a:solidFill>
-                  <a:srgbClr val="00B0F0"/>
-                </a:solidFill>
-              </a:rPr>
-              <a:t>ST_DWithin</a:t>
-            </a:r>
-            <a:r>
-              <a:rPr lang="en-US" dirty="0">
-                <a:solidFill>
-                  <a:srgbClr val="00B0F0"/>
-                </a:solidFill>
-              </a:rPr>
-              <a:t>(</a:t>
-            </a:r>
-            <a:r>
-              <a:rPr lang="en-US" dirty="0" err="1">
-                <a:solidFill>
-                  <a:srgbClr val="00B0F0"/>
-                </a:solidFill>
-              </a:rPr>
-              <a:t>st.geometry</a:t>
-            </a:r>
-            <a:r>
-              <a:rPr lang="en-US" dirty="0">
-                <a:solidFill>
-                  <a:srgbClr val="00B0F0"/>
-                </a:solidFill>
-              </a:rPr>
-              <a:t>, </a:t>
-            </a:r>
-            <a:r>
-              <a:rPr lang="en-US" dirty="0" err="1">
-                <a:solidFill>
-                  <a:srgbClr val="00B0F0"/>
-                </a:solidFill>
-              </a:rPr>
-              <a:t>s.geometry</a:t>
-            </a:r>
-            <a:r>
-              <a:rPr lang="en-US" dirty="0">
-                <a:solidFill>
-                  <a:srgbClr val="00B0F0"/>
-                </a:solidFill>
-              </a:rPr>
-              <a:t>, 300)  AND </a:t>
-            </a:r>
-            <a:r>
-              <a:rPr lang="en-US" dirty="0" err="1">
-                <a:solidFill>
-                  <a:srgbClr val="00B0F0"/>
-                </a:solidFill>
-              </a:rPr>
-              <a:t>st.BOROUGH</a:t>
-            </a:r>
-            <a:r>
-              <a:rPr lang="en-US" dirty="0">
-                <a:solidFill>
-                  <a:srgbClr val="00B0F0"/>
-                </a:solidFill>
-              </a:rPr>
-              <a:t> = 'Manhattan'  AND </a:t>
-            </a:r>
-            <a:r>
-              <a:rPr lang="en-US" dirty="0" err="1">
-                <a:solidFill>
-                  <a:srgbClr val="00B0F0"/>
-                </a:solidFill>
-              </a:rPr>
-              <a:t>s.TYPE</a:t>
-            </a:r>
-            <a:r>
-              <a:rPr lang="en-US" dirty="0">
-                <a:solidFill>
-                  <a:srgbClr val="00B0F0"/>
-                </a:solidFill>
-              </a:rPr>
-              <a:t> = 'residential';</a:t>
-            </a:r>
+            <a:r>
+              <a:rPr lang="en-US" sz="2800" dirty="0"/>
+              <a:t>Ex</a:t>
+            </a:r>
+            <a:r>
+              <a:rPr lang="en-US" altLang="zh-CN" sz="2800" dirty="0"/>
+              <a:t>ample 2</a:t>
+            </a:r>
+            <a:r>
+              <a:rPr lang="en-US" sz="2800" dirty="0"/>
+              <a:t>: </a:t>
+            </a:r>
+            <a:r>
+              <a:rPr lang="en-US" sz="2800" dirty="0" err="1"/>
+              <a:t>ST_Intersects</a:t>
+            </a:r>
+            <a:endParaRPr lang="en-US" sz="2800" dirty="0"/>
           </a:p>
         </p:txBody>
       </p:sp>
     </p:spTree>
     <p:extLst>
       <p:ext uri="{BB962C8B-B14F-4D97-AF65-F5344CB8AC3E}">
-        <p14:creationId xmlns:p14="http://schemas.microsoft.com/office/powerpoint/2010/main" val="3118275270"/>
+        <p14:creationId xmlns:p14="http://schemas.microsoft.com/office/powerpoint/2010/main" val="1207980653"/>
       </p:ext>
     </p:extLst>
   </p:cSld>
@@ -6907,10 +9106,10 @@
       </p:grpSpPr>
       <p:sp>
         <p:nvSpPr>
-          <p:cNvPr id="2" name="Title 1">
+          <p:cNvPr id="3" name="Content Placeholder 2">
             <a:extLst>
               <a:ext uri="{FF2B5EF4-FFF2-40B4-BE49-F238E27FC236}">
-                <a16:creationId xmlns:a16="http://schemas.microsoft.com/office/drawing/2014/main" id="{64E36CD5-3DBF-BAE6-7CF6-585C5F525485}"/>
+                <a16:creationId xmlns:a16="http://schemas.microsoft.com/office/drawing/2014/main" id="{0A27886B-078C-2661-2217-FCE82618A57B}"/>
               </a:ext>
             </a:extLst>
           </p:cNvPr>
@@ -6918,129 +9117,193 @@
             <a:spLocks noGrp="1"/>
           </p:cNvSpPr>
           <p:nvPr>
-            <p:ph type="title"/>
-          </p:nvPr>
-        </p:nvSpPr>
-        <p:spPr/>
-        <p:txBody>
-          <a:bodyPr/>
+            <p:ph idx="1"/>
+          </p:nvPr>
+        </p:nvSpPr>
+        <p:spPr>
+          <a:xfrm>
+            <a:off x="581191" y="1369314"/>
+            <a:ext cx="11029615" cy="2497836"/>
+          </a:xfrm>
+        </p:spPr>
+        <p:txBody>
+          <a:bodyPr>
+            <a:normAutofit/>
+          </a:bodyPr>
           <a:lstStyle/>
           <a:p>
             <a:r>
-              <a:rPr lang="en-US" dirty="0"/>
-              <a:t>TOOLS IN PGADMIN 4 – MATERIALIZED VIEWS</a:t>
-            </a:r>
-          </a:p>
-        </p:txBody>
-      </p:sp>
-      <p:sp>
-        <p:nvSpPr>
-          <p:cNvPr id="3" name="Content Placeholder 2">
+              <a:rPr lang="en-US" sz="2000" dirty="0"/>
+              <a:t>Identify neighborhoods with more than 3 subway stations</a:t>
+            </a:r>
+          </a:p>
+          <a:p>
+            <a:pPr marL="324000" lvl="1" indent="0">
+              <a:buNone/>
+            </a:pPr>
+            <a:r>
+              <a:rPr lang="en-US" sz="1800" dirty="0">
+                <a:solidFill>
+                  <a:srgbClr val="00B0F0"/>
+                </a:solidFill>
+              </a:rPr>
+              <a:t>SELECT </a:t>
+            </a:r>
+            <a:r>
+              <a:rPr lang="en-US" sz="1800" dirty="0" err="1">
+                <a:solidFill>
+                  <a:srgbClr val="00B0F0"/>
+                </a:solidFill>
+              </a:rPr>
+              <a:t>boroname</a:t>
+            </a:r>
+            <a:r>
+              <a:rPr lang="en-US" sz="1800" dirty="0">
+                <a:solidFill>
+                  <a:srgbClr val="00B0F0"/>
+                </a:solidFill>
+              </a:rPr>
+              <a:t>, COUNT(*) AS </a:t>
+            </a:r>
+            <a:r>
+              <a:rPr lang="en-US" sz="1800" dirty="0" err="1">
+                <a:solidFill>
+                  <a:srgbClr val="00B0F0"/>
+                </a:solidFill>
+              </a:rPr>
+              <a:t>station_count</a:t>
+            </a:r>
+            <a:endParaRPr lang="en-US" sz="1800" dirty="0">
+              <a:solidFill>
+                <a:srgbClr val="00B0F0"/>
+              </a:solidFill>
+            </a:endParaRPr>
+          </a:p>
+          <a:p>
+            <a:pPr marL="324000" lvl="1" indent="0">
+              <a:buNone/>
+            </a:pPr>
+            <a:r>
+              <a:rPr lang="en-US" sz="1800" dirty="0">
+                <a:solidFill>
+                  <a:srgbClr val="00B0F0"/>
+                </a:solidFill>
+              </a:rPr>
+              <a:t>FROM ch05.neighborhoods, ch05.subway</a:t>
+            </a:r>
+          </a:p>
+          <a:p>
+            <a:pPr marL="324000" lvl="1" indent="0">
+              <a:buNone/>
+            </a:pPr>
+            <a:r>
+              <a:rPr lang="en-US" sz="1800" dirty="0">
+                <a:solidFill>
+                  <a:srgbClr val="00B0F0"/>
+                </a:solidFill>
+              </a:rPr>
+              <a:t>WHERE </a:t>
+            </a:r>
+            <a:r>
+              <a:rPr lang="en-US" sz="1800" dirty="0" err="1">
+                <a:solidFill>
+                  <a:srgbClr val="00B0F0"/>
+                </a:solidFill>
+              </a:rPr>
+              <a:t>ST_Intersects</a:t>
+            </a:r>
+            <a:r>
+              <a:rPr lang="en-US" sz="1800" dirty="0">
+                <a:solidFill>
+                  <a:srgbClr val="00B0F0"/>
+                </a:solidFill>
+              </a:rPr>
+              <a:t>(ch05.neighborhoods.geom, ch05.subway.geom)</a:t>
+            </a:r>
+          </a:p>
+          <a:p>
+            <a:pPr marL="324000" lvl="1" indent="0">
+              <a:buNone/>
+            </a:pPr>
+            <a:r>
+              <a:rPr lang="en-US" sz="1800" dirty="0">
+                <a:solidFill>
+                  <a:srgbClr val="00B0F0"/>
+                </a:solidFill>
+              </a:rPr>
+              <a:t>GROUP BY </a:t>
+            </a:r>
+            <a:r>
+              <a:rPr lang="en-US" sz="1800" dirty="0" err="1">
+                <a:solidFill>
+                  <a:srgbClr val="00B0F0"/>
+                </a:solidFill>
+              </a:rPr>
+              <a:t>boronameHAVING</a:t>
+            </a:r>
+            <a:r>
+              <a:rPr lang="en-US" sz="1800" dirty="0">
+                <a:solidFill>
+                  <a:srgbClr val="00B0F0"/>
+                </a:solidFill>
+              </a:rPr>
+              <a:t> COUNT(*) &gt; 3;</a:t>
+            </a:r>
+          </a:p>
+        </p:txBody>
+      </p:sp>
+      <p:sp>
+        <p:nvSpPr>
+          <p:cNvPr id="4" name="TextBox 3">
             <a:extLst>
               <a:ext uri="{FF2B5EF4-FFF2-40B4-BE49-F238E27FC236}">
-                <a16:creationId xmlns:a16="http://schemas.microsoft.com/office/drawing/2014/main" id="{861D47DB-0F47-DE91-A1F8-68D7581EF238}"/>
+                <a16:creationId xmlns:a16="http://schemas.microsoft.com/office/drawing/2014/main" id="{AAB78236-2600-771A-940B-F5FEF9D7F03C}"/>
               </a:ext>
             </a:extLst>
           </p:cNvPr>
-          <p:cNvSpPr>
-            <a:spLocks noGrp="1"/>
-          </p:cNvSpPr>
-          <p:nvPr>
-            <p:ph idx="1"/>
-          </p:nvPr>
+          <p:cNvSpPr txBox="1"/>
+          <p:nvPr/>
         </p:nvSpPr>
         <p:spPr>
           <a:xfrm>
-            <a:off x="581192" y="2340864"/>
-            <a:ext cx="11029615" cy="1935861"/>
+            <a:off x="657392" y="686766"/>
+            <a:ext cx="5514808" cy="523220"/>
           </a:xfrm>
+          <a:prstGeom prst="rect">
+            <a:avLst/>
+          </a:prstGeom>
+          <a:noFill/>
         </p:spPr>
         <p:txBody>
-          <a:bodyPr/>
+          <a:bodyPr wrap="square" rtlCol="0">
+            <a:spAutoFit/>
+          </a:bodyPr>
           <a:lstStyle/>
           <a:p>
             <a:r>
-              <a:rPr lang="en-US" dirty="0"/>
-              <a:t>Create materialized views to store complex buffer analysis results for faster querying.</a:t>
-            </a:r>
-          </a:p>
-          <a:p>
-            <a:pPr marL="324000" lvl="1" indent="0">
-              <a:buNone/>
-            </a:pPr>
-            <a:r>
-              <a:rPr lang="en-US" dirty="0">
-                <a:solidFill>
-                  <a:srgbClr val="00B0F0"/>
-                </a:solidFill>
-              </a:rPr>
-              <a:t>CREATE MATERIALIZED VIEW ch05.station_buffers AS </a:t>
-            </a:r>
-          </a:p>
-          <a:p>
-            <a:pPr marL="324000" lvl="1" indent="0">
-              <a:buNone/>
-            </a:pPr>
-            <a:r>
-              <a:rPr lang="en-US" dirty="0">
-                <a:solidFill>
-                  <a:srgbClr val="00B0F0"/>
-                </a:solidFill>
-              </a:rPr>
-              <a:t>SELECT NAME, </a:t>
-            </a:r>
-            <a:r>
-              <a:rPr lang="en-US" dirty="0" err="1">
-                <a:solidFill>
-                  <a:srgbClr val="00B0F0"/>
-                </a:solidFill>
-              </a:rPr>
-              <a:t>ST_Buffer</a:t>
-            </a:r>
-            <a:r>
-              <a:rPr lang="en-US" dirty="0">
-                <a:solidFill>
-                  <a:srgbClr val="00B0F0"/>
-                </a:solidFill>
-              </a:rPr>
-              <a:t>(geometry, 300) AS </a:t>
-            </a:r>
-            <a:r>
-              <a:rPr lang="en-US" dirty="0" err="1">
-                <a:solidFill>
-                  <a:srgbClr val="00B0F0"/>
-                </a:solidFill>
-              </a:rPr>
-              <a:t>buffer_geom</a:t>
-            </a:r>
-            <a:r>
-              <a:rPr lang="en-US" dirty="0">
-                <a:solidFill>
-                  <a:srgbClr val="00B0F0"/>
-                </a:solidFill>
-              </a:rPr>
-              <a:t> </a:t>
-            </a:r>
-          </a:p>
-          <a:p>
-            <a:pPr marL="324000" lvl="1" indent="0">
-              <a:buNone/>
-            </a:pPr>
-            <a:r>
-              <a:rPr lang="en-US" dirty="0">
-                <a:solidFill>
-                  <a:srgbClr val="00B0F0"/>
-                </a:solidFill>
-              </a:rPr>
-              <a:t>FROM ch05.nyc_subway_stations;</a:t>
-            </a:r>
+              <a:rPr lang="en-US" sz="2800" dirty="0"/>
+              <a:t>Exercise</a:t>
+            </a:r>
+            <a:r>
+              <a:rPr lang="en-US" altLang="zh-CN" sz="2800" dirty="0"/>
+              <a:t> 2</a:t>
+            </a:r>
+            <a:r>
+              <a:rPr lang="en-US" sz="2800" dirty="0"/>
+              <a:t>: </a:t>
+            </a:r>
+            <a:r>
+              <a:rPr lang="en-US" sz="2800" dirty="0" err="1"/>
+              <a:t>ST_Intersects</a:t>
+            </a:r>
+            <a:endParaRPr lang="en-US" sz="2800" dirty="0"/>
           </a:p>
         </p:txBody>
       </p:sp>
     </p:spTree>
     <p:extLst>
       <p:ext uri="{BB962C8B-B14F-4D97-AF65-F5344CB8AC3E}">
-        <p14:creationId xmlns:p14="http://schemas.microsoft.com/office/powerpoint/2010/main" val="2854411829"/>
+        <p14:creationId xmlns:p14="http://schemas.microsoft.com/office/powerpoint/2010/main" val="2939602522"/>
       </p:ext>
     </p:extLst>
   </p:cSld>
@@ -7069,10 +9332,10 @@
       </p:grpSpPr>
       <p:sp>
         <p:nvSpPr>
-          <p:cNvPr id="2" name="Title 1">
+          <p:cNvPr id="3" name="Content Placeholder 2">
             <a:extLst>
               <a:ext uri="{FF2B5EF4-FFF2-40B4-BE49-F238E27FC236}">
-                <a16:creationId xmlns:a16="http://schemas.microsoft.com/office/drawing/2014/main" id="{E0EC588A-D6DE-08A3-EFFB-AF7F0822DC33}"/>
+                <a16:creationId xmlns:a16="http://schemas.microsoft.com/office/drawing/2014/main" id="{6852EAD1-F4C9-B93E-1A91-8E84463F87AA}"/>
               </a:ext>
             </a:extLst>
           </p:cNvPr>
@@ -7080,274 +9343,244 @@
             <a:spLocks noGrp="1"/>
           </p:cNvSpPr>
           <p:nvPr>
-            <p:ph type="title"/>
-          </p:nvPr>
-        </p:nvSpPr>
-        <p:spPr/>
-        <p:txBody>
-          <a:bodyPr/>
+            <p:ph idx="1"/>
+          </p:nvPr>
+        </p:nvSpPr>
+        <p:spPr>
+          <a:xfrm>
+            <a:off x="581191" y="1340739"/>
+            <a:ext cx="11029615" cy="2383536"/>
+          </a:xfrm>
+        </p:spPr>
+        <p:txBody>
+          <a:bodyPr>
+            <a:normAutofit/>
+          </a:bodyPr>
           <a:lstStyle/>
           <a:p>
             <a:r>
-              <a:rPr lang="en-US" dirty="0"/>
-              <a:t>TOOLS IN PGADMIN 4 - FUNCTIONS</a:t>
-            </a:r>
-          </a:p>
-        </p:txBody>
-      </p:sp>
-      <p:sp>
-        <p:nvSpPr>
-          <p:cNvPr id="3" name="Content Placeholder 2">
+              <a:rPr lang="en-US" sz="2000" dirty="0"/>
+              <a:t>List all subway stations where express trains stop that are within 50 meters of major roads.</a:t>
+            </a:r>
+          </a:p>
+          <a:p>
+            <a:pPr marL="324000" lvl="1" indent="0">
+              <a:buNone/>
+            </a:pPr>
+            <a:r>
+              <a:rPr lang="en-US" sz="2000" dirty="0">
+                <a:solidFill>
+                  <a:srgbClr val="00B0F0"/>
+                </a:solidFill>
+              </a:rPr>
+              <a:t>SELECT </a:t>
+            </a:r>
+            <a:r>
+              <a:rPr lang="en-US" sz="2000" dirty="0" err="1">
+                <a:solidFill>
+                  <a:srgbClr val="00B0F0"/>
+                </a:solidFill>
+              </a:rPr>
+              <a:t>station_name</a:t>
+            </a:r>
+            <a:r>
+              <a:rPr lang="en-US" sz="2000" dirty="0">
+                <a:solidFill>
+                  <a:srgbClr val="00B0F0"/>
+                </a:solidFill>
+              </a:rPr>
+              <a:t>, name AS </a:t>
+            </a:r>
+            <a:r>
+              <a:rPr lang="en-US" sz="2000" dirty="0" err="1">
+                <a:solidFill>
+                  <a:srgbClr val="00B0F0"/>
+                </a:solidFill>
+              </a:rPr>
+              <a:t>street_name</a:t>
+            </a:r>
+            <a:endParaRPr lang="en-US" sz="2000" dirty="0">
+              <a:solidFill>
+                <a:srgbClr val="00B0F0"/>
+              </a:solidFill>
+            </a:endParaRPr>
+          </a:p>
+          <a:p>
+            <a:pPr marL="324000" lvl="1" indent="0">
+              <a:buNone/>
+            </a:pPr>
+            <a:r>
+              <a:rPr lang="en-US" sz="2000" dirty="0">
+                <a:solidFill>
+                  <a:srgbClr val="00B0F0"/>
+                </a:solidFill>
+              </a:rPr>
+              <a:t>FROM ch05.subway, ch05.streets</a:t>
+            </a:r>
+          </a:p>
+          <a:p>
+            <a:pPr marL="324000" lvl="1" indent="0">
+              <a:buNone/>
+            </a:pPr>
+            <a:r>
+              <a:rPr lang="en-US" sz="2000" dirty="0">
+                <a:solidFill>
+                  <a:srgbClr val="00B0F0"/>
+                </a:solidFill>
+              </a:rPr>
+              <a:t>WHERE </a:t>
+            </a:r>
+            <a:r>
+              <a:rPr lang="en-US" sz="2000" dirty="0" err="1">
+                <a:solidFill>
+                  <a:srgbClr val="00B0F0"/>
+                </a:solidFill>
+              </a:rPr>
+              <a:t>express_stop</a:t>
+            </a:r>
+            <a:r>
+              <a:rPr lang="en-US" sz="2000" dirty="0">
+                <a:solidFill>
+                  <a:srgbClr val="00B0F0"/>
+                </a:solidFill>
+              </a:rPr>
+              <a:t> = '</a:t>
+            </a:r>
+            <a:r>
+              <a:rPr lang="en-US" sz="2000" dirty="0" err="1">
+                <a:solidFill>
+                  <a:srgbClr val="00B0F0"/>
+                </a:solidFill>
+              </a:rPr>
+              <a:t>Yes'AND</a:t>
+            </a:r>
+            <a:r>
+              <a:rPr lang="en-US" sz="2000" dirty="0">
+                <a:solidFill>
+                  <a:srgbClr val="00B0F0"/>
+                </a:solidFill>
+              </a:rPr>
+              <a:t> </a:t>
+            </a:r>
+            <a:r>
+              <a:rPr lang="en-US" sz="2000" dirty="0" err="1">
+                <a:solidFill>
+                  <a:srgbClr val="00B0F0"/>
+                </a:solidFill>
+              </a:rPr>
+              <a:t>road_type</a:t>
+            </a:r>
+            <a:r>
+              <a:rPr lang="en-US" sz="2000" dirty="0">
+                <a:solidFill>
+                  <a:srgbClr val="00B0F0"/>
+                </a:solidFill>
+              </a:rPr>
+              <a:t> = '</a:t>
+            </a:r>
+            <a:r>
+              <a:rPr lang="en-US" sz="2000" dirty="0" err="1">
+                <a:solidFill>
+                  <a:srgbClr val="00B0F0"/>
+                </a:solidFill>
+              </a:rPr>
+              <a:t>Major'AND</a:t>
+            </a:r>
+            <a:r>
+              <a:rPr lang="en-US" sz="2000" dirty="0">
+                <a:solidFill>
+                  <a:srgbClr val="00B0F0"/>
+                </a:solidFill>
+              </a:rPr>
+              <a:t> </a:t>
+            </a:r>
+            <a:r>
+              <a:rPr lang="en-US" sz="2000" dirty="0" err="1">
+                <a:solidFill>
+                  <a:srgbClr val="00B0F0"/>
+                </a:solidFill>
+              </a:rPr>
+              <a:t>ST_Intersects</a:t>
+            </a:r>
+            <a:r>
+              <a:rPr lang="en-US" sz="2000" dirty="0">
+                <a:solidFill>
+                  <a:srgbClr val="00B0F0"/>
+                </a:solidFill>
+              </a:rPr>
+              <a:t>(</a:t>
+            </a:r>
+            <a:r>
+              <a:rPr lang="en-US" sz="2000" dirty="0" err="1">
+                <a:solidFill>
+                  <a:srgbClr val="00B0F0"/>
+                </a:solidFill>
+              </a:rPr>
+              <a:t>ST_Buffer</a:t>
+            </a:r>
+            <a:r>
+              <a:rPr lang="en-US" sz="2000" dirty="0">
+                <a:solidFill>
+                  <a:srgbClr val="00B0F0"/>
+                </a:solidFill>
+              </a:rPr>
+              <a:t>(ch05.subway.geom, 50), ch05.streets.geom);</a:t>
+            </a:r>
+          </a:p>
+        </p:txBody>
+      </p:sp>
+      <p:sp>
+        <p:nvSpPr>
+          <p:cNvPr id="4" name="TextBox 3">
             <a:extLst>
               <a:ext uri="{FF2B5EF4-FFF2-40B4-BE49-F238E27FC236}">
-                <a16:creationId xmlns:a16="http://schemas.microsoft.com/office/drawing/2014/main" id="{BE6037DF-D050-5883-3EC2-3BDD696D1E25}"/>
+                <a16:creationId xmlns:a16="http://schemas.microsoft.com/office/drawing/2014/main" id="{34BC40E0-0BFC-8397-E889-FB43DE254A4C}"/>
               </a:ext>
             </a:extLst>
           </p:cNvPr>
-          <p:cNvSpPr>
-            <a:spLocks noGrp="1"/>
-          </p:cNvSpPr>
-          <p:nvPr>
-            <p:ph idx="1"/>
-          </p:nvPr>
-        </p:nvSpPr>
-        <p:spPr/>
-        <p:txBody>
-          <a:bodyPr>
-            <a:normAutofit lnSpcReduction="10000"/>
+          <p:cNvSpPr txBox="1"/>
+          <p:nvPr/>
+        </p:nvSpPr>
+        <p:spPr>
+          <a:xfrm>
+            <a:off x="657392" y="686766"/>
+            <a:ext cx="5514808" cy="523220"/>
+          </a:xfrm>
+          <a:prstGeom prst="rect">
+            <a:avLst/>
+          </a:prstGeom>
+          <a:noFill/>
+        </p:spPr>
+        <p:txBody>
+          <a:bodyPr wrap="square" rtlCol="0">
+            <a:spAutoFit/>
           </a:bodyPr>
           <a:lstStyle/>
           <a:p>
             <a:r>
-              <a:rPr lang="en-US" dirty="0"/>
-              <a:t>Write custom SQL functions to automate repetitive buffer analysis tasks.</a:t>
-            </a:r>
-          </a:p>
-          <a:p>
-            <a:endParaRPr lang="en-US" dirty="0"/>
-          </a:p>
-          <a:p>
-            <a:pPr marL="324000" lvl="1" indent="0">
-              <a:buNone/>
-            </a:pPr>
-            <a:r>
-              <a:rPr lang="en-US" dirty="0">
-                <a:solidFill>
-                  <a:srgbClr val="00B0F0"/>
-                </a:solidFill>
-              </a:rPr>
-              <a:t>CREATE FUNCTION ch05.get_stations_within_buffer(distance FLOAT) </a:t>
-            </a:r>
-          </a:p>
-          <a:p>
-            <a:pPr marL="324000" lvl="1" indent="0">
-              <a:buNone/>
-            </a:pPr>
-            <a:r>
-              <a:rPr lang="en-US" dirty="0">
-                <a:solidFill>
-                  <a:srgbClr val="00B0F0"/>
-                </a:solidFill>
-              </a:rPr>
-              <a:t>RETURNS TABLE(</a:t>
-            </a:r>
-            <a:r>
-              <a:rPr lang="en-US" dirty="0" err="1">
-                <a:solidFill>
-                  <a:srgbClr val="00B0F0"/>
-                </a:solidFill>
-              </a:rPr>
-              <a:t>station_name</a:t>
-            </a:r>
-            <a:r>
-              <a:rPr lang="en-US" dirty="0">
-                <a:solidFill>
-                  <a:srgbClr val="00B0F0"/>
-                </a:solidFill>
-              </a:rPr>
-              <a:t> TEXT, </a:t>
-            </a:r>
-            <a:r>
-              <a:rPr lang="en-US" dirty="0" err="1">
-                <a:solidFill>
-                  <a:srgbClr val="00B0F0"/>
-                </a:solidFill>
-              </a:rPr>
-              <a:t>street_name</a:t>
-            </a:r>
-            <a:r>
-              <a:rPr lang="en-US" dirty="0">
-                <a:solidFill>
-                  <a:srgbClr val="00B0F0"/>
-                </a:solidFill>
-              </a:rPr>
-              <a:t> TEXT) AS $$</a:t>
-            </a:r>
-          </a:p>
-          <a:p>
-            <a:pPr marL="324000" lvl="1" indent="0">
-              <a:buNone/>
-            </a:pPr>
-            <a:r>
-              <a:rPr lang="en-US" dirty="0">
-                <a:solidFill>
-                  <a:srgbClr val="00B0F0"/>
-                </a:solidFill>
-              </a:rPr>
-              <a:t>BEGIN  </a:t>
-            </a:r>
-          </a:p>
-          <a:p>
-            <a:pPr marL="324000" lvl="1" indent="0">
-              <a:buNone/>
-            </a:pPr>
-            <a:r>
-              <a:rPr lang="en-US" dirty="0">
-                <a:solidFill>
-                  <a:srgbClr val="00B0F0"/>
-                </a:solidFill>
-              </a:rPr>
-              <a:t>RETURN QUERY   </a:t>
-            </a:r>
-          </a:p>
-          <a:p>
-            <a:pPr marL="324000" lvl="1" indent="0">
-              <a:buNone/>
-            </a:pPr>
-            <a:r>
-              <a:rPr lang="en-US" dirty="0">
-                <a:solidFill>
-                  <a:srgbClr val="00B0F0"/>
-                </a:solidFill>
-              </a:rPr>
-              <a:t>SELECT st.NAME, s.NAME   </a:t>
-            </a:r>
-          </a:p>
-          <a:p>
-            <a:pPr marL="324000" lvl="1" indent="0">
-              <a:buNone/>
-            </a:pPr>
-            <a:r>
-              <a:rPr lang="en-US" dirty="0">
-                <a:solidFill>
-                  <a:srgbClr val="00B0F0"/>
-                </a:solidFill>
-              </a:rPr>
-              <a:t>FROM ch05.nyc_subway_stations </a:t>
-            </a:r>
-            <a:r>
-              <a:rPr lang="en-US" dirty="0" err="1">
-                <a:solidFill>
-                  <a:srgbClr val="00B0F0"/>
-                </a:solidFill>
-              </a:rPr>
-              <a:t>st</a:t>
-            </a:r>
-            <a:r>
-              <a:rPr lang="en-US" dirty="0">
-                <a:solidFill>
-                  <a:srgbClr val="00B0F0"/>
-                </a:solidFill>
-              </a:rPr>
-              <a:t>, ch05.nyc_streets s   </a:t>
-            </a:r>
-          </a:p>
-          <a:p>
-            <a:pPr marL="324000" lvl="1" indent="0">
-              <a:buNone/>
-            </a:pPr>
-            <a:r>
-              <a:rPr lang="en-US" dirty="0">
-                <a:solidFill>
-                  <a:srgbClr val="00B0F0"/>
-                </a:solidFill>
-              </a:rPr>
-              <a:t>WHERE </a:t>
-            </a:r>
-            <a:r>
-              <a:rPr lang="en-US" dirty="0" err="1">
-                <a:solidFill>
-                  <a:srgbClr val="00B0F0"/>
-                </a:solidFill>
-              </a:rPr>
-              <a:t>ST_DWithin</a:t>
-            </a:r>
-            <a:r>
-              <a:rPr lang="en-US" dirty="0">
-                <a:solidFill>
-                  <a:srgbClr val="00B0F0"/>
-                </a:solidFill>
-              </a:rPr>
-              <a:t>(</a:t>
-            </a:r>
-            <a:r>
-              <a:rPr lang="en-US" dirty="0" err="1">
-                <a:solidFill>
-                  <a:srgbClr val="00B0F0"/>
-                </a:solidFill>
-              </a:rPr>
-              <a:t>st.geometry</a:t>
-            </a:r>
-            <a:r>
-              <a:rPr lang="en-US" dirty="0">
-                <a:solidFill>
-                  <a:srgbClr val="00B0F0"/>
-                </a:solidFill>
-              </a:rPr>
-              <a:t>, </a:t>
-            </a:r>
-            <a:r>
-              <a:rPr lang="en-US" dirty="0" err="1">
-                <a:solidFill>
-                  <a:srgbClr val="00B0F0"/>
-                </a:solidFill>
-              </a:rPr>
-              <a:t>s.geometry</a:t>
-            </a:r>
-            <a:r>
-              <a:rPr lang="en-US" dirty="0">
-                <a:solidFill>
-                  <a:srgbClr val="00B0F0"/>
-                </a:solidFill>
-              </a:rPr>
-              <a:t>, distance);</a:t>
-            </a:r>
-          </a:p>
-          <a:p>
-            <a:pPr marL="324000" lvl="1" indent="0">
-              <a:buNone/>
-            </a:pPr>
-            <a:r>
-              <a:rPr lang="en-US" dirty="0">
-                <a:solidFill>
-                  <a:srgbClr val="00B0F0"/>
-                </a:solidFill>
-              </a:rPr>
-              <a:t>END;$$ LANGUAGE </a:t>
-            </a:r>
-            <a:r>
-              <a:rPr lang="en-US" dirty="0" err="1">
-                <a:solidFill>
-                  <a:srgbClr val="00B0F0"/>
-                </a:solidFill>
-              </a:rPr>
-              <a:t>plpgsql</a:t>
-            </a:r>
-            <a:r>
-              <a:rPr lang="en-US" dirty="0">
-                <a:solidFill>
-                  <a:srgbClr val="00B0F0"/>
-                </a:solidFill>
-              </a:rPr>
-              <a:t>;</a:t>
-            </a:r>
+              <a:rPr lang="en-US" sz="2800" dirty="0"/>
+              <a:t>Example</a:t>
+            </a:r>
+            <a:r>
+              <a:rPr lang="en-US" altLang="zh-CN" sz="2800" dirty="0"/>
+              <a:t> 3</a:t>
+            </a:r>
+            <a:r>
+              <a:rPr lang="en-US" sz="2800" dirty="0"/>
+              <a:t>: </a:t>
+            </a:r>
+            <a:r>
+              <a:rPr lang="en-US" sz="2800" dirty="0" err="1"/>
+              <a:t>ST_Intersects</a:t>
+            </a:r>
+            <a:endParaRPr lang="en-US" sz="2800" dirty="0"/>
           </a:p>
         </p:txBody>
       </p:sp>
     </p:spTree>
     <p:extLst>
       <p:ext uri="{BB962C8B-B14F-4D97-AF65-F5344CB8AC3E}">
-        <p14:creationId xmlns:p14="http://schemas.microsoft.com/office/powerpoint/2010/main" val="2221672660"/>
+        <p14:creationId xmlns:p14="http://schemas.microsoft.com/office/powerpoint/2010/main" val="3669766929"/>
       </p:ext>
     </p:extLst>
   </p:cSld>

--- a/docs/Lectures/Week05/Week05_Park02.pptx
+++ b/docs/Lectures/Week05/Week05_Park02.pptx
@@ -5,10 +5,10 @@
     <p:sldMasterId id="2147483685" r:id="rId1"/>
   </p:sldMasterIdLst>
   <p:notesMasterIdLst>
-    <p:notesMasterId r:id="rId22"/>
+    <p:notesMasterId r:id="rId19"/>
   </p:notesMasterIdLst>
   <p:handoutMasterIdLst>
-    <p:handoutMasterId r:id="rId23"/>
+    <p:handoutMasterId r:id="rId20"/>
   </p:handoutMasterIdLst>
   <p:sldIdLst>
     <p:sldId id="256" r:id="rId2"/>
@@ -20,17 +20,14 @@
     <p:sldId id="343" r:id="rId8"/>
     <p:sldId id="344" r:id="rId9"/>
     <p:sldId id="345" r:id="rId10"/>
-    <p:sldId id="346" r:id="rId11"/>
-    <p:sldId id="347" r:id="rId12"/>
-    <p:sldId id="348" r:id="rId13"/>
-    <p:sldId id="349" r:id="rId14"/>
-    <p:sldId id="350" r:id="rId15"/>
-    <p:sldId id="351" r:id="rId16"/>
-    <p:sldId id="327" r:id="rId17"/>
-    <p:sldId id="326" r:id="rId18"/>
-    <p:sldId id="330" r:id="rId19"/>
-    <p:sldId id="331" r:id="rId20"/>
-    <p:sldId id="332" r:id="rId21"/>
+    <p:sldId id="347" r:id="rId11"/>
+    <p:sldId id="348" r:id="rId12"/>
+    <p:sldId id="349" r:id="rId13"/>
+    <p:sldId id="350" r:id="rId14"/>
+    <p:sldId id="351" r:id="rId15"/>
+    <p:sldId id="330" r:id="rId16"/>
+    <p:sldId id="331" r:id="rId17"/>
+    <p:sldId id="332" r:id="rId18"/>
   </p:sldIdLst>
   <p:sldSz cx="12192000" cy="6858000"/>
   <p:notesSz cx="6858000" cy="9144000"/>
@@ -4832,315 +4829,6 @@
           <p:cNvPr id="3" name="Content Placeholder 2">
             <a:extLst>
               <a:ext uri="{FF2B5EF4-FFF2-40B4-BE49-F238E27FC236}">
-                <a16:creationId xmlns:a16="http://schemas.microsoft.com/office/drawing/2014/main" id="{FA1B1DC5-5C8F-51D6-2B65-9F6B52B8848E}"/>
-              </a:ext>
-            </a:extLst>
-          </p:cNvPr>
-          <p:cNvSpPr>
-            <a:spLocks noGrp="1"/>
-          </p:cNvSpPr>
-          <p:nvPr>
-            <p:ph idx="1"/>
-          </p:nvPr>
-        </p:nvSpPr>
-        <p:spPr>
-          <a:xfrm>
-            <a:off x="581192" y="1426464"/>
-            <a:ext cx="11029615" cy="2697861"/>
-          </a:xfrm>
-        </p:spPr>
-        <p:txBody>
-          <a:bodyPr>
-            <a:normAutofit/>
-          </a:bodyPr>
-          <a:lstStyle/>
-          <a:p>
-            <a:r>
-              <a:rPr lang="en-US" sz="2000" dirty="0"/>
-              <a:t>List express subway stations within 50 meters of one-way major streets.</a:t>
-            </a:r>
-          </a:p>
-          <a:p>
-            <a:pPr marL="324000" lvl="1" indent="0">
-              <a:buNone/>
-            </a:pPr>
-            <a:r>
-              <a:rPr lang="en-US" sz="2000" dirty="0">
-                <a:solidFill>
-                  <a:srgbClr val="00B0F0"/>
-                </a:solidFill>
-              </a:rPr>
-              <a:t>SELECT </a:t>
-            </a:r>
-            <a:r>
-              <a:rPr lang="en-US" sz="2000" dirty="0" err="1">
-                <a:solidFill>
-                  <a:srgbClr val="00B0F0"/>
-                </a:solidFill>
-              </a:rPr>
-              <a:t>station_name</a:t>
-            </a:r>
-            <a:r>
-              <a:rPr lang="en-US" sz="2000" dirty="0">
-                <a:solidFill>
-                  <a:srgbClr val="00B0F0"/>
-                </a:solidFill>
-              </a:rPr>
-              <a:t>, name AS </a:t>
-            </a:r>
-            <a:r>
-              <a:rPr lang="en-US" sz="2000" dirty="0" err="1">
-                <a:solidFill>
-                  <a:srgbClr val="00B0F0"/>
-                </a:solidFill>
-              </a:rPr>
-              <a:t>street_name</a:t>
-            </a:r>
-            <a:endParaRPr lang="en-US" sz="2000" dirty="0">
-              <a:solidFill>
-                <a:srgbClr val="00B0F0"/>
-              </a:solidFill>
-            </a:endParaRPr>
-          </a:p>
-          <a:p>
-            <a:pPr marL="324000" lvl="1" indent="0">
-              <a:buNone/>
-            </a:pPr>
-            <a:r>
-              <a:rPr lang="en-US" sz="2000" dirty="0">
-                <a:solidFill>
-                  <a:srgbClr val="00B0F0"/>
-                </a:solidFill>
-              </a:rPr>
-              <a:t>FROM ch05.subway, ch05.streets</a:t>
-            </a:r>
-          </a:p>
-          <a:p>
-            <a:pPr marL="324000" lvl="1" indent="0">
-              <a:buNone/>
-            </a:pPr>
-            <a:r>
-              <a:rPr lang="en-US" sz="2000" dirty="0">
-                <a:solidFill>
-                  <a:srgbClr val="00B0F0"/>
-                </a:solidFill>
-              </a:rPr>
-              <a:t>WHERE </a:t>
-            </a:r>
-            <a:r>
-              <a:rPr lang="en-US" sz="2000" dirty="0" err="1">
-                <a:solidFill>
-                  <a:srgbClr val="00B0F0"/>
-                </a:solidFill>
-              </a:rPr>
-              <a:t>express_stop</a:t>
-            </a:r>
-            <a:r>
-              <a:rPr lang="en-US" sz="2000" dirty="0">
-                <a:solidFill>
-                  <a:srgbClr val="00B0F0"/>
-                </a:solidFill>
-              </a:rPr>
-              <a:t> = '</a:t>
-            </a:r>
-            <a:r>
-              <a:rPr lang="en-US" sz="2000" dirty="0" err="1">
-                <a:solidFill>
-                  <a:srgbClr val="00B0F0"/>
-                </a:solidFill>
-              </a:rPr>
-              <a:t>Yes'AND</a:t>
-            </a:r>
-            <a:r>
-              <a:rPr lang="en-US" sz="2000" dirty="0">
-                <a:solidFill>
-                  <a:srgbClr val="00B0F0"/>
-                </a:solidFill>
-              </a:rPr>
-              <a:t> </a:t>
-            </a:r>
-            <a:r>
-              <a:rPr lang="en-US" sz="2000" dirty="0" err="1">
-                <a:solidFill>
-                  <a:srgbClr val="00B0F0"/>
-                </a:solidFill>
-              </a:rPr>
-              <a:t>road_type</a:t>
-            </a:r>
-            <a:r>
-              <a:rPr lang="en-US" sz="2000" dirty="0">
-                <a:solidFill>
-                  <a:srgbClr val="00B0F0"/>
-                </a:solidFill>
-              </a:rPr>
-              <a:t> = '</a:t>
-            </a:r>
-            <a:r>
-              <a:rPr lang="en-US" sz="2000" dirty="0" err="1">
-                <a:solidFill>
-                  <a:srgbClr val="00B0F0"/>
-                </a:solidFill>
-              </a:rPr>
-              <a:t>Major'AND</a:t>
-            </a:r>
-            <a:r>
-              <a:rPr lang="en-US" sz="2000" dirty="0">
-                <a:solidFill>
-                  <a:srgbClr val="00B0F0"/>
-                </a:solidFill>
-              </a:rPr>
-              <a:t> </a:t>
-            </a:r>
-            <a:r>
-              <a:rPr lang="en-US" sz="2000" dirty="0" err="1">
-                <a:solidFill>
-                  <a:srgbClr val="00B0F0"/>
-                </a:solidFill>
-              </a:rPr>
-              <a:t>oneway</a:t>
-            </a:r>
-            <a:r>
-              <a:rPr lang="en-US" sz="2000" dirty="0">
-                <a:solidFill>
-                  <a:srgbClr val="00B0F0"/>
-                </a:solidFill>
-              </a:rPr>
-              <a:t> = '</a:t>
-            </a:r>
-            <a:r>
-              <a:rPr lang="en-US" sz="2000" dirty="0" err="1">
-                <a:solidFill>
-                  <a:srgbClr val="00B0F0"/>
-                </a:solidFill>
-              </a:rPr>
-              <a:t>Yes'AND</a:t>
-            </a:r>
-            <a:r>
-              <a:rPr lang="en-US" sz="2000" dirty="0">
-                <a:solidFill>
-                  <a:srgbClr val="00B0F0"/>
-                </a:solidFill>
-              </a:rPr>
-              <a:t> </a:t>
-            </a:r>
-            <a:r>
-              <a:rPr lang="en-US" sz="2000" dirty="0" err="1">
-                <a:solidFill>
-                  <a:srgbClr val="00B0F0"/>
-                </a:solidFill>
-              </a:rPr>
-              <a:t>ST_Intersects</a:t>
-            </a:r>
-            <a:r>
-              <a:rPr lang="en-US" sz="2000" dirty="0">
-                <a:solidFill>
-                  <a:srgbClr val="00B0F0"/>
-                </a:solidFill>
-              </a:rPr>
-              <a:t>(</a:t>
-            </a:r>
-            <a:r>
-              <a:rPr lang="en-US" sz="2000" dirty="0" err="1">
-                <a:solidFill>
-                  <a:srgbClr val="00B0F0"/>
-                </a:solidFill>
-              </a:rPr>
-              <a:t>ST_Buffer</a:t>
-            </a:r>
-            <a:r>
-              <a:rPr lang="en-US" sz="2000" dirty="0">
-                <a:solidFill>
-                  <a:srgbClr val="00B0F0"/>
-                </a:solidFill>
-              </a:rPr>
-              <a:t>(ch05.subway.geom, 50), ch05.streets.geom);</a:t>
-            </a:r>
-          </a:p>
-        </p:txBody>
-      </p:sp>
-      <p:sp>
-        <p:nvSpPr>
-          <p:cNvPr id="4" name="TextBox 3">
-            <a:extLst>
-              <a:ext uri="{FF2B5EF4-FFF2-40B4-BE49-F238E27FC236}">
-                <a16:creationId xmlns:a16="http://schemas.microsoft.com/office/drawing/2014/main" id="{315A5990-DC54-DDC4-3634-E4DBE02D943E}"/>
-              </a:ext>
-            </a:extLst>
-          </p:cNvPr>
-          <p:cNvSpPr txBox="1"/>
-          <p:nvPr/>
-        </p:nvSpPr>
-        <p:spPr>
-          <a:xfrm>
-            <a:off x="504992" y="743916"/>
-            <a:ext cx="5514808" cy="523220"/>
-          </a:xfrm>
-          <a:prstGeom prst="rect">
-            <a:avLst/>
-          </a:prstGeom>
-          <a:noFill/>
-        </p:spPr>
-        <p:txBody>
-          <a:bodyPr wrap="square" rtlCol="0">
-            <a:spAutoFit/>
-          </a:bodyPr>
-          <a:lstStyle/>
-          <a:p>
-            <a:r>
-              <a:rPr lang="en-US" sz="2800" dirty="0"/>
-              <a:t>Exercise</a:t>
-            </a:r>
-            <a:r>
-              <a:rPr lang="en-US" altLang="zh-CN" sz="2800" dirty="0"/>
-              <a:t> 3</a:t>
-            </a:r>
-            <a:r>
-              <a:rPr lang="en-US" sz="2800" dirty="0"/>
-              <a:t>: </a:t>
-            </a:r>
-            <a:r>
-              <a:rPr lang="en-US" sz="2800" dirty="0" err="1"/>
-              <a:t>ST_Intersects</a:t>
-            </a:r>
-            <a:endParaRPr lang="en-US" sz="2800" dirty="0"/>
-          </a:p>
-        </p:txBody>
-      </p:sp>
-    </p:spTree>
-    <p:extLst>
-      <p:ext uri="{BB962C8B-B14F-4D97-AF65-F5344CB8AC3E}">
-        <p14:creationId xmlns:p14="http://schemas.microsoft.com/office/powerpoint/2010/main" val="3127353908"/>
-      </p:ext>
-    </p:extLst>
-  </p:cSld>
-  <p:clrMapOvr>
-    <a:masterClrMapping/>
-  </p:clrMapOvr>
-</p:sld>
-</file>
-
-<file path=ppt/slides/slide11.xml><?xml version="1.0" encoding="utf-8"?>
-<p:sld xmlns:a="http://schemas.openxmlformats.org/drawingml/2006/main" xmlns:r="http://schemas.openxmlformats.org/officeDocument/2006/relationships" xmlns:p="http://schemas.openxmlformats.org/presentationml/2006/main">
-  <p:cSld>
-    <p:spTree>
-      <p:nvGrpSpPr>
-        <p:cNvPr id="1" name=""/>
-        <p:cNvGrpSpPr/>
-        <p:nvPr/>
-      </p:nvGrpSpPr>
-      <p:grpSpPr>
-        <a:xfrm>
-          <a:off x="0" y="0"/>
-          <a:ext cx="0" cy="0"/>
-          <a:chOff x="0" y="0"/>
-          <a:chExt cx="0" cy="0"/>
-        </a:xfrm>
-      </p:grpSpPr>
-      <p:sp>
-        <p:nvSpPr>
-          <p:cNvPr id="3" name="Content Placeholder 2">
-            <a:extLst>
-              <a:ext uri="{FF2B5EF4-FFF2-40B4-BE49-F238E27FC236}">
                 <a16:creationId xmlns:a16="http://schemas.microsoft.com/office/drawing/2014/main" id="{6E4898B9-733B-2765-4ABA-D82A5BB6E3E1}"/>
               </a:ext>
             </a:extLst>
@@ -5155,19 +4843,27 @@
         <p:spPr>
           <a:xfrm>
             <a:off x="581192" y="1426463"/>
-            <a:ext cx="5324308" cy="1535811"/>
+            <a:ext cx="5324308" cy="1935862"/>
           </a:xfrm>
         </p:spPr>
         <p:txBody>
           <a:bodyPr>
-            <a:normAutofit/>
+            <a:normAutofit lnSpcReduction="10000"/>
           </a:bodyPr>
           <a:lstStyle/>
           <a:p>
             <a:r>
+              <a:rPr lang="en-US" dirty="0">
+                <a:solidFill>
+                  <a:schemeClr val="tx1"/>
+                </a:solidFill>
+              </a:rPr>
+              <a:t>The opposite of </a:t>
+            </a:r>
+            <a:r>
               <a:rPr lang="en-US" dirty="0" err="1">
                 <a:solidFill>
-                  <a:srgbClr val="00B0F0"/>
+                  <a:schemeClr val="tx1"/>
                 </a:solidFill>
               </a:rPr>
               <a:t>ST_Intersects</a:t>
@@ -5175,14 +4871,34 @@
             <a:r>
               <a:rPr lang="en-US" dirty="0">
                 <a:solidFill>
-                  <a:srgbClr val="00B0F0"/>
-                </a:solidFill>
-              </a:rPr>
-              <a:t>(geometry A, geometry B) </a:t>
-            </a:r>
-            <a:r>
-              <a:rPr lang="en-US" dirty="0"/>
-              <a:t>returns (TRUE) if the two shapes have any space in common, i.e., if their boundaries or interiors intersect.</a:t>
+                  <a:schemeClr val="tx1"/>
+                </a:solidFill>
+              </a:rPr>
+              <a:t> is </a:t>
+            </a:r>
+            <a:r>
+              <a:rPr lang="en-US" dirty="0" err="1">
+                <a:solidFill>
+                  <a:srgbClr val="00B0F0"/>
+                </a:solidFill>
+              </a:rPr>
+              <a:t>ST_Disjoint</a:t>
+            </a:r>
+            <a:r>
+              <a:rPr lang="en-US" dirty="0">
+                <a:solidFill>
+                  <a:srgbClr val="00B0F0"/>
+                </a:solidFill>
+              </a:rPr>
+              <a:t>(geometry A , geometry B). </a:t>
+            </a:r>
+            <a:r>
+              <a:rPr lang="en-US" dirty="0">
+                <a:solidFill>
+                  <a:schemeClr val="tx1"/>
+                </a:solidFill>
+              </a:rPr>
+              <a:t>If two geometries are disjoint, they do not intersect, and vice-versa. In fact, it is often more efficient to test “not intersects” than to test “disjoint” because the intersects tests can be spatially indexed, while the disjoint test cannot.</a:t>
             </a:r>
           </a:p>
         </p:txBody>
@@ -5266,6 +4982,220 @@
 </p:sld>
 </file>
 
+<file path=ppt/slides/slide11.xml><?xml version="1.0" encoding="utf-8"?>
+<p:sld xmlns:a="http://schemas.openxmlformats.org/drawingml/2006/main" xmlns:r="http://schemas.openxmlformats.org/officeDocument/2006/relationships" xmlns:p="http://schemas.openxmlformats.org/presentationml/2006/main">
+  <p:cSld>
+    <p:spTree>
+      <p:nvGrpSpPr>
+        <p:cNvPr id="1" name=""/>
+        <p:cNvGrpSpPr/>
+        <p:nvPr/>
+      </p:nvGrpSpPr>
+      <p:grpSpPr>
+        <a:xfrm>
+          <a:off x="0" y="0"/>
+          <a:ext cx="0" cy="0"/>
+          <a:chOff x="0" y="0"/>
+          <a:chExt cx="0" cy="0"/>
+        </a:xfrm>
+      </p:grpSpPr>
+      <p:sp>
+        <p:nvSpPr>
+          <p:cNvPr id="5" name="Content Placeholder 4">
+            <a:extLst>
+              <a:ext uri="{FF2B5EF4-FFF2-40B4-BE49-F238E27FC236}">
+                <a16:creationId xmlns:a16="http://schemas.microsoft.com/office/drawing/2014/main" id="{0DEA7FD2-61CD-8E59-CFBE-9C4EF7358AF2}"/>
+              </a:ext>
+            </a:extLst>
+          </p:cNvPr>
+          <p:cNvSpPr txBox="1">
+            <a:spLocks noGrp="1"/>
+          </p:cNvSpPr>
+          <p:nvPr>
+            <p:ph idx="1"/>
+          </p:nvPr>
+        </p:nvSpPr>
+        <p:spPr>
+          <a:xfrm>
+            <a:off x="580858" y="1452061"/>
+            <a:ext cx="11029950" cy="2631490"/>
+          </a:xfrm>
+          <a:prstGeom prst="rect">
+            <a:avLst/>
+          </a:prstGeom>
+          <a:noFill/>
+        </p:spPr>
+        <p:txBody>
+          <a:bodyPr wrap="square" rtlCol="0">
+            <a:spAutoFit/>
+          </a:bodyPr>
+          <a:lstStyle/>
+          <a:p>
+            <a:r>
+              <a:rPr lang="en-US" sz="2000" dirty="0"/>
+              <a:t>Find streets that do not intersect with any subway station.</a:t>
+            </a:r>
+          </a:p>
+          <a:p>
+            <a:pPr marL="324000" lvl="1" indent="0">
+              <a:buNone/>
+            </a:pPr>
+            <a:r>
+              <a:rPr lang="en-US" sz="2000" dirty="0">
+                <a:solidFill>
+                  <a:srgbClr val="00B0F0"/>
+                </a:solidFill>
+              </a:rPr>
+              <a:t>SELECT name</a:t>
+            </a:r>
+          </a:p>
+          <a:p>
+            <a:pPr marL="324000" lvl="1" indent="0">
+              <a:buNone/>
+            </a:pPr>
+            <a:r>
+              <a:rPr lang="en-US" sz="2000" dirty="0">
+                <a:solidFill>
+                  <a:srgbClr val="00B0F0"/>
+                </a:solidFill>
+              </a:rPr>
+              <a:t>FROM ch05.streets</a:t>
+            </a:r>
+          </a:p>
+          <a:p>
+            <a:pPr marL="324000" lvl="1" indent="0">
+              <a:buNone/>
+            </a:pPr>
+            <a:r>
+              <a:rPr lang="en-US" sz="2000" dirty="0">
+                <a:solidFill>
+                  <a:srgbClr val="00B0F0"/>
+                </a:solidFill>
+              </a:rPr>
+              <a:t>WHERE NOT EXISTS (</a:t>
+            </a:r>
+          </a:p>
+          <a:p>
+            <a:pPr marL="324000" lvl="1" indent="0">
+              <a:buNone/>
+            </a:pPr>
+            <a:r>
+              <a:rPr lang="en-US" sz="2000" dirty="0">
+                <a:solidFill>
+                  <a:srgbClr val="00B0F0"/>
+                </a:solidFill>
+              </a:rPr>
+              <a:t>SELECT 1 FROM ch05.subway </a:t>
+            </a:r>
+          </a:p>
+          <a:p>
+            <a:pPr marL="324000" lvl="1" indent="0">
+              <a:buNone/>
+            </a:pPr>
+            <a:r>
+              <a:rPr lang="en-US" sz="2000" dirty="0">
+                <a:solidFill>
+                  <a:srgbClr val="00B0F0"/>
+                </a:solidFill>
+              </a:rPr>
+              <a:t>WHERE </a:t>
+            </a:r>
+            <a:r>
+              <a:rPr lang="en-US" sz="2000" dirty="0" err="1">
+                <a:solidFill>
+                  <a:srgbClr val="00B0F0"/>
+                </a:solidFill>
+              </a:rPr>
+              <a:t>ST_Disjoint</a:t>
+            </a:r>
+            <a:r>
+              <a:rPr lang="en-US" sz="2000" dirty="0">
+                <a:solidFill>
+                  <a:srgbClr val="00B0F0"/>
+                </a:solidFill>
+              </a:rPr>
+              <a:t>(ch05.streets.geom, </a:t>
+            </a:r>
+            <a:r>
+              <a:rPr lang="en-US" sz="2000" dirty="0" err="1">
+                <a:solidFill>
+                  <a:srgbClr val="00B0F0"/>
+                </a:solidFill>
+              </a:rPr>
+              <a:t>ST_Buffer</a:t>
+            </a:r>
+            <a:r>
+              <a:rPr lang="en-US" sz="2000" dirty="0">
+                <a:solidFill>
+                  <a:srgbClr val="00B0F0"/>
+                </a:solidFill>
+              </a:rPr>
+              <a:t>(ch05.subway.geom, 50)) = FALSE);</a:t>
+            </a:r>
+          </a:p>
+        </p:txBody>
+      </p:sp>
+      <p:sp>
+        <p:nvSpPr>
+          <p:cNvPr id="4" name="TextBox 3">
+            <a:extLst>
+              <a:ext uri="{FF2B5EF4-FFF2-40B4-BE49-F238E27FC236}">
+                <a16:creationId xmlns:a16="http://schemas.microsoft.com/office/drawing/2014/main" id="{484B1751-F76A-2FBB-FCFC-16D4EF8C2F07}"/>
+              </a:ext>
+            </a:extLst>
+          </p:cNvPr>
+          <p:cNvSpPr txBox="1"/>
+          <p:nvPr/>
+        </p:nvSpPr>
+        <p:spPr>
+          <a:xfrm>
+            <a:off x="504992" y="743916"/>
+            <a:ext cx="5514808" cy="523220"/>
+          </a:xfrm>
+          <a:prstGeom prst="rect">
+            <a:avLst/>
+          </a:prstGeom>
+          <a:noFill/>
+        </p:spPr>
+        <p:txBody>
+          <a:bodyPr wrap="square" rtlCol="0">
+            <a:spAutoFit/>
+          </a:bodyPr>
+          <a:lstStyle/>
+          <a:p>
+            <a:r>
+              <a:rPr lang="en-US" sz="2800" dirty="0"/>
+              <a:t>Example</a:t>
+            </a:r>
+            <a:r>
+              <a:rPr lang="en-US" altLang="zh-CN" sz="2800" dirty="0"/>
+              <a:t> 1</a:t>
+            </a:r>
+            <a:r>
+              <a:rPr lang="en-US" sz="2800" dirty="0"/>
+              <a:t>: </a:t>
+            </a:r>
+            <a:r>
+              <a:rPr lang="en-US" sz="2800" dirty="0" err="1"/>
+              <a:t>ST_Disjoint</a:t>
+            </a:r>
+            <a:endParaRPr lang="en-US" sz="2800" dirty="0"/>
+          </a:p>
+        </p:txBody>
+      </p:sp>
+    </p:spTree>
+    <p:extLst>
+      <p:ext uri="{BB962C8B-B14F-4D97-AF65-F5344CB8AC3E}">
+        <p14:creationId xmlns:p14="http://schemas.microsoft.com/office/powerpoint/2010/main" val="43407044"/>
+      </p:ext>
+    </p:extLst>
+  </p:cSld>
+  <p:clrMapOvr>
+    <a:masterClrMapping/>
+  </p:clrMapOvr>
+</p:sld>
+</file>
+
 <file path=ppt/slides/slide12.xml><?xml version="1.0" encoding="utf-8"?>
 <p:sld xmlns:a="http://schemas.openxmlformats.org/drawingml/2006/main" xmlns:r="http://schemas.openxmlformats.org/officeDocument/2006/relationships" xmlns:p="http://schemas.openxmlformats.org/presentationml/2006/main">
   <p:cSld>
@@ -5285,14 +5215,14 @@
       </p:grpSpPr>
       <p:sp>
         <p:nvSpPr>
-          <p:cNvPr id="5" name="Content Placeholder 4">
+          <p:cNvPr id="3" name="Content Placeholder 2">
             <a:extLst>
               <a:ext uri="{FF2B5EF4-FFF2-40B4-BE49-F238E27FC236}">
-                <a16:creationId xmlns:a16="http://schemas.microsoft.com/office/drawing/2014/main" id="{0DEA7FD2-61CD-8E59-CFBE-9C4EF7358AF2}"/>
+                <a16:creationId xmlns:a16="http://schemas.microsoft.com/office/drawing/2014/main" id="{2F9E5E82-3C5D-323F-970D-EF112FB5DA03}"/>
               </a:ext>
             </a:extLst>
           </p:cNvPr>
-          <p:cNvSpPr txBox="1">
+          <p:cNvSpPr>
             <a:spLocks noGrp="1"/>
           </p:cNvSpPr>
           <p:nvPr>
@@ -5301,23 +5231,19 @@
         </p:nvSpPr>
         <p:spPr>
           <a:xfrm>
-            <a:off x="580858" y="1452061"/>
-            <a:ext cx="11029950" cy="2631490"/>
+            <a:off x="581191" y="1416938"/>
+            <a:ext cx="11029615" cy="3288411"/>
           </a:xfrm>
-          <a:prstGeom prst="rect">
-            <a:avLst/>
-          </a:prstGeom>
-          <a:noFill/>
         </p:spPr>
         <p:txBody>
-          <a:bodyPr wrap="square" rtlCol="0">
-            <a:spAutoFit/>
+          <a:bodyPr>
+            <a:noAutofit/>
           </a:bodyPr>
           <a:lstStyle/>
           <a:p>
             <a:r>
               <a:rPr lang="en-US" sz="2000" dirty="0"/>
-              <a:t>Find streets that do not intersect with any subway station.</a:t>
+              <a:t>List one-way streets that do not intersect with any subway station.</a:t>
             </a:r>
           </a:p>
           <a:p>
@@ -5325,7 +5251,7 @@
               <a:buNone/>
             </a:pPr>
             <a:r>
-              <a:rPr lang="en-US" sz="2000" dirty="0">
+              <a:rPr lang="en-US" sz="1800" dirty="0">
                 <a:solidFill>
                   <a:srgbClr val="00B0F0"/>
                 </a:solidFill>
@@ -5338,7 +5264,7 @@
               <a:buNone/>
             </a:pPr>
             <a:r>
-              <a:rPr lang="en-US" sz="2000" dirty="0">
+              <a:rPr lang="en-US" sz="1800" dirty="0">
                 <a:solidFill>
                   <a:srgbClr val="00B0F0"/>
                 </a:solidFill>
@@ -5351,12 +5277,28 @@
               <a:buNone/>
             </a:pPr>
             <a:r>
-              <a:rPr lang="en-US" sz="2000" dirty="0">
-                <a:solidFill>
-                  <a:srgbClr val="00B0F0"/>
-                </a:solidFill>
-              </a:rPr>
-              <a:t>WHERE NOT EXISTS (</a:t>
+              <a:rPr lang="en-US" sz="1800" dirty="0">
+                <a:solidFill>
+                  <a:srgbClr val="00B0F0"/>
+                </a:solidFill>
+              </a:rPr>
+              <a:t>WHERE </a:t>
+            </a:r>
+            <a:r>
+              <a:rPr lang="en-US" sz="1800" dirty="0" err="1">
+                <a:solidFill>
+                  <a:srgbClr val="00B0F0"/>
+                </a:solidFill>
+              </a:rPr>
+              <a:t>oneway</a:t>
+            </a:r>
+            <a:r>
+              <a:rPr lang="en-US" sz="1800" dirty="0">
+                <a:solidFill>
+                  <a:srgbClr val="00B0F0"/>
+                </a:solidFill>
+              </a:rPr>
+              <a:t> = 'Yes’</a:t>
             </a:r>
           </a:p>
           <a:p>
@@ -5364,7 +5306,20 @@
               <a:buNone/>
             </a:pPr>
             <a:r>
-              <a:rPr lang="en-US" sz="2000" dirty="0">
+              <a:rPr lang="en-US" sz="1800" dirty="0">
+                <a:solidFill>
+                  <a:srgbClr val="00B0F0"/>
+                </a:solidFill>
+              </a:rPr>
+              <a:t>AND NOT EXISTS ( </a:t>
+            </a:r>
+          </a:p>
+          <a:p>
+            <a:pPr marL="324000" lvl="1" indent="0">
+              <a:buNone/>
+            </a:pPr>
+            <a:r>
+              <a:rPr lang="en-US" sz="1800" dirty="0">
                 <a:solidFill>
                   <a:srgbClr val="00B0F0"/>
                 </a:solidFill>
@@ -5377,7 +5332,7 @@
               <a:buNone/>
             </a:pPr>
             <a:r>
-              <a:rPr lang="en-US" sz="2000" dirty="0">
+              <a:rPr lang="en-US" sz="1800" dirty="0">
                 <a:solidFill>
                   <a:srgbClr val="00B0F0"/>
                 </a:solidFill>
@@ -5385,7 +5340,7 @@
               <a:t>WHERE </a:t>
             </a:r>
             <a:r>
-              <a:rPr lang="en-US" sz="2000" dirty="0" err="1">
+              <a:rPr lang="en-US" sz="1800" dirty="0" err="1">
                 <a:solidFill>
                   <a:srgbClr val="00B0F0"/>
                 </a:solidFill>
@@ -5393,7 +5348,7 @@
               <a:t>ST_Disjoint</a:t>
             </a:r>
             <a:r>
-              <a:rPr lang="en-US" sz="2000" dirty="0">
+              <a:rPr lang="en-US" sz="1800" dirty="0">
                 <a:solidFill>
                   <a:srgbClr val="00B0F0"/>
                 </a:solidFill>
@@ -5401,7 +5356,7 @@
               <a:t>(ch05.streets.geom, </a:t>
             </a:r>
             <a:r>
-              <a:rPr lang="en-US" sz="2000" dirty="0" err="1">
+              <a:rPr lang="en-US" sz="1800" dirty="0" err="1">
                 <a:solidFill>
                   <a:srgbClr val="00B0F0"/>
                 </a:solidFill>
@@ -5409,7 +5364,7 @@
               <a:t>ST_Buffer</a:t>
             </a:r>
             <a:r>
-              <a:rPr lang="en-US" sz="2000" dirty="0">
+              <a:rPr lang="en-US" sz="1800" dirty="0">
                 <a:solidFill>
                   <a:srgbClr val="00B0F0"/>
                 </a:solidFill>
@@ -5424,7 +5379,7 @@
           <p:cNvPr id="4" name="TextBox 3">
             <a:extLst>
               <a:ext uri="{FF2B5EF4-FFF2-40B4-BE49-F238E27FC236}">
-                <a16:creationId xmlns:a16="http://schemas.microsoft.com/office/drawing/2014/main" id="{484B1751-F76A-2FBB-FCFC-16D4EF8C2F07}"/>
+                <a16:creationId xmlns:a16="http://schemas.microsoft.com/office/drawing/2014/main" id="{DE421040-9A45-B9E1-81EB-4AC79DC7CF67}"/>
               </a:ext>
             </a:extLst>
           </p:cNvPr>
@@ -5449,7 +5404,7 @@
           <a:p>
             <a:r>
               <a:rPr lang="en-US" sz="2800" dirty="0"/>
-              <a:t>Example</a:t>
+              <a:t>Exercise</a:t>
             </a:r>
             <a:r>
               <a:rPr lang="en-US" altLang="zh-CN" sz="2800" dirty="0"/>
@@ -5470,7 +5425,7 @@
     </p:spTree>
     <p:extLst>
       <p:ext uri="{BB962C8B-B14F-4D97-AF65-F5344CB8AC3E}">
-        <p14:creationId xmlns:p14="http://schemas.microsoft.com/office/powerpoint/2010/main" val="43407044"/>
+        <p14:creationId xmlns:p14="http://schemas.microsoft.com/office/powerpoint/2010/main" val="964224813"/>
       </p:ext>
     </p:extLst>
   </p:cSld>
@@ -5502,7 +5457,7 @@
           <p:cNvPr id="3" name="Content Placeholder 2">
             <a:extLst>
               <a:ext uri="{FF2B5EF4-FFF2-40B4-BE49-F238E27FC236}">
-                <a16:creationId xmlns:a16="http://schemas.microsoft.com/office/drawing/2014/main" id="{2F9E5E82-3C5D-323F-970D-EF112FB5DA03}"/>
+                <a16:creationId xmlns:a16="http://schemas.microsoft.com/office/drawing/2014/main" id="{560FAE92-1044-2D93-DCDA-90DC459FBE12}"/>
               </a:ext>
             </a:extLst>
           </p:cNvPr>
@@ -5515,8 +5470,8 @@
         </p:nvSpPr>
         <p:spPr>
           <a:xfrm>
-            <a:off x="581191" y="1416938"/>
-            <a:ext cx="11029615" cy="3288411"/>
+            <a:off x="504992" y="1512843"/>
+            <a:ext cx="11029615" cy="3259181"/>
           </a:xfrm>
         </p:spPr>
         <p:txBody>
@@ -5527,7 +5482,7 @@
           <a:p>
             <a:r>
               <a:rPr lang="en-US" sz="2000" dirty="0"/>
-              <a:t>List one-way streets that do not intersect with any subway station.</a:t>
+              <a:t>List neighborhoods with no subway stations.</a:t>
             </a:r>
           </a:p>
           <a:p>
@@ -5535,25 +5490,38 @@
               <a:buNone/>
             </a:pPr>
             <a:r>
-              <a:rPr lang="en-US" sz="1800" dirty="0">
-                <a:solidFill>
-                  <a:srgbClr val="00B0F0"/>
-                </a:solidFill>
-              </a:rPr>
-              <a:t>SELECT name</a:t>
-            </a:r>
+              <a:rPr lang="en-US" sz="2000" dirty="0">
+                <a:solidFill>
+                  <a:srgbClr val="00B0F0"/>
+                </a:solidFill>
+              </a:rPr>
+              <a:t>SELECT </a:t>
+            </a:r>
+            <a:r>
+              <a:rPr lang="en-US" sz="2000" dirty="0" err="1">
+                <a:solidFill>
+                  <a:srgbClr val="00B0F0"/>
+                </a:solidFill>
+              </a:rPr>
+              <a:t>boroname</a:t>
+            </a:r>
+            <a:endParaRPr lang="en-US" sz="2000" dirty="0">
+              <a:solidFill>
+                <a:srgbClr val="00B0F0"/>
+              </a:solidFill>
+            </a:endParaRPr>
           </a:p>
           <a:p>
             <a:pPr marL="324000" lvl="1" indent="0">
               <a:buNone/>
             </a:pPr>
             <a:r>
-              <a:rPr lang="en-US" sz="1800" dirty="0">
-                <a:solidFill>
-                  <a:srgbClr val="00B0F0"/>
-                </a:solidFill>
-              </a:rPr>
-              <a:t>FROM ch05.streets</a:t>
+              <a:rPr lang="en-US" sz="2000" dirty="0">
+                <a:solidFill>
+                  <a:srgbClr val="00B0F0"/>
+                </a:solidFill>
+              </a:rPr>
+              <a:t>FROM ch05.neighborhoods</a:t>
             </a:r>
           </a:p>
           <a:p>
@@ -5561,7 +5529,33 @@
               <a:buNone/>
             </a:pPr>
             <a:r>
-              <a:rPr lang="en-US" sz="1800" dirty="0">
+              <a:rPr lang="en-US" sz="2000" dirty="0">
+                <a:solidFill>
+                  <a:srgbClr val="00B0F0"/>
+                </a:solidFill>
+              </a:rPr>
+              <a:t>WHERE NOT EXISTS ( </a:t>
+            </a:r>
+          </a:p>
+          <a:p>
+            <a:pPr marL="324000" lvl="1" indent="0">
+              <a:buNone/>
+            </a:pPr>
+            <a:r>
+              <a:rPr lang="en-US" sz="2000" dirty="0">
+                <a:solidFill>
+                  <a:srgbClr val="00B0F0"/>
+                </a:solidFill>
+              </a:rPr>
+              <a:t>SELECT 1 FROM ch05.subway    </a:t>
+            </a:r>
+          </a:p>
+          <a:p>
+            <a:pPr marL="324000" lvl="1" indent="0">
+              <a:buNone/>
+            </a:pPr>
+            <a:r>
+              <a:rPr lang="en-US" sz="2000" dirty="0">
                 <a:solidFill>
                   <a:srgbClr val="00B0F0"/>
                 </a:solidFill>
@@ -5569,62 +5563,7 @@
               <a:t>WHERE </a:t>
             </a:r>
             <a:r>
-              <a:rPr lang="en-US" sz="1800" dirty="0" err="1">
-                <a:solidFill>
-                  <a:srgbClr val="00B0F0"/>
-                </a:solidFill>
-              </a:rPr>
-              <a:t>oneway</a:t>
-            </a:r>
-            <a:r>
-              <a:rPr lang="en-US" sz="1800" dirty="0">
-                <a:solidFill>
-                  <a:srgbClr val="00B0F0"/>
-                </a:solidFill>
-              </a:rPr>
-              <a:t> = 'Yes’</a:t>
-            </a:r>
-          </a:p>
-          <a:p>
-            <a:pPr marL="324000" lvl="1" indent="0">
-              <a:buNone/>
-            </a:pPr>
-            <a:r>
-              <a:rPr lang="en-US" sz="1800" dirty="0">
-                <a:solidFill>
-                  <a:srgbClr val="00B0F0"/>
-                </a:solidFill>
-              </a:rPr>
-              <a:t>AND NOT EXISTS ( </a:t>
-            </a:r>
-          </a:p>
-          <a:p>
-            <a:pPr marL="324000" lvl="1" indent="0">
-              <a:buNone/>
-            </a:pPr>
-            <a:r>
-              <a:rPr lang="en-US" sz="1800" dirty="0">
-                <a:solidFill>
-                  <a:srgbClr val="00B0F0"/>
-                </a:solidFill>
-              </a:rPr>
-              <a:t>SELECT 1 FROM ch05.subway </a:t>
-            </a:r>
-          </a:p>
-          <a:p>
-            <a:pPr marL="324000" lvl="1" indent="0">
-              <a:buNone/>
-            </a:pPr>
-            <a:r>
-              <a:rPr lang="en-US" sz="1800" dirty="0">
-                <a:solidFill>
-                  <a:srgbClr val="00B0F0"/>
-                </a:solidFill>
-              </a:rPr>
-              <a:t>WHERE </a:t>
-            </a:r>
-            <a:r>
-              <a:rPr lang="en-US" sz="1800" dirty="0" err="1">
+              <a:rPr lang="en-US" sz="2000" dirty="0" err="1">
                 <a:solidFill>
                   <a:srgbClr val="00B0F0"/>
                 </a:solidFill>
@@ -5632,28 +5571,12 @@
               <a:t>ST_Disjoint</a:t>
             </a:r>
             <a:r>
-              <a:rPr lang="en-US" sz="1800" dirty="0">
-                <a:solidFill>
-                  <a:srgbClr val="00B0F0"/>
-                </a:solidFill>
-              </a:rPr>
-              <a:t>(ch05.streets.geom, </a:t>
-            </a:r>
-            <a:r>
-              <a:rPr lang="en-US" sz="1800" dirty="0" err="1">
-                <a:solidFill>
-                  <a:srgbClr val="00B0F0"/>
-                </a:solidFill>
-              </a:rPr>
-              <a:t>ST_Buffer</a:t>
-            </a:r>
-            <a:r>
-              <a:rPr lang="en-US" sz="1800" dirty="0">
-                <a:solidFill>
-                  <a:srgbClr val="00B0F0"/>
-                </a:solidFill>
-              </a:rPr>
-              <a:t>(ch05.subway.geom, 50)) = FALSE);</a:t>
+              <a:rPr lang="en-US" sz="2000" dirty="0">
+                <a:solidFill>
+                  <a:srgbClr val="00B0F0"/>
+                </a:solidFill>
+              </a:rPr>
+              <a:t>(ch05.neighborhoods.geom, ch05.subway.geom) = FALSE);</a:t>
             </a:r>
           </a:p>
         </p:txBody>
@@ -5663,7 +5586,7 @@
           <p:cNvPr id="4" name="TextBox 3">
             <a:extLst>
               <a:ext uri="{FF2B5EF4-FFF2-40B4-BE49-F238E27FC236}">
-                <a16:creationId xmlns:a16="http://schemas.microsoft.com/office/drawing/2014/main" id="{DE421040-9A45-B9E1-81EB-4AC79DC7CF67}"/>
+                <a16:creationId xmlns:a16="http://schemas.microsoft.com/office/drawing/2014/main" id="{91F3053D-754E-8441-461A-44E8C55A4153}"/>
               </a:ext>
             </a:extLst>
           </p:cNvPr>
@@ -5688,11 +5611,11 @@
           <a:p>
             <a:r>
               <a:rPr lang="en-US" sz="2800" dirty="0"/>
-              <a:t>Exercise</a:t>
+              <a:t>Example</a:t>
             </a:r>
             <a:r>
               <a:rPr lang="en-US" altLang="zh-CN" sz="2800" dirty="0"/>
-              <a:t> 1</a:t>
+              <a:t> 2</a:t>
             </a:r>
             <a:r>
               <a:rPr lang="en-US" sz="2800" dirty="0"/>
@@ -5709,7 +5632,7 @@
     </p:spTree>
     <p:extLst>
       <p:ext uri="{BB962C8B-B14F-4D97-AF65-F5344CB8AC3E}">
-        <p14:creationId xmlns:p14="http://schemas.microsoft.com/office/powerpoint/2010/main" val="964224813"/>
+        <p14:creationId xmlns:p14="http://schemas.microsoft.com/office/powerpoint/2010/main" val="3851545665"/>
       </p:ext>
     </p:extLst>
   </p:cSld>
@@ -5741,7 +5664,7 @@
           <p:cNvPr id="3" name="Content Placeholder 2">
             <a:extLst>
               <a:ext uri="{FF2B5EF4-FFF2-40B4-BE49-F238E27FC236}">
-                <a16:creationId xmlns:a16="http://schemas.microsoft.com/office/drawing/2014/main" id="{560FAE92-1044-2D93-DCDA-90DC459FBE12}"/>
+                <a16:creationId xmlns:a16="http://schemas.microsoft.com/office/drawing/2014/main" id="{7A5F7DF1-4BCE-BE52-535B-C03DD3B0D222}"/>
               </a:ext>
             </a:extLst>
           </p:cNvPr>
@@ -5754,19 +5677,19 @@
         </p:nvSpPr>
         <p:spPr>
           <a:xfrm>
-            <a:off x="504992" y="1512843"/>
-            <a:ext cx="11029615" cy="3259181"/>
+            <a:off x="581191" y="1483613"/>
+            <a:ext cx="11029615" cy="3688461"/>
           </a:xfrm>
         </p:spPr>
         <p:txBody>
           <a:bodyPr>
-            <a:noAutofit/>
+            <a:normAutofit/>
           </a:bodyPr>
           <a:lstStyle/>
           <a:p>
             <a:r>
-              <a:rPr lang="en-US" sz="2000" dirty="0"/>
-              <a:t>List neighborhoods with no subway stations.</a:t>
+              <a:rPr lang="en-US" dirty="0"/>
+              <a:t>Find subway stations that are disjoint from major roads.</a:t>
             </a:r>
           </a:p>
           <a:p>
@@ -5774,7 +5697,7 @@
               <a:buNone/>
             </a:pPr>
             <a:r>
-              <a:rPr lang="en-US" sz="2000" dirty="0">
+              <a:rPr lang="en-US" sz="1800" dirty="0">
                 <a:solidFill>
                   <a:srgbClr val="00B0F0"/>
                 </a:solidFill>
@@ -5782,14 +5705,14 @@
               <a:t>SELECT </a:t>
             </a:r>
             <a:r>
-              <a:rPr lang="en-US" sz="2000" dirty="0" err="1">
-                <a:solidFill>
-                  <a:srgbClr val="00B0F0"/>
-                </a:solidFill>
-              </a:rPr>
-              <a:t>boroname</a:t>
-            </a:r>
-            <a:endParaRPr lang="en-US" sz="2000" dirty="0">
+              <a:rPr lang="en-US" sz="1800" dirty="0" err="1">
+                <a:solidFill>
+                  <a:srgbClr val="00B0F0"/>
+                </a:solidFill>
+              </a:rPr>
+              <a:t>station_name</a:t>
+            </a:r>
+            <a:endParaRPr lang="en-US" sz="1800" dirty="0">
               <a:solidFill>
                 <a:srgbClr val="00B0F0"/>
               </a:solidFill>
@@ -5800,12 +5723,12 @@
               <a:buNone/>
             </a:pPr>
             <a:r>
-              <a:rPr lang="en-US" sz="2000" dirty="0">
-                <a:solidFill>
-                  <a:srgbClr val="00B0F0"/>
-                </a:solidFill>
-              </a:rPr>
-              <a:t>FROM ch05.neighborhoods</a:t>
+              <a:rPr lang="en-US" sz="1800" dirty="0">
+                <a:solidFill>
+                  <a:srgbClr val="00B0F0"/>
+                </a:solidFill>
+              </a:rPr>
+              <a:t>FROM ch05.subway</a:t>
             </a:r>
           </a:p>
           <a:p>
@@ -5813,12 +5736,12 @@
               <a:buNone/>
             </a:pPr>
             <a:r>
-              <a:rPr lang="en-US" sz="2000" dirty="0">
-                <a:solidFill>
-                  <a:srgbClr val="00B0F0"/>
-                </a:solidFill>
-              </a:rPr>
-              <a:t>WHERE NOT EXISTS ( </a:t>
+              <a:rPr lang="en-US" sz="1800" dirty="0">
+                <a:solidFill>
+                  <a:srgbClr val="00B0F0"/>
+                </a:solidFill>
+              </a:rPr>
+              <a:t>WHERE NOT EXISTS (</a:t>
             </a:r>
           </a:p>
           <a:p>
@@ -5826,12 +5749,12 @@
               <a:buNone/>
             </a:pPr>
             <a:r>
-              <a:rPr lang="en-US" sz="2000" dirty="0">
-                <a:solidFill>
-                  <a:srgbClr val="00B0F0"/>
-                </a:solidFill>
-              </a:rPr>
-              <a:t>SELECT 1 FROM ch05.subway    </a:t>
+              <a:rPr lang="en-US" sz="1800" dirty="0">
+                <a:solidFill>
+                  <a:srgbClr val="00B0F0"/>
+                </a:solidFill>
+              </a:rPr>
+              <a:t>SELECT 1 FROM ch05.streets    </a:t>
             </a:r>
           </a:p>
           <a:p>
@@ -5839,7 +5762,7 @@
               <a:buNone/>
             </a:pPr>
             <a:r>
-              <a:rPr lang="en-US" sz="2000" dirty="0">
+              <a:rPr lang="en-US" sz="1800" dirty="0">
                 <a:solidFill>
                   <a:srgbClr val="00B0F0"/>
                 </a:solidFill>
@@ -5847,7 +5770,36 @@
               <a:t>WHERE </a:t>
             </a:r>
             <a:r>
-              <a:rPr lang="en-US" sz="2000" dirty="0" err="1">
+              <a:rPr lang="en-US" sz="1800" dirty="0" err="1">
+                <a:solidFill>
+                  <a:srgbClr val="00B0F0"/>
+                </a:solidFill>
+              </a:rPr>
+              <a:t>road_type</a:t>
+            </a:r>
+            <a:r>
+              <a:rPr lang="en-US" sz="1800" dirty="0">
+                <a:solidFill>
+                  <a:srgbClr val="00B0F0"/>
+                </a:solidFill>
+              </a:rPr>
+              <a:t> = 'Major'    </a:t>
+            </a:r>
+          </a:p>
+          <a:p>
+            <a:pPr marL="324000" lvl="1" indent="0">
+              <a:buNone/>
+            </a:pPr>
+            <a:r>
+              <a:rPr lang="en-US" sz="1800" dirty="0">
+                <a:solidFill>
+                  <a:srgbClr val="00B0F0"/>
+                </a:solidFill>
+              </a:rPr>
+              <a:t>AND </a:t>
+            </a:r>
+            <a:r>
+              <a:rPr lang="en-US" sz="1800" dirty="0" err="1">
                 <a:solidFill>
                   <a:srgbClr val="00B0F0"/>
                 </a:solidFill>
@@ -5855,12 +5807,28 @@
               <a:t>ST_Disjoint</a:t>
             </a:r>
             <a:r>
-              <a:rPr lang="en-US" sz="2000" dirty="0">
-                <a:solidFill>
-                  <a:srgbClr val="00B0F0"/>
-                </a:solidFill>
-              </a:rPr>
-              <a:t>(ch05.neighborhoods.geom, ch05.subway.geom) = FALSE);</a:t>
+              <a:rPr lang="en-US" sz="1800" dirty="0">
+                <a:solidFill>
+                  <a:srgbClr val="00B0F0"/>
+                </a:solidFill>
+              </a:rPr>
+              <a:t>(</a:t>
+            </a:r>
+            <a:r>
+              <a:rPr lang="en-US" sz="1800" dirty="0" err="1">
+                <a:solidFill>
+                  <a:srgbClr val="00B0F0"/>
+                </a:solidFill>
+              </a:rPr>
+              <a:t>ST_Buffer</a:t>
+            </a:r>
+            <a:r>
+              <a:rPr lang="en-US" sz="1800" dirty="0">
+                <a:solidFill>
+                  <a:srgbClr val="00B0F0"/>
+                </a:solidFill>
+              </a:rPr>
+              <a:t>(ch05.subway.geom, 50), ch05.streets.geom) = FALSE);</a:t>
             </a:r>
           </a:p>
         </p:txBody>
@@ -5870,7 +5838,7 @@
           <p:cNvPr id="4" name="TextBox 3">
             <a:extLst>
               <a:ext uri="{FF2B5EF4-FFF2-40B4-BE49-F238E27FC236}">
-                <a16:creationId xmlns:a16="http://schemas.microsoft.com/office/drawing/2014/main" id="{91F3053D-754E-8441-461A-44E8C55A4153}"/>
+                <a16:creationId xmlns:a16="http://schemas.microsoft.com/office/drawing/2014/main" id="{484A90A6-4F20-8935-0B63-0BD0B8C0A82E}"/>
               </a:ext>
             </a:extLst>
           </p:cNvPr>
@@ -5895,7 +5863,7 @@
           <a:p>
             <a:r>
               <a:rPr lang="en-US" sz="2800" dirty="0"/>
-              <a:t>Example</a:t>
+              <a:t>Exercise</a:t>
             </a:r>
             <a:r>
               <a:rPr lang="en-US" altLang="zh-CN" sz="2800" dirty="0"/>
@@ -5916,7 +5884,7 @@
     </p:spTree>
     <p:extLst>
       <p:ext uri="{BB962C8B-B14F-4D97-AF65-F5344CB8AC3E}">
-        <p14:creationId xmlns:p14="http://schemas.microsoft.com/office/powerpoint/2010/main" val="3851545665"/>
+        <p14:creationId xmlns:p14="http://schemas.microsoft.com/office/powerpoint/2010/main" val="1994899666"/>
       </p:ext>
     </p:extLst>
   </p:cSld>
@@ -5945,10 +5913,43 @@
       </p:grpSpPr>
       <p:sp>
         <p:nvSpPr>
+          <p:cNvPr id="2" name="Title 1">
+            <a:extLst>
+              <a:ext uri="{FF2B5EF4-FFF2-40B4-BE49-F238E27FC236}">
+                <a16:creationId xmlns:a16="http://schemas.microsoft.com/office/drawing/2014/main" id="{64E36CD5-3DBF-BAE6-7CF6-585C5F525485}"/>
+              </a:ext>
+            </a:extLst>
+          </p:cNvPr>
+          <p:cNvSpPr>
+            <a:spLocks noGrp="1"/>
+          </p:cNvSpPr>
+          <p:nvPr>
+            <p:ph type="title"/>
+          </p:nvPr>
+        </p:nvSpPr>
+        <p:spPr>
+          <a:xfrm>
+            <a:off x="581192" y="702156"/>
+            <a:ext cx="11029616" cy="574194"/>
+          </a:xfrm>
+        </p:spPr>
+        <p:txBody>
+          <a:bodyPr/>
+          <a:lstStyle/>
+          <a:p>
+            <a:r>
+              <a:rPr lang="en-US" dirty="0"/>
+              <a:t>TOOLS IN PGADMIN 4 – MATERIALIZED VIEWS</a:t>
+            </a:r>
+          </a:p>
+        </p:txBody>
+      </p:sp>
+      <p:sp>
+        <p:nvSpPr>
           <p:cNvPr id="3" name="Content Placeholder 2">
             <a:extLst>
               <a:ext uri="{FF2B5EF4-FFF2-40B4-BE49-F238E27FC236}">
-                <a16:creationId xmlns:a16="http://schemas.microsoft.com/office/drawing/2014/main" id="{7A5F7DF1-4BCE-BE52-535B-C03DD3B0D222}"/>
+                <a16:creationId xmlns:a16="http://schemas.microsoft.com/office/drawing/2014/main" id="{861D47DB-0F47-DE91-A1F8-68D7581EF238}"/>
               </a:ext>
             </a:extLst>
           </p:cNvPr>
@@ -5961,8 +5962,8 @@
         </p:nvSpPr>
         <p:spPr>
           <a:xfrm>
-            <a:off x="581191" y="1483613"/>
-            <a:ext cx="11029615" cy="3688461"/>
+            <a:off x="581193" y="1276350"/>
+            <a:ext cx="11029615" cy="1935861"/>
           </a:xfrm>
         </p:spPr>
         <p:txBody>
@@ -5973,7 +5974,7 @@
           <a:p>
             <a:r>
               <a:rPr lang="en-US" dirty="0"/>
-              <a:t>Find subway stations that are disjoint from major roads.</a:t>
+              <a:t>Create materialized views to store complex buffer analysis results for faster querying.</a:t>
             </a:r>
           </a:p>
           <a:p>
@@ -5986,7 +5987,20 @@
                   <a:srgbClr val="00B0F0"/>
                 </a:solidFill>
               </a:rPr>
-              <a:t>SELECT </a:t>
+              <a:t>CREATE MATERIALIZED VIEW ch05.station_buffers AS </a:t>
+            </a:r>
+          </a:p>
+          <a:p>
+            <a:pPr marL="324000" lvl="1" indent="0">
+              <a:buNone/>
+            </a:pPr>
+            <a:r>
+              <a:rPr lang="en-US" sz="1800" dirty="0">
+                <a:solidFill>
+                  <a:srgbClr val="00B0F0"/>
+                </a:solidFill>
+              </a:rPr>
+              <a:t>SELECT NAME, </a:t>
             </a:r>
             <a:r>
               <a:rPr lang="en-US" sz="1800" dirty="0" err="1">
@@ -5994,13 +6008,32 @@
                   <a:srgbClr val="00B0F0"/>
                 </a:solidFill>
               </a:rPr>
-              <a:t>station_name</a:t>
-            </a:r>
-            <a:endParaRPr lang="en-US" sz="1800" dirty="0">
-              <a:solidFill>
-                <a:srgbClr val="00B0F0"/>
-              </a:solidFill>
-            </a:endParaRPr>
+              <a:t>ST_Buffer</a:t>
+            </a:r>
+            <a:r>
+              <a:rPr lang="en-US" sz="1800" dirty="0">
+                <a:solidFill>
+                  <a:srgbClr val="00B0F0"/>
+                </a:solidFill>
+              </a:rPr>
+              <a:t>(geometry, 300) AS </a:t>
+            </a:r>
+            <a:r>
+              <a:rPr lang="en-US" sz="1800" dirty="0" err="1">
+                <a:solidFill>
+                  <a:srgbClr val="00B0F0"/>
+                </a:solidFill>
+              </a:rPr>
+              <a:t>buffer_geom</a:t>
+            </a:r>
+            <a:r>
+              <a:rPr lang="en-US" sz="1800" dirty="0">
+                <a:solidFill>
+                  <a:srgbClr val="00B0F0"/>
+                </a:solidFill>
+              </a:rPr>
+              <a:t> </a:t>
+            </a:r>
           </a:p>
           <a:p>
             <a:pPr marL="324000" lvl="1" indent="0">
@@ -6012,163 +6045,15 @@
                   <a:srgbClr val="00B0F0"/>
                 </a:solidFill>
               </a:rPr>
-              <a:t>FROM ch05.subway</a:t>
-            </a:r>
-          </a:p>
-          <a:p>
-            <a:pPr marL="324000" lvl="1" indent="0">
-              <a:buNone/>
-            </a:pPr>
-            <a:r>
-              <a:rPr lang="en-US" sz="1800" dirty="0">
-                <a:solidFill>
-                  <a:srgbClr val="00B0F0"/>
-                </a:solidFill>
-              </a:rPr>
-              <a:t>WHERE NOT EXISTS (</a:t>
-            </a:r>
-          </a:p>
-          <a:p>
-            <a:pPr marL="324000" lvl="1" indent="0">
-              <a:buNone/>
-            </a:pPr>
-            <a:r>
-              <a:rPr lang="en-US" sz="1800" dirty="0">
-                <a:solidFill>
-                  <a:srgbClr val="00B0F0"/>
-                </a:solidFill>
-              </a:rPr>
-              <a:t>SELECT 1 FROM ch05.streets    </a:t>
-            </a:r>
-          </a:p>
-          <a:p>
-            <a:pPr marL="324000" lvl="1" indent="0">
-              <a:buNone/>
-            </a:pPr>
-            <a:r>
-              <a:rPr lang="en-US" sz="1800" dirty="0">
-                <a:solidFill>
-                  <a:srgbClr val="00B0F0"/>
-                </a:solidFill>
-              </a:rPr>
-              <a:t>WHERE </a:t>
-            </a:r>
-            <a:r>
-              <a:rPr lang="en-US" sz="1800" dirty="0" err="1">
-                <a:solidFill>
-                  <a:srgbClr val="00B0F0"/>
-                </a:solidFill>
-              </a:rPr>
-              <a:t>road_type</a:t>
-            </a:r>
-            <a:r>
-              <a:rPr lang="en-US" sz="1800" dirty="0">
-                <a:solidFill>
-                  <a:srgbClr val="00B0F0"/>
-                </a:solidFill>
-              </a:rPr>
-              <a:t> = 'Major'    </a:t>
-            </a:r>
-          </a:p>
-          <a:p>
-            <a:pPr marL="324000" lvl="1" indent="0">
-              <a:buNone/>
-            </a:pPr>
-            <a:r>
-              <a:rPr lang="en-US" sz="1800" dirty="0">
-                <a:solidFill>
-                  <a:srgbClr val="00B0F0"/>
-                </a:solidFill>
-              </a:rPr>
-              <a:t>AND </a:t>
-            </a:r>
-            <a:r>
-              <a:rPr lang="en-US" sz="1800" dirty="0" err="1">
-                <a:solidFill>
-                  <a:srgbClr val="00B0F0"/>
-                </a:solidFill>
-              </a:rPr>
-              <a:t>ST_Disjoint</a:t>
-            </a:r>
-            <a:r>
-              <a:rPr lang="en-US" sz="1800" dirty="0">
-                <a:solidFill>
-                  <a:srgbClr val="00B0F0"/>
-                </a:solidFill>
-              </a:rPr>
-              <a:t>(</a:t>
-            </a:r>
-            <a:r>
-              <a:rPr lang="en-US" sz="1800" dirty="0" err="1">
-                <a:solidFill>
-                  <a:srgbClr val="00B0F0"/>
-                </a:solidFill>
-              </a:rPr>
-              <a:t>ST_Buffer</a:t>
-            </a:r>
-            <a:r>
-              <a:rPr lang="en-US" sz="1800" dirty="0">
-                <a:solidFill>
-                  <a:srgbClr val="00B0F0"/>
-                </a:solidFill>
-              </a:rPr>
-              <a:t>(ch05.subway.geom, 50), ch05.streets.geom) = FALSE);</a:t>
-            </a:r>
-          </a:p>
-        </p:txBody>
-      </p:sp>
-      <p:sp>
-        <p:nvSpPr>
-          <p:cNvPr id="4" name="TextBox 3">
-            <a:extLst>
-              <a:ext uri="{FF2B5EF4-FFF2-40B4-BE49-F238E27FC236}">
-                <a16:creationId xmlns:a16="http://schemas.microsoft.com/office/drawing/2014/main" id="{484A90A6-4F20-8935-0B63-0BD0B8C0A82E}"/>
-              </a:ext>
-            </a:extLst>
-          </p:cNvPr>
-          <p:cNvSpPr txBox="1"/>
-          <p:nvPr/>
-        </p:nvSpPr>
-        <p:spPr>
-          <a:xfrm>
-            <a:off x="504992" y="743916"/>
-            <a:ext cx="5514808" cy="523220"/>
-          </a:xfrm>
-          <a:prstGeom prst="rect">
-            <a:avLst/>
-          </a:prstGeom>
-          <a:noFill/>
-        </p:spPr>
-        <p:txBody>
-          <a:bodyPr wrap="square" rtlCol="0">
-            <a:spAutoFit/>
-          </a:bodyPr>
-          <a:lstStyle/>
-          <a:p>
-            <a:r>
-              <a:rPr lang="en-US" sz="2800" dirty="0"/>
-              <a:t>Exercise</a:t>
-            </a:r>
-            <a:r>
-              <a:rPr lang="en-US" altLang="zh-CN" sz="2800" dirty="0"/>
-              <a:t> 2</a:t>
-            </a:r>
-            <a:r>
-              <a:rPr lang="en-US" sz="2800" dirty="0"/>
-              <a:t>: </a:t>
-            </a:r>
-            <a:r>
-              <a:rPr lang="en-US" sz="2800" dirty="0" err="1"/>
-              <a:t>ST_Disjoint</a:t>
-            </a:r>
-            <a:endParaRPr lang="en-US" sz="2800" dirty="0"/>
+              <a:t>FROM ch05.nyc_subway_stations;</a:t>
+            </a:r>
           </a:p>
         </p:txBody>
       </p:sp>
     </p:spTree>
     <p:extLst>
       <p:ext uri="{BB962C8B-B14F-4D97-AF65-F5344CB8AC3E}">
-        <p14:creationId xmlns:p14="http://schemas.microsoft.com/office/powerpoint/2010/main" val="1994899666"/>
+        <p14:creationId xmlns:p14="http://schemas.microsoft.com/office/powerpoint/2010/main" val="2854411829"/>
       </p:ext>
     </p:extLst>
   </p:cSld>
@@ -6200,7 +6085,7 @@
           <p:cNvPr id="2" name="Title 1">
             <a:extLst>
               <a:ext uri="{FF2B5EF4-FFF2-40B4-BE49-F238E27FC236}">
-                <a16:creationId xmlns:a16="http://schemas.microsoft.com/office/drawing/2014/main" id="{68997778-0D92-C897-B435-DC143BD6E979}"/>
+                <a16:creationId xmlns:a16="http://schemas.microsoft.com/office/drawing/2014/main" id="{E0EC588A-D6DE-08A3-EFFB-AF7F0822DC33}"/>
               </a:ext>
             </a:extLst>
           </p:cNvPr>
@@ -6213,16 +6098,13 @@
         </p:nvSpPr>
         <p:spPr/>
         <p:txBody>
-          <a:bodyPr>
-            <a:normAutofit/>
-          </a:bodyPr>
+          <a:bodyPr/>
           <a:lstStyle/>
           <a:p>
             <a:r>
-              <a:rPr lang="en-US" b="1" dirty="0"/>
-              <a:t>Scenario 2</a:t>
-            </a:r>
-            <a:endParaRPr lang="en-US" dirty="0"/>
+              <a:rPr lang="en-US" dirty="0"/>
+              <a:t>TOOLS IN PGADMIN 4 - FUNCTIONS</a:t>
+            </a:r>
           </a:p>
         </p:txBody>
       </p:sp>
@@ -6231,7 +6113,7 @@
           <p:cNvPr id="3" name="Content Placeholder 2">
             <a:extLst>
               <a:ext uri="{FF2B5EF4-FFF2-40B4-BE49-F238E27FC236}">
-                <a16:creationId xmlns:a16="http://schemas.microsoft.com/office/drawing/2014/main" id="{86BB65ED-F08E-6AF8-CE05-FABCF43D860C}"/>
+                <a16:creationId xmlns:a16="http://schemas.microsoft.com/office/drawing/2014/main" id="{BE6037DF-D050-5883-3EC2-3BDD696D1E25}"/>
               </a:ext>
             </a:extLst>
           </p:cNvPr>
@@ -6242,100 +6124,235 @@
             <p:ph idx="1"/>
           </p:nvPr>
         </p:nvSpPr>
-        <p:spPr>
-          <a:xfrm>
-            <a:off x="581192" y="2340864"/>
-            <a:ext cx="11029615" cy="2051027"/>
-          </a:xfrm>
-        </p:spPr>
+        <p:spPr/>
         <p:txBody>
           <a:bodyPr>
-            <a:normAutofit/>
+            <a:normAutofit lnSpcReduction="10000"/>
           </a:bodyPr>
           <a:lstStyle/>
           <a:p>
-            <a:pPr lvl="1"/>
-            <a:r>
-              <a:rPr lang="en-US" sz="1800" dirty="0"/>
-              <a:t>Identify potential flood zones by buffering the coastline and identifying streets within the buffer.</a:t>
-            </a:r>
-          </a:p>
-          <a:p>
-            <a:pPr marL="594000" lvl="2" indent="0">
+            <a:r>
+              <a:rPr lang="en-US" dirty="0"/>
+              <a:t>Write custom SQL functions to automate repetitive buffer analysis tasks.</a:t>
+            </a:r>
+          </a:p>
+          <a:p>
+            <a:endParaRPr lang="en-US" dirty="0"/>
+          </a:p>
+          <a:p>
+            <a:pPr marL="324000" lvl="1" indent="0">
               <a:buNone/>
             </a:pPr>
-            <a:br>
-              <a:rPr lang="en-US" sz="1800" dirty="0"/>
-            </a:br>
-            <a:r>
-              <a:rPr lang="en-US" sz="1800" dirty="0"/>
-              <a:t>SELECT s.NAME  </a:t>
-            </a:r>
-          </a:p>
-          <a:p>
-            <a:pPr marL="594000" lvl="2" indent="0">
+            <a:r>
+              <a:rPr lang="en-US" dirty="0">
+                <a:solidFill>
+                  <a:srgbClr val="00B0F0"/>
+                </a:solidFill>
+              </a:rPr>
+              <a:t>CREATE FUNCTION ch05.get_stations_within_buffer(distance FLOAT) </a:t>
+            </a:r>
+          </a:p>
+          <a:p>
+            <a:pPr marL="324000" lvl="1" indent="0">
               <a:buNone/>
             </a:pPr>
             <a:r>
-              <a:rPr lang="en-US" sz="1800" dirty="0"/>
-              <a:t>FROM </a:t>
-            </a:r>
-            <a:r>
-              <a:rPr lang="en-US" sz="1800" dirty="0" err="1"/>
-              <a:t>nyc_streets</a:t>
-            </a:r>
-            <a:r>
-              <a:rPr lang="en-US" sz="1800" dirty="0"/>
-              <a:t> s, </a:t>
-            </a:r>
-            <a:r>
-              <a:rPr lang="en-US" sz="1800" dirty="0" err="1"/>
-              <a:t>nyc_coastline</a:t>
-            </a:r>
-            <a:r>
-              <a:rPr lang="en-US" sz="1800" dirty="0"/>
-              <a:t> c  </a:t>
-            </a:r>
-          </a:p>
-          <a:p>
-            <a:pPr marL="594000" lvl="2" indent="0">
+              <a:rPr lang="en-US" dirty="0">
+                <a:solidFill>
+                  <a:srgbClr val="00B0F0"/>
+                </a:solidFill>
+              </a:rPr>
+              <a:t>RETURNS TABLE(</a:t>
+            </a:r>
+            <a:r>
+              <a:rPr lang="en-US" dirty="0" err="1">
+                <a:solidFill>
+                  <a:srgbClr val="00B0F0"/>
+                </a:solidFill>
+              </a:rPr>
+              <a:t>station_name</a:t>
+            </a:r>
+            <a:r>
+              <a:rPr lang="en-US" dirty="0">
+                <a:solidFill>
+                  <a:srgbClr val="00B0F0"/>
+                </a:solidFill>
+              </a:rPr>
+              <a:t> TEXT, </a:t>
+            </a:r>
+            <a:r>
+              <a:rPr lang="en-US" dirty="0" err="1">
+                <a:solidFill>
+                  <a:srgbClr val="00B0F0"/>
+                </a:solidFill>
+              </a:rPr>
+              <a:t>street_name</a:t>
+            </a:r>
+            <a:r>
+              <a:rPr lang="en-US" dirty="0">
+                <a:solidFill>
+                  <a:srgbClr val="00B0F0"/>
+                </a:solidFill>
+              </a:rPr>
+              <a:t> TEXT) AS $$</a:t>
+            </a:r>
+          </a:p>
+          <a:p>
+            <a:pPr marL="324000" lvl="1" indent="0">
               <a:buNone/>
             </a:pPr>
             <a:r>
-              <a:rPr lang="en-US" sz="1800" dirty="0"/>
+              <a:rPr lang="en-US" dirty="0">
+                <a:solidFill>
+                  <a:srgbClr val="00B0F0"/>
+                </a:solidFill>
+              </a:rPr>
+              <a:t>BEGIN  </a:t>
+            </a:r>
+          </a:p>
+          <a:p>
+            <a:pPr marL="324000" lvl="1" indent="0">
+              <a:buNone/>
+            </a:pPr>
+            <a:r>
+              <a:rPr lang="en-US" dirty="0">
+                <a:solidFill>
+                  <a:srgbClr val="00B0F0"/>
+                </a:solidFill>
+              </a:rPr>
+              <a:t>RETURN QUERY   </a:t>
+            </a:r>
+          </a:p>
+          <a:p>
+            <a:pPr marL="324000" lvl="1" indent="0">
+              <a:buNone/>
+            </a:pPr>
+            <a:r>
+              <a:rPr lang="en-US" dirty="0">
+                <a:solidFill>
+                  <a:srgbClr val="00B0F0"/>
+                </a:solidFill>
+              </a:rPr>
+              <a:t>SELECT st.NAME, s.NAME   </a:t>
+            </a:r>
+          </a:p>
+          <a:p>
+            <a:pPr marL="324000" lvl="1" indent="0">
+              <a:buNone/>
+            </a:pPr>
+            <a:r>
+              <a:rPr lang="en-US" dirty="0">
+                <a:solidFill>
+                  <a:srgbClr val="00B0F0"/>
+                </a:solidFill>
+              </a:rPr>
+              <a:t>FROM ch05.nyc_subway_stations </a:t>
+            </a:r>
+            <a:r>
+              <a:rPr lang="en-US" dirty="0" err="1">
+                <a:solidFill>
+                  <a:srgbClr val="00B0F0"/>
+                </a:solidFill>
+              </a:rPr>
+              <a:t>st</a:t>
+            </a:r>
+            <a:r>
+              <a:rPr lang="en-US" dirty="0">
+                <a:solidFill>
+                  <a:srgbClr val="00B0F0"/>
+                </a:solidFill>
+              </a:rPr>
+              <a:t>, ch05.nyc_streets s   </a:t>
+            </a:r>
+          </a:p>
+          <a:p>
+            <a:pPr marL="324000" lvl="1" indent="0">
+              <a:buNone/>
+            </a:pPr>
+            <a:r>
+              <a:rPr lang="en-US" dirty="0">
+                <a:solidFill>
+                  <a:srgbClr val="00B0F0"/>
+                </a:solidFill>
+              </a:rPr>
               <a:t>WHERE </a:t>
             </a:r>
             <a:r>
-              <a:rPr lang="en-US" sz="1800" dirty="0" err="1"/>
-              <a:t>ST_Intersects</a:t>
-            </a:r>
-            <a:r>
-              <a:rPr lang="en-US" sz="1800" dirty="0"/>
+              <a:rPr lang="en-US" dirty="0" err="1">
+                <a:solidFill>
+                  <a:srgbClr val="00B0F0"/>
+                </a:solidFill>
+              </a:rPr>
+              <a:t>ST_DWithin</a:t>
+            </a:r>
+            <a:r>
+              <a:rPr lang="en-US" dirty="0">
+                <a:solidFill>
+                  <a:srgbClr val="00B0F0"/>
+                </a:solidFill>
+              </a:rPr>
               <a:t>(</a:t>
             </a:r>
             <a:r>
-              <a:rPr lang="en-US" sz="1800" dirty="0" err="1"/>
-              <a:t>ST_Buffer</a:t>
-            </a:r>
-            <a:r>
-              <a:rPr lang="en-US" sz="1800" dirty="0"/>
-              <a:t>(</a:t>
-            </a:r>
-            <a:r>
-              <a:rPr lang="en-US" sz="1800" dirty="0" err="1"/>
-              <a:t>c.geometry</a:t>
-            </a:r>
-            <a:r>
-              <a:rPr lang="en-US" sz="1800" dirty="0"/>
-              <a:t>, 1000), </a:t>
-            </a:r>
-            <a:r>
-              <a:rPr lang="en-US" sz="1800" dirty="0" err="1"/>
+              <a:rPr lang="en-US" dirty="0" err="1">
+                <a:solidFill>
+                  <a:srgbClr val="00B0F0"/>
+                </a:solidFill>
+              </a:rPr>
+              <a:t>st.geometry</a:t>
+            </a:r>
+            <a:r>
+              <a:rPr lang="en-US" dirty="0">
+                <a:solidFill>
+                  <a:srgbClr val="00B0F0"/>
+                </a:solidFill>
+              </a:rPr>
+              <a:t>, </a:t>
+            </a:r>
+            <a:r>
+              <a:rPr lang="en-US" dirty="0" err="1">
+                <a:solidFill>
+                  <a:srgbClr val="00B0F0"/>
+                </a:solidFill>
+              </a:rPr>
               <a:t>s.geometry</a:t>
             </a:r>
             <a:r>
-              <a:rPr lang="en-US" sz="1800" dirty="0"/>
-              <a:t>);</a:t>
+              <a:rPr lang="en-US" dirty="0">
+                <a:solidFill>
+                  <a:srgbClr val="00B0F0"/>
+                </a:solidFill>
+              </a:rPr>
+              <a:t>, distance);</a:t>
+            </a:r>
+          </a:p>
+          <a:p>
+            <a:pPr marL="324000" lvl="1" indent="0">
+              <a:buNone/>
+            </a:pPr>
+            <a:r>
+              <a:rPr lang="en-US" dirty="0">
+                <a:solidFill>
+                  <a:srgbClr val="00B0F0"/>
+                </a:solidFill>
+              </a:rPr>
+              <a:t>END;$$ LANGUAGE </a:t>
+            </a:r>
+            <a:r>
+              <a:rPr lang="en-US" dirty="0" err="1">
+                <a:solidFill>
+                  <a:srgbClr val="00B0F0"/>
+                </a:solidFill>
+              </a:rPr>
+              <a:t>plpgsql</a:t>
+            </a:r>
+            <a:r>
+              <a:rPr lang="en-US" dirty="0">
+                <a:solidFill>
+                  <a:srgbClr val="00B0F0"/>
+                </a:solidFill>
+              </a:rPr>
+              <a:t>;</a:t>
             </a:r>
           </a:p>
         </p:txBody>
@@ -6343,7 +6360,7 @@
     </p:spTree>
     <p:extLst>
       <p:ext uri="{BB962C8B-B14F-4D97-AF65-F5344CB8AC3E}">
-        <p14:creationId xmlns:p14="http://schemas.microsoft.com/office/powerpoint/2010/main" val="78832131"/>
+        <p14:creationId xmlns:p14="http://schemas.microsoft.com/office/powerpoint/2010/main" val="2221672660"/>
       </p:ext>
     </p:extLst>
   </p:cSld>
@@ -6375,7 +6392,7 @@
           <p:cNvPr id="2" name="Title 1">
             <a:extLst>
               <a:ext uri="{FF2B5EF4-FFF2-40B4-BE49-F238E27FC236}">
-                <a16:creationId xmlns:a16="http://schemas.microsoft.com/office/drawing/2014/main" id="{E9A99951-2173-336C-6657-79F75A79B63A}"/>
+                <a16:creationId xmlns:a16="http://schemas.microsoft.com/office/drawing/2014/main" id="{6AFDAB0B-1269-9F6C-D8A0-E3650409C648}"/>
               </a:ext>
             </a:extLst>
           </p:cNvPr>
@@ -6386,21 +6403,14 @@
             <p:ph type="title"/>
           </p:nvPr>
         </p:nvSpPr>
-        <p:spPr>
-          <a:xfrm>
-            <a:off x="581192" y="702156"/>
-            <a:ext cx="11029616" cy="600171"/>
-          </a:xfrm>
-        </p:spPr>
-        <p:txBody>
-          <a:bodyPr>
-            <a:normAutofit/>
-          </a:bodyPr>
+        <p:spPr/>
+        <p:txBody>
+          <a:bodyPr/>
           <a:lstStyle/>
           <a:p>
             <a:r>
               <a:rPr lang="en-US" dirty="0"/>
-              <a:t>Real-World Project Example</a:t>
+              <a:t>TOOLS IN PGADMIN 4 - VIEWS</a:t>
             </a:r>
           </a:p>
         </p:txBody>
@@ -6410,7 +6420,7 @@
           <p:cNvPr id="3" name="Content Placeholder 2">
             <a:extLst>
               <a:ext uri="{FF2B5EF4-FFF2-40B4-BE49-F238E27FC236}">
-                <a16:creationId xmlns:a16="http://schemas.microsoft.com/office/drawing/2014/main" id="{5D5C0DB1-FCD0-2193-7033-AB0BEA2196DC}"/>
+                <a16:creationId xmlns:a16="http://schemas.microsoft.com/office/drawing/2014/main" id="{57CF7F19-5B2B-AB2D-263A-2A3D1302199B}"/>
               </a:ext>
             </a:extLst>
           </p:cNvPr>
@@ -6421,50 +6431,88 @@
             <p:ph idx="1"/>
           </p:nvPr>
         </p:nvSpPr>
-        <p:spPr>
-          <a:xfrm>
-            <a:off x="581193" y="1454172"/>
-            <a:ext cx="11029615" cy="2833809"/>
-          </a:xfrm>
-        </p:spPr>
-        <p:txBody>
-          <a:bodyPr>
-            <a:normAutofit/>
-          </a:bodyPr>
+        <p:spPr/>
+        <p:txBody>
+          <a:bodyPr/>
           <a:lstStyle/>
           <a:p>
-            <a:pPr>
-              <a:buFont typeface="Wingdings" panose="05000000000000000000" pitchFamily="2" charset="2"/>
-              <a:buChar char="§"/>
+            <a:r>
+              <a:rPr lang="en-US" dirty="0"/>
+              <a:t>Simplify complex queries with views for better data visualization.</a:t>
+            </a:r>
+          </a:p>
+          <a:p>
+            <a:endParaRPr lang="en-US" dirty="0"/>
+          </a:p>
+          <a:p>
+            <a:pPr marL="594000" lvl="2" indent="0">
+              <a:buNone/>
             </a:pPr>
             <a:r>
-              <a:rPr lang="en-US" b="1" dirty="0"/>
-              <a:t>NYC Emergency Response Planning:</a:t>
-            </a:r>
-            <a:endParaRPr lang="en-US" dirty="0"/>
-          </a:p>
-          <a:p>
-            <a:pPr marL="742950" lvl="1" indent="-285750">
-              <a:buFont typeface="Arial" panose="020B0604020202020204" pitchFamily="34" charset="0"/>
-              <a:buChar char="•"/>
+              <a:rPr lang="en-US" dirty="0">
+                <a:solidFill>
+                  <a:srgbClr val="00B0F0"/>
+                </a:solidFill>
+              </a:rPr>
+              <a:t>CREATE VIEW ch05.residential_near_stations AS </a:t>
+            </a:r>
+          </a:p>
+          <a:p>
+            <a:pPr marL="594000" lvl="2" indent="0">
+              <a:buNone/>
             </a:pPr>
             <a:r>
-              <a:rPr lang="en-US" dirty="0"/>
-              <a:t>Buffer zones around subway stations are used to plan emergency evacuation routes and resource allocation.</a:t>
-            </a:r>
-          </a:p>
-          <a:p>
-            <a:pPr marL="742950" lvl="1" indent="-285750">
-              <a:buFont typeface="Arial" panose="020B0604020202020204" pitchFamily="34" charset="0"/>
-              <a:buChar char="•"/>
+              <a:rPr lang="en-US" dirty="0">
+                <a:solidFill>
+                  <a:srgbClr val="00B0F0"/>
+                </a:solidFill>
+              </a:rPr>
+              <a:t>SELECT s.NAME AS </a:t>
+            </a:r>
+            <a:r>
+              <a:rPr lang="en-US" dirty="0" err="1">
+                <a:solidFill>
+                  <a:srgbClr val="00B0F0"/>
+                </a:solidFill>
+              </a:rPr>
+              <a:t>street_name</a:t>
+            </a:r>
+            <a:r>
+              <a:rPr lang="en-US" dirty="0">
+                <a:solidFill>
+                  <a:srgbClr val="00B0F0"/>
+                </a:solidFill>
+              </a:rPr>
+              <a:t>, st.NAME AS </a:t>
+            </a:r>
+            <a:r>
+              <a:rPr lang="en-US" dirty="0" err="1">
+                <a:solidFill>
+                  <a:srgbClr val="00B0F0"/>
+                </a:solidFill>
+              </a:rPr>
+              <a:t>station_name</a:t>
+            </a:r>
+            <a:r>
+              <a:rPr lang="en-US" dirty="0">
+                <a:solidFill>
+                  <a:srgbClr val="00B0F0"/>
+                </a:solidFill>
+              </a:rPr>
+              <a:t> </a:t>
+            </a:r>
+          </a:p>
+          <a:p>
+            <a:pPr marL="594000" lvl="2" indent="0">
+              <a:buNone/>
             </a:pPr>
             <a:r>
-              <a:rPr lang="en-US" b="1" dirty="0"/>
-              <a:t>Example:</a:t>
-            </a:r>
-            <a:r>
-              <a:rPr lang="en-US" dirty="0"/>
-              <a:t> During Hurricane Sandy, buffer analysis helped identify critical infrastructure within flood-prone zones, aiding in evacuation and resource deployment.</a:t>
+              <a:rPr lang="en-US" dirty="0">
+                <a:solidFill>
+                  <a:srgbClr val="00B0F0"/>
+                </a:solidFill>
+              </a:rPr>
+              <a:t>FROM ch05.nyc_streets s </a:t>
             </a:r>
           </a:p>
           <a:p>
@@ -6477,7 +6525,7 @@
                   <a:srgbClr val="00B0F0"/>
                 </a:solidFill>
               </a:rPr>
-              <a:t>SELECT st.NAME AS </a:t>
+              <a:t>JOIN ch05.nyc_subway_stations </a:t>
             </a:r>
             <a:r>
               <a:rPr lang="en-US" dirty="0" err="1">
@@ -6485,7 +6533,7 @@
                   <a:srgbClr val="00B0F0"/>
                 </a:solidFill>
               </a:rPr>
-              <a:t>station_name</a:t>
+              <a:t>st</a:t>
             </a:r>
             <a:r>
               <a:rPr lang="en-US" dirty="0">
@@ -6493,7 +6541,20 @@
                   <a:srgbClr val="00B0F0"/>
                 </a:solidFill>
               </a:rPr>
-              <a:t>, s.NAME AS </a:t>
+              <a:t> </a:t>
+            </a:r>
+          </a:p>
+          <a:p>
+            <a:pPr marL="594000" lvl="2" indent="0">
+              <a:buNone/>
+            </a:pPr>
+            <a:r>
+              <a:rPr lang="en-US" dirty="0">
+                <a:solidFill>
+                  <a:srgbClr val="00B0F0"/>
+                </a:solidFill>
+              </a:rPr>
+              <a:t>ON </a:t>
             </a:r>
             <a:r>
               <a:rPr lang="en-US" dirty="0" err="1">
@@ -6501,7 +6562,7 @@
                   <a:srgbClr val="00B0F0"/>
                 </a:solidFill>
               </a:rPr>
-              <a:t>street_name</a:t>
+              <a:t>ST_DWithin</a:t>
             </a:r>
             <a:r>
               <a:rPr lang="en-US" dirty="0">
@@ -6509,7 +6570,39 @@
                   <a:srgbClr val="00B0F0"/>
                 </a:solidFill>
               </a:rPr>
-              <a:t>  </a:t>
+              <a:t>(</a:t>
+            </a:r>
+            <a:r>
+              <a:rPr lang="en-US" dirty="0" err="1">
+                <a:solidFill>
+                  <a:srgbClr val="00B0F0"/>
+                </a:solidFill>
+              </a:rPr>
+              <a:t>s.geometry</a:t>
+            </a:r>
+            <a:r>
+              <a:rPr lang="en-US" dirty="0">
+                <a:solidFill>
+                  <a:srgbClr val="00B0F0"/>
+                </a:solidFill>
+              </a:rPr>
+              <a:t>, </a:t>
+            </a:r>
+            <a:r>
+              <a:rPr lang="en-US" dirty="0" err="1">
+                <a:solidFill>
+                  <a:srgbClr val="00B0F0"/>
+                </a:solidFill>
+              </a:rPr>
+              <a:t>st.geometry</a:t>
+            </a:r>
+            <a:r>
+              <a:rPr lang="en-US" dirty="0">
+                <a:solidFill>
+                  <a:srgbClr val="00B0F0"/>
+                </a:solidFill>
+              </a:rPr>
+              <a:t>, 300) </a:t>
             </a:r>
           </a:p>
           <a:p>
@@ -6522,132 +6615,7 @@
                   <a:srgbClr val="00B0F0"/>
                 </a:solidFill>
               </a:rPr>
-              <a:t>FROM </a:t>
-            </a:r>
-            <a:r>
-              <a:rPr lang="en-US" dirty="0" err="1">
-                <a:solidFill>
-                  <a:srgbClr val="00B0F0"/>
-                </a:solidFill>
-              </a:rPr>
-              <a:t>nyc_subway_stations</a:t>
-            </a:r>
-            <a:r>
-              <a:rPr lang="en-US" dirty="0">
-                <a:solidFill>
-                  <a:srgbClr val="00B0F0"/>
-                </a:solidFill>
-              </a:rPr>
-              <a:t> </a:t>
-            </a:r>
-            <a:r>
-              <a:rPr lang="en-US" dirty="0" err="1">
-                <a:solidFill>
-                  <a:srgbClr val="00B0F0"/>
-                </a:solidFill>
-              </a:rPr>
-              <a:t>st</a:t>
-            </a:r>
-            <a:r>
-              <a:rPr lang="en-US" dirty="0">
-                <a:solidFill>
-                  <a:srgbClr val="00B0F0"/>
-                </a:solidFill>
-              </a:rPr>
-              <a:t>, </a:t>
-            </a:r>
-            <a:r>
-              <a:rPr lang="en-US" dirty="0" err="1">
-                <a:solidFill>
-                  <a:srgbClr val="00B0F0"/>
-                </a:solidFill>
-              </a:rPr>
-              <a:t>nyc_streets</a:t>
-            </a:r>
-            <a:r>
-              <a:rPr lang="en-US" dirty="0">
-                <a:solidFill>
-                  <a:srgbClr val="00B0F0"/>
-                </a:solidFill>
-              </a:rPr>
-              <a:t> s  </a:t>
-            </a:r>
-          </a:p>
-          <a:p>
-            <a:pPr marL="594000" lvl="2" indent="0">
-              <a:buNone/>
-            </a:pPr>
-            <a:r>
-              <a:rPr lang="en-US" dirty="0">
-                <a:solidFill>
-                  <a:srgbClr val="00B0F0"/>
-                </a:solidFill>
-              </a:rPr>
               <a:t>WHERE </a:t>
-            </a:r>
-            <a:r>
-              <a:rPr lang="en-US" dirty="0" err="1">
-                <a:solidFill>
-                  <a:srgbClr val="00B0F0"/>
-                </a:solidFill>
-              </a:rPr>
-              <a:t>ST_DWithin</a:t>
-            </a:r>
-            <a:r>
-              <a:rPr lang="en-US" dirty="0">
-                <a:solidFill>
-                  <a:srgbClr val="00B0F0"/>
-                </a:solidFill>
-              </a:rPr>
-              <a:t>(</a:t>
-            </a:r>
-            <a:r>
-              <a:rPr lang="en-US" dirty="0" err="1">
-                <a:solidFill>
-                  <a:srgbClr val="00B0F0"/>
-                </a:solidFill>
-              </a:rPr>
-              <a:t>st.geometry</a:t>
-            </a:r>
-            <a:r>
-              <a:rPr lang="en-US" dirty="0">
-                <a:solidFill>
-                  <a:srgbClr val="00B0F0"/>
-                </a:solidFill>
-              </a:rPr>
-              <a:t>, </a:t>
-            </a:r>
-            <a:r>
-              <a:rPr lang="en-US" dirty="0" err="1">
-                <a:solidFill>
-                  <a:srgbClr val="00B0F0"/>
-                </a:solidFill>
-              </a:rPr>
-              <a:t>s.geometry</a:t>
-            </a:r>
-            <a:r>
-              <a:rPr lang="en-US" dirty="0">
-                <a:solidFill>
-                  <a:srgbClr val="00B0F0"/>
-                </a:solidFill>
-              </a:rPr>
-              <a:t>, 300)  AND </a:t>
-            </a:r>
-            <a:r>
-              <a:rPr lang="en-US" dirty="0" err="1">
-                <a:solidFill>
-                  <a:srgbClr val="00B0F0"/>
-                </a:solidFill>
-              </a:rPr>
-              <a:t>st.BOROUGH</a:t>
-            </a:r>
-            <a:r>
-              <a:rPr lang="en-US" dirty="0">
-                <a:solidFill>
-                  <a:srgbClr val="00B0F0"/>
-                </a:solidFill>
-              </a:rPr>
-              <a:t> = 'Manhattan'  AND </a:t>
             </a:r>
             <a:r>
               <a:rPr lang="en-US" dirty="0" err="1">
@@ -6671,476 +6639,7 @@
     </p:spTree>
     <p:extLst>
       <p:ext uri="{BB962C8B-B14F-4D97-AF65-F5344CB8AC3E}">
-        <p14:creationId xmlns:p14="http://schemas.microsoft.com/office/powerpoint/2010/main" val="3118275270"/>
-      </p:ext>
-    </p:extLst>
-  </p:cSld>
-  <p:clrMapOvr>
-    <a:masterClrMapping/>
-  </p:clrMapOvr>
-</p:sld>
-</file>
-
-<file path=ppt/slides/slide18.xml><?xml version="1.0" encoding="utf-8"?>
-<p:sld xmlns:a="http://schemas.openxmlformats.org/drawingml/2006/main" xmlns:r="http://schemas.openxmlformats.org/officeDocument/2006/relationships" xmlns:p="http://schemas.openxmlformats.org/presentationml/2006/main">
-  <p:cSld>
-    <p:spTree>
-      <p:nvGrpSpPr>
-        <p:cNvPr id="1" name=""/>
-        <p:cNvGrpSpPr/>
-        <p:nvPr/>
-      </p:nvGrpSpPr>
-      <p:grpSpPr>
-        <a:xfrm>
-          <a:off x="0" y="0"/>
-          <a:ext cx="0" cy="0"/>
-          <a:chOff x="0" y="0"/>
-          <a:chExt cx="0" cy="0"/>
-        </a:xfrm>
-      </p:grpSpPr>
-      <p:sp>
-        <p:nvSpPr>
-          <p:cNvPr id="2" name="Title 1">
-            <a:extLst>
-              <a:ext uri="{FF2B5EF4-FFF2-40B4-BE49-F238E27FC236}">
-                <a16:creationId xmlns:a16="http://schemas.microsoft.com/office/drawing/2014/main" id="{64E36CD5-3DBF-BAE6-7CF6-585C5F525485}"/>
-              </a:ext>
-            </a:extLst>
-          </p:cNvPr>
-          <p:cNvSpPr>
-            <a:spLocks noGrp="1"/>
-          </p:cNvSpPr>
-          <p:nvPr>
-            <p:ph type="title"/>
-          </p:nvPr>
-        </p:nvSpPr>
-        <p:spPr/>
-        <p:txBody>
-          <a:bodyPr/>
-          <a:lstStyle/>
-          <a:p>
-            <a:r>
-              <a:rPr lang="en-US" dirty="0"/>
-              <a:t>TOOLS IN PGADMIN 4 – MATERIALIZED VIEWS</a:t>
-            </a:r>
-          </a:p>
-        </p:txBody>
-      </p:sp>
-      <p:sp>
-        <p:nvSpPr>
-          <p:cNvPr id="3" name="Content Placeholder 2">
-            <a:extLst>
-              <a:ext uri="{FF2B5EF4-FFF2-40B4-BE49-F238E27FC236}">
-                <a16:creationId xmlns:a16="http://schemas.microsoft.com/office/drawing/2014/main" id="{861D47DB-0F47-DE91-A1F8-68D7581EF238}"/>
-              </a:ext>
-            </a:extLst>
-          </p:cNvPr>
-          <p:cNvSpPr>
-            <a:spLocks noGrp="1"/>
-          </p:cNvSpPr>
-          <p:nvPr>
-            <p:ph idx="1"/>
-          </p:nvPr>
-        </p:nvSpPr>
-        <p:spPr>
-          <a:xfrm>
-            <a:off x="581192" y="2340864"/>
-            <a:ext cx="11029615" cy="1935861"/>
-          </a:xfrm>
-        </p:spPr>
-        <p:txBody>
-          <a:bodyPr/>
-          <a:lstStyle/>
-          <a:p>
-            <a:r>
-              <a:rPr lang="en-US" dirty="0"/>
-              <a:t>Create materialized views to store complex buffer analysis results for faster querying.</a:t>
-            </a:r>
-          </a:p>
-          <a:p>
-            <a:pPr marL="324000" lvl="1" indent="0">
-              <a:buNone/>
-            </a:pPr>
-            <a:r>
-              <a:rPr lang="en-US" dirty="0">
-                <a:solidFill>
-                  <a:srgbClr val="00B0F0"/>
-                </a:solidFill>
-              </a:rPr>
-              <a:t>CREATE MATERIALIZED VIEW ch05.station_buffers AS </a:t>
-            </a:r>
-          </a:p>
-          <a:p>
-            <a:pPr marL="324000" lvl="1" indent="0">
-              <a:buNone/>
-            </a:pPr>
-            <a:r>
-              <a:rPr lang="en-US" dirty="0">
-                <a:solidFill>
-                  <a:srgbClr val="00B0F0"/>
-                </a:solidFill>
-              </a:rPr>
-              <a:t>SELECT NAME, </a:t>
-            </a:r>
-            <a:r>
-              <a:rPr lang="en-US" dirty="0" err="1">
-                <a:solidFill>
-                  <a:srgbClr val="00B0F0"/>
-                </a:solidFill>
-              </a:rPr>
-              <a:t>ST_Buffer</a:t>
-            </a:r>
-            <a:r>
-              <a:rPr lang="en-US" dirty="0">
-                <a:solidFill>
-                  <a:srgbClr val="00B0F0"/>
-                </a:solidFill>
-              </a:rPr>
-              <a:t>(geometry, 300) AS </a:t>
-            </a:r>
-            <a:r>
-              <a:rPr lang="en-US" dirty="0" err="1">
-                <a:solidFill>
-                  <a:srgbClr val="00B0F0"/>
-                </a:solidFill>
-              </a:rPr>
-              <a:t>buffer_geom</a:t>
-            </a:r>
-            <a:r>
-              <a:rPr lang="en-US" dirty="0">
-                <a:solidFill>
-                  <a:srgbClr val="00B0F0"/>
-                </a:solidFill>
-              </a:rPr>
-              <a:t> </a:t>
-            </a:r>
-          </a:p>
-          <a:p>
-            <a:pPr marL="324000" lvl="1" indent="0">
-              <a:buNone/>
-            </a:pPr>
-            <a:r>
-              <a:rPr lang="en-US" dirty="0">
-                <a:solidFill>
-                  <a:srgbClr val="00B0F0"/>
-                </a:solidFill>
-              </a:rPr>
-              <a:t>FROM ch05.nyc_subway_stations;</a:t>
-            </a:r>
-          </a:p>
-        </p:txBody>
-      </p:sp>
-    </p:spTree>
-    <p:extLst>
-      <p:ext uri="{BB962C8B-B14F-4D97-AF65-F5344CB8AC3E}">
-        <p14:creationId xmlns:p14="http://schemas.microsoft.com/office/powerpoint/2010/main" val="2854411829"/>
-      </p:ext>
-    </p:extLst>
-  </p:cSld>
-  <p:clrMapOvr>
-    <a:masterClrMapping/>
-  </p:clrMapOvr>
-</p:sld>
-</file>
-
-<file path=ppt/slides/slide19.xml><?xml version="1.0" encoding="utf-8"?>
-<p:sld xmlns:a="http://schemas.openxmlformats.org/drawingml/2006/main" xmlns:r="http://schemas.openxmlformats.org/officeDocument/2006/relationships" xmlns:p="http://schemas.openxmlformats.org/presentationml/2006/main">
-  <p:cSld>
-    <p:spTree>
-      <p:nvGrpSpPr>
-        <p:cNvPr id="1" name=""/>
-        <p:cNvGrpSpPr/>
-        <p:nvPr/>
-      </p:nvGrpSpPr>
-      <p:grpSpPr>
-        <a:xfrm>
-          <a:off x="0" y="0"/>
-          <a:ext cx="0" cy="0"/>
-          <a:chOff x="0" y="0"/>
-          <a:chExt cx="0" cy="0"/>
-        </a:xfrm>
-      </p:grpSpPr>
-      <p:sp>
-        <p:nvSpPr>
-          <p:cNvPr id="2" name="Title 1">
-            <a:extLst>
-              <a:ext uri="{FF2B5EF4-FFF2-40B4-BE49-F238E27FC236}">
-                <a16:creationId xmlns:a16="http://schemas.microsoft.com/office/drawing/2014/main" id="{E0EC588A-D6DE-08A3-EFFB-AF7F0822DC33}"/>
-              </a:ext>
-            </a:extLst>
-          </p:cNvPr>
-          <p:cNvSpPr>
-            <a:spLocks noGrp="1"/>
-          </p:cNvSpPr>
-          <p:nvPr>
-            <p:ph type="title"/>
-          </p:nvPr>
-        </p:nvSpPr>
-        <p:spPr/>
-        <p:txBody>
-          <a:bodyPr/>
-          <a:lstStyle/>
-          <a:p>
-            <a:r>
-              <a:rPr lang="en-US" dirty="0"/>
-              <a:t>TOOLS IN PGADMIN 4 - FUNCTIONS</a:t>
-            </a:r>
-          </a:p>
-        </p:txBody>
-      </p:sp>
-      <p:sp>
-        <p:nvSpPr>
-          <p:cNvPr id="3" name="Content Placeholder 2">
-            <a:extLst>
-              <a:ext uri="{FF2B5EF4-FFF2-40B4-BE49-F238E27FC236}">
-                <a16:creationId xmlns:a16="http://schemas.microsoft.com/office/drawing/2014/main" id="{BE6037DF-D050-5883-3EC2-3BDD696D1E25}"/>
-              </a:ext>
-            </a:extLst>
-          </p:cNvPr>
-          <p:cNvSpPr>
-            <a:spLocks noGrp="1"/>
-          </p:cNvSpPr>
-          <p:nvPr>
-            <p:ph idx="1"/>
-          </p:nvPr>
-        </p:nvSpPr>
-        <p:spPr/>
-        <p:txBody>
-          <a:bodyPr>
-            <a:normAutofit lnSpcReduction="10000"/>
-          </a:bodyPr>
-          <a:lstStyle/>
-          <a:p>
-            <a:r>
-              <a:rPr lang="en-US" dirty="0"/>
-              <a:t>Write custom SQL functions to automate repetitive buffer analysis tasks.</a:t>
-            </a:r>
-          </a:p>
-          <a:p>
-            <a:endParaRPr lang="en-US" dirty="0"/>
-          </a:p>
-          <a:p>
-            <a:pPr marL="324000" lvl="1" indent="0">
-              <a:buNone/>
-            </a:pPr>
-            <a:r>
-              <a:rPr lang="en-US" dirty="0">
-                <a:solidFill>
-                  <a:srgbClr val="00B0F0"/>
-                </a:solidFill>
-              </a:rPr>
-              <a:t>CREATE FUNCTION ch05.get_stations_within_buffer(distance FLOAT) </a:t>
-            </a:r>
-          </a:p>
-          <a:p>
-            <a:pPr marL="324000" lvl="1" indent="0">
-              <a:buNone/>
-            </a:pPr>
-            <a:r>
-              <a:rPr lang="en-US" dirty="0">
-                <a:solidFill>
-                  <a:srgbClr val="00B0F0"/>
-                </a:solidFill>
-              </a:rPr>
-              <a:t>RETURNS TABLE(</a:t>
-            </a:r>
-            <a:r>
-              <a:rPr lang="en-US" dirty="0" err="1">
-                <a:solidFill>
-                  <a:srgbClr val="00B0F0"/>
-                </a:solidFill>
-              </a:rPr>
-              <a:t>station_name</a:t>
-            </a:r>
-            <a:r>
-              <a:rPr lang="en-US" dirty="0">
-                <a:solidFill>
-                  <a:srgbClr val="00B0F0"/>
-                </a:solidFill>
-              </a:rPr>
-              <a:t> TEXT, </a:t>
-            </a:r>
-            <a:r>
-              <a:rPr lang="en-US" dirty="0" err="1">
-                <a:solidFill>
-                  <a:srgbClr val="00B0F0"/>
-                </a:solidFill>
-              </a:rPr>
-              <a:t>street_name</a:t>
-            </a:r>
-            <a:r>
-              <a:rPr lang="en-US" dirty="0">
-                <a:solidFill>
-                  <a:srgbClr val="00B0F0"/>
-                </a:solidFill>
-              </a:rPr>
-              <a:t> TEXT) AS $$</a:t>
-            </a:r>
-          </a:p>
-          <a:p>
-            <a:pPr marL="324000" lvl="1" indent="0">
-              <a:buNone/>
-            </a:pPr>
-            <a:r>
-              <a:rPr lang="en-US" dirty="0">
-                <a:solidFill>
-                  <a:srgbClr val="00B0F0"/>
-                </a:solidFill>
-              </a:rPr>
-              <a:t>BEGIN  </a:t>
-            </a:r>
-          </a:p>
-          <a:p>
-            <a:pPr marL="324000" lvl="1" indent="0">
-              <a:buNone/>
-            </a:pPr>
-            <a:r>
-              <a:rPr lang="en-US" dirty="0">
-                <a:solidFill>
-                  <a:srgbClr val="00B0F0"/>
-                </a:solidFill>
-              </a:rPr>
-              <a:t>RETURN QUERY   </a:t>
-            </a:r>
-          </a:p>
-          <a:p>
-            <a:pPr marL="324000" lvl="1" indent="0">
-              <a:buNone/>
-            </a:pPr>
-            <a:r>
-              <a:rPr lang="en-US" dirty="0">
-                <a:solidFill>
-                  <a:srgbClr val="00B0F0"/>
-                </a:solidFill>
-              </a:rPr>
-              <a:t>SELECT st.NAME, s.NAME   </a:t>
-            </a:r>
-          </a:p>
-          <a:p>
-            <a:pPr marL="324000" lvl="1" indent="0">
-              <a:buNone/>
-            </a:pPr>
-            <a:r>
-              <a:rPr lang="en-US" dirty="0">
-                <a:solidFill>
-                  <a:srgbClr val="00B0F0"/>
-                </a:solidFill>
-              </a:rPr>
-              <a:t>FROM ch05.nyc_subway_stations </a:t>
-            </a:r>
-            <a:r>
-              <a:rPr lang="en-US" dirty="0" err="1">
-                <a:solidFill>
-                  <a:srgbClr val="00B0F0"/>
-                </a:solidFill>
-              </a:rPr>
-              <a:t>st</a:t>
-            </a:r>
-            <a:r>
-              <a:rPr lang="en-US" dirty="0">
-                <a:solidFill>
-                  <a:srgbClr val="00B0F0"/>
-                </a:solidFill>
-              </a:rPr>
-              <a:t>, ch05.nyc_streets s   </a:t>
-            </a:r>
-          </a:p>
-          <a:p>
-            <a:pPr marL="324000" lvl="1" indent="0">
-              <a:buNone/>
-            </a:pPr>
-            <a:r>
-              <a:rPr lang="en-US" dirty="0">
-                <a:solidFill>
-                  <a:srgbClr val="00B0F0"/>
-                </a:solidFill>
-              </a:rPr>
-              <a:t>WHERE </a:t>
-            </a:r>
-            <a:r>
-              <a:rPr lang="en-US" dirty="0" err="1">
-                <a:solidFill>
-                  <a:srgbClr val="00B0F0"/>
-                </a:solidFill>
-              </a:rPr>
-              <a:t>ST_DWithin</a:t>
-            </a:r>
-            <a:r>
-              <a:rPr lang="en-US" dirty="0">
-                <a:solidFill>
-                  <a:srgbClr val="00B0F0"/>
-                </a:solidFill>
-              </a:rPr>
-              <a:t>(</a:t>
-            </a:r>
-            <a:r>
-              <a:rPr lang="en-US" dirty="0" err="1">
-                <a:solidFill>
-                  <a:srgbClr val="00B0F0"/>
-                </a:solidFill>
-              </a:rPr>
-              <a:t>st.geometry</a:t>
-            </a:r>
-            <a:r>
-              <a:rPr lang="en-US" dirty="0">
-                <a:solidFill>
-                  <a:srgbClr val="00B0F0"/>
-                </a:solidFill>
-              </a:rPr>
-              <a:t>, </a:t>
-            </a:r>
-            <a:r>
-              <a:rPr lang="en-US" dirty="0" err="1">
-                <a:solidFill>
-                  <a:srgbClr val="00B0F0"/>
-                </a:solidFill>
-              </a:rPr>
-              <a:t>s.geometry</a:t>
-            </a:r>
-            <a:r>
-              <a:rPr lang="en-US" dirty="0">
-                <a:solidFill>
-                  <a:srgbClr val="00B0F0"/>
-                </a:solidFill>
-              </a:rPr>
-              <a:t>, distance);</a:t>
-            </a:r>
-          </a:p>
-          <a:p>
-            <a:pPr marL="324000" lvl="1" indent="0">
-              <a:buNone/>
-            </a:pPr>
-            <a:r>
-              <a:rPr lang="en-US" dirty="0">
-                <a:solidFill>
-                  <a:srgbClr val="00B0F0"/>
-                </a:solidFill>
-              </a:rPr>
-              <a:t>END;$$ LANGUAGE </a:t>
-            </a:r>
-            <a:r>
-              <a:rPr lang="en-US" dirty="0" err="1">
-                <a:solidFill>
-                  <a:srgbClr val="00B0F0"/>
-                </a:solidFill>
-              </a:rPr>
-              <a:t>plpgsql</a:t>
-            </a:r>
-            <a:r>
-              <a:rPr lang="en-US" dirty="0">
-                <a:solidFill>
-                  <a:srgbClr val="00B0F0"/>
-                </a:solidFill>
-              </a:rPr>
-              <a:t>;</a:t>
-            </a:r>
-          </a:p>
-        </p:txBody>
-      </p:sp>
-    </p:spTree>
-    <p:extLst>
-      <p:ext uri="{BB962C8B-B14F-4D97-AF65-F5344CB8AC3E}">
-        <p14:creationId xmlns:p14="http://schemas.microsoft.com/office/powerpoint/2010/main" val="2221672660"/>
+        <p14:creationId xmlns:p14="http://schemas.microsoft.com/office/powerpoint/2010/main" val="3857661707"/>
       </p:ext>
     </p:extLst>
   </p:cSld>
@@ -7376,285 +6875,6 @@
     <p:extLst>
       <p:ext uri="{BB962C8B-B14F-4D97-AF65-F5344CB8AC3E}">
         <p14:creationId xmlns:p14="http://schemas.microsoft.com/office/powerpoint/2010/main" val="1888964802"/>
-      </p:ext>
-    </p:extLst>
-  </p:cSld>
-  <p:clrMapOvr>
-    <a:masterClrMapping/>
-  </p:clrMapOvr>
-</p:sld>
-</file>
-
-<file path=ppt/slides/slide20.xml><?xml version="1.0" encoding="utf-8"?>
-<p:sld xmlns:a="http://schemas.openxmlformats.org/drawingml/2006/main" xmlns:r="http://schemas.openxmlformats.org/officeDocument/2006/relationships" xmlns:p="http://schemas.openxmlformats.org/presentationml/2006/main">
-  <p:cSld>
-    <p:spTree>
-      <p:nvGrpSpPr>
-        <p:cNvPr id="1" name=""/>
-        <p:cNvGrpSpPr/>
-        <p:nvPr/>
-      </p:nvGrpSpPr>
-      <p:grpSpPr>
-        <a:xfrm>
-          <a:off x="0" y="0"/>
-          <a:ext cx="0" cy="0"/>
-          <a:chOff x="0" y="0"/>
-          <a:chExt cx="0" cy="0"/>
-        </a:xfrm>
-      </p:grpSpPr>
-      <p:sp>
-        <p:nvSpPr>
-          <p:cNvPr id="2" name="Title 1">
-            <a:extLst>
-              <a:ext uri="{FF2B5EF4-FFF2-40B4-BE49-F238E27FC236}">
-                <a16:creationId xmlns:a16="http://schemas.microsoft.com/office/drawing/2014/main" id="{6AFDAB0B-1269-9F6C-D8A0-E3650409C648}"/>
-              </a:ext>
-            </a:extLst>
-          </p:cNvPr>
-          <p:cNvSpPr>
-            <a:spLocks noGrp="1"/>
-          </p:cNvSpPr>
-          <p:nvPr>
-            <p:ph type="title"/>
-          </p:nvPr>
-        </p:nvSpPr>
-        <p:spPr/>
-        <p:txBody>
-          <a:bodyPr/>
-          <a:lstStyle/>
-          <a:p>
-            <a:r>
-              <a:rPr lang="en-US" dirty="0"/>
-              <a:t>TOOLS IN PGADMIN 4 - VIEWS</a:t>
-            </a:r>
-          </a:p>
-        </p:txBody>
-      </p:sp>
-      <p:sp>
-        <p:nvSpPr>
-          <p:cNvPr id="3" name="Content Placeholder 2">
-            <a:extLst>
-              <a:ext uri="{FF2B5EF4-FFF2-40B4-BE49-F238E27FC236}">
-                <a16:creationId xmlns:a16="http://schemas.microsoft.com/office/drawing/2014/main" id="{57CF7F19-5B2B-AB2D-263A-2A3D1302199B}"/>
-              </a:ext>
-            </a:extLst>
-          </p:cNvPr>
-          <p:cNvSpPr>
-            <a:spLocks noGrp="1"/>
-          </p:cNvSpPr>
-          <p:nvPr>
-            <p:ph idx="1"/>
-          </p:nvPr>
-        </p:nvSpPr>
-        <p:spPr/>
-        <p:txBody>
-          <a:bodyPr/>
-          <a:lstStyle/>
-          <a:p>
-            <a:r>
-              <a:rPr lang="en-US" dirty="0"/>
-              <a:t>Simplify complex queries with views for better data visualization.</a:t>
-            </a:r>
-          </a:p>
-          <a:p>
-            <a:endParaRPr lang="en-US" dirty="0"/>
-          </a:p>
-          <a:p>
-            <a:pPr marL="594000" lvl="2" indent="0">
-              <a:buNone/>
-            </a:pPr>
-            <a:r>
-              <a:rPr lang="en-US" dirty="0">
-                <a:solidFill>
-                  <a:srgbClr val="00B0F0"/>
-                </a:solidFill>
-              </a:rPr>
-              <a:t>CREATE VIEW ch05.residential_near_stations AS </a:t>
-            </a:r>
-          </a:p>
-          <a:p>
-            <a:pPr marL="594000" lvl="2" indent="0">
-              <a:buNone/>
-            </a:pPr>
-            <a:r>
-              <a:rPr lang="en-US" dirty="0">
-                <a:solidFill>
-                  <a:srgbClr val="00B0F0"/>
-                </a:solidFill>
-              </a:rPr>
-              <a:t>SELECT s.NAME AS </a:t>
-            </a:r>
-            <a:r>
-              <a:rPr lang="en-US" dirty="0" err="1">
-                <a:solidFill>
-                  <a:srgbClr val="00B0F0"/>
-                </a:solidFill>
-              </a:rPr>
-              <a:t>street_name</a:t>
-            </a:r>
-            <a:r>
-              <a:rPr lang="en-US" dirty="0">
-                <a:solidFill>
-                  <a:srgbClr val="00B0F0"/>
-                </a:solidFill>
-              </a:rPr>
-              <a:t>, st.NAME AS </a:t>
-            </a:r>
-            <a:r>
-              <a:rPr lang="en-US" dirty="0" err="1">
-                <a:solidFill>
-                  <a:srgbClr val="00B0F0"/>
-                </a:solidFill>
-              </a:rPr>
-              <a:t>station_name</a:t>
-            </a:r>
-            <a:r>
-              <a:rPr lang="en-US" dirty="0">
-                <a:solidFill>
-                  <a:srgbClr val="00B0F0"/>
-                </a:solidFill>
-              </a:rPr>
-              <a:t> </a:t>
-            </a:r>
-          </a:p>
-          <a:p>
-            <a:pPr marL="594000" lvl="2" indent="0">
-              <a:buNone/>
-            </a:pPr>
-            <a:r>
-              <a:rPr lang="en-US" dirty="0">
-                <a:solidFill>
-                  <a:srgbClr val="00B0F0"/>
-                </a:solidFill>
-              </a:rPr>
-              <a:t>FROM ch05.nyc_streets s </a:t>
-            </a:r>
-          </a:p>
-          <a:p>
-            <a:pPr marL="594000" lvl="2" indent="0">
-              <a:buNone/>
-            </a:pPr>
-            <a:r>
-              <a:rPr lang="en-US" dirty="0">
-                <a:solidFill>
-                  <a:srgbClr val="00B0F0"/>
-                </a:solidFill>
-              </a:rPr>
-              <a:t>JOIN ch05.nyc_subway_stations </a:t>
-            </a:r>
-            <a:r>
-              <a:rPr lang="en-US" dirty="0" err="1">
-                <a:solidFill>
-                  <a:srgbClr val="00B0F0"/>
-                </a:solidFill>
-              </a:rPr>
-              <a:t>st</a:t>
-            </a:r>
-            <a:r>
-              <a:rPr lang="en-US" dirty="0">
-                <a:solidFill>
-                  <a:srgbClr val="00B0F0"/>
-                </a:solidFill>
-              </a:rPr>
-              <a:t> </a:t>
-            </a:r>
-          </a:p>
-          <a:p>
-            <a:pPr marL="594000" lvl="2" indent="0">
-              <a:buNone/>
-            </a:pPr>
-            <a:r>
-              <a:rPr lang="en-US" dirty="0">
-                <a:solidFill>
-                  <a:srgbClr val="00B0F0"/>
-                </a:solidFill>
-              </a:rPr>
-              <a:t>ON </a:t>
-            </a:r>
-            <a:r>
-              <a:rPr lang="en-US" dirty="0" err="1">
-                <a:solidFill>
-                  <a:srgbClr val="00B0F0"/>
-                </a:solidFill>
-              </a:rPr>
-              <a:t>ST_DWithin</a:t>
-            </a:r>
-            <a:r>
-              <a:rPr lang="en-US" dirty="0">
-                <a:solidFill>
-                  <a:srgbClr val="00B0F0"/>
-                </a:solidFill>
-              </a:rPr>
-              <a:t>(</a:t>
-            </a:r>
-            <a:r>
-              <a:rPr lang="en-US" dirty="0" err="1">
-                <a:solidFill>
-                  <a:srgbClr val="00B0F0"/>
-                </a:solidFill>
-              </a:rPr>
-              <a:t>s.geometry</a:t>
-            </a:r>
-            <a:r>
-              <a:rPr lang="en-US" dirty="0">
-                <a:solidFill>
-                  <a:srgbClr val="00B0F0"/>
-                </a:solidFill>
-              </a:rPr>
-              <a:t>, </a:t>
-            </a:r>
-            <a:r>
-              <a:rPr lang="en-US" dirty="0" err="1">
-                <a:solidFill>
-                  <a:srgbClr val="00B0F0"/>
-                </a:solidFill>
-              </a:rPr>
-              <a:t>st.geometry</a:t>
-            </a:r>
-            <a:r>
-              <a:rPr lang="en-US" dirty="0">
-                <a:solidFill>
-                  <a:srgbClr val="00B0F0"/>
-                </a:solidFill>
-              </a:rPr>
-              <a:t>, 300) </a:t>
-            </a:r>
-          </a:p>
-          <a:p>
-            <a:pPr marL="594000" lvl="2" indent="0">
-              <a:buNone/>
-            </a:pPr>
-            <a:r>
-              <a:rPr lang="en-US" dirty="0">
-                <a:solidFill>
-                  <a:srgbClr val="00B0F0"/>
-                </a:solidFill>
-              </a:rPr>
-              <a:t>WHERE </a:t>
-            </a:r>
-            <a:r>
-              <a:rPr lang="en-US" dirty="0" err="1">
-                <a:solidFill>
-                  <a:srgbClr val="00B0F0"/>
-                </a:solidFill>
-              </a:rPr>
-              <a:t>s.TYPE</a:t>
-            </a:r>
-            <a:r>
-              <a:rPr lang="en-US" dirty="0">
-                <a:solidFill>
-                  <a:srgbClr val="00B0F0"/>
-                </a:solidFill>
-              </a:rPr>
-              <a:t> = 'residential';</a:t>
-            </a:r>
-          </a:p>
-        </p:txBody>
-      </p:sp>
-    </p:spTree>
-    <p:extLst>
-      <p:ext uri="{BB962C8B-B14F-4D97-AF65-F5344CB8AC3E}">
-        <p14:creationId xmlns:p14="http://schemas.microsoft.com/office/powerpoint/2010/main" val="3857661707"/>
       </p:ext>
     </p:extLst>
   </p:cSld>
@@ -8511,7 +7731,7 @@
                   <a:srgbClr val="00B0F0"/>
                 </a:solidFill>
               </a:rPr>
-              <a:t>SELECT name, </a:t>
+              <a:t>SELECT street.name, </a:t>
             </a:r>
             <a:r>
               <a:rPr lang="en-US" sz="1800" dirty="0" err="1">
@@ -8519,7 +7739,7 @@
                   <a:srgbClr val="00B0F0"/>
                 </a:solidFill>
               </a:rPr>
-              <a:t>borough_name</a:t>
+              <a:t>subway.borough</a:t>
             </a:r>
             <a:endParaRPr lang="en-US" sz="1800" dirty="0">
               <a:solidFill>
@@ -8537,7 +7757,7 @@
                   <a:srgbClr val="00B0F0"/>
                 </a:solidFill>
               </a:rPr>
-              <a:t>FROM ch05.streets , ch05.subway</a:t>
+              <a:t>FROM ch05.streets AS street, ch05.subway AS subway</a:t>
             </a:r>
           </a:p>
           <a:p>
@@ -8566,7 +7786,7 @@
                   <a:srgbClr val="00B0F0"/>
                 </a:solidFill>
               </a:rPr>
-              <a:t>(ch05.streets.geom, </a:t>
+              <a:t>(</a:t>
             </a:r>
             <a:r>
               <a:rPr lang="en-US" sz="1800" dirty="0" err="1">
@@ -8574,6 +7794,22 @@
                   <a:srgbClr val="00B0F0"/>
                 </a:solidFill>
               </a:rPr>
+              <a:t>street.geom</a:t>
+            </a:r>
+            <a:r>
+              <a:rPr lang="en-US" sz="1800" dirty="0">
+                <a:solidFill>
+                  <a:srgbClr val="00B0F0"/>
+                </a:solidFill>
+              </a:rPr>
+              <a:t>, </a:t>
+            </a:r>
+            <a:r>
+              <a:rPr lang="en-US" sz="1800" dirty="0" err="1">
+                <a:solidFill>
+                  <a:srgbClr val="00B0F0"/>
+                </a:solidFill>
+              </a:rPr>
               <a:t>ST_Buffer</a:t>
             </a:r>
             <a:r>
@@ -8582,7 +7818,23 @@
                   <a:srgbClr val="00B0F0"/>
                 </a:solidFill>
               </a:rPr>
-              <a:t>(ch05.subway.geom, 50))</a:t>
+              <a:t>(</a:t>
+            </a:r>
+            <a:r>
+              <a:rPr lang="en-US" sz="1800" dirty="0" err="1">
+                <a:solidFill>
+                  <a:srgbClr val="00B0F0"/>
+                </a:solidFill>
+              </a:rPr>
+              <a:t>subway.geom</a:t>
+            </a:r>
+            <a:r>
+              <a:rPr lang="en-US" sz="1800" dirty="0">
+                <a:solidFill>
+                  <a:srgbClr val="00B0F0"/>
+                </a:solidFill>
+              </a:rPr>
+              <a:t>, 50));</a:t>
             </a:r>
           </a:p>
         </p:txBody>
@@ -8929,7 +8181,7 @@
                   <a:srgbClr val="00B0F0"/>
                 </a:solidFill>
               </a:rPr>
-              <a:t>boroname</a:t>
+              <a:t>nbh.boroname</a:t>
             </a:r>
             <a:r>
               <a:rPr lang="en-US" sz="2000" dirty="0">
@@ -8963,7 +8215,23 @@
                   <a:srgbClr val="00B0F0"/>
                 </a:solidFill>
               </a:rPr>
-              <a:t>FROM ch05.neighborhoods, ch05.subway</a:t>
+              <a:t>FROM ch05.neighborhoods AS </a:t>
+            </a:r>
+            <a:r>
+              <a:rPr lang="en-US" sz="2000" dirty="0" err="1">
+                <a:solidFill>
+                  <a:srgbClr val="00B0F0"/>
+                </a:solidFill>
+              </a:rPr>
+              <a:t>nbh</a:t>
+            </a:r>
+            <a:r>
+              <a:rPr lang="en-US" sz="2000" dirty="0">
+                <a:solidFill>
+                  <a:srgbClr val="00B0F0"/>
+                </a:solidFill>
+              </a:rPr>
+              <a:t>, ch05.subway as subway</a:t>
             </a:r>
           </a:p>
           <a:p>
@@ -8992,7 +8260,39 @@
                   <a:srgbClr val="00B0F0"/>
                 </a:solidFill>
               </a:rPr>
-              <a:t>(ch05.neighborhoods.geom, ch05.subway.geom)</a:t>
+              <a:t>(</a:t>
+            </a:r>
+            <a:r>
+              <a:rPr lang="en-US" sz="2000" dirty="0" err="1">
+                <a:solidFill>
+                  <a:srgbClr val="00B0F0"/>
+                </a:solidFill>
+              </a:rPr>
+              <a:t>nbh.geom</a:t>
+            </a:r>
+            <a:r>
+              <a:rPr lang="en-US" sz="2000" dirty="0">
+                <a:solidFill>
+                  <a:srgbClr val="00B0F0"/>
+                </a:solidFill>
+              </a:rPr>
+              <a:t>, </a:t>
+            </a:r>
+            <a:r>
+              <a:rPr lang="en-US" sz="2000" dirty="0" err="1">
+                <a:solidFill>
+                  <a:srgbClr val="00B0F0"/>
+                </a:solidFill>
+              </a:rPr>
+              <a:t>subway.geom</a:t>
+            </a:r>
+            <a:r>
+              <a:rPr lang="en-US" sz="2000" dirty="0">
+                <a:solidFill>
+                  <a:srgbClr val="00B0F0"/>
+                </a:solidFill>
+              </a:rPr>
+              <a:t>)</a:t>
             </a:r>
           </a:p>
           <a:p>
@@ -9122,8 +8422,8 @@
         </p:nvSpPr>
         <p:spPr>
           <a:xfrm>
-            <a:off x="581191" y="1369314"/>
-            <a:ext cx="11029615" cy="2497836"/>
+            <a:off x="581191" y="1369313"/>
+            <a:ext cx="11029615" cy="3174111"/>
           </a:xfrm>
         </p:spPr>
         <p:txBody>
@@ -9134,7 +8434,7 @@
           <a:p>
             <a:r>
               <a:rPr lang="en-US" sz="2000" dirty="0"/>
-              <a:t>Identify neighborhoods with more than 3 subway stations</a:t>
+              <a:t>Identify neighborhoods with more than 100 subway stations</a:t>
             </a:r>
           </a:p>
           <a:p>
@@ -9155,7 +8455,7 @@
                   <a:srgbClr val="00B0F0"/>
                 </a:solidFill>
               </a:rPr>
-              <a:t>boroname</a:t>
+              <a:t>nbh.boroname</a:t>
             </a:r>
             <a:r>
               <a:rPr lang="en-US" sz="1800" dirty="0">
@@ -9189,7 +8489,23 @@
                   <a:srgbClr val="00B0F0"/>
                 </a:solidFill>
               </a:rPr>
-              <a:t>FROM ch05.neighborhoods, ch05.subway</a:t>
+              <a:t>FROM ch05.neighborhoods AS </a:t>
+            </a:r>
+            <a:r>
+              <a:rPr lang="en-US" sz="1800" dirty="0" err="1">
+                <a:solidFill>
+                  <a:srgbClr val="00B0F0"/>
+                </a:solidFill>
+              </a:rPr>
+              <a:t>nbh</a:t>
+            </a:r>
+            <a:r>
+              <a:rPr lang="en-US" sz="1800" dirty="0">
+                <a:solidFill>
+                  <a:srgbClr val="00B0F0"/>
+                </a:solidFill>
+              </a:rPr>
+              <a:t>, ch05.subway as subway</a:t>
             </a:r>
           </a:p>
           <a:p>
@@ -9218,7 +8534,39 @@
                   <a:srgbClr val="00B0F0"/>
                 </a:solidFill>
               </a:rPr>
-              <a:t>(ch05.neighborhoods.geom, ch05.subway.geom)</a:t>
+              <a:t>(</a:t>
+            </a:r>
+            <a:r>
+              <a:rPr lang="en-US" sz="1800" dirty="0" err="1">
+                <a:solidFill>
+                  <a:srgbClr val="00B0F0"/>
+                </a:solidFill>
+              </a:rPr>
+              <a:t>nbh.geom</a:t>
+            </a:r>
+            <a:r>
+              <a:rPr lang="en-US" sz="1800" dirty="0">
+                <a:solidFill>
+                  <a:srgbClr val="00B0F0"/>
+                </a:solidFill>
+              </a:rPr>
+              <a:t>, </a:t>
+            </a:r>
+            <a:r>
+              <a:rPr lang="en-US" sz="1800" dirty="0" err="1">
+                <a:solidFill>
+                  <a:srgbClr val="00B0F0"/>
+                </a:solidFill>
+              </a:rPr>
+              <a:t>subway.geom</a:t>
+            </a:r>
+            <a:r>
+              <a:rPr lang="en-US" sz="1800" dirty="0">
+                <a:solidFill>
+                  <a:srgbClr val="00B0F0"/>
+                </a:solidFill>
+              </a:rPr>
+              <a:t>)</a:t>
             </a:r>
           </a:p>
           <a:p>
@@ -9239,15 +8587,25 @@
                   <a:srgbClr val="00B0F0"/>
                 </a:solidFill>
               </a:rPr>
-              <a:t>boronameHAVING</a:t>
-            </a:r>
+              <a:t>boroname</a:t>
+            </a:r>
+            <a:endParaRPr lang="en-US" sz="1800" dirty="0">
+              <a:solidFill>
+                <a:srgbClr val="00B0F0"/>
+              </a:solidFill>
+            </a:endParaRPr>
+          </a:p>
+          <a:p>
+            <a:pPr marL="324000" lvl="1" indent="0">
+              <a:buNone/>
+            </a:pPr>
             <a:r>
               <a:rPr lang="en-US" sz="1800" dirty="0">
                 <a:solidFill>
                   <a:srgbClr val="00B0F0"/>
                 </a:solidFill>
               </a:rPr>
-              <a:t> COUNT(*) &gt; 3;</a:t>
+              <a:t>HAVING COUNT(*) &gt; 100;</a:t>
             </a:r>
           </a:p>
         </p:txBody>

--- a/docs/Lectures/Week05/Week05_Park02.pptx
+++ b/docs/Lectures/Week05/Week05_Park02.pptx
@@ -5,29 +5,32 @@
     <p:sldMasterId id="2147483685" r:id="rId1"/>
   </p:sldMasterIdLst>
   <p:notesMasterIdLst>
-    <p:notesMasterId r:id="rId19"/>
+    <p:notesMasterId r:id="rId22"/>
   </p:notesMasterIdLst>
   <p:handoutMasterIdLst>
-    <p:handoutMasterId r:id="rId20"/>
+    <p:handoutMasterId r:id="rId23"/>
   </p:handoutMasterIdLst>
   <p:sldIdLst>
     <p:sldId id="256" r:id="rId2"/>
     <p:sldId id="286" r:id="rId3"/>
     <p:sldId id="323" r:id="rId4"/>
-    <p:sldId id="341" r:id="rId5"/>
+    <p:sldId id="336" r:id="rId5"/>
     <p:sldId id="328" r:id="rId6"/>
     <p:sldId id="342" r:id="rId7"/>
     <p:sldId id="343" r:id="rId8"/>
     <p:sldId id="344" r:id="rId9"/>
     <p:sldId id="345" r:id="rId10"/>
     <p:sldId id="347" r:id="rId11"/>
-    <p:sldId id="348" r:id="rId12"/>
-    <p:sldId id="349" r:id="rId13"/>
-    <p:sldId id="350" r:id="rId14"/>
-    <p:sldId id="351" r:id="rId15"/>
-    <p:sldId id="330" r:id="rId16"/>
-    <p:sldId id="331" r:id="rId17"/>
-    <p:sldId id="332" r:id="rId18"/>
+    <p:sldId id="350" r:id="rId12"/>
+    <p:sldId id="359" r:id="rId13"/>
+    <p:sldId id="361" r:id="rId14"/>
+    <p:sldId id="357" r:id="rId15"/>
+    <p:sldId id="356" r:id="rId16"/>
+    <p:sldId id="353" r:id="rId17"/>
+    <p:sldId id="354" r:id="rId18"/>
+    <p:sldId id="331" r:id="rId19"/>
+    <p:sldId id="332" r:id="rId20"/>
+    <p:sldId id="355" r:id="rId21"/>
   </p:sldIdLst>
   <p:sldSz cx="12192000" cy="6858000"/>
   <p:notesSz cx="6858000" cy="9144000"/>
@@ -228,7 +231,7 @@
           <a:p>
             <a:fld id="{3AF106B3-F2DA-48D3-8BC9-D8AF4A5AEC52}" type="datetimeFigureOut">
               <a:rPr lang="en-US" smtClean="0"/>
-              <a:t>2/10/2025</a:t>
+              <a:t>2/11/2025</a:t>
             </a:fld>
             <a:endParaRPr lang="en-US"/>
           </a:p>
@@ -406,7 +409,7 @@
           <a:p>
             <a:fld id="{F12EB5DA-1790-4C4A-B092-095C6475A200}" type="datetimeFigureOut">
               <a:rPr lang="en-US" smtClean="0"/>
-              <a:t>2/10/2025</a:t>
+              <a:t>2/11/2025</a:t>
             </a:fld>
             <a:endParaRPr lang="en-US"/>
           </a:p>
@@ -911,7 +914,7 @@
           <a:p>
             <a:fld id="{ED291B17-9318-49DB-B28B-6E5994AE9581}" type="datetime1">
               <a:rPr lang="en-US" smtClean="0"/>
-              <a:t>2/10/2025</a:t>
+              <a:t>2/11/2025</a:t>
             </a:fld>
             <a:endParaRPr lang="en-US" dirty="0"/>
           </a:p>
@@ -1114,7 +1117,7 @@
           <a:p>
             <a:fld id="{2CED4963-E985-44C4-B8C4-FDD613B7C2F8}" type="datetime1">
               <a:rPr lang="en-US" smtClean="0"/>
-              <a:t>2/10/2025</a:t>
+              <a:t>2/11/2025</a:t>
             </a:fld>
             <a:endParaRPr lang="en-US" dirty="0"/>
           </a:p>
@@ -1475,7 +1478,7 @@
           <a:p>
             <a:fld id="{ED291B17-9318-49DB-B28B-6E5994AE9581}" type="datetime1">
               <a:rPr lang="en-US" smtClean="0"/>
-              <a:t>2/10/2025</a:t>
+              <a:t>2/11/2025</a:t>
             </a:fld>
             <a:endParaRPr lang="en-US" dirty="0"/>
           </a:p>
@@ -1671,7 +1674,7 @@
           <a:p>
             <a:fld id="{78DD82B9-B8EE-4375-B6FF-88FA6ABB15D9}" type="datetime1">
               <a:rPr lang="en-US" smtClean="0"/>
-              <a:t>2/10/2025</a:t>
+              <a:t>2/11/2025</a:t>
             </a:fld>
             <a:endParaRPr lang="en-US" dirty="0"/>
           </a:p>
@@ -1982,7 +1985,7 @@
           <a:p>
             <a:fld id="{B2497495-0637-405E-AE64-5CC7506D51F5}" type="datetime1">
               <a:rPr lang="en-US" smtClean="0"/>
-              <a:t>2/10/2025</a:t>
+              <a:t>2/11/2025</a:t>
             </a:fld>
             <a:endParaRPr lang="en-US" dirty="0"/>
           </a:p>
@@ -2232,7 +2235,7 @@
           <a:p>
             <a:fld id="{7BFFD690-9426-415D-8B65-26881E07B2D4}" type="datetime1">
               <a:rPr lang="en-US" smtClean="0"/>
-              <a:t>2/10/2025</a:t>
+              <a:t>2/11/2025</a:t>
             </a:fld>
             <a:endParaRPr lang="en-US" dirty="0"/>
           </a:p>
@@ -2651,7 +2654,7 @@
           <a:p>
             <a:fld id="{04C4989A-474C-40DE-95B9-011C28B71673}" type="datetime1">
               <a:rPr lang="en-US" smtClean="0"/>
-              <a:t>2/10/2025</a:t>
+              <a:t>2/11/2025</a:t>
             </a:fld>
             <a:endParaRPr lang="en-US" dirty="0"/>
           </a:p>
@@ -2773,7 +2776,7 @@
           <a:p>
             <a:fld id="{5DB4ED54-5B5E-4A04-93D3-5772E3CE3818}" type="datetime1">
               <a:rPr lang="en-US" smtClean="0"/>
-              <a:t>2/10/2025</a:t>
+              <a:t>2/11/2025</a:t>
             </a:fld>
             <a:endParaRPr lang="en-US" dirty="0"/>
           </a:p>
@@ -2868,7 +2871,7 @@
           <a:p>
             <a:fld id="{4EDE50D6-574B-40AF-946F-D52A04ADE379}" type="datetime1">
               <a:rPr lang="en-US" smtClean="0"/>
-              <a:t>2/10/2025</a:t>
+              <a:t>2/11/2025</a:t>
             </a:fld>
             <a:endParaRPr lang="en-US" dirty="0"/>
           </a:p>
@@ -3243,7 +3246,7 @@
           <a:p>
             <a:fld id="{D82884F1-FFEA-405F-9602-3DCA865EDA4E}" type="datetime1">
               <a:rPr lang="en-US" smtClean="0"/>
-              <a:t>2/10/2025</a:t>
+              <a:t>2/11/2025</a:t>
             </a:fld>
             <a:endParaRPr lang="en-US" dirty="0"/>
           </a:p>
@@ -3534,7 +3537,7 @@
           <a:p>
             <a:fld id="{7E18DB4A-8810-4A10-AD5C-D5E2C667F5B3}" type="datetime1">
               <a:rPr lang="en-US" smtClean="0"/>
-              <a:t>2/10/2025</a:t>
+              <a:t>2/11/2025</a:t>
             </a:fld>
             <a:endParaRPr lang="en-US" dirty="0"/>
           </a:p>
@@ -3747,7 +3750,7 @@
           <a:p>
             <a:fld id="{ED291B17-9318-49DB-B28B-6E5994AE9581}" type="datetime1">
               <a:rPr lang="en-US" smtClean="0"/>
-              <a:t>2/10/2025</a:t>
+              <a:t>2/11/2025</a:t>
             </a:fld>
             <a:endParaRPr lang="en-US" dirty="0"/>
           </a:p>
@@ -4644,7 +4647,7 @@
                   <a:srgbClr val="FFFFFF"/>
                 </a:solidFill>
               </a:rPr>
-              <a:t>WEEK 04</a:t>
+              <a:t>WEEK 05</a:t>
             </a:r>
             <a:br>
               <a:rPr lang="en-US" sz="4000" dirty="0">
@@ -4659,15 +4662,7 @@
                   <a:srgbClr val="FFFFFF"/>
                 </a:solidFill>
               </a:rPr>
-              <a:t>In</a:t>
-            </a:r>
-            <a:r>
-              <a:rPr lang="en-US" altLang="zh-CN" sz="4000" dirty="0">
-                <a:solidFill>
-                  <a:srgbClr val="FFFFFF"/>
-                </a:solidFill>
-              </a:rPr>
-              <a:t>tro to </a:t>
+              <a:t>ADVANCED </a:t>
             </a:r>
             <a:r>
               <a:rPr lang="en-US" altLang="zh-CN" sz="4000" dirty="0" err="1">
@@ -5001,14 +4996,14 @@
       </p:grpSpPr>
       <p:sp>
         <p:nvSpPr>
-          <p:cNvPr id="5" name="Content Placeholder 4">
+          <p:cNvPr id="3" name="Content Placeholder 2">
             <a:extLst>
               <a:ext uri="{FF2B5EF4-FFF2-40B4-BE49-F238E27FC236}">
-                <a16:creationId xmlns:a16="http://schemas.microsoft.com/office/drawing/2014/main" id="{0DEA7FD2-61CD-8E59-CFBE-9C4EF7358AF2}"/>
+                <a16:creationId xmlns:a16="http://schemas.microsoft.com/office/drawing/2014/main" id="{560FAE92-1044-2D93-DCDA-90DC459FBE12}"/>
               </a:ext>
             </a:extLst>
           </p:cNvPr>
-          <p:cNvSpPr txBox="1">
+          <p:cNvSpPr>
             <a:spLocks noGrp="1"/>
           </p:cNvSpPr>
           <p:nvPr>
@@ -5017,120 +5012,19 @@
         </p:nvSpPr>
         <p:spPr>
           <a:xfrm>
-            <a:off x="580858" y="1452061"/>
-            <a:ext cx="11029950" cy="2631490"/>
+            <a:off x="504992" y="1512844"/>
+            <a:ext cx="11029615" cy="668382"/>
           </a:xfrm>
-          <a:prstGeom prst="rect">
-            <a:avLst/>
-          </a:prstGeom>
-          <a:noFill/>
         </p:spPr>
         <p:txBody>
-          <a:bodyPr wrap="square" rtlCol="0">
-            <a:spAutoFit/>
+          <a:bodyPr>
+            <a:noAutofit/>
           </a:bodyPr>
           <a:lstStyle/>
           <a:p>
             <a:r>
               <a:rPr lang="en-US" sz="2000" dirty="0"/>
-              <a:t>Find streets that do not intersect with any subway station.</a:t>
-            </a:r>
-          </a:p>
-          <a:p>
-            <a:pPr marL="324000" lvl="1" indent="0">
-              <a:buNone/>
-            </a:pPr>
-            <a:r>
-              <a:rPr lang="en-US" sz="2000" dirty="0">
-                <a:solidFill>
-                  <a:srgbClr val="00B0F0"/>
-                </a:solidFill>
-              </a:rPr>
-              <a:t>SELECT name</a:t>
-            </a:r>
-          </a:p>
-          <a:p>
-            <a:pPr marL="324000" lvl="1" indent="0">
-              <a:buNone/>
-            </a:pPr>
-            <a:r>
-              <a:rPr lang="en-US" sz="2000" dirty="0">
-                <a:solidFill>
-                  <a:srgbClr val="00B0F0"/>
-                </a:solidFill>
-              </a:rPr>
-              <a:t>FROM ch05.streets</a:t>
-            </a:r>
-          </a:p>
-          <a:p>
-            <a:pPr marL="324000" lvl="1" indent="0">
-              <a:buNone/>
-            </a:pPr>
-            <a:r>
-              <a:rPr lang="en-US" sz="2000" dirty="0">
-                <a:solidFill>
-                  <a:srgbClr val="00B0F0"/>
-                </a:solidFill>
-              </a:rPr>
-              <a:t>WHERE NOT EXISTS (</a:t>
-            </a:r>
-          </a:p>
-          <a:p>
-            <a:pPr marL="324000" lvl="1" indent="0">
-              <a:buNone/>
-            </a:pPr>
-            <a:r>
-              <a:rPr lang="en-US" sz="2000" dirty="0">
-                <a:solidFill>
-                  <a:srgbClr val="00B0F0"/>
-                </a:solidFill>
-              </a:rPr>
-              <a:t>SELECT 1 FROM ch05.subway </a:t>
-            </a:r>
-          </a:p>
-          <a:p>
-            <a:pPr marL="324000" lvl="1" indent="0">
-              <a:buNone/>
-            </a:pPr>
-            <a:r>
-              <a:rPr lang="en-US" sz="2000" dirty="0">
-                <a:solidFill>
-                  <a:srgbClr val="00B0F0"/>
-                </a:solidFill>
-              </a:rPr>
-              <a:t>WHERE </a:t>
-            </a:r>
-            <a:r>
-              <a:rPr lang="en-US" sz="2000" dirty="0" err="1">
-                <a:solidFill>
-                  <a:srgbClr val="00B0F0"/>
-                </a:solidFill>
-              </a:rPr>
-              <a:t>ST_Disjoint</a:t>
-            </a:r>
-            <a:r>
-              <a:rPr lang="en-US" sz="2000" dirty="0">
-                <a:solidFill>
-                  <a:srgbClr val="00B0F0"/>
-                </a:solidFill>
-              </a:rPr>
-              <a:t>(ch05.streets.geom, </a:t>
-            </a:r>
-            <a:r>
-              <a:rPr lang="en-US" sz="2000" dirty="0" err="1">
-                <a:solidFill>
-                  <a:srgbClr val="00B0F0"/>
-                </a:solidFill>
-              </a:rPr>
-              <a:t>ST_Buffer</a:t>
-            </a:r>
-            <a:r>
-              <a:rPr lang="en-US" sz="2000" dirty="0">
-                <a:solidFill>
-                  <a:srgbClr val="00B0F0"/>
-                </a:solidFill>
-              </a:rPr>
-              <a:t>(ch05.subway.geom, 50)) = FALSE);</a:t>
+              <a:t>List neighborhoods Disjoint with 500 meters buffer of subway stations.</a:t>
             </a:r>
           </a:p>
         </p:txBody>
@@ -5140,7 +5034,7 @@
           <p:cNvPr id="4" name="TextBox 3">
             <a:extLst>
               <a:ext uri="{FF2B5EF4-FFF2-40B4-BE49-F238E27FC236}">
-                <a16:creationId xmlns:a16="http://schemas.microsoft.com/office/drawing/2014/main" id="{484B1751-F76A-2FBB-FCFC-16D4EF8C2F07}"/>
+                <a16:creationId xmlns:a16="http://schemas.microsoft.com/office/drawing/2014/main" id="{91F3053D-754E-8441-461A-44E8C55A4153}"/>
               </a:ext>
             </a:extLst>
           </p:cNvPr>
@@ -5183,10 +5077,196 @@
           </a:p>
         </p:txBody>
       </p:sp>
+      <p:sp>
+        <p:nvSpPr>
+          <p:cNvPr id="7" name="TextBox 6">
+            <a:extLst>
+              <a:ext uri="{FF2B5EF4-FFF2-40B4-BE49-F238E27FC236}">
+                <a16:creationId xmlns:a16="http://schemas.microsoft.com/office/drawing/2014/main" id="{383306EF-D87B-E514-8366-7C681B6311CE}"/>
+              </a:ext>
+            </a:extLst>
+          </p:cNvPr>
+          <p:cNvSpPr txBox="1"/>
+          <p:nvPr/>
+        </p:nvSpPr>
+        <p:spPr>
+          <a:xfrm>
+            <a:off x="3048000" y="2426934"/>
+            <a:ext cx="6096000" cy="1295868"/>
+          </a:xfrm>
+          <a:prstGeom prst="rect">
+            <a:avLst/>
+          </a:prstGeom>
+          <a:noFill/>
+        </p:spPr>
+        <p:txBody>
+          <a:bodyPr wrap="square">
+            <a:spAutoFit/>
+          </a:bodyPr>
+          <a:lstStyle/>
+          <a:p>
+            <a:pPr>
+              <a:lnSpc>
+                <a:spcPct val="150000"/>
+              </a:lnSpc>
+            </a:pPr>
+            <a:r>
+              <a:rPr lang="en-US" dirty="0">
+                <a:solidFill>
+                  <a:srgbClr val="00B0F0"/>
+                </a:solidFill>
+              </a:rPr>
+              <a:t>SELECT </a:t>
+            </a:r>
+            <a:r>
+              <a:rPr lang="en-US" dirty="0" err="1">
+                <a:solidFill>
+                  <a:srgbClr val="00B0F0"/>
+                </a:solidFill>
+              </a:rPr>
+              <a:t>nbh.boroname</a:t>
+            </a:r>
+            <a:r>
+              <a:rPr lang="en-US" dirty="0">
+                <a:solidFill>
+                  <a:srgbClr val="00B0F0"/>
+                </a:solidFill>
+              </a:rPr>
+              <a:t>, </a:t>
+            </a:r>
+            <a:r>
+              <a:rPr lang="en-US" dirty="0" err="1">
+                <a:solidFill>
+                  <a:srgbClr val="00B0F0"/>
+                </a:solidFill>
+              </a:rPr>
+              <a:t>nbh.geom</a:t>
+            </a:r>
+            <a:endParaRPr lang="en-US" dirty="0">
+              <a:solidFill>
+                <a:srgbClr val="00B0F0"/>
+              </a:solidFill>
+            </a:endParaRPr>
+          </a:p>
+          <a:p>
+            <a:pPr>
+              <a:lnSpc>
+                <a:spcPct val="150000"/>
+              </a:lnSpc>
+            </a:pPr>
+            <a:r>
+              <a:rPr lang="en-US" dirty="0">
+                <a:solidFill>
+                  <a:srgbClr val="00B0F0"/>
+                </a:solidFill>
+              </a:rPr>
+              <a:t>FROM ch05.neighborhoods AS </a:t>
+            </a:r>
+            <a:r>
+              <a:rPr lang="en-US" dirty="0" err="1">
+                <a:solidFill>
+                  <a:srgbClr val="00B0F0"/>
+                </a:solidFill>
+              </a:rPr>
+              <a:t>nbh</a:t>
+            </a:r>
+            <a:r>
+              <a:rPr lang="en-US" dirty="0">
+                <a:solidFill>
+                  <a:srgbClr val="00B0F0"/>
+                </a:solidFill>
+              </a:rPr>
+              <a:t>, ch05.subway  </a:t>
+            </a:r>
+          </a:p>
+          <a:p>
+            <a:pPr>
+              <a:lnSpc>
+                <a:spcPct val="150000"/>
+              </a:lnSpc>
+            </a:pPr>
+            <a:r>
+              <a:rPr lang="en-US" dirty="0">
+                <a:solidFill>
+                  <a:srgbClr val="00B0F0"/>
+                </a:solidFill>
+              </a:rPr>
+              <a:t>WHERE </a:t>
+            </a:r>
+            <a:r>
+              <a:rPr lang="en-US" dirty="0" err="1">
+                <a:solidFill>
+                  <a:srgbClr val="00B0F0"/>
+                </a:solidFill>
+              </a:rPr>
+              <a:t>ST_Disjoint</a:t>
+            </a:r>
+            <a:r>
+              <a:rPr lang="en-US" dirty="0">
+                <a:solidFill>
+                  <a:srgbClr val="00B0F0"/>
+                </a:solidFill>
+              </a:rPr>
+              <a:t>(</a:t>
+            </a:r>
+            <a:r>
+              <a:rPr lang="en-US" dirty="0" err="1">
+                <a:solidFill>
+                  <a:srgbClr val="00B0F0"/>
+                </a:solidFill>
+              </a:rPr>
+              <a:t>nbh.geom</a:t>
+            </a:r>
+            <a:r>
+              <a:rPr lang="en-US" dirty="0">
+                <a:solidFill>
+                  <a:srgbClr val="00B0F0"/>
+                </a:solidFill>
+              </a:rPr>
+              <a:t>, ch05.subway.geom);</a:t>
+            </a:r>
+          </a:p>
+        </p:txBody>
+      </p:sp>
+      <p:sp>
+        <p:nvSpPr>
+          <p:cNvPr id="8" name="TextBox 7">
+            <a:extLst>
+              <a:ext uri="{FF2B5EF4-FFF2-40B4-BE49-F238E27FC236}">
+                <a16:creationId xmlns:a16="http://schemas.microsoft.com/office/drawing/2014/main" id="{31697476-A166-E83E-00F0-1DF204AB19AE}"/>
+              </a:ext>
+            </a:extLst>
+          </p:cNvPr>
+          <p:cNvSpPr txBox="1"/>
+          <p:nvPr/>
+        </p:nvSpPr>
+        <p:spPr>
+          <a:xfrm>
+            <a:off x="3048000" y="4276665"/>
+            <a:ext cx="5067300" cy="400110"/>
+          </a:xfrm>
+          <a:prstGeom prst="rect">
+            <a:avLst/>
+          </a:prstGeom>
+          <a:noFill/>
+        </p:spPr>
+        <p:txBody>
+          <a:bodyPr wrap="square" rtlCol="0">
+            <a:spAutoFit/>
+          </a:bodyPr>
+          <a:lstStyle/>
+          <a:p>
+            <a:r>
+              <a:rPr lang="en-US" sz="2000" dirty="0"/>
+              <a:t>Do you find any problems with the results</a:t>
+            </a:r>
+          </a:p>
+        </p:txBody>
+      </p:sp>
     </p:spTree>
     <p:extLst>
       <p:ext uri="{BB962C8B-B14F-4D97-AF65-F5344CB8AC3E}">
-        <p14:creationId xmlns:p14="http://schemas.microsoft.com/office/powerpoint/2010/main" val="43407044"/>
+        <p14:creationId xmlns:p14="http://schemas.microsoft.com/office/powerpoint/2010/main" val="3851545665"/>
       </p:ext>
     </p:extLst>
   </p:cSld>
@@ -5218,7 +5298,7 @@
           <p:cNvPr id="3" name="Content Placeholder 2">
             <a:extLst>
               <a:ext uri="{FF2B5EF4-FFF2-40B4-BE49-F238E27FC236}">
-                <a16:creationId xmlns:a16="http://schemas.microsoft.com/office/drawing/2014/main" id="{2F9E5E82-3C5D-323F-970D-EF112FB5DA03}"/>
+                <a16:creationId xmlns:a16="http://schemas.microsoft.com/office/drawing/2014/main" id="{46CF3A4C-092E-4A38-B9AC-65F54C7A2EDC}"/>
               </a:ext>
             </a:extLst>
           </p:cNvPr>
@@ -5231,145 +5311,19 @@
         </p:nvSpPr>
         <p:spPr>
           <a:xfrm>
-            <a:off x="581191" y="1416938"/>
-            <a:ext cx="11029615" cy="3288411"/>
+            <a:off x="581192" y="1388364"/>
+            <a:ext cx="11029615" cy="649986"/>
           </a:xfrm>
         </p:spPr>
         <p:txBody>
           <a:bodyPr>
-            <a:noAutofit/>
+            <a:normAutofit/>
           </a:bodyPr>
           <a:lstStyle/>
           <a:p>
             <a:r>
               <a:rPr lang="en-US" sz="2000" dirty="0"/>
-              <a:t>List one-way streets that do not intersect with any subway station.</a:t>
-            </a:r>
-          </a:p>
-          <a:p>
-            <a:pPr marL="324000" lvl="1" indent="0">
-              <a:buNone/>
-            </a:pPr>
-            <a:r>
-              <a:rPr lang="en-US" sz="1800" dirty="0">
-                <a:solidFill>
-                  <a:srgbClr val="00B0F0"/>
-                </a:solidFill>
-              </a:rPr>
-              <a:t>SELECT name</a:t>
-            </a:r>
-          </a:p>
-          <a:p>
-            <a:pPr marL="324000" lvl="1" indent="0">
-              <a:buNone/>
-            </a:pPr>
-            <a:r>
-              <a:rPr lang="en-US" sz="1800" dirty="0">
-                <a:solidFill>
-                  <a:srgbClr val="00B0F0"/>
-                </a:solidFill>
-              </a:rPr>
-              <a:t>FROM ch05.streets</a:t>
-            </a:r>
-          </a:p>
-          <a:p>
-            <a:pPr marL="324000" lvl="1" indent="0">
-              <a:buNone/>
-            </a:pPr>
-            <a:r>
-              <a:rPr lang="en-US" sz="1800" dirty="0">
-                <a:solidFill>
-                  <a:srgbClr val="00B0F0"/>
-                </a:solidFill>
-              </a:rPr>
-              <a:t>WHERE </a:t>
-            </a:r>
-            <a:r>
-              <a:rPr lang="en-US" sz="1800" dirty="0" err="1">
-                <a:solidFill>
-                  <a:srgbClr val="00B0F0"/>
-                </a:solidFill>
-              </a:rPr>
-              <a:t>oneway</a:t>
-            </a:r>
-            <a:r>
-              <a:rPr lang="en-US" sz="1800" dirty="0">
-                <a:solidFill>
-                  <a:srgbClr val="00B0F0"/>
-                </a:solidFill>
-              </a:rPr>
-              <a:t> = 'Yes’</a:t>
-            </a:r>
-          </a:p>
-          <a:p>
-            <a:pPr marL="324000" lvl="1" indent="0">
-              <a:buNone/>
-            </a:pPr>
-            <a:r>
-              <a:rPr lang="en-US" sz="1800" dirty="0">
-                <a:solidFill>
-                  <a:srgbClr val="00B0F0"/>
-                </a:solidFill>
-              </a:rPr>
-              <a:t>AND NOT EXISTS ( </a:t>
-            </a:r>
-          </a:p>
-          <a:p>
-            <a:pPr marL="324000" lvl="1" indent="0">
-              <a:buNone/>
-            </a:pPr>
-            <a:r>
-              <a:rPr lang="en-US" sz="1800" dirty="0">
-                <a:solidFill>
-                  <a:srgbClr val="00B0F0"/>
-                </a:solidFill>
-              </a:rPr>
-              <a:t>SELECT 1 FROM ch05.subway </a:t>
-            </a:r>
-          </a:p>
-          <a:p>
-            <a:pPr marL="324000" lvl="1" indent="0">
-              <a:buNone/>
-            </a:pPr>
-            <a:r>
-              <a:rPr lang="en-US" sz="1800" dirty="0">
-                <a:solidFill>
-                  <a:srgbClr val="00B0F0"/>
-                </a:solidFill>
-              </a:rPr>
-              <a:t>WHERE </a:t>
-            </a:r>
-            <a:r>
-              <a:rPr lang="en-US" sz="1800" dirty="0" err="1">
-                <a:solidFill>
-                  <a:srgbClr val="00B0F0"/>
-                </a:solidFill>
-              </a:rPr>
-              <a:t>ST_Disjoint</a:t>
-            </a:r>
-            <a:r>
-              <a:rPr lang="en-US" sz="1800" dirty="0">
-                <a:solidFill>
-                  <a:srgbClr val="00B0F0"/>
-                </a:solidFill>
-              </a:rPr>
-              <a:t>(ch05.streets.geom, </a:t>
-            </a:r>
-            <a:r>
-              <a:rPr lang="en-US" sz="1800" dirty="0" err="1">
-                <a:solidFill>
-                  <a:srgbClr val="00B0F0"/>
-                </a:solidFill>
-              </a:rPr>
-              <a:t>ST_Buffer</a:t>
-            </a:r>
-            <a:r>
-              <a:rPr lang="en-US" sz="1800" dirty="0">
-                <a:solidFill>
-                  <a:srgbClr val="00B0F0"/>
-                </a:solidFill>
-              </a:rPr>
-              <a:t>(ch05.subway.geom, 50)) = FALSE);</a:t>
+              <a:t>List neighborhoods Disjoint with 500 meters buffer of subway stations.</a:t>
             </a:r>
           </a:p>
         </p:txBody>
@@ -5379,7 +5333,7 @@
           <p:cNvPr id="4" name="TextBox 3">
             <a:extLst>
               <a:ext uri="{FF2B5EF4-FFF2-40B4-BE49-F238E27FC236}">
-                <a16:creationId xmlns:a16="http://schemas.microsoft.com/office/drawing/2014/main" id="{DE421040-9A45-B9E1-81EB-4AC79DC7CF67}"/>
+                <a16:creationId xmlns:a16="http://schemas.microsoft.com/office/drawing/2014/main" id="{18550E76-E642-8150-9C50-491092AFD41E}"/>
               </a:ext>
             </a:extLst>
           </p:cNvPr>
@@ -5388,7 +5342,7 @@
         </p:nvSpPr>
         <p:spPr>
           <a:xfrm>
-            <a:off x="504992" y="743916"/>
+            <a:off x="495467" y="629616"/>
             <a:ext cx="5514808" cy="523220"/>
           </a:xfrm>
           <a:prstGeom prst="rect">
@@ -5422,10 +5376,273 @@
           </a:p>
         </p:txBody>
       </p:sp>
+      <p:sp>
+        <p:nvSpPr>
+          <p:cNvPr id="8" name="TextBox 7">
+            <a:extLst>
+              <a:ext uri="{FF2B5EF4-FFF2-40B4-BE49-F238E27FC236}">
+                <a16:creationId xmlns:a16="http://schemas.microsoft.com/office/drawing/2014/main" id="{3D862762-4141-8F67-485E-A524040D42A1}"/>
+              </a:ext>
+            </a:extLst>
+          </p:cNvPr>
+          <p:cNvSpPr txBox="1"/>
+          <p:nvPr/>
+        </p:nvSpPr>
+        <p:spPr>
+          <a:xfrm>
+            <a:off x="933450" y="2476500"/>
+            <a:ext cx="6096000" cy="2308324"/>
+          </a:xfrm>
+          <a:prstGeom prst="rect">
+            <a:avLst/>
+          </a:prstGeom>
+          <a:noFill/>
+        </p:spPr>
+        <p:txBody>
+          <a:bodyPr wrap="square">
+            <a:spAutoFit/>
+          </a:bodyPr>
+          <a:lstStyle/>
+          <a:p>
+            <a:r>
+              <a:rPr lang="en-US" dirty="0" err="1"/>
+              <a:t>ST_Disjoin</a:t>
+            </a:r>
+            <a:r>
+              <a:rPr lang="en-US" dirty="0"/>
+              <a:t> – Subquery with NOT EXISTS (faster)</a:t>
+            </a:r>
+          </a:p>
+          <a:p>
+            <a:endParaRPr lang="en-US" dirty="0"/>
+          </a:p>
+          <a:p>
+            <a:pPr marL="594000" lvl="2" indent="0">
+              <a:buNone/>
+            </a:pPr>
+            <a:r>
+              <a:rPr lang="en-US" sz="1800" dirty="0">
+                <a:solidFill>
+                  <a:srgbClr val="00B0F0"/>
+                </a:solidFill>
+              </a:rPr>
+              <a:t>SELECT </a:t>
+            </a:r>
+            <a:r>
+              <a:rPr lang="en-US" sz="1800" dirty="0" err="1">
+                <a:solidFill>
+                  <a:srgbClr val="00B0F0"/>
+                </a:solidFill>
+              </a:rPr>
+              <a:t>nbh.boroname</a:t>
+            </a:r>
+            <a:r>
+              <a:rPr lang="en-US" sz="1800" dirty="0">
+                <a:solidFill>
+                  <a:srgbClr val="00B0F0"/>
+                </a:solidFill>
+              </a:rPr>
+              <a:t>, </a:t>
+            </a:r>
+            <a:r>
+              <a:rPr lang="en-US" sz="1800" dirty="0" err="1">
+                <a:solidFill>
+                  <a:srgbClr val="00B0F0"/>
+                </a:solidFill>
+              </a:rPr>
+              <a:t>nbh.geom</a:t>
+            </a:r>
+            <a:endParaRPr lang="en-US" sz="1800" dirty="0">
+              <a:solidFill>
+                <a:srgbClr val="00B0F0"/>
+              </a:solidFill>
+            </a:endParaRPr>
+          </a:p>
+          <a:p>
+            <a:pPr marL="594000" lvl="2" indent="0">
+              <a:buNone/>
+            </a:pPr>
+            <a:r>
+              <a:rPr lang="en-US" sz="1800" dirty="0">
+                <a:solidFill>
+                  <a:srgbClr val="00B0F0"/>
+                </a:solidFill>
+              </a:rPr>
+              <a:t>FROM ch05.neighborhoods AS </a:t>
+            </a:r>
+            <a:r>
+              <a:rPr lang="en-US" sz="1800" dirty="0" err="1">
+                <a:solidFill>
+                  <a:srgbClr val="00B0F0"/>
+                </a:solidFill>
+              </a:rPr>
+              <a:t>nbh</a:t>
+            </a:r>
+            <a:endParaRPr lang="en-US" sz="1800" dirty="0">
+              <a:solidFill>
+                <a:srgbClr val="00B0F0"/>
+              </a:solidFill>
+            </a:endParaRPr>
+          </a:p>
+          <a:p>
+            <a:pPr marL="594000" lvl="2" indent="0">
+              <a:buNone/>
+            </a:pPr>
+            <a:r>
+              <a:rPr lang="en-US" sz="1800" dirty="0">
+                <a:solidFill>
+                  <a:srgbClr val="00B0F0"/>
+                </a:solidFill>
+              </a:rPr>
+              <a:t>WHERE NOT EXISTS (</a:t>
+            </a:r>
+          </a:p>
+          <a:p>
+            <a:pPr marL="594000" lvl="2" indent="0">
+              <a:buNone/>
+            </a:pPr>
+            <a:r>
+              <a:rPr lang="en-US" sz="1800" dirty="0">
+                <a:solidFill>
+                  <a:srgbClr val="00B0F0"/>
+                </a:solidFill>
+              </a:rPr>
+              <a:t>    SELECT *</a:t>
+            </a:r>
+          </a:p>
+          <a:p>
+            <a:pPr marL="594000" lvl="2" indent="0">
+              <a:buNone/>
+            </a:pPr>
+            <a:r>
+              <a:rPr lang="en-US" sz="1800" dirty="0">
+                <a:solidFill>
+                  <a:srgbClr val="00B0F0"/>
+                </a:solidFill>
+              </a:rPr>
+              <a:t>    FROM ch05.subway AS sb</a:t>
+            </a:r>
+          </a:p>
+          <a:p>
+            <a:pPr marL="594000" lvl="2" indent="0">
+              <a:buNone/>
+            </a:pPr>
+            <a:r>
+              <a:rPr lang="en-US" sz="1800" dirty="0">
+                <a:solidFill>
+                  <a:srgbClr val="00B0F0"/>
+                </a:solidFill>
+              </a:rPr>
+              <a:t>    WHERE </a:t>
+            </a:r>
+            <a:r>
+              <a:rPr lang="en-US" sz="1800" dirty="0" err="1">
+                <a:solidFill>
+                  <a:srgbClr val="00B0F0"/>
+                </a:solidFill>
+              </a:rPr>
+              <a:t>ST_Disjoint</a:t>
+            </a:r>
+            <a:r>
+              <a:rPr lang="en-US" sz="1800" dirty="0">
+                <a:solidFill>
+                  <a:srgbClr val="00B0F0"/>
+                </a:solidFill>
+              </a:rPr>
+              <a:t>(</a:t>
+            </a:r>
+            <a:r>
+              <a:rPr lang="en-US" sz="1800" dirty="0" err="1">
+                <a:solidFill>
+                  <a:srgbClr val="00B0F0"/>
+                </a:solidFill>
+              </a:rPr>
+              <a:t>nbh.geom</a:t>
+            </a:r>
+            <a:r>
+              <a:rPr lang="en-US" sz="1800" dirty="0">
+                <a:solidFill>
+                  <a:srgbClr val="00B0F0"/>
+                </a:solidFill>
+              </a:rPr>
+              <a:t>, </a:t>
+            </a:r>
+            <a:r>
+              <a:rPr lang="en-US" sz="1800" dirty="0" err="1">
+                <a:solidFill>
+                  <a:srgbClr val="00B0F0"/>
+                </a:solidFill>
+              </a:rPr>
+              <a:t>sb.geom</a:t>
+            </a:r>
+            <a:r>
+              <a:rPr lang="en-US" sz="1800" dirty="0">
+                <a:solidFill>
+                  <a:srgbClr val="00B0F0"/>
+                </a:solidFill>
+              </a:rPr>
+              <a:t>) = FALSE);</a:t>
+            </a:r>
+          </a:p>
+        </p:txBody>
+      </p:sp>
+      <p:sp>
+        <p:nvSpPr>
+          <p:cNvPr id="9" name="Oval 8">
+            <a:extLst>
+              <a:ext uri="{FF2B5EF4-FFF2-40B4-BE49-F238E27FC236}">
+                <a16:creationId xmlns:a16="http://schemas.microsoft.com/office/drawing/2014/main" id="{F4697B84-C89A-262A-FFA4-F5C2D1597A59}"/>
+              </a:ext>
+            </a:extLst>
+          </p:cNvPr>
+          <p:cNvSpPr/>
+          <p:nvPr/>
+        </p:nvSpPr>
+        <p:spPr>
+          <a:xfrm>
+            <a:off x="7867650" y="2476500"/>
+            <a:ext cx="3076575" cy="1885950"/>
+          </a:xfrm>
+          <a:prstGeom prst="ellipse">
+            <a:avLst/>
+          </a:prstGeom>
+        </p:spPr>
+        <p:style>
+          <a:lnRef idx="2">
+            <a:schemeClr val="accent1">
+              <a:shade val="15000"/>
+            </a:schemeClr>
+          </a:lnRef>
+          <a:fillRef idx="1">
+            <a:schemeClr val="accent1"/>
+          </a:fillRef>
+          <a:effectRef idx="0">
+            <a:schemeClr val="accent1"/>
+          </a:effectRef>
+          <a:fontRef idx="minor">
+            <a:schemeClr val="lt1"/>
+          </a:fontRef>
+        </p:style>
+        <p:txBody>
+          <a:bodyPr rtlCol="0" anchor="ctr"/>
+          <a:lstStyle/>
+          <a:p>
+            <a:pPr algn="ctr"/>
+            <a:r>
+              <a:rPr lang="en-US" dirty="0">
+                <a:solidFill>
+                  <a:schemeClr val="tx1"/>
+                </a:solidFill>
+              </a:rPr>
+              <a:t>Remove neighborhoods that intersect (Not Disjoint) with subway</a:t>
+            </a:r>
+          </a:p>
+        </p:txBody>
+      </p:sp>
     </p:spTree>
     <p:extLst>
       <p:ext uri="{BB962C8B-B14F-4D97-AF65-F5344CB8AC3E}">
-        <p14:creationId xmlns:p14="http://schemas.microsoft.com/office/powerpoint/2010/main" val="964224813"/>
+        <p14:creationId xmlns:p14="http://schemas.microsoft.com/office/powerpoint/2010/main" val="2733233538"/>
       </p:ext>
     </p:extLst>
   </p:cSld>
@@ -5440,7 +5657,13 @@
   <p:cSld>
     <p:spTree>
       <p:nvGrpSpPr>
-        <p:cNvPr id="1" name=""/>
+        <p:cNvPr id="1" name="">
+          <a:extLst>
+            <a:ext uri="{FF2B5EF4-FFF2-40B4-BE49-F238E27FC236}">
+              <a16:creationId xmlns:a16="http://schemas.microsoft.com/office/drawing/2014/main" id="{1CC6FAC9-2710-1940-492D-9140CA805452}"/>
+            </a:ext>
+          </a:extLst>
+        </p:cNvPr>
         <p:cNvGrpSpPr/>
         <p:nvPr/>
       </p:nvGrpSpPr>
@@ -5457,7 +5680,7 @@
           <p:cNvPr id="3" name="Content Placeholder 2">
             <a:extLst>
               <a:ext uri="{FF2B5EF4-FFF2-40B4-BE49-F238E27FC236}">
-                <a16:creationId xmlns:a16="http://schemas.microsoft.com/office/drawing/2014/main" id="{560FAE92-1044-2D93-DCDA-90DC459FBE12}"/>
+                <a16:creationId xmlns:a16="http://schemas.microsoft.com/office/drawing/2014/main" id="{3505A78B-6A91-7F16-1AED-B321E261BE5C}"/>
               </a:ext>
             </a:extLst>
           </p:cNvPr>
@@ -5470,113 +5693,19 @@
         </p:nvSpPr>
         <p:spPr>
           <a:xfrm>
-            <a:off x="504992" y="1512843"/>
-            <a:ext cx="11029615" cy="3259181"/>
+            <a:off x="581192" y="1388364"/>
+            <a:ext cx="11029615" cy="649986"/>
           </a:xfrm>
         </p:spPr>
         <p:txBody>
           <a:bodyPr>
-            <a:noAutofit/>
+            <a:normAutofit/>
           </a:bodyPr>
           <a:lstStyle/>
           <a:p>
             <a:r>
               <a:rPr lang="en-US" sz="2000" dirty="0"/>
-              <a:t>List neighborhoods with no subway stations.</a:t>
-            </a:r>
-          </a:p>
-          <a:p>
-            <a:pPr marL="324000" lvl="1" indent="0">
-              <a:buNone/>
-            </a:pPr>
-            <a:r>
-              <a:rPr lang="en-US" sz="2000" dirty="0">
-                <a:solidFill>
-                  <a:srgbClr val="00B0F0"/>
-                </a:solidFill>
-              </a:rPr>
-              <a:t>SELECT </a:t>
-            </a:r>
-            <a:r>
-              <a:rPr lang="en-US" sz="2000" dirty="0" err="1">
-                <a:solidFill>
-                  <a:srgbClr val="00B0F0"/>
-                </a:solidFill>
-              </a:rPr>
-              <a:t>boroname</a:t>
-            </a:r>
-            <a:endParaRPr lang="en-US" sz="2000" dirty="0">
-              <a:solidFill>
-                <a:srgbClr val="00B0F0"/>
-              </a:solidFill>
-            </a:endParaRPr>
-          </a:p>
-          <a:p>
-            <a:pPr marL="324000" lvl="1" indent="0">
-              <a:buNone/>
-            </a:pPr>
-            <a:r>
-              <a:rPr lang="en-US" sz="2000" dirty="0">
-                <a:solidFill>
-                  <a:srgbClr val="00B0F0"/>
-                </a:solidFill>
-              </a:rPr>
-              <a:t>FROM ch05.neighborhoods</a:t>
-            </a:r>
-          </a:p>
-          <a:p>
-            <a:pPr marL="324000" lvl="1" indent="0">
-              <a:buNone/>
-            </a:pPr>
-            <a:r>
-              <a:rPr lang="en-US" sz="2000" dirty="0">
-                <a:solidFill>
-                  <a:srgbClr val="00B0F0"/>
-                </a:solidFill>
-              </a:rPr>
-              <a:t>WHERE NOT EXISTS ( </a:t>
-            </a:r>
-          </a:p>
-          <a:p>
-            <a:pPr marL="324000" lvl="1" indent="0">
-              <a:buNone/>
-            </a:pPr>
-            <a:r>
-              <a:rPr lang="en-US" sz="2000" dirty="0">
-                <a:solidFill>
-                  <a:srgbClr val="00B0F0"/>
-                </a:solidFill>
-              </a:rPr>
-              <a:t>SELECT 1 FROM ch05.subway    </a:t>
-            </a:r>
-          </a:p>
-          <a:p>
-            <a:pPr marL="324000" lvl="1" indent="0">
-              <a:buNone/>
-            </a:pPr>
-            <a:r>
-              <a:rPr lang="en-US" sz="2000" dirty="0">
-                <a:solidFill>
-                  <a:srgbClr val="00B0F0"/>
-                </a:solidFill>
-              </a:rPr>
-              <a:t>WHERE </a:t>
-            </a:r>
-            <a:r>
-              <a:rPr lang="en-US" sz="2000" dirty="0" err="1">
-                <a:solidFill>
-                  <a:srgbClr val="00B0F0"/>
-                </a:solidFill>
-              </a:rPr>
-              <a:t>ST_Disjoint</a:t>
-            </a:r>
-            <a:r>
-              <a:rPr lang="en-US" sz="2000" dirty="0">
-                <a:solidFill>
-                  <a:srgbClr val="00B0F0"/>
-                </a:solidFill>
-              </a:rPr>
-              <a:t>(ch05.neighborhoods.geom, ch05.subway.geom) = FALSE);</a:t>
+              <a:t>List neighborhoods Disjoint with 500 meters buffer of subway stations.</a:t>
             </a:r>
           </a:p>
         </p:txBody>
@@ -5586,7 +5715,7 @@
           <p:cNvPr id="4" name="TextBox 3">
             <a:extLst>
               <a:ext uri="{FF2B5EF4-FFF2-40B4-BE49-F238E27FC236}">
-                <a16:creationId xmlns:a16="http://schemas.microsoft.com/office/drawing/2014/main" id="{91F3053D-754E-8441-461A-44E8C55A4153}"/>
+                <a16:creationId xmlns:a16="http://schemas.microsoft.com/office/drawing/2014/main" id="{705FA415-E87C-B8AB-DDDC-64F7E261EEB7}"/>
               </a:ext>
             </a:extLst>
           </p:cNvPr>
@@ -5595,8 +5724,8 @@
         </p:nvSpPr>
         <p:spPr>
           <a:xfrm>
-            <a:off x="504992" y="743916"/>
-            <a:ext cx="5514808" cy="523220"/>
+            <a:off x="495466" y="629616"/>
+            <a:ext cx="7372183" cy="523220"/>
           </a:xfrm>
           <a:prstGeom prst="rect">
             <a:avLst/>
@@ -5611,11 +5740,11 @@
           <a:p>
             <a:r>
               <a:rPr lang="en-US" sz="2800" dirty="0"/>
-              <a:t>Example</a:t>
+              <a:t>Exercise</a:t>
             </a:r>
             <a:r>
               <a:rPr lang="en-US" altLang="zh-CN" sz="2800" dirty="0"/>
-              <a:t> 2</a:t>
+              <a:t> 1</a:t>
             </a:r>
             <a:r>
               <a:rPr lang="en-US" sz="2800" dirty="0"/>
@@ -5623,7 +5752,15 @@
             </a:r>
             <a:r>
               <a:rPr lang="en-US" sz="2800" dirty="0" err="1"/>
-              <a:t>ST_Disjoint</a:t>
+              <a:t>ST_Intersect</a:t>
+            </a:r>
+            <a:r>
+              <a:rPr lang="en-US" sz="2800" dirty="0"/>
+              <a:t> and </a:t>
+            </a:r>
+            <a:r>
+              <a:rPr lang="en-US" sz="2800" dirty="0" err="1"/>
+              <a:t>ST_Buffer</a:t>
             </a:r>
             <a:endParaRPr lang="en-US" sz="2800" dirty="0"/>
           </a:p>
@@ -5632,7 +5769,7 @@
     </p:spTree>
     <p:extLst>
       <p:ext uri="{BB962C8B-B14F-4D97-AF65-F5344CB8AC3E}">
-        <p14:creationId xmlns:p14="http://schemas.microsoft.com/office/powerpoint/2010/main" val="3851545665"/>
+        <p14:creationId xmlns:p14="http://schemas.microsoft.com/office/powerpoint/2010/main" val="2925661448"/>
       </p:ext>
     </p:extLst>
   </p:cSld>
@@ -5659,186 +5796,41 @@
           <a:chExt cx="0" cy="0"/>
         </a:xfrm>
       </p:grpSpPr>
-      <p:sp>
-        <p:nvSpPr>
-          <p:cNvPr id="3" name="Content Placeholder 2">
+      <p:pic>
+        <p:nvPicPr>
+          <p:cNvPr id="5" name="Content Placeholder 4">
             <a:extLst>
               <a:ext uri="{FF2B5EF4-FFF2-40B4-BE49-F238E27FC236}">
-                <a16:creationId xmlns:a16="http://schemas.microsoft.com/office/drawing/2014/main" id="{7A5F7DF1-4BCE-BE52-535B-C03DD3B0D222}"/>
+                <a16:creationId xmlns:a16="http://schemas.microsoft.com/office/drawing/2014/main" id="{B25D1DEF-2DFA-D6E8-EEC9-938D778575B9}"/>
               </a:ext>
             </a:extLst>
           </p:cNvPr>
-          <p:cNvSpPr>
-            <a:spLocks noGrp="1"/>
-          </p:cNvSpPr>
+          <p:cNvPicPr>
+            <a:picLocks noGrp="1" noChangeAspect="1"/>
+          </p:cNvPicPr>
           <p:nvPr>
             <p:ph idx="1"/>
           </p:nvPr>
-        </p:nvSpPr>
+        </p:nvPicPr>
+        <p:blipFill>
+          <a:blip r:embed="rId2"/>
+          <a:stretch>
+            <a:fillRect/>
+          </a:stretch>
+        </p:blipFill>
         <p:spPr>
           <a:xfrm>
-            <a:off x="581191" y="1483613"/>
-            <a:ext cx="11029615" cy="3688461"/>
+            <a:off x="6219825" y="621040"/>
+            <a:ext cx="4810825" cy="5893262"/>
           </a:xfrm>
         </p:spPr>
-        <p:txBody>
-          <a:bodyPr>
-            <a:normAutofit/>
-          </a:bodyPr>
-          <a:lstStyle/>
-          <a:p>
-            <a:r>
-              <a:rPr lang="en-US" dirty="0"/>
-              <a:t>Find subway stations that are disjoint from major roads.</a:t>
-            </a:r>
-          </a:p>
-          <a:p>
-            <a:pPr marL="324000" lvl="1" indent="0">
-              <a:buNone/>
-            </a:pPr>
-            <a:r>
-              <a:rPr lang="en-US" sz="1800" dirty="0">
-                <a:solidFill>
-                  <a:srgbClr val="00B0F0"/>
-                </a:solidFill>
-              </a:rPr>
-              <a:t>SELECT </a:t>
-            </a:r>
-            <a:r>
-              <a:rPr lang="en-US" sz="1800" dirty="0" err="1">
-                <a:solidFill>
-                  <a:srgbClr val="00B0F0"/>
-                </a:solidFill>
-              </a:rPr>
-              <a:t>station_name</a:t>
-            </a:r>
-            <a:endParaRPr lang="en-US" sz="1800" dirty="0">
-              <a:solidFill>
-                <a:srgbClr val="00B0F0"/>
-              </a:solidFill>
-            </a:endParaRPr>
-          </a:p>
-          <a:p>
-            <a:pPr marL="324000" lvl="1" indent="0">
-              <a:buNone/>
-            </a:pPr>
-            <a:r>
-              <a:rPr lang="en-US" sz="1800" dirty="0">
-                <a:solidFill>
-                  <a:srgbClr val="00B0F0"/>
-                </a:solidFill>
-              </a:rPr>
-              <a:t>FROM ch05.subway</a:t>
-            </a:r>
-          </a:p>
-          <a:p>
-            <a:pPr marL="324000" lvl="1" indent="0">
-              <a:buNone/>
-            </a:pPr>
-            <a:r>
-              <a:rPr lang="en-US" sz="1800" dirty="0">
-                <a:solidFill>
-                  <a:srgbClr val="00B0F0"/>
-                </a:solidFill>
-              </a:rPr>
-              <a:t>WHERE NOT EXISTS (</a:t>
-            </a:r>
-          </a:p>
-          <a:p>
-            <a:pPr marL="324000" lvl="1" indent="0">
-              <a:buNone/>
-            </a:pPr>
-            <a:r>
-              <a:rPr lang="en-US" sz="1800" dirty="0">
-                <a:solidFill>
-                  <a:srgbClr val="00B0F0"/>
-                </a:solidFill>
-              </a:rPr>
-              <a:t>SELECT 1 FROM ch05.streets    </a:t>
-            </a:r>
-          </a:p>
-          <a:p>
-            <a:pPr marL="324000" lvl="1" indent="0">
-              <a:buNone/>
-            </a:pPr>
-            <a:r>
-              <a:rPr lang="en-US" sz="1800" dirty="0">
-                <a:solidFill>
-                  <a:srgbClr val="00B0F0"/>
-                </a:solidFill>
-              </a:rPr>
-              <a:t>WHERE </a:t>
-            </a:r>
-            <a:r>
-              <a:rPr lang="en-US" sz="1800" dirty="0" err="1">
-                <a:solidFill>
-                  <a:srgbClr val="00B0F0"/>
-                </a:solidFill>
-              </a:rPr>
-              <a:t>road_type</a:t>
-            </a:r>
-            <a:r>
-              <a:rPr lang="en-US" sz="1800" dirty="0">
-                <a:solidFill>
-                  <a:srgbClr val="00B0F0"/>
-                </a:solidFill>
-              </a:rPr>
-              <a:t> = 'Major'    </a:t>
-            </a:r>
-          </a:p>
-          <a:p>
-            <a:pPr marL="324000" lvl="1" indent="0">
-              <a:buNone/>
-            </a:pPr>
-            <a:r>
-              <a:rPr lang="en-US" sz="1800" dirty="0">
-                <a:solidFill>
-                  <a:srgbClr val="00B0F0"/>
-                </a:solidFill>
-              </a:rPr>
-              <a:t>AND </a:t>
-            </a:r>
-            <a:r>
-              <a:rPr lang="en-US" sz="1800" dirty="0" err="1">
-                <a:solidFill>
-                  <a:srgbClr val="00B0F0"/>
-                </a:solidFill>
-              </a:rPr>
-              <a:t>ST_Disjoint</a:t>
-            </a:r>
-            <a:r>
-              <a:rPr lang="en-US" sz="1800" dirty="0">
-                <a:solidFill>
-                  <a:srgbClr val="00B0F0"/>
-                </a:solidFill>
-              </a:rPr>
-              <a:t>(</a:t>
-            </a:r>
-            <a:r>
-              <a:rPr lang="en-US" sz="1800" dirty="0" err="1">
-                <a:solidFill>
-                  <a:srgbClr val="00B0F0"/>
-                </a:solidFill>
-              </a:rPr>
-              <a:t>ST_Buffer</a:t>
-            </a:r>
-            <a:r>
-              <a:rPr lang="en-US" sz="1800" dirty="0">
-                <a:solidFill>
-                  <a:srgbClr val="00B0F0"/>
-                </a:solidFill>
-              </a:rPr>
-              <a:t>(ch05.subway.geom, 50), ch05.streets.geom) = FALSE);</a:t>
-            </a:r>
-          </a:p>
-        </p:txBody>
-      </p:sp>
-      <p:sp>
-        <p:nvSpPr>
-          <p:cNvPr id="4" name="TextBox 3">
+      </p:pic>
+      <p:sp>
+        <p:nvSpPr>
+          <p:cNvPr id="6" name="TextBox 5">
             <a:extLst>
               <a:ext uri="{FF2B5EF4-FFF2-40B4-BE49-F238E27FC236}">
-                <a16:creationId xmlns:a16="http://schemas.microsoft.com/office/drawing/2014/main" id="{484A90A6-4F20-8935-0B63-0BD0B8C0A82E}"/>
+                <a16:creationId xmlns:a16="http://schemas.microsoft.com/office/drawing/2014/main" id="{A812EF47-CBAA-4375-36EA-3D498140F2A3}"/>
               </a:ext>
             </a:extLst>
           </p:cNvPr>
@@ -5847,8 +5839,8 @@
         </p:nvSpPr>
         <p:spPr>
           <a:xfrm>
-            <a:off x="504992" y="743916"/>
-            <a:ext cx="5514808" cy="523220"/>
+            <a:off x="581192" y="621040"/>
+            <a:ext cx="2542310" cy="523220"/>
           </a:xfrm>
           <a:prstGeom prst="rect">
             <a:avLst/>
@@ -5862,20 +5854,8 @@
           <a:lstStyle/>
           <a:p>
             <a:r>
-              <a:rPr lang="en-US" sz="2800" dirty="0"/>
-              <a:t>Exercise</a:t>
-            </a:r>
-            <a:r>
-              <a:rPr lang="en-US" altLang="zh-CN" sz="2800" dirty="0"/>
-              <a:t> 2</a:t>
-            </a:r>
-            <a:r>
-              <a:rPr lang="en-US" sz="2800" dirty="0"/>
-              <a:t>: </a:t>
-            </a:r>
-            <a:r>
               <a:rPr lang="en-US" sz="2800" dirty="0" err="1"/>
-              <a:t>ST_Disjoint</a:t>
+              <a:t>ST_Within</a:t>
             </a:r>
             <a:endParaRPr lang="en-US" sz="2800" dirty="0"/>
           </a:p>
@@ -5884,7 +5864,7 @@
     </p:spTree>
     <p:extLst>
       <p:ext uri="{BB962C8B-B14F-4D97-AF65-F5344CB8AC3E}">
-        <p14:creationId xmlns:p14="http://schemas.microsoft.com/office/powerpoint/2010/main" val="1994899666"/>
+        <p14:creationId xmlns:p14="http://schemas.microsoft.com/office/powerpoint/2010/main" val="1428797477"/>
       </p:ext>
     </p:extLst>
   </p:cSld>
@@ -5913,10 +5893,10 @@
       </p:grpSpPr>
       <p:sp>
         <p:nvSpPr>
-          <p:cNvPr id="2" name="Title 1">
+          <p:cNvPr id="3" name="Content Placeholder 2">
             <a:extLst>
               <a:ext uri="{FF2B5EF4-FFF2-40B4-BE49-F238E27FC236}">
-                <a16:creationId xmlns:a16="http://schemas.microsoft.com/office/drawing/2014/main" id="{64E36CD5-3DBF-BAE6-7CF6-585C5F525485}"/>
+                <a16:creationId xmlns:a16="http://schemas.microsoft.com/office/drawing/2014/main" id="{12771356-2BB2-7662-EC75-49AB84192413}"/>
               </a:ext>
             </a:extLst>
           </p:cNvPr>
@@ -5924,46 +5904,13 @@
             <a:spLocks noGrp="1"/>
           </p:cNvSpPr>
           <p:nvPr>
-            <p:ph type="title"/>
+            <p:ph idx="1"/>
           </p:nvPr>
         </p:nvSpPr>
         <p:spPr>
           <a:xfrm>
-            <a:off x="581192" y="702156"/>
-            <a:ext cx="11029616" cy="574194"/>
-          </a:xfrm>
-        </p:spPr>
-        <p:txBody>
-          <a:bodyPr/>
-          <a:lstStyle/>
-          <a:p>
-            <a:r>
-              <a:rPr lang="en-US" dirty="0"/>
-              <a:t>TOOLS IN PGADMIN 4 – MATERIALIZED VIEWS</a:t>
-            </a:r>
-          </a:p>
-        </p:txBody>
-      </p:sp>
-      <p:sp>
-        <p:nvSpPr>
-          <p:cNvPr id="3" name="Content Placeholder 2">
-            <a:extLst>
-              <a:ext uri="{FF2B5EF4-FFF2-40B4-BE49-F238E27FC236}">
-                <a16:creationId xmlns:a16="http://schemas.microsoft.com/office/drawing/2014/main" id="{861D47DB-0F47-DE91-A1F8-68D7581EF238}"/>
-              </a:ext>
-            </a:extLst>
-          </p:cNvPr>
-          <p:cNvSpPr>
-            <a:spLocks noGrp="1"/>
-          </p:cNvSpPr>
-          <p:nvPr>
-            <p:ph idx="1"/>
-          </p:nvPr>
-        </p:nvSpPr>
-        <p:spPr>
-          <a:xfrm>
-            <a:off x="581193" y="1276350"/>
-            <a:ext cx="11029615" cy="1935861"/>
+            <a:off x="504993" y="1616963"/>
+            <a:ext cx="8991432" cy="3116961"/>
           </a:xfrm>
         </p:spPr>
         <p:txBody>
@@ -5974,65 +5921,49 @@
           <a:p>
             <a:r>
               <a:rPr lang="en-US" dirty="0"/>
-              <a:t>Create materialized views to store complex buffer analysis results for faster querying.</a:t>
-            </a:r>
+              <a:t>List street segments that outside of 500m buffer of subway station</a:t>
+            </a:r>
+          </a:p>
+          <a:p>
+            <a:endParaRPr lang="en-US" dirty="0"/>
           </a:p>
           <a:p>
             <a:pPr marL="324000" lvl="1" indent="0">
               <a:buNone/>
             </a:pPr>
             <a:r>
-              <a:rPr lang="en-US" sz="1800" dirty="0">
-                <a:solidFill>
-                  <a:srgbClr val="00B0F0"/>
-                </a:solidFill>
-              </a:rPr>
-              <a:t>CREATE MATERIALIZED VIEW ch05.station_buffers AS </a:t>
-            </a:r>
+              <a:rPr lang="en-US" dirty="0">
+                <a:solidFill>
+                  <a:srgbClr val="00B0F0"/>
+                </a:solidFill>
+              </a:rPr>
+              <a:t>SELECT street.name, </a:t>
+            </a:r>
+            <a:r>
+              <a:rPr lang="en-US" dirty="0" err="1">
+                <a:solidFill>
+                  <a:srgbClr val="00B0F0"/>
+                </a:solidFill>
+              </a:rPr>
+              <a:t>street.geom</a:t>
+            </a:r>
+            <a:endParaRPr lang="en-US" dirty="0">
+              <a:solidFill>
+                <a:srgbClr val="00B0F0"/>
+              </a:solidFill>
+            </a:endParaRPr>
           </a:p>
           <a:p>
             <a:pPr marL="324000" lvl="1" indent="0">
               <a:buNone/>
             </a:pPr>
             <a:r>
-              <a:rPr lang="en-US" sz="1800" dirty="0">
-                <a:solidFill>
-                  <a:srgbClr val="00B0F0"/>
-                </a:solidFill>
-              </a:rPr>
-              <a:t>SELECT NAME, </a:t>
-            </a:r>
-            <a:r>
-              <a:rPr lang="en-US" sz="1800" dirty="0" err="1">
-                <a:solidFill>
-                  <a:srgbClr val="00B0F0"/>
-                </a:solidFill>
-              </a:rPr>
-              <a:t>ST_Buffer</a:t>
-            </a:r>
-            <a:r>
-              <a:rPr lang="en-US" sz="1800" dirty="0">
-                <a:solidFill>
-                  <a:srgbClr val="00B0F0"/>
-                </a:solidFill>
-              </a:rPr>
-              <a:t>(geometry, 300) AS </a:t>
-            </a:r>
-            <a:r>
-              <a:rPr lang="en-US" sz="1800" dirty="0" err="1">
-                <a:solidFill>
-                  <a:srgbClr val="00B0F0"/>
-                </a:solidFill>
-              </a:rPr>
-              <a:t>buffer_geom</a:t>
-            </a:r>
-            <a:r>
-              <a:rPr lang="en-US" sz="1800" dirty="0">
-                <a:solidFill>
-                  <a:srgbClr val="00B0F0"/>
-                </a:solidFill>
-              </a:rPr>
-              <a:t> </a:t>
+              <a:rPr lang="en-US" dirty="0">
+                <a:solidFill>
+                  <a:srgbClr val="00B0F0"/>
+                </a:solidFill>
+              </a:rPr>
+              <a:t>FROM ch05.streets AS street</a:t>
             </a:r>
           </a:p>
           <a:p>
@@ -6040,20 +5971,139 @@
               <a:buNone/>
             </a:pPr>
             <a:r>
-              <a:rPr lang="en-US" sz="1800" dirty="0">
-                <a:solidFill>
-                  <a:srgbClr val="00B0F0"/>
-                </a:solidFill>
-              </a:rPr>
-              <a:t>FROM ch05.nyc_subway_stations;</a:t>
-            </a:r>
+              <a:rPr lang="en-US" dirty="0">
+                <a:solidFill>
+                  <a:srgbClr val="00B0F0"/>
+                </a:solidFill>
+              </a:rPr>
+              <a:t>WHERE NOT EXISTS (</a:t>
+            </a:r>
+          </a:p>
+          <a:p>
+            <a:pPr marL="324000" lvl="1" indent="0">
+              <a:buNone/>
+            </a:pPr>
+            <a:r>
+              <a:rPr lang="en-US" dirty="0">
+                <a:solidFill>
+                  <a:srgbClr val="00B0F0"/>
+                </a:solidFill>
+              </a:rPr>
+              <a:t>    SELECT 1 </a:t>
+            </a:r>
+          </a:p>
+          <a:p>
+            <a:pPr marL="324000" lvl="1" indent="0">
+              <a:buNone/>
+            </a:pPr>
+            <a:r>
+              <a:rPr lang="en-US" dirty="0">
+                <a:solidFill>
+                  <a:srgbClr val="00B0F0"/>
+                </a:solidFill>
+              </a:rPr>
+              <a:t>    FROM ch05.subway    </a:t>
+            </a:r>
+          </a:p>
+          <a:p>
+            <a:pPr marL="324000" lvl="1" indent="0">
+              <a:buNone/>
+            </a:pPr>
+            <a:r>
+              <a:rPr lang="en-US" dirty="0">
+                <a:solidFill>
+                  <a:srgbClr val="00B0F0"/>
+                </a:solidFill>
+              </a:rPr>
+              <a:t>    WHERE </a:t>
+            </a:r>
+            <a:r>
+              <a:rPr lang="en-US" dirty="0" err="1">
+                <a:solidFill>
+                  <a:srgbClr val="00B0F0"/>
+                </a:solidFill>
+              </a:rPr>
+              <a:t>ST_DWithin</a:t>
+            </a:r>
+            <a:r>
+              <a:rPr lang="en-US" dirty="0">
+                <a:solidFill>
+                  <a:srgbClr val="00B0F0"/>
+                </a:solidFill>
+              </a:rPr>
+              <a:t>(</a:t>
+            </a:r>
+            <a:r>
+              <a:rPr lang="en-US" dirty="0" err="1">
+                <a:solidFill>
+                  <a:srgbClr val="00B0F0"/>
+                </a:solidFill>
+              </a:rPr>
+              <a:t>street.geom</a:t>
+            </a:r>
+            <a:r>
+              <a:rPr lang="en-US" dirty="0">
+                <a:solidFill>
+                  <a:srgbClr val="00B0F0"/>
+                </a:solidFill>
+              </a:rPr>
+              <a:t>, ch05.subway.geom, 500));</a:t>
+            </a:r>
+          </a:p>
+        </p:txBody>
+      </p:sp>
+      <p:sp>
+        <p:nvSpPr>
+          <p:cNvPr id="4" name="TextBox 3">
+            <a:extLst>
+              <a:ext uri="{FF2B5EF4-FFF2-40B4-BE49-F238E27FC236}">
+                <a16:creationId xmlns:a16="http://schemas.microsoft.com/office/drawing/2014/main" id="{5670DDD8-D839-2D2B-CA09-2D648BAE428C}"/>
+              </a:ext>
+            </a:extLst>
+          </p:cNvPr>
+          <p:cNvSpPr txBox="1"/>
+          <p:nvPr/>
+        </p:nvSpPr>
+        <p:spPr>
+          <a:xfrm>
+            <a:off x="504992" y="743916"/>
+            <a:ext cx="5514808" cy="523220"/>
+          </a:xfrm>
+          <a:prstGeom prst="rect">
+            <a:avLst/>
+          </a:prstGeom>
+          <a:noFill/>
+        </p:spPr>
+        <p:txBody>
+          <a:bodyPr wrap="square" rtlCol="0">
+            <a:spAutoFit/>
+          </a:bodyPr>
+          <a:lstStyle/>
+          <a:p>
+            <a:r>
+              <a:rPr lang="en-US" sz="2800" dirty="0"/>
+              <a:t>Example</a:t>
+            </a:r>
+            <a:r>
+              <a:rPr lang="en-US" altLang="zh-CN" sz="2800" dirty="0"/>
+              <a:t> 1</a:t>
+            </a:r>
+            <a:r>
+              <a:rPr lang="en-US" sz="2800" dirty="0"/>
+              <a:t>: </a:t>
+            </a:r>
+            <a:r>
+              <a:rPr lang="en-US" sz="2800" dirty="0" err="1"/>
+              <a:t>ST_Within</a:t>
+            </a:r>
+            <a:endParaRPr lang="en-US" sz="2800" dirty="0"/>
           </a:p>
         </p:txBody>
       </p:sp>
     </p:spTree>
     <p:extLst>
       <p:ext uri="{BB962C8B-B14F-4D97-AF65-F5344CB8AC3E}">
-        <p14:creationId xmlns:p14="http://schemas.microsoft.com/office/powerpoint/2010/main" val="2854411829"/>
+        <p14:creationId xmlns:p14="http://schemas.microsoft.com/office/powerpoint/2010/main" val="856652604"/>
       </p:ext>
     </p:extLst>
   </p:cSld>
@@ -6066,9 +6116,23 @@
 <file path=ppt/slides/slide16.xml><?xml version="1.0" encoding="utf-8"?>
 <p:sld xmlns:a="http://schemas.openxmlformats.org/drawingml/2006/main" xmlns:r="http://schemas.openxmlformats.org/officeDocument/2006/relationships" xmlns:p="http://schemas.openxmlformats.org/presentationml/2006/main">
   <p:cSld>
+    <p:bg>
+      <p:bgPr>
+        <a:solidFill>
+          <a:schemeClr val="bg1"/>
+        </a:solidFill>
+        <a:effectLst/>
+      </p:bgPr>
+    </p:bg>
     <p:spTree>
       <p:nvGrpSpPr>
-        <p:cNvPr id="1" name=""/>
+        <p:cNvPr id="1" name="">
+          <a:extLst>
+            <a:ext uri="{FF2B5EF4-FFF2-40B4-BE49-F238E27FC236}">
+              <a16:creationId xmlns:a16="http://schemas.microsoft.com/office/drawing/2014/main" id="{DA847285-08D3-EC91-8463-2A5573D9E347}"/>
+            </a:ext>
+          </a:extLst>
+        </p:cNvPr>
         <p:cNvGrpSpPr/>
         <p:nvPr/>
       </p:nvGrpSpPr>
@@ -6082,10 +6146,645 @@
       </p:grpSpPr>
       <p:sp>
         <p:nvSpPr>
+          <p:cNvPr id="36" name="Rectangle 35">
+            <a:extLst>
+              <a:ext uri="{FF2B5EF4-FFF2-40B4-BE49-F238E27FC236}">
+                <a16:creationId xmlns:a16="http://schemas.microsoft.com/office/drawing/2014/main" id="{52D04420-2AB9-D2AC-70CF-0CA6573A40B1}"/>
+              </a:ext>
+              <a:ext uri="{C183D7F6-B498-43B3-948B-1728B52AA6E4}">
+                <adec:decorative xmlns:adec="http://schemas.microsoft.com/office/drawing/2017/decorative" val="1"/>
+              </a:ext>
+            </a:extLst>
+          </p:cNvPr>
+          <p:cNvSpPr>
+            <a:spLocks noGrp="1" noRot="1" noChangeAspect="1" noMove="1" noResize="1" noEditPoints="1" noAdjustHandles="1" noChangeArrowheads="1" noChangeShapeType="1" noTextEdit="1"/>
+          </p:cNvSpPr>
+          <p:nvPr>
+            <p:extLst>
+              <p:ext uri="{386F3935-93C4-4BCD-93E2-E3B085C9AB24}">
+                <p16:designElem xmlns:p16="http://schemas.microsoft.com/office/powerpoint/2015/main" val="1"/>
+              </p:ext>
+            </p:extLst>
+          </p:nvPr>
+        </p:nvSpPr>
+        <p:spPr>
+          <a:xfrm>
+            <a:off x="446534" y="457200"/>
+            <a:ext cx="3703320" cy="94997"/>
+          </a:xfrm>
+          <a:prstGeom prst="rect">
+            <a:avLst/>
+          </a:prstGeom>
+          <a:solidFill>
+            <a:srgbClr val="465359"/>
+          </a:solidFill>
+          <a:ln>
+            <a:noFill/>
+          </a:ln>
+          <a:effectLst/>
+        </p:spPr>
+        <p:style>
+          <a:lnRef idx="1">
+            <a:schemeClr val="accent1"/>
+          </a:lnRef>
+          <a:fillRef idx="3">
+            <a:schemeClr val="accent1"/>
+          </a:fillRef>
+          <a:effectRef idx="2">
+            <a:schemeClr val="accent1"/>
+          </a:effectRef>
+          <a:fontRef idx="minor">
+            <a:schemeClr val="lt1"/>
+          </a:fontRef>
+        </p:style>
+        <p:txBody>
+          <a:bodyPr/>
+          <a:lstStyle/>
+          <a:p>
+            <a:pPr marL="0" marR="0" lvl="0" indent="0" algn="l" defTabSz="457200" rtl="0" eaLnBrk="1" fontAlgn="auto" latinLnBrk="0" hangingPunct="1">
+              <a:lnSpc>
+                <a:spcPct val="100000"/>
+              </a:lnSpc>
+              <a:spcBef>
+                <a:spcPts val="0"/>
+              </a:spcBef>
+              <a:spcAft>
+                <a:spcPts val="0"/>
+              </a:spcAft>
+              <a:buClrTx/>
+              <a:buSzTx/>
+              <a:buFontTx/>
+              <a:buNone/>
+              <a:tabLst/>
+              <a:defRPr/>
+            </a:pPr>
+            <a:endParaRPr kumimoji="0" lang="en-US" sz="1800" b="0" i="0" u="none" strike="noStrike" kern="1200" cap="none" spc="0" normalizeH="0" baseline="0" noProof="0">
+              <a:ln>
+                <a:noFill/>
+              </a:ln>
+              <a:solidFill>
+                <a:srgbClr val="FFFFFF"/>
+              </a:solidFill>
+              <a:effectLst/>
+              <a:uLnTx/>
+              <a:uFillTx/>
+              <a:latin typeface="Calibri"/>
+              <a:ea typeface="+mn-ea"/>
+              <a:cs typeface="+mn-cs"/>
+            </a:endParaRPr>
+          </a:p>
+        </p:txBody>
+      </p:sp>
+      <p:sp>
+        <p:nvSpPr>
+          <p:cNvPr id="38" name="Rectangle 37">
+            <a:extLst>
+              <a:ext uri="{FF2B5EF4-FFF2-40B4-BE49-F238E27FC236}">
+                <a16:creationId xmlns:a16="http://schemas.microsoft.com/office/drawing/2014/main" id="{8369FCF3-0354-7067-F755-370100F65EAA}"/>
+              </a:ext>
+              <a:ext uri="{C183D7F6-B498-43B3-948B-1728B52AA6E4}">
+                <adec:decorative xmlns:adec="http://schemas.microsoft.com/office/drawing/2017/decorative" val="1"/>
+              </a:ext>
+            </a:extLst>
+          </p:cNvPr>
+          <p:cNvSpPr>
+            <a:spLocks noGrp="1" noRot="1" noChangeAspect="1" noMove="1" noResize="1" noEditPoints="1" noAdjustHandles="1" noChangeArrowheads="1" noChangeShapeType="1" noTextEdit="1"/>
+          </p:cNvSpPr>
+          <p:nvPr>
+            <p:extLst>
+              <p:ext uri="{386F3935-93C4-4BCD-93E2-E3B085C9AB24}">
+                <p16:designElem xmlns:p16="http://schemas.microsoft.com/office/powerpoint/2015/main" val="1"/>
+              </p:ext>
+            </p:extLst>
+          </p:nvPr>
+        </p:nvSpPr>
+        <p:spPr>
+          <a:xfrm>
+            <a:off x="8042147" y="453643"/>
+            <a:ext cx="3703320" cy="98554"/>
+          </a:xfrm>
+          <a:prstGeom prst="rect">
+            <a:avLst/>
+          </a:prstGeom>
+          <a:solidFill>
+            <a:srgbClr val="969FA7"/>
+          </a:solidFill>
+          <a:ln>
+            <a:noFill/>
+          </a:ln>
+          <a:effectLst/>
+        </p:spPr>
+        <p:style>
+          <a:lnRef idx="1">
+            <a:schemeClr val="accent1"/>
+          </a:lnRef>
+          <a:fillRef idx="3">
+            <a:schemeClr val="accent1"/>
+          </a:fillRef>
+          <a:effectRef idx="2">
+            <a:schemeClr val="accent1"/>
+          </a:effectRef>
+          <a:fontRef idx="minor">
+            <a:schemeClr val="lt1"/>
+          </a:fontRef>
+        </p:style>
+        <p:txBody>
+          <a:bodyPr/>
+          <a:lstStyle/>
+          <a:p>
+            <a:pPr marL="0" marR="0" lvl="0" indent="0" algn="l" defTabSz="457200" rtl="0" eaLnBrk="1" fontAlgn="auto" latinLnBrk="0" hangingPunct="1">
+              <a:lnSpc>
+                <a:spcPct val="100000"/>
+              </a:lnSpc>
+              <a:spcBef>
+                <a:spcPts val="0"/>
+              </a:spcBef>
+              <a:spcAft>
+                <a:spcPts val="0"/>
+              </a:spcAft>
+              <a:buClrTx/>
+              <a:buSzTx/>
+              <a:buFontTx/>
+              <a:buNone/>
+              <a:tabLst/>
+              <a:defRPr/>
+            </a:pPr>
+            <a:endParaRPr kumimoji="0" lang="en-US" sz="1800" b="0" i="0" u="none" strike="noStrike" kern="1200" cap="none" spc="0" normalizeH="0" baseline="0" noProof="0">
+              <a:ln>
+                <a:noFill/>
+              </a:ln>
+              <a:solidFill>
+                <a:srgbClr val="FFFFFF"/>
+              </a:solidFill>
+              <a:effectLst/>
+              <a:uLnTx/>
+              <a:uFillTx/>
+              <a:latin typeface="Calibri"/>
+              <a:ea typeface="+mn-ea"/>
+              <a:cs typeface="+mn-cs"/>
+            </a:endParaRPr>
+          </a:p>
+        </p:txBody>
+      </p:sp>
+      <p:sp>
+        <p:nvSpPr>
+          <p:cNvPr id="40" name="Rectangle 39">
+            <a:extLst>
+              <a:ext uri="{FF2B5EF4-FFF2-40B4-BE49-F238E27FC236}">
+                <a16:creationId xmlns:a16="http://schemas.microsoft.com/office/drawing/2014/main" id="{EFC1D47E-F4FD-7BE3-C43B-90943448FBDA}"/>
+              </a:ext>
+              <a:ext uri="{C183D7F6-B498-43B3-948B-1728B52AA6E4}">
+                <adec:decorative xmlns:adec="http://schemas.microsoft.com/office/drawing/2017/decorative" val="1"/>
+              </a:ext>
+            </a:extLst>
+          </p:cNvPr>
+          <p:cNvSpPr>
+            <a:spLocks noGrp="1" noRot="1" noChangeAspect="1" noMove="1" noResize="1" noEditPoints="1" noAdjustHandles="1" noChangeArrowheads="1" noChangeShapeType="1" noTextEdit="1"/>
+          </p:cNvSpPr>
+          <p:nvPr>
+            <p:extLst>
+              <p:ext uri="{386F3935-93C4-4BCD-93E2-E3B085C9AB24}">
+                <p16:designElem xmlns:p16="http://schemas.microsoft.com/office/powerpoint/2015/main" val="1"/>
+              </p:ext>
+            </p:extLst>
+          </p:nvPr>
+        </p:nvSpPr>
+        <p:spPr>
+          <a:xfrm>
+            <a:off x="4241830" y="457200"/>
+            <a:ext cx="3703320" cy="91440"/>
+          </a:xfrm>
+          <a:prstGeom prst="rect">
+            <a:avLst/>
+          </a:prstGeom>
+          <a:solidFill>
+            <a:schemeClr val="accent1"/>
+          </a:solidFill>
+          <a:ln>
+            <a:noFill/>
+          </a:ln>
+          <a:effectLst/>
+        </p:spPr>
+        <p:style>
+          <a:lnRef idx="1">
+            <a:schemeClr val="accent1"/>
+          </a:lnRef>
+          <a:fillRef idx="3">
+            <a:schemeClr val="accent1"/>
+          </a:fillRef>
+          <a:effectRef idx="2">
+            <a:schemeClr val="accent1"/>
+          </a:effectRef>
+          <a:fontRef idx="minor">
+            <a:schemeClr val="lt1"/>
+          </a:fontRef>
+        </p:style>
+        <p:txBody>
+          <a:bodyPr/>
+          <a:lstStyle/>
+          <a:p>
+            <a:pPr marL="0" marR="0" lvl="0" indent="0" algn="l" defTabSz="457200" rtl="0" eaLnBrk="1" fontAlgn="auto" latinLnBrk="0" hangingPunct="1">
+              <a:lnSpc>
+                <a:spcPct val="100000"/>
+              </a:lnSpc>
+              <a:spcBef>
+                <a:spcPts val="0"/>
+              </a:spcBef>
+              <a:spcAft>
+                <a:spcPts val="0"/>
+              </a:spcAft>
+              <a:buClrTx/>
+              <a:buSzTx/>
+              <a:buFontTx/>
+              <a:buNone/>
+              <a:tabLst/>
+              <a:defRPr/>
+            </a:pPr>
+            <a:endParaRPr kumimoji="0" lang="en-US" sz="1800" b="0" i="0" u="none" strike="noStrike" kern="1200" cap="none" spc="0" normalizeH="0" baseline="0" noProof="0">
+              <a:ln>
+                <a:noFill/>
+              </a:ln>
+              <a:solidFill>
+                <a:srgbClr val="FFFFFF"/>
+              </a:solidFill>
+              <a:effectLst/>
+              <a:uLnTx/>
+              <a:uFillTx/>
+              <a:latin typeface="Calibri"/>
+              <a:ea typeface="+mn-ea"/>
+              <a:cs typeface="+mn-cs"/>
+            </a:endParaRPr>
+          </a:p>
+        </p:txBody>
+      </p:sp>
+      <p:sp>
+        <p:nvSpPr>
+          <p:cNvPr id="42" name="Rectangle 41">
+            <a:extLst>
+              <a:ext uri="{FF2B5EF4-FFF2-40B4-BE49-F238E27FC236}">
+                <a16:creationId xmlns:a16="http://schemas.microsoft.com/office/drawing/2014/main" id="{5B05EAFE-DFDF-C62E-2327-4C377542EBBE}"/>
+              </a:ext>
+              <a:ext uri="{C183D7F6-B498-43B3-948B-1728B52AA6E4}">
+                <adec:decorative xmlns:adec="http://schemas.microsoft.com/office/drawing/2017/decorative" val="1"/>
+              </a:ext>
+            </a:extLst>
+          </p:cNvPr>
+          <p:cNvSpPr>
+            <a:spLocks noGrp="1" noRot="1" noChangeAspect="1" noMove="1" noResize="1" noEditPoints="1" noAdjustHandles="1" noChangeArrowheads="1" noChangeShapeType="1" noTextEdit="1"/>
+          </p:cNvSpPr>
+          <p:nvPr>
+            <p:extLst>
+              <p:ext uri="{386F3935-93C4-4BCD-93E2-E3B085C9AB24}">
+                <p16:designElem xmlns:p16="http://schemas.microsoft.com/office/powerpoint/2015/main" val="1"/>
+              </p:ext>
+            </p:extLst>
+          </p:nvPr>
+        </p:nvSpPr>
+        <p:spPr>
+          <a:xfrm>
+            <a:off x="446534" y="3085764"/>
+            <a:ext cx="11298932" cy="3338149"/>
+          </a:xfrm>
+          <a:prstGeom prst="rect">
+            <a:avLst/>
+          </a:prstGeom>
+          <a:solidFill>
+            <a:srgbClr val="465359"/>
+          </a:solidFill>
+          <a:ln>
+            <a:noFill/>
+          </a:ln>
+          <a:effectLst/>
+        </p:spPr>
+        <p:style>
+          <a:lnRef idx="1">
+            <a:schemeClr val="accent1"/>
+          </a:lnRef>
+          <a:fillRef idx="3">
+            <a:schemeClr val="accent1"/>
+          </a:fillRef>
+          <a:effectRef idx="2">
+            <a:schemeClr val="accent1"/>
+          </a:effectRef>
+          <a:fontRef idx="minor">
+            <a:schemeClr val="lt1"/>
+          </a:fontRef>
+        </p:style>
+        <p:txBody>
+          <a:bodyPr/>
+          <a:lstStyle/>
+          <a:p>
+            <a:pPr marL="0" marR="0" lvl="0" indent="0" algn="l" defTabSz="457200" rtl="0" eaLnBrk="1" fontAlgn="auto" latinLnBrk="0" hangingPunct="1">
+              <a:lnSpc>
+                <a:spcPct val="100000"/>
+              </a:lnSpc>
+              <a:spcBef>
+                <a:spcPts val="0"/>
+              </a:spcBef>
+              <a:spcAft>
+                <a:spcPts val="0"/>
+              </a:spcAft>
+              <a:buClrTx/>
+              <a:buSzTx/>
+              <a:buFontTx/>
+              <a:buNone/>
+              <a:tabLst/>
+              <a:defRPr/>
+            </a:pPr>
+            <a:endParaRPr kumimoji="0" lang="en-US" sz="1800" b="0" i="0" u="none" strike="noStrike" kern="1200" cap="none" spc="0" normalizeH="0" baseline="0" noProof="0">
+              <a:ln>
+                <a:noFill/>
+              </a:ln>
+              <a:solidFill>
+                <a:srgbClr val="FFFFFF"/>
+              </a:solidFill>
+              <a:effectLst/>
+              <a:uLnTx/>
+              <a:uFillTx/>
+              <a:latin typeface="Calibri"/>
+              <a:ea typeface="+mn-ea"/>
+              <a:cs typeface="+mn-cs"/>
+            </a:endParaRPr>
+          </a:p>
+        </p:txBody>
+      </p:sp>
+      <p:sp useBgFill="1">
+        <p:nvSpPr>
+          <p:cNvPr id="44" name="Rectangle 43">
+            <a:extLst>
+              <a:ext uri="{FF2B5EF4-FFF2-40B4-BE49-F238E27FC236}">
+                <a16:creationId xmlns:a16="http://schemas.microsoft.com/office/drawing/2014/main" id="{CF64659B-F474-6D88-A932-ED2DADCFFD63}"/>
+              </a:ext>
+              <a:ext uri="{C183D7F6-B498-43B3-948B-1728B52AA6E4}">
+                <adec:decorative xmlns:adec="http://schemas.microsoft.com/office/drawing/2017/decorative" val="1"/>
+              </a:ext>
+            </a:extLst>
+          </p:cNvPr>
+          <p:cNvSpPr>
+            <a:spLocks noGrp="1" noRot="1" noChangeAspect="1" noMove="1" noResize="1" noEditPoints="1" noAdjustHandles="1" noChangeArrowheads="1" noChangeShapeType="1" noTextEdit="1"/>
+          </p:cNvSpPr>
+          <p:nvPr>
+            <p:extLst>
+              <p:ext uri="{386F3935-93C4-4BCD-93E2-E3B085C9AB24}">
+                <p16:designElem xmlns:p16="http://schemas.microsoft.com/office/powerpoint/2015/main" val="1"/>
+              </p:ext>
+            </p:extLst>
+          </p:nvPr>
+        </p:nvSpPr>
+        <p:spPr>
+          <a:xfrm>
+            <a:off x="0" y="0"/>
+            <a:ext cx="12192000" cy="6858000"/>
+          </a:xfrm>
+          <a:prstGeom prst="rect">
+            <a:avLst/>
+          </a:prstGeom>
+          <a:ln>
+            <a:noFill/>
+          </a:ln>
+        </p:spPr>
+        <p:style>
+          <a:lnRef idx="2">
+            <a:schemeClr val="accent1">
+              <a:shade val="50000"/>
+            </a:schemeClr>
+          </a:lnRef>
+          <a:fillRef idx="1">
+            <a:schemeClr val="accent1"/>
+          </a:fillRef>
+          <a:effectRef idx="0">
+            <a:schemeClr val="accent1"/>
+          </a:effectRef>
+          <a:fontRef idx="minor">
+            <a:schemeClr val="lt1"/>
+          </a:fontRef>
+        </p:style>
+        <p:txBody>
+          <a:bodyPr rtlCol="0" anchor="ctr"/>
+          <a:lstStyle/>
+          <a:p>
+            <a:pPr marL="0" marR="0" lvl="0" indent="0" algn="ctr" defTabSz="457200" rtl="0" eaLnBrk="1" fontAlgn="auto" latinLnBrk="0" hangingPunct="1">
+              <a:lnSpc>
+                <a:spcPct val="100000"/>
+              </a:lnSpc>
+              <a:spcBef>
+                <a:spcPts val="0"/>
+              </a:spcBef>
+              <a:spcAft>
+                <a:spcPts val="0"/>
+              </a:spcAft>
+              <a:buClrTx/>
+              <a:buSzTx/>
+              <a:buFontTx/>
+              <a:buNone/>
+              <a:tabLst/>
+              <a:defRPr/>
+            </a:pPr>
+            <a:endParaRPr kumimoji="0" lang="en-US" sz="1800" b="0" i="0" u="none" strike="noStrike" kern="1200" cap="none" spc="0" normalizeH="0" baseline="0" noProof="0">
+              <a:ln>
+                <a:noFill/>
+              </a:ln>
+              <a:solidFill>
+                <a:srgbClr val="FFFFFF"/>
+              </a:solidFill>
+              <a:effectLst/>
+              <a:uLnTx/>
+              <a:uFillTx/>
+              <a:latin typeface="Calibri"/>
+              <a:ea typeface="+mn-ea"/>
+              <a:cs typeface="+mn-cs"/>
+            </a:endParaRPr>
+          </a:p>
+        </p:txBody>
+      </p:sp>
+      <p:sp>
+        <p:nvSpPr>
+          <p:cNvPr id="46" name="Rectangle 45">
+            <a:extLst>
+              <a:ext uri="{FF2B5EF4-FFF2-40B4-BE49-F238E27FC236}">
+                <a16:creationId xmlns:a16="http://schemas.microsoft.com/office/drawing/2014/main" id="{B2F836DA-16BB-E600-AE81-25B0BFE59DE7}"/>
+              </a:ext>
+              <a:ext uri="{C183D7F6-B498-43B3-948B-1728B52AA6E4}">
+                <adec:decorative xmlns:adec="http://schemas.microsoft.com/office/drawing/2017/decorative" val="1"/>
+              </a:ext>
+            </a:extLst>
+          </p:cNvPr>
+          <p:cNvSpPr>
+            <a:spLocks noGrp="1" noRot="1" noChangeAspect="1" noMove="1" noResize="1" noEditPoints="1" noAdjustHandles="1" noChangeArrowheads="1" noChangeShapeType="1" noTextEdit="1"/>
+          </p:cNvSpPr>
+          <p:nvPr>
+            <p:extLst>
+              <p:ext uri="{386F3935-93C4-4BCD-93E2-E3B085C9AB24}">
+                <p16:designElem xmlns:p16="http://schemas.microsoft.com/office/powerpoint/2015/main" val="1"/>
+              </p:ext>
+            </p:extLst>
+          </p:nvPr>
+        </p:nvSpPr>
+        <p:spPr>
+          <a:xfrm>
+            <a:off x="509628" y="496959"/>
+            <a:ext cx="1106164" cy="5859735"/>
+          </a:xfrm>
+          <a:prstGeom prst="rect">
+            <a:avLst/>
+          </a:prstGeom>
+          <a:solidFill>
+            <a:srgbClr val="465359"/>
+          </a:solidFill>
+          <a:ln>
+            <a:noFill/>
+          </a:ln>
+          <a:effectLst/>
+        </p:spPr>
+        <p:style>
+          <a:lnRef idx="1">
+            <a:schemeClr val="accent1"/>
+          </a:lnRef>
+          <a:fillRef idx="3">
+            <a:schemeClr val="accent1"/>
+          </a:fillRef>
+          <a:effectRef idx="2">
+            <a:schemeClr val="accent1"/>
+          </a:effectRef>
+          <a:fontRef idx="minor">
+            <a:schemeClr val="lt1"/>
+          </a:fontRef>
+        </p:style>
+        <p:txBody>
+          <a:bodyPr/>
+          <a:lstStyle/>
+          <a:p>
+            <a:pPr marL="0" marR="0" lvl="0" indent="0" algn="l" defTabSz="457200" rtl="0" eaLnBrk="1" fontAlgn="auto" latinLnBrk="0" hangingPunct="1">
+              <a:lnSpc>
+                <a:spcPct val="100000"/>
+              </a:lnSpc>
+              <a:spcBef>
+                <a:spcPts val="0"/>
+              </a:spcBef>
+              <a:spcAft>
+                <a:spcPts val="0"/>
+              </a:spcAft>
+              <a:buClrTx/>
+              <a:buSzTx/>
+              <a:buFontTx/>
+              <a:buNone/>
+              <a:tabLst/>
+              <a:defRPr/>
+            </a:pPr>
+            <a:endParaRPr kumimoji="0" lang="en-US" sz="1800" b="0" i="0" u="none" strike="noStrike" kern="1200" cap="none" spc="0" normalizeH="0" baseline="0" noProof="0">
+              <a:ln>
+                <a:noFill/>
+              </a:ln>
+              <a:solidFill>
+                <a:srgbClr val="FFFFFF"/>
+              </a:solidFill>
+              <a:effectLst/>
+              <a:uLnTx/>
+              <a:uFillTx/>
+              <a:latin typeface="Calibri"/>
+              <a:ea typeface="+mn-ea"/>
+              <a:cs typeface="+mn-cs"/>
+            </a:endParaRPr>
+          </a:p>
+        </p:txBody>
+      </p:sp>
+      <p:sp>
+        <p:nvSpPr>
+          <p:cNvPr id="48" name="Rectangle 47">
+            <a:extLst>
+              <a:ext uri="{FF2B5EF4-FFF2-40B4-BE49-F238E27FC236}">
+                <a16:creationId xmlns:a16="http://schemas.microsoft.com/office/drawing/2014/main" id="{54B47E50-AAA2-0E87-DCBA-69EB2EA60CBA}"/>
+              </a:ext>
+              <a:ext uri="{C183D7F6-B498-43B3-948B-1728B52AA6E4}">
+                <adec:decorative xmlns:adec="http://schemas.microsoft.com/office/drawing/2017/decorative" val="1"/>
+              </a:ext>
+            </a:extLst>
+          </p:cNvPr>
+          <p:cNvSpPr>
+            <a:spLocks noGrp="1" noRot="1" noChangeAspect="1" noMove="1" noResize="1" noEditPoints="1" noAdjustHandles="1" noChangeArrowheads="1" noChangeShapeType="1" noTextEdit="1"/>
+          </p:cNvSpPr>
+          <p:nvPr>
+            <p:extLst>
+              <p:ext uri="{386F3935-93C4-4BCD-93E2-E3B085C9AB24}">
+                <p16:designElem xmlns:p16="http://schemas.microsoft.com/office/powerpoint/2015/main" val="1"/>
+              </p:ext>
+            </p:extLst>
+          </p:nvPr>
+        </p:nvSpPr>
+        <p:spPr>
+          <a:xfrm>
+            <a:off x="1712856" y="496958"/>
+            <a:ext cx="9961047" cy="3678072"/>
+          </a:xfrm>
+          <a:prstGeom prst="rect">
+            <a:avLst/>
+          </a:prstGeom>
+          <a:solidFill>
+            <a:schemeClr val="accent1"/>
+          </a:solidFill>
+          <a:ln>
+            <a:noFill/>
+          </a:ln>
+          <a:effectLst/>
+        </p:spPr>
+        <p:style>
+          <a:lnRef idx="1">
+            <a:schemeClr val="accent1"/>
+          </a:lnRef>
+          <a:fillRef idx="3">
+            <a:schemeClr val="accent1"/>
+          </a:fillRef>
+          <a:effectRef idx="2">
+            <a:schemeClr val="accent1"/>
+          </a:effectRef>
+          <a:fontRef idx="minor">
+            <a:schemeClr val="lt1"/>
+          </a:fontRef>
+        </p:style>
+        <p:txBody>
+          <a:bodyPr/>
+          <a:lstStyle/>
+          <a:p>
+            <a:pPr marL="0" marR="0" lvl="0" indent="0" algn="l" defTabSz="457200" rtl="0" eaLnBrk="1" fontAlgn="auto" latinLnBrk="0" hangingPunct="1">
+              <a:lnSpc>
+                <a:spcPct val="100000"/>
+              </a:lnSpc>
+              <a:spcBef>
+                <a:spcPts val="0"/>
+              </a:spcBef>
+              <a:spcAft>
+                <a:spcPts val="0"/>
+              </a:spcAft>
+              <a:buClrTx/>
+              <a:buSzTx/>
+              <a:buFontTx/>
+              <a:buNone/>
+              <a:tabLst/>
+              <a:defRPr/>
+            </a:pPr>
+            <a:endParaRPr kumimoji="0" lang="en-US" sz="1800" b="0" i="0" u="none" strike="noStrike" kern="1200" cap="none" spc="0" normalizeH="0" baseline="0" noProof="0">
+              <a:ln>
+                <a:noFill/>
+              </a:ln>
+              <a:solidFill>
+                <a:srgbClr val="FFFFFF"/>
+              </a:solidFill>
+              <a:effectLst/>
+              <a:uLnTx/>
+              <a:uFillTx/>
+              <a:latin typeface="Calibri"/>
+              <a:ea typeface="+mn-ea"/>
+              <a:cs typeface="+mn-cs"/>
+            </a:endParaRPr>
+          </a:p>
+        </p:txBody>
+      </p:sp>
+      <p:sp>
+        <p:nvSpPr>
           <p:cNvPr id="2" name="Title 1">
             <a:extLst>
               <a:ext uri="{FF2B5EF4-FFF2-40B4-BE49-F238E27FC236}">
-                <a16:creationId xmlns:a16="http://schemas.microsoft.com/office/drawing/2014/main" id="{E0EC588A-D6DE-08A3-EFFB-AF7F0822DC33}"/>
+                <a16:creationId xmlns:a16="http://schemas.microsoft.com/office/drawing/2014/main" id="{0FAAF66B-8ECD-DEB9-BC07-69F289ECE999}"/>
               </a:ext>
             </a:extLst>
           </p:cNvPr>
@@ -6096,277 +6795,256 @@
             <p:ph type="title"/>
           </p:nvPr>
         </p:nvSpPr>
-        <p:spPr/>
-        <p:txBody>
-          <a:bodyPr/>
+        <p:spPr>
+          <a:xfrm>
+            <a:off x="1893715" y="708498"/>
+            <a:ext cx="7574507" cy="3330055"/>
+          </a:xfrm>
+        </p:spPr>
+        <p:txBody>
+          <a:bodyPr vert="horz" lIns="91440" tIns="45720" rIns="91440" bIns="45720" rtlCol="0" anchor="ctr">
+            <a:normAutofit/>
+          </a:bodyPr>
           <a:lstStyle/>
           <a:p>
             <a:r>
-              <a:rPr lang="en-US" dirty="0"/>
-              <a:t>TOOLS IN PGADMIN 4 - FUNCTIONS</a:t>
-            </a:r>
-          </a:p>
-        </p:txBody>
-      </p:sp>
-      <p:sp>
-        <p:nvSpPr>
-          <p:cNvPr id="3" name="Content Placeholder 2">
+              <a:rPr lang="en-US" sz="6000" dirty="0">
+                <a:solidFill>
+                  <a:srgbClr val="FFFFFF"/>
+                </a:solidFill>
+              </a:rPr>
+              <a:t>5.2</a:t>
+            </a:r>
+            <a:r>
+              <a:rPr lang="en-US" sz="6000" b="0" kern="1200" cap="all" dirty="0">
+                <a:solidFill>
+                  <a:srgbClr val="FFFFFF"/>
+                </a:solidFill>
+                <a:latin typeface="+mj-lt"/>
+                <a:ea typeface="+mj-ea"/>
+                <a:cs typeface="+mj-cs"/>
+              </a:rPr>
+              <a:t> </a:t>
+            </a:r>
+            <a:br>
+              <a:rPr lang="en-US" sz="6000" b="0" kern="1200" cap="all" dirty="0">
+                <a:solidFill>
+                  <a:srgbClr val="FFFFFF"/>
+                </a:solidFill>
+                <a:latin typeface="+mj-lt"/>
+                <a:ea typeface="+mj-ea"/>
+                <a:cs typeface="+mj-cs"/>
+              </a:rPr>
+            </a:br>
+            <a:r>
+              <a:rPr lang="en-US" sz="6000" b="0" kern="1200" cap="all" dirty="0">
+                <a:solidFill>
+                  <a:srgbClr val="FFFFFF"/>
+                </a:solidFill>
+                <a:latin typeface="+mj-lt"/>
+                <a:ea typeface="+mj-ea"/>
+                <a:cs typeface="+mj-cs"/>
+              </a:rPr>
+              <a:t>FUNCTION</a:t>
+            </a:r>
+          </a:p>
+        </p:txBody>
+      </p:sp>
+      <p:sp>
+        <p:nvSpPr>
+          <p:cNvPr id="50" name="Rectangle 49">
             <a:extLst>
               <a:ext uri="{FF2B5EF4-FFF2-40B4-BE49-F238E27FC236}">
-                <a16:creationId xmlns:a16="http://schemas.microsoft.com/office/drawing/2014/main" id="{BE6037DF-D050-5883-3EC2-3BDD696D1E25}"/>
+                <a16:creationId xmlns:a16="http://schemas.microsoft.com/office/drawing/2014/main" id="{6663D324-EB98-15AF-2FBC-DECFBACA262D}"/>
+              </a:ext>
+              <a:ext uri="{C183D7F6-B498-43B3-948B-1728B52AA6E4}">
+                <adec:decorative xmlns:adec="http://schemas.microsoft.com/office/drawing/2017/decorative" val="1"/>
               </a:ext>
             </a:extLst>
           </p:cNvPr>
           <p:cNvSpPr>
-            <a:spLocks noGrp="1"/>
+            <a:spLocks noGrp="1" noRot="1" noChangeAspect="1" noMove="1" noResize="1" noEditPoints="1" noAdjustHandles="1" noChangeArrowheads="1" noChangeShapeType="1" noTextEdit="1"/>
           </p:cNvSpPr>
           <p:nvPr>
-            <p:ph idx="1"/>
+            <p:extLst>
+              <p:ext uri="{386F3935-93C4-4BCD-93E2-E3B085C9AB24}">
+                <p16:designElem xmlns:p16="http://schemas.microsoft.com/office/powerpoint/2015/main" val="1"/>
+              </p:ext>
+            </p:extLst>
           </p:nvPr>
         </p:nvSpPr>
-        <p:spPr/>
-        <p:txBody>
-          <a:bodyPr>
-            <a:normAutofit lnSpcReduction="10000"/>
-          </a:bodyPr>
+        <p:spPr>
+          <a:xfrm>
+            <a:off x="1712789" y="4284212"/>
+            <a:ext cx="9961115" cy="2072481"/>
+          </a:xfrm>
+          <a:prstGeom prst="rect">
+            <a:avLst/>
+          </a:prstGeom>
+          <a:solidFill>
+            <a:srgbClr val="6C7781">
+              <a:alpha val="80000"/>
+            </a:srgbClr>
+          </a:solidFill>
+          <a:ln>
+            <a:noFill/>
+          </a:ln>
+          <a:effectLst/>
+        </p:spPr>
+        <p:style>
+          <a:lnRef idx="1">
+            <a:schemeClr val="accent1"/>
+          </a:lnRef>
+          <a:fillRef idx="3">
+            <a:schemeClr val="accent1"/>
+          </a:fillRef>
+          <a:effectRef idx="2">
+            <a:schemeClr val="accent1"/>
+          </a:effectRef>
+          <a:fontRef idx="minor">
+            <a:schemeClr val="lt1"/>
+          </a:fontRef>
+        </p:style>
+        <p:txBody>
+          <a:bodyPr/>
           <a:lstStyle/>
           <a:p>
-            <a:r>
-              <a:rPr lang="en-US" dirty="0"/>
-              <a:t>Write custom SQL functions to automate repetitive buffer analysis tasks.</a:t>
-            </a:r>
-          </a:p>
-          <a:p>
-            <a:endParaRPr lang="en-US" dirty="0"/>
-          </a:p>
-          <a:p>
-            <a:pPr marL="324000" lvl="1" indent="0">
-              <a:buNone/>
+            <a:pPr marL="0" marR="0" lvl="0" indent="0" algn="l" defTabSz="457200" rtl="0" eaLnBrk="1" fontAlgn="auto" latinLnBrk="0" hangingPunct="1">
+              <a:lnSpc>
+                <a:spcPct val="100000"/>
+              </a:lnSpc>
+              <a:spcBef>
+                <a:spcPts val="0"/>
+              </a:spcBef>
+              <a:spcAft>
+                <a:spcPts val="0"/>
+              </a:spcAft>
+              <a:buClrTx/>
+              <a:buSzTx/>
+              <a:buFontTx/>
+              <a:buNone/>
+              <a:tabLst/>
+              <a:defRPr/>
             </a:pPr>
-            <a:r>
-              <a:rPr lang="en-US" dirty="0">
-                <a:solidFill>
-                  <a:srgbClr val="00B0F0"/>
-                </a:solidFill>
-              </a:rPr>
-              <a:t>CREATE FUNCTION ch05.get_stations_within_buffer(distance FLOAT) </a:t>
-            </a:r>
-          </a:p>
-          <a:p>
-            <a:pPr marL="324000" lvl="1" indent="0">
-              <a:buNone/>
-            </a:pPr>
-            <a:r>
-              <a:rPr lang="en-US" dirty="0">
-                <a:solidFill>
-                  <a:srgbClr val="00B0F0"/>
-                </a:solidFill>
-              </a:rPr>
-              <a:t>RETURNS TABLE(</a:t>
-            </a:r>
-            <a:r>
-              <a:rPr lang="en-US" dirty="0" err="1">
-                <a:solidFill>
-                  <a:srgbClr val="00B0F0"/>
-                </a:solidFill>
-              </a:rPr>
-              <a:t>station_name</a:t>
-            </a:r>
-            <a:r>
-              <a:rPr lang="en-US" dirty="0">
-                <a:solidFill>
-                  <a:srgbClr val="00B0F0"/>
-                </a:solidFill>
-              </a:rPr>
-              <a:t> TEXT, </a:t>
-            </a:r>
-            <a:r>
-              <a:rPr lang="en-US" dirty="0" err="1">
-                <a:solidFill>
-                  <a:srgbClr val="00B0F0"/>
-                </a:solidFill>
-              </a:rPr>
-              <a:t>street_name</a:t>
-            </a:r>
-            <a:r>
-              <a:rPr lang="en-US" dirty="0">
-                <a:solidFill>
-                  <a:srgbClr val="00B0F0"/>
-                </a:solidFill>
-              </a:rPr>
-              <a:t> TEXT) AS $$</a:t>
-            </a:r>
-          </a:p>
-          <a:p>
-            <a:pPr marL="324000" lvl="1" indent="0">
-              <a:buNone/>
-            </a:pPr>
-            <a:r>
-              <a:rPr lang="en-US" dirty="0">
-                <a:solidFill>
-                  <a:srgbClr val="00B0F0"/>
-                </a:solidFill>
-              </a:rPr>
-              <a:t>BEGIN  </a:t>
-            </a:r>
-          </a:p>
-          <a:p>
-            <a:pPr marL="324000" lvl="1" indent="0">
-              <a:buNone/>
-            </a:pPr>
-            <a:r>
-              <a:rPr lang="en-US" dirty="0">
-                <a:solidFill>
-                  <a:srgbClr val="00B0F0"/>
-                </a:solidFill>
-              </a:rPr>
-              <a:t>RETURN QUERY   </a:t>
-            </a:r>
-          </a:p>
-          <a:p>
-            <a:pPr marL="324000" lvl="1" indent="0">
-              <a:buNone/>
-            </a:pPr>
-            <a:r>
-              <a:rPr lang="en-US" dirty="0">
-                <a:solidFill>
-                  <a:srgbClr val="00B0F0"/>
-                </a:solidFill>
-              </a:rPr>
-              <a:t>SELECT st.NAME, s.NAME   </a:t>
-            </a:r>
-          </a:p>
-          <a:p>
-            <a:pPr marL="324000" lvl="1" indent="0">
-              <a:buNone/>
-            </a:pPr>
-            <a:r>
-              <a:rPr lang="en-US" dirty="0">
-                <a:solidFill>
-                  <a:srgbClr val="00B0F0"/>
-                </a:solidFill>
-              </a:rPr>
-              <a:t>FROM ch05.nyc_subway_stations </a:t>
-            </a:r>
-            <a:r>
-              <a:rPr lang="en-US" dirty="0" err="1">
-                <a:solidFill>
-                  <a:srgbClr val="00B0F0"/>
-                </a:solidFill>
-              </a:rPr>
-              <a:t>st</a:t>
-            </a:r>
-            <a:r>
-              <a:rPr lang="en-US" dirty="0">
-                <a:solidFill>
-                  <a:srgbClr val="00B0F0"/>
-                </a:solidFill>
-              </a:rPr>
-              <a:t>, ch05.nyc_streets s   </a:t>
-            </a:r>
-          </a:p>
-          <a:p>
-            <a:pPr marL="324000" lvl="1" indent="0">
-              <a:buNone/>
-            </a:pPr>
-            <a:r>
-              <a:rPr lang="en-US" dirty="0">
-                <a:solidFill>
-                  <a:srgbClr val="00B0F0"/>
-                </a:solidFill>
-              </a:rPr>
-              <a:t>WHERE </a:t>
-            </a:r>
-            <a:r>
-              <a:rPr lang="en-US" dirty="0" err="1">
-                <a:solidFill>
-                  <a:srgbClr val="00B0F0"/>
-                </a:solidFill>
-              </a:rPr>
-              <a:t>ST_DWithin</a:t>
-            </a:r>
-            <a:r>
-              <a:rPr lang="en-US" dirty="0">
-                <a:solidFill>
-                  <a:srgbClr val="00B0F0"/>
-                </a:solidFill>
-              </a:rPr>
-              <a:t>(</a:t>
-            </a:r>
-            <a:r>
-              <a:rPr lang="en-US" dirty="0" err="1">
-                <a:solidFill>
-                  <a:srgbClr val="00B0F0"/>
-                </a:solidFill>
-              </a:rPr>
-              <a:t>st.geometry</a:t>
-            </a:r>
-            <a:r>
-              <a:rPr lang="en-US" dirty="0">
-                <a:solidFill>
-                  <a:srgbClr val="00B0F0"/>
-                </a:solidFill>
-              </a:rPr>
-              <a:t>, </a:t>
-            </a:r>
-            <a:r>
-              <a:rPr lang="en-US" dirty="0" err="1">
-                <a:solidFill>
-                  <a:srgbClr val="00B0F0"/>
-                </a:solidFill>
-              </a:rPr>
-              <a:t>s.geometry</a:t>
-            </a:r>
-            <a:r>
-              <a:rPr lang="en-US" dirty="0">
-                <a:solidFill>
-                  <a:srgbClr val="00B0F0"/>
-                </a:solidFill>
-              </a:rPr>
-              <a:t>, distance);</a:t>
-            </a:r>
-          </a:p>
-          <a:p>
-            <a:pPr marL="324000" lvl="1" indent="0">
-              <a:buNone/>
-            </a:pPr>
-            <a:r>
-              <a:rPr lang="en-US" dirty="0">
-                <a:solidFill>
-                  <a:srgbClr val="00B0F0"/>
-                </a:solidFill>
-              </a:rPr>
-              <a:t>END;$$ LANGUAGE </a:t>
-            </a:r>
-            <a:r>
-              <a:rPr lang="en-US" dirty="0" err="1">
-                <a:solidFill>
-                  <a:srgbClr val="00B0F0"/>
-                </a:solidFill>
-              </a:rPr>
-              <a:t>plpgsql</a:t>
-            </a:r>
-            <a:r>
-              <a:rPr lang="en-US" dirty="0">
-                <a:solidFill>
-                  <a:srgbClr val="00B0F0"/>
-                </a:solidFill>
-              </a:rPr>
-              <a:t>;</a:t>
-            </a:r>
+            <a:endParaRPr kumimoji="0" lang="en-US" sz="1800" b="0" i="0" u="none" strike="noStrike" kern="1200" cap="none" spc="0" normalizeH="0" baseline="0" noProof="0">
+              <a:ln>
+                <a:noFill/>
+              </a:ln>
+              <a:solidFill>
+                <a:srgbClr val="FFFFFF"/>
+              </a:solidFill>
+              <a:effectLst/>
+              <a:uLnTx/>
+              <a:uFillTx/>
+              <a:latin typeface="Calibri"/>
+              <a:ea typeface="+mn-ea"/>
+              <a:cs typeface="+mn-cs"/>
+            </a:endParaRPr>
           </a:p>
         </p:txBody>
       </p:sp>
     </p:spTree>
     <p:extLst>
       <p:ext uri="{BB962C8B-B14F-4D97-AF65-F5344CB8AC3E}">
-        <p14:creationId xmlns:p14="http://schemas.microsoft.com/office/powerpoint/2010/main" val="2221672660"/>
+        <p14:creationId xmlns:p14="http://schemas.microsoft.com/office/powerpoint/2010/main" val="1825852551"/>
       </p:ext>
     </p:extLst>
   </p:cSld>
   <p:clrMapOvr>
     <a:masterClrMapping/>
   </p:clrMapOvr>
+  <p:timing>
+    <p:tnLst>
+      <p:par>
+        <p:cTn id="1" dur="indefinite" restart="never" nodeType="tmRoot">
+          <p:childTnLst>
+            <p:seq concurrent="1" nextAc="seek">
+              <p:cTn id="2" dur="indefinite" nodeType="mainSeq">
+                <p:childTnLst>
+                  <p:par>
+                    <p:cTn id="3" fill="hold">
+                      <p:stCondLst>
+                        <p:cond delay="indefinite"/>
+                        <p:cond evt="onBegin" delay="0">
+                          <p:tn val="2"/>
+                        </p:cond>
+                      </p:stCondLst>
+                      <p:childTnLst>
+                        <p:par>
+                          <p:cTn id="4" fill="hold">
+                            <p:stCondLst>
+                              <p:cond delay="0"/>
+                            </p:stCondLst>
+                            <p:childTnLst>
+                              <p:par>
+                                <p:cTn id="5" presetID="10" presetClass="entr" presetSubtype="0" fill="hold" grpId="0" nodeType="withEffect">
+                                  <p:stCondLst>
+                                    <p:cond delay="500"/>
+                                  </p:stCondLst>
+                                  <p:iterate type="wd">
+                                    <p:tmPct val="15000"/>
+                                  </p:iterate>
+                                  <p:childTnLst>
+                                    <p:set>
+                                      <p:cBhvr>
+                                        <p:cTn id="6" dur="1" fill="hold">
+                                          <p:stCondLst>
+                                            <p:cond delay="0"/>
+                                          </p:stCondLst>
+                                        </p:cTn>
+                                        <p:tgtEl>
+                                          <p:spTgt spid="2"/>
+                                        </p:tgtEl>
+                                        <p:attrNameLst>
+                                          <p:attrName>style.visibility</p:attrName>
+                                        </p:attrNameLst>
+                                      </p:cBhvr>
+                                      <p:to>
+                                        <p:strVal val="visible"/>
+                                      </p:to>
+                                    </p:set>
+                                    <p:animEffect transition="in" filter="fade">
+                                      <p:cBhvr>
+                                        <p:cTn id="7" dur="1000"/>
+                                        <p:tgtEl>
+                                          <p:spTgt spid="2"/>
+                                        </p:tgtEl>
+                                      </p:cBhvr>
+                                    </p:animEffect>
+                                  </p:childTnLst>
+                                </p:cTn>
+                              </p:par>
+                            </p:childTnLst>
+                          </p:cTn>
+                        </p:par>
+                      </p:childTnLst>
+                    </p:cTn>
+                  </p:par>
+                </p:childTnLst>
+              </p:cTn>
+              <p:prevCondLst>
+                <p:cond evt="onPrev" delay="0">
+                  <p:tgtEl>
+                    <p:sldTgt/>
+                  </p:tgtEl>
+                </p:cond>
+              </p:prevCondLst>
+              <p:nextCondLst>
+                <p:cond evt="onNext" delay="0">
+                  <p:tgtEl>
+                    <p:sldTgt/>
+                  </p:tgtEl>
+                </p:cond>
+              </p:nextCondLst>
+            </p:seq>
+          </p:childTnLst>
+        </p:cTn>
+      </p:par>
+    </p:tnLst>
+    <p:bldLst>
+      <p:bldP spid="2" grpId="0"/>
+    </p:bldLst>
+  </p:timing>
 </p:sld>
 </file>
 
@@ -6389,6 +7067,542 @@
       </p:grpSpPr>
       <p:sp>
         <p:nvSpPr>
+          <p:cNvPr id="3" name="Content Placeholder 2">
+            <a:extLst>
+              <a:ext uri="{FF2B5EF4-FFF2-40B4-BE49-F238E27FC236}">
+                <a16:creationId xmlns:a16="http://schemas.microsoft.com/office/drawing/2014/main" id="{918D1976-B7AB-5BB4-CE4D-F4B0350A4E8E}"/>
+              </a:ext>
+            </a:extLst>
+          </p:cNvPr>
+          <p:cNvSpPr>
+            <a:spLocks noGrp="1"/>
+          </p:cNvSpPr>
+          <p:nvPr>
+            <p:ph idx="1"/>
+          </p:nvPr>
+        </p:nvSpPr>
+        <p:spPr>
+          <a:xfrm>
+            <a:off x="581193" y="1371600"/>
+            <a:ext cx="11029615" cy="3583686"/>
+          </a:xfrm>
+        </p:spPr>
+        <p:txBody>
+          <a:bodyPr>
+            <a:normAutofit/>
+          </a:bodyPr>
+          <a:lstStyle/>
+          <a:p>
+            <a:pPr>
+              <a:lnSpc>
+                <a:spcPct val="150000"/>
+              </a:lnSpc>
+            </a:pPr>
+            <a:r>
+              <a:rPr lang="en-US" sz="2000" dirty="0"/>
+              <a:t>Creating a Function for Intersecting Streets and Neighborhoods</a:t>
+            </a:r>
+          </a:p>
+          <a:p>
+            <a:pPr marL="666900" lvl="1" indent="-342900">
+              <a:lnSpc>
+                <a:spcPct val="150000"/>
+              </a:lnSpc>
+              <a:buFont typeface="+mj-lt"/>
+              <a:buAutoNum type="arabicParenR"/>
+            </a:pPr>
+            <a:r>
+              <a:rPr lang="en-US" sz="2000" dirty="0"/>
+              <a:t>Open </a:t>
+            </a:r>
+            <a:r>
+              <a:rPr lang="en-US" sz="2000" dirty="0" err="1"/>
+              <a:t>pgAdmin</a:t>
+            </a:r>
+            <a:r>
+              <a:rPr lang="en-US" sz="2000" dirty="0"/>
+              <a:t> 4.</a:t>
+            </a:r>
+          </a:p>
+          <a:p>
+            <a:pPr marL="666900" lvl="1" indent="-342900">
+              <a:lnSpc>
+                <a:spcPct val="150000"/>
+              </a:lnSpc>
+              <a:buFont typeface="+mj-lt"/>
+              <a:buAutoNum type="arabicParenR"/>
+            </a:pPr>
+            <a:r>
+              <a:rPr lang="en-US" sz="2000" dirty="0"/>
+              <a:t>Navigate to your database, then go to Functions.</a:t>
+            </a:r>
+          </a:p>
+          <a:p>
+            <a:pPr marL="666900" lvl="1" indent="-342900">
+              <a:lnSpc>
+                <a:spcPct val="150000"/>
+              </a:lnSpc>
+              <a:buFont typeface="+mj-lt"/>
+              <a:buAutoNum type="arabicParenR"/>
+            </a:pPr>
+            <a:r>
+              <a:rPr lang="en-US" sz="2000" dirty="0"/>
+              <a:t>Right-click on Functions &gt; Create &gt; Function.</a:t>
+            </a:r>
+          </a:p>
+          <a:p>
+            <a:pPr marL="666900" lvl="1" indent="-342900">
+              <a:lnSpc>
+                <a:spcPct val="150000"/>
+              </a:lnSpc>
+              <a:buFont typeface="+mj-lt"/>
+              <a:buAutoNum type="arabicParenR"/>
+            </a:pPr>
+            <a:r>
+              <a:rPr lang="en-US" sz="2000" dirty="0"/>
+              <a:t>Enter the function details:</a:t>
+            </a:r>
+          </a:p>
+        </p:txBody>
+      </p:sp>
+      <p:sp>
+        <p:nvSpPr>
+          <p:cNvPr id="4" name="TextBox 3">
+            <a:extLst>
+              <a:ext uri="{FF2B5EF4-FFF2-40B4-BE49-F238E27FC236}">
+                <a16:creationId xmlns:a16="http://schemas.microsoft.com/office/drawing/2014/main" id="{9AB3438B-99D2-9800-F137-4D2005FFECD0}"/>
+              </a:ext>
+            </a:extLst>
+          </p:cNvPr>
+          <p:cNvSpPr txBox="1"/>
+          <p:nvPr/>
+        </p:nvSpPr>
+        <p:spPr>
+          <a:xfrm>
+            <a:off x="581192" y="848380"/>
+            <a:ext cx="5514808" cy="523220"/>
+          </a:xfrm>
+          <a:prstGeom prst="rect">
+            <a:avLst/>
+          </a:prstGeom>
+          <a:noFill/>
+        </p:spPr>
+        <p:txBody>
+          <a:bodyPr wrap="square" rtlCol="0">
+            <a:spAutoFit/>
+          </a:bodyPr>
+          <a:lstStyle/>
+          <a:p>
+            <a:r>
+              <a:rPr lang="en-US" sz="2800" dirty="0"/>
+              <a:t>Function: </a:t>
+            </a:r>
+            <a:r>
+              <a:rPr lang="en-US" sz="2800" dirty="0" err="1"/>
+              <a:t>ST_Disjoint</a:t>
+            </a:r>
+            <a:endParaRPr lang="en-US" sz="2800" dirty="0"/>
+          </a:p>
+        </p:txBody>
+      </p:sp>
+    </p:spTree>
+    <p:extLst>
+      <p:ext uri="{BB962C8B-B14F-4D97-AF65-F5344CB8AC3E}">
+        <p14:creationId xmlns:p14="http://schemas.microsoft.com/office/powerpoint/2010/main" val="1941232782"/>
+      </p:ext>
+    </p:extLst>
+  </p:cSld>
+  <p:clrMapOvr>
+    <a:masterClrMapping/>
+  </p:clrMapOvr>
+</p:sld>
+</file>
+
+<file path=ppt/slides/slide18.xml><?xml version="1.0" encoding="utf-8"?>
+<p:sld xmlns:a="http://schemas.openxmlformats.org/drawingml/2006/main" xmlns:r="http://schemas.openxmlformats.org/officeDocument/2006/relationships" xmlns:p="http://schemas.openxmlformats.org/presentationml/2006/main">
+  <p:cSld>
+    <p:spTree>
+      <p:nvGrpSpPr>
+        <p:cNvPr id="1" name=""/>
+        <p:cNvGrpSpPr/>
+        <p:nvPr/>
+      </p:nvGrpSpPr>
+      <p:grpSpPr>
+        <a:xfrm>
+          <a:off x="0" y="0"/>
+          <a:ext cx="0" cy="0"/>
+          <a:chOff x="0" y="0"/>
+          <a:chExt cx="0" cy="0"/>
+        </a:xfrm>
+      </p:grpSpPr>
+      <p:sp>
+        <p:nvSpPr>
+          <p:cNvPr id="3" name="Content Placeholder 2">
+            <a:extLst>
+              <a:ext uri="{FF2B5EF4-FFF2-40B4-BE49-F238E27FC236}">
+                <a16:creationId xmlns:a16="http://schemas.microsoft.com/office/drawing/2014/main" id="{BE6037DF-D050-5883-3EC2-3BDD696D1E25}"/>
+              </a:ext>
+            </a:extLst>
+          </p:cNvPr>
+          <p:cNvSpPr>
+            <a:spLocks noGrp="1"/>
+          </p:cNvSpPr>
+          <p:nvPr>
+            <p:ph idx="1"/>
+          </p:nvPr>
+        </p:nvSpPr>
+        <p:spPr>
+          <a:xfrm>
+            <a:off x="581192" y="2102739"/>
+            <a:ext cx="11029615" cy="3634486"/>
+          </a:xfrm>
+        </p:spPr>
+        <p:txBody>
+          <a:bodyPr>
+            <a:normAutofit fontScale="92500" lnSpcReduction="20000"/>
+          </a:bodyPr>
+          <a:lstStyle/>
+          <a:p>
+            <a:r>
+              <a:rPr lang="en-US" dirty="0"/>
+              <a:t>Write custom SQL functions to automate repetitive buffer analysis tasks.</a:t>
+            </a:r>
+          </a:p>
+          <a:p>
+            <a:endParaRPr lang="en-US" dirty="0"/>
+          </a:p>
+          <a:p>
+            <a:pPr marL="324000" lvl="1" indent="0">
+              <a:buNone/>
+            </a:pPr>
+            <a:r>
+              <a:rPr lang="en-US" dirty="0">
+                <a:solidFill>
+                  <a:srgbClr val="00B0F0"/>
+                </a:solidFill>
+              </a:rPr>
+              <a:t>CREATE OR REPLACE FUNCTION </a:t>
+            </a:r>
+            <a:r>
+              <a:rPr lang="en-US" dirty="0" err="1">
+                <a:solidFill>
+                  <a:srgbClr val="00B0F0"/>
+                </a:solidFill>
+              </a:rPr>
+              <a:t>get_intersecting_streets</a:t>
+            </a:r>
+            <a:r>
+              <a:rPr lang="en-US" dirty="0">
+                <a:solidFill>
+                  <a:srgbClr val="00B0F0"/>
+                </a:solidFill>
+              </a:rPr>
+              <a:t>()</a:t>
+            </a:r>
+          </a:p>
+          <a:p>
+            <a:pPr marL="324000" lvl="1" indent="0">
+              <a:buNone/>
+            </a:pPr>
+            <a:r>
+              <a:rPr lang="en-US" dirty="0">
+                <a:solidFill>
+                  <a:srgbClr val="00B0F0"/>
+                </a:solidFill>
+              </a:rPr>
+              <a:t>RETURNS TABLE(</a:t>
+            </a:r>
+            <a:r>
+              <a:rPr lang="en-US" dirty="0" err="1">
+                <a:solidFill>
+                  <a:srgbClr val="00B0F0"/>
+                </a:solidFill>
+              </a:rPr>
+              <a:t>street_name</a:t>
+            </a:r>
+            <a:r>
+              <a:rPr lang="en-US" dirty="0">
+                <a:solidFill>
+                  <a:srgbClr val="00B0F0"/>
+                </a:solidFill>
+              </a:rPr>
+              <a:t> TEXT, </a:t>
+            </a:r>
+            <a:r>
+              <a:rPr lang="en-US" dirty="0" err="1">
+                <a:solidFill>
+                  <a:srgbClr val="00B0F0"/>
+                </a:solidFill>
+              </a:rPr>
+              <a:t>neighborhood_name</a:t>
+            </a:r>
+            <a:r>
+              <a:rPr lang="en-US" dirty="0">
+                <a:solidFill>
+                  <a:srgbClr val="00B0F0"/>
+                </a:solidFill>
+              </a:rPr>
+              <a:t> TEXT) AS $$</a:t>
+            </a:r>
+          </a:p>
+          <a:p>
+            <a:pPr marL="324000" lvl="1" indent="0">
+              <a:buNone/>
+            </a:pPr>
+            <a:r>
+              <a:rPr lang="en-US" dirty="0">
+                <a:solidFill>
+                  <a:srgbClr val="00B0F0"/>
+                </a:solidFill>
+              </a:rPr>
+              <a:t>BEGIN</a:t>
+            </a:r>
+          </a:p>
+          <a:p>
+            <a:pPr marL="324000" lvl="1" indent="0">
+              <a:buNone/>
+            </a:pPr>
+            <a:r>
+              <a:rPr lang="en-US" dirty="0">
+                <a:solidFill>
+                  <a:srgbClr val="00B0F0"/>
+                </a:solidFill>
+              </a:rPr>
+              <a:t>    RETURN QUERY </a:t>
+            </a:r>
+          </a:p>
+          <a:p>
+            <a:pPr marL="324000" lvl="1" indent="0">
+              <a:buNone/>
+            </a:pPr>
+            <a:r>
+              <a:rPr lang="en-US" dirty="0">
+                <a:solidFill>
+                  <a:srgbClr val="00B0F0"/>
+                </a:solidFill>
+              </a:rPr>
+              <a:t>    SELECT </a:t>
+            </a:r>
+            <a:r>
+              <a:rPr lang="en-US" dirty="0" err="1">
+                <a:solidFill>
+                  <a:srgbClr val="00B0F0"/>
+                </a:solidFill>
+              </a:rPr>
+              <a:t>s.street_name</a:t>
+            </a:r>
+            <a:r>
+              <a:rPr lang="en-US" dirty="0">
+                <a:solidFill>
+                  <a:srgbClr val="00B0F0"/>
+                </a:solidFill>
+              </a:rPr>
+              <a:t>, </a:t>
+            </a:r>
+            <a:r>
+              <a:rPr lang="en-US" dirty="0" err="1">
+                <a:solidFill>
+                  <a:srgbClr val="00B0F0"/>
+                </a:solidFill>
+              </a:rPr>
+              <a:t>n.neighborhood_name</a:t>
+            </a:r>
+            <a:endParaRPr lang="en-US" dirty="0">
+              <a:solidFill>
+                <a:srgbClr val="00B0F0"/>
+              </a:solidFill>
+            </a:endParaRPr>
+          </a:p>
+          <a:p>
+            <a:pPr marL="324000" lvl="1" indent="0">
+              <a:buNone/>
+            </a:pPr>
+            <a:r>
+              <a:rPr lang="en-US" dirty="0">
+                <a:solidFill>
+                  <a:srgbClr val="00B0F0"/>
+                </a:solidFill>
+              </a:rPr>
+              <a:t>    FROM streets s, neighborhoods n</a:t>
+            </a:r>
+          </a:p>
+          <a:p>
+            <a:pPr marL="324000" lvl="1" indent="0">
+              <a:buNone/>
+            </a:pPr>
+            <a:r>
+              <a:rPr lang="en-US" dirty="0">
+                <a:solidFill>
+                  <a:srgbClr val="00B0F0"/>
+                </a:solidFill>
+              </a:rPr>
+              <a:t>    WHERE </a:t>
+            </a:r>
+            <a:r>
+              <a:rPr lang="en-US" dirty="0" err="1">
+                <a:solidFill>
+                  <a:srgbClr val="00B0F0"/>
+                </a:solidFill>
+              </a:rPr>
+              <a:t>ST_Intersects</a:t>
+            </a:r>
+            <a:r>
+              <a:rPr lang="en-US" dirty="0">
+                <a:solidFill>
+                  <a:srgbClr val="00B0F0"/>
+                </a:solidFill>
+              </a:rPr>
+              <a:t>(</a:t>
+            </a:r>
+            <a:r>
+              <a:rPr lang="en-US" dirty="0" err="1">
+                <a:solidFill>
+                  <a:srgbClr val="00B0F0"/>
+                </a:solidFill>
+              </a:rPr>
+              <a:t>s.geom</a:t>
+            </a:r>
+            <a:r>
+              <a:rPr lang="en-US" dirty="0">
+                <a:solidFill>
+                  <a:srgbClr val="00B0F0"/>
+                </a:solidFill>
+              </a:rPr>
+              <a:t>, </a:t>
+            </a:r>
+            <a:r>
+              <a:rPr lang="en-US" dirty="0" err="1">
+                <a:solidFill>
+                  <a:srgbClr val="00B0F0"/>
+                </a:solidFill>
+              </a:rPr>
+              <a:t>n.geom</a:t>
+            </a:r>
+            <a:r>
+              <a:rPr lang="en-US" dirty="0">
+                <a:solidFill>
+                  <a:srgbClr val="00B0F0"/>
+                </a:solidFill>
+              </a:rPr>
+              <a:t>);</a:t>
+            </a:r>
+          </a:p>
+          <a:p>
+            <a:pPr marL="324000" lvl="1" indent="0">
+              <a:buNone/>
+            </a:pPr>
+            <a:r>
+              <a:rPr lang="en-US" dirty="0">
+                <a:solidFill>
+                  <a:srgbClr val="00B0F0"/>
+                </a:solidFill>
+              </a:rPr>
+              <a:t>END;</a:t>
+            </a:r>
+          </a:p>
+          <a:p>
+            <a:pPr marL="324000" lvl="1" indent="0">
+              <a:buNone/>
+            </a:pPr>
+            <a:r>
+              <a:rPr lang="en-US" dirty="0">
+                <a:solidFill>
+                  <a:srgbClr val="00B0F0"/>
+                </a:solidFill>
+              </a:rPr>
+              <a:t>$$ LANGUAGE </a:t>
+            </a:r>
+            <a:r>
+              <a:rPr lang="en-US" dirty="0" err="1">
+                <a:solidFill>
+                  <a:srgbClr val="00B0F0"/>
+                </a:solidFill>
+              </a:rPr>
+              <a:t>plpgsql</a:t>
+            </a:r>
+            <a:r>
+              <a:rPr lang="en-US" dirty="0">
+                <a:solidFill>
+                  <a:srgbClr val="00B0F0"/>
+                </a:solidFill>
+              </a:rPr>
+              <a:t>;</a:t>
+            </a:r>
+          </a:p>
+        </p:txBody>
+      </p:sp>
+      <p:sp>
+        <p:nvSpPr>
+          <p:cNvPr id="4" name="TextBox 3">
+            <a:extLst>
+              <a:ext uri="{FF2B5EF4-FFF2-40B4-BE49-F238E27FC236}">
+                <a16:creationId xmlns:a16="http://schemas.microsoft.com/office/drawing/2014/main" id="{723D57BF-3C01-EB11-41C4-EBC8D51B5C0A}"/>
+              </a:ext>
+            </a:extLst>
+          </p:cNvPr>
+          <p:cNvSpPr txBox="1"/>
+          <p:nvPr/>
+        </p:nvSpPr>
+        <p:spPr>
+          <a:xfrm>
+            <a:off x="581191" y="705505"/>
+            <a:ext cx="5514808" cy="523220"/>
+          </a:xfrm>
+          <a:prstGeom prst="rect">
+            <a:avLst/>
+          </a:prstGeom>
+          <a:noFill/>
+        </p:spPr>
+        <p:txBody>
+          <a:bodyPr wrap="square" rtlCol="0">
+            <a:spAutoFit/>
+          </a:bodyPr>
+          <a:lstStyle/>
+          <a:p>
+            <a:r>
+              <a:rPr lang="en-US" sz="2800" dirty="0"/>
+              <a:t>Function: </a:t>
+            </a:r>
+            <a:r>
+              <a:rPr lang="en-US" sz="2800" dirty="0" err="1"/>
+              <a:t>ST_Disjoint</a:t>
+            </a:r>
+            <a:endParaRPr lang="en-US" sz="2800" dirty="0"/>
+          </a:p>
+        </p:txBody>
+      </p:sp>
+    </p:spTree>
+    <p:extLst>
+      <p:ext uri="{BB962C8B-B14F-4D97-AF65-F5344CB8AC3E}">
+        <p14:creationId xmlns:p14="http://schemas.microsoft.com/office/powerpoint/2010/main" val="2221672660"/>
+      </p:ext>
+    </p:extLst>
+  </p:cSld>
+  <p:clrMapOvr>
+    <a:masterClrMapping/>
+  </p:clrMapOvr>
+</p:sld>
+</file>
+
+<file path=ppt/slides/slide19.xml><?xml version="1.0" encoding="utf-8"?>
+<p:sld xmlns:a="http://schemas.openxmlformats.org/drawingml/2006/main" xmlns:r="http://schemas.openxmlformats.org/officeDocument/2006/relationships" xmlns:p="http://schemas.openxmlformats.org/presentationml/2006/main">
+  <p:cSld>
+    <p:spTree>
+      <p:nvGrpSpPr>
+        <p:cNvPr id="1" name=""/>
+        <p:cNvGrpSpPr/>
+        <p:nvPr/>
+      </p:nvGrpSpPr>
+      <p:grpSpPr>
+        <a:xfrm>
+          <a:off x="0" y="0"/>
+          <a:ext cx="0" cy="0"/>
+          <a:chOff x="0" y="0"/>
+          <a:chExt cx="0" cy="0"/>
+        </a:xfrm>
+      </p:grpSpPr>
+      <p:sp>
+        <p:nvSpPr>
           <p:cNvPr id="2" name="Title 1">
             <a:extLst>
               <a:ext uri="{FF2B5EF4-FFF2-40B4-BE49-F238E27FC236}">
@@ -6410,7 +7624,7 @@
           <a:p>
             <a:r>
               <a:rPr lang="en-US" dirty="0"/>
-              <a:t>TOOLS IN PGADMIN 4 - VIEWS</a:t>
+              <a:t>FUNCTION</a:t>
             </a:r>
           </a:p>
         </p:txBody>
@@ -6735,7 +7949,7 @@
                   <a:srgbClr val="FFFFFF"/>
                 </a:solidFill>
               </a:rPr>
-              <a:t>WEEK 04 </a:t>
+              <a:t>WEEK 05 </a:t>
             </a:r>
             <a:br>
               <a:rPr lang="en-US" sz="4000" dirty="0">
@@ -6875,6 +8089,363 @@
     <p:extLst>
       <p:ext uri="{BB962C8B-B14F-4D97-AF65-F5344CB8AC3E}">
         <p14:creationId xmlns:p14="http://schemas.microsoft.com/office/powerpoint/2010/main" val="1888964802"/>
+      </p:ext>
+    </p:extLst>
+  </p:cSld>
+  <p:clrMapOvr>
+    <a:masterClrMapping/>
+  </p:clrMapOvr>
+</p:sld>
+</file>
+
+<file path=ppt/slides/slide20.xml><?xml version="1.0" encoding="utf-8"?>
+<p:sld xmlns:a="http://schemas.openxmlformats.org/drawingml/2006/main" xmlns:r="http://schemas.openxmlformats.org/officeDocument/2006/relationships" xmlns:p="http://schemas.openxmlformats.org/presentationml/2006/main">
+  <p:cSld>
+    <p:spTree>
+      <p:nvGrpSpPr>
+        <p:cNvPr id="1" name=""/>
+        <p:cNvGrpSpPr/>
+        <p:nvPr/>
+      </p:nvGrpSpPr>
+      <p:grpSpPr>
+        <a:xfrm>
+          <a:off x="0" y="0"/>
+          <a:ext cx="0" cy="0"/>
+          <a:chOff x="0" y="0"/>
+          <a:chExt cx="0" cy="0"/>
+        </a:xfrm>
+      </p:grpSpPr>
+      <p:sp>
+        <p:nvSpPr>
+          <p:cNvPr id="2" name="Title 1">
+            <a:extLst>
+              <a:ext uri="{FF2B5EF4-FFF2-40B4-BE49-F238E27FC236}">
+                <a16:creationId xmlns:a16="http://schemas.microsoft.com/office/drawing/2014/main" id="{B3591889-DDA8-2A94-C730-4E6DBBAE5AD8}"/>
+              </a:ext>
+            </a:extLst>
+          </p:cNvPr>
+          <p:cNvSpPr>
+            <a:spLocks noGrp="1"/>
+          </p:cNvSpPr>
+          <p:nvPr>
+            <p:ph type="title"/>
+          </p:nvPr>
+        </p:nvSpPr>
+        <p:spPr/>
+        <p:txBody>
+          <a:bodyPr/>
+          <a:lstStyle/>
+          <a:p>
+            <a:endParaRPr lang="en-US"/>
+          </a:p>
+        </p:txBody>
+      </p:sp>
+      <p:sp>
+        <p:nvSpPr>
+          <p:cNvPr id="3" name="Content Placeholder 2">
+            <a:extLst>
+              <a:ext uri="{FF2B5EF4-FFF2-40B4-BE49-F238E27FC236}">
+                <a16:creationId xmlns:a16="http://schemas.microsoft.com/office/drawing/2014/main" id="{EE927AD9-B296-43CF-425D-C3F9C0E52816}"/>
+              </a:ext>
+            </a:extLst>
+          </p:cNvPr>
+          <p:cNvSpPr>
+            <a:spLocks noGrp="1"/>
+          </p:cNvSpPr>
+          <p:nvPr>
+            <p:ph idx="1"/>
+          </p:nvPr>
+        </p:nvSpPr>
+        <p:spPr/>
+        <p:txBody>
+          <a:bodyPr>
+            <a:normAutofit fontScale="55000" lnSpcReduction="20000"/>
+          </a:bodyPr>
+          <a:lstStyle/>
+          <a:p>
+            <a:r>
+              <a:rPr lang="en-US" dirty="0"/>
+              <a:t>CREATE OR REPLACE FUNCTION </a:t>
+            </a:r>
+            <a:r>
+              <a:rPr lang="en-US" dirty="0" err="1"/>
+              <a:t>get_intersecting_geometries</a:t>
+            </a:r>
+            <a:r>
+              <a:rPr lang="en-US" dirty="0"/>
+              <a:t>( </a:t>
+            </a:r>
+          </a:p>
+          <a:p>
+            <a:r>
+              <a:rPr lang="en-US" dirty="0" err="1"/>
+              <a:t>streets_table</a:t>
+            </a:r>
+            <a:r>
+              <a:rPr lang="en-US" dirty="0"/>
+              <a:t> TEXT, </a:t>
+            </a:r>
+          </a:p>
+          <a:p>
+            <a:r>
+              <a:rPr lang="en-US" dirty="0"/>
+              <a:t>    </a:t>
+            </a:r>
+            <a:r>
+              <a:rPr lang="en-US" dirty="0" err="1"/>
+              <a:t>neighborhoods_table</a:t>
+            </a:r>
+            <a:r>
+              <a:rPr lang="en-US" dirty="0"/>
+              <a:t> TEXT,    </a:t>
+            </a:r>
+          </a:p>
+          <a:p>
+            <a:r>
+              <a:rPr lang="en-US" dirty="0"/>
+              <a:t> </a:t>
+            </a:r>
+            <a:r>
+              <a:rPr lang="en-US" dirty="0" err="1"/>
+              <a:t>buffer_geom_column</a:t>
+            </a:r>
+            <a:r>
+              <a:rPr lang="en-US" dirty="0"/>
+              <a:t> TEXT,   </a:t>
+            </a:r>
+          </a:p>
+          <a:p>
+            <a:r>
+              <a:rPr lang="en-US" dirty="0"/>
+              <a:t>  </a:t>
+            </a:r>
+            <a:r>
+              <a:rPr lang="en-US" dirty="0" err="1"/>
+              <a:t>intersect_geom_column</a:t>
+            </a:r>
+            <a:r>
+              <a:rPr lang="en-US" dirty="0"/>
+              <a:t> TEXT,  </a:t>
+            </a:r>
+          </a:p>
+          <a:p>
+            <a:r>
+              <a:rPr lang="en-US" dirty="0"/>
+              <a:t>   </a:t>
+            </a:r>
+            <a:r>
+              <a:rPr lang="en-US" dirty="0" err="1"/>
+              <a:t>buffer_size</a:t>
+            </a:r>
+            <a:r>
+              <a:rPr lang="en-US" dirty="0"/>
+              <a:t> DOUBLE PRECISION)</a:t>
+            </a:r>
+          </a:p>
+          <a:p>
+            <a:r>
+              <a:rPr lang="en-US" dirty="0"/>
+              <a:t>RETURNS TABLE(</a:t>
+            </a:r>
+            <a:r>
+              <a:rPr lang="en-US" dirty="0" err="1"/>
+              <a:t>street_name</a:t>
+            </a:r>
+            <a:r>
+              <a:rPr lang="en-US" dirty="0"/>
+              <a:t> TEXT, </a:t>
+            </a:r>
+            <a:r>
+              <a:rPr lang="en-US" dirty="0" err="1"/>
+              <a:t>neighborhood_name</a:t>
+            </a:r>
+            <a:r>
+              <a:rPr lang="en-US" dirty="0"/>
+              <a:t> TEXT) AS $$ </a:t>
+            </a:r>
+          </a:p>
+          <a:p>
+            <a:r>
+              <a:rPr lang="en-US" dirty="0"/>
+              <a:t>   SELECT </a:t>
+            </a:r>
+            <a:r>
+              <a:rPr lang="en-US" dirty="0" err="1"/>
+              <a:t>s.street_name</a:t>
+            </a:r>
+            <a:r>
+              <a:rPr lang="en-US" dirty="0"/>
+              <a:t>, </a:t>
+            </a:r>
+            <a:r>
+              <a:rPr lang="en-US" dirty="0" err="1"/>
+              <a:t>n.neighborhood_name</a:t>
+            </a:r>
+            <a:r>
+              <a:rPr lang="en-US" dirty="0"/>
+              <a:t>   </a:t>
+            </a:r>
+          </a:p>
+          <a:p>
+            <a:r>
+              <a:rPr lang="en-US" dirty="0"/>
+              <a:t> FROM </a:t>
+            </a:r>
+          </a:p>
+          <a:p>
+            <a:r>
+              <a:rPr lang="en-US" dirty="0"/>
+              <a:t>        (SELECT *, </a:t>
+            </a:r>
+            <a:r>
+              <a:rPr lang="en-US" dirty="0" err="1"/>
+              <a:t>ST_Buffer</a:t>
+            </a:r>
+            <a:r>
+              <a:rPr lang="en-US" dirty="0"/>
+              <a:t>(</a:t>
+            </a:r>
+            <a:r>
+              <a:rPr lang="en-US" dirty="0" err="1"/>
+              <a:t>ST_GeomFromEWKT</a:t>
+            </a:r>
+            <a:r>
+              <a:rPr lang="en-US" dirty="0"/>
+              <a:t>(</a:t>
+            </a:r>
+            <a:r>
+              <a:rPr lang="en-US" dirty="0" err="1"/>
+              <a:t>buffer_geom_column</a:t>
+            </a:r>
+            <a:r>
+              <a:rPr lang="en-US" dirty="0"/>
+              <a:t>), </a:t>
+            </a:r>
+            <a:r>
+              <a:rPr lang="en-US" dirty="0" err="1"/>
+              <a:t>buffer_size</a:t>
+            </a:r>
+            <a:r>
+              <a:rPr lang="en-US" dirty="0"/>
+              <a:t>) AS </a:t>
+            </a:r>
+            <a:r>
+              <a:rPr lang="en-US" dirty="0" err="1"/>
+              <a:t>buffered_geom</a:t>
+            </a:r>
+            <a:r>
+              <a:rPr lang="en-US" dirty="0"/>
+              <a:t> </a:t>
+            </a:r>
+          </a:p>
+          <a:p>
+            <a:r>
+              <a:rPr lang="en-US" dirty="0"/>
+              <a:t>         FROM public."" || </a:t>
+            </a:r>
+            <a:r>
+              <a:rPr lang="en-US" dirty="0" err="1"/>
+              <a:t>streets_table</a:t>
+            </a:r>
+            <a:r>
+              <a:rPr lang="en-US" dirty="0"/>
+              <a:t> || "") s, </a:t>
+            </a:r>
+          </a:p>
+          <a:p>
+            <a:r>
+              <a:rPr lang="en-US" dirty="0"/>
+              <a:t>       public."" || </a:t>
+            </a:r>
+            <a:r>
+              <a:rPr lang="en-US" dirty="0" err="1"/>
+              <a:t>neighborhoods_table</a:t>
+            </a:r>
+            <a:r>
+              <a:rPr lang="en-US" dirty="0"/>
+              <a:t> || "" n  </a:t>
+            </a:r>
+          </a:p>
+          <a:p>
+            <a:r>
+              <a:rPr lang="en-US" dirty="0"/>
+              <a:t>  WHERE </a:t>
+            </a:r>
+            <a:r>
+              <a:rPr lang="en-US" dirty="0" err="1"/>
+              <a:t>ST_Intersects</a:t>
+            </a:r>
+            <a:r>
+              <a:rPr lang="en-US" dirty="0"/>
+              <a:t>(</a:t>
+            </a:r>
+            <a:r>
+              <a:rPr lang="en-US" dirty="0" err="1"/>
+              <a:t>s.buffered_geom</a:t>
+            </a:r>
+            <a:r>
+              <a:rPr lang="en-US" dirty="0"/>
+              <a:t>, n."" || </a:t>
+            </a:r>
+            <a:r>
+              <a:rPr lang="en-US" dirty="0" err="1"/>
+              <a:t>intersect_geom_column</a:t>
+            </a:r>
+            <a:r>
+              <a:rPr lang="en-US" dirty="0"/>
+              <a:t> || "");</a:t>
+            </a:r>
+          </a:p>
+          <a:p>
+            <a:r>
+              <a:rPr lang="en-US" dirty="0"/>
+              <a:t>$$ LANGUAGE </a:t>
+            </a:r>
+            <a:r>
+              <a:rPr lang="en-US" dirty="0" err="1"/>
+              <a:t>sql</a:t>
+            </a:r>
+            <a:r>
+              <a:rPr lang="en-US" dirty="0"/>
+              <a:t>; </a:t>
+            </a:r>
+          </a:p>
+          <a:p>
+            <a:r>
+              <a:rPr lang="en-US" dirty="0"/>
+              <a:t>-- Example usage:-- SELECT * FROM </a:t>
+            </a:r>
+            <a:r>
+              <a:rPr lang="en-US" dirty="0" err="1"/>
+              <a:t>get_intersecting_geometries</a:t>
+            </a:r>
+            <a:r>
+              <a:rPr lang="en-US" dirty="0"/>
+              <a:t>('streets', 'neighborhoods', '</a:t>
+            </a:r>
+            <a:r>
+              <a:rPr lang="en-US" dirty="0" err="1"/>
+              <a:t>geom</a:t>
+            </a:r>
+            <a:r>
+              <a:rPr lang="en-US" dirty="0"/>
+              <a:t>', '</a:t>
+            </a:r>
+            <a:r>
+              <a:rPr lang="en-US" dirty="0" err="1"/>
+              <a:t>geom</a:t>
+            </a:r>
+            <a:r>
+              <a:rPr lang="en-US" dirty="0"/>
+              <a:t>', 100);</a:t>
+            </a:r>
+          </a:p>
+        </p:txBody>
+      </p:sp>
+    </p:spTree>
+    <p:extLst>
+      <p:ext uri="{BB962C8B-B14F-4D97-AF65-F5344CB8AC3E}">
+        <p14:creationId xmlns:p14="http://schemas.microsoft.com/office/powerpoint/2010/main" val="2068024156"/>
       </p:ext>
     </p:extLst>
   </p:cSld>
@@ -7369,7 +8940,7 @@
                   <a:srgbClr val="FFFFFF"/>
                 </a:solidFill>
               </a:rPr>
-              <a:t>4.1</a:t>
+              <a:t>5.1</a:t>
             </a:r>
             <a:r>
               <a:rPr lang="en-US" sz="6000" b="0" kern="1200" cap="all" dirty="0">
@@ -7593,10 +9164,10 @@
       </p:grpSpPr>
       <p:pic>
         <p:nvPicPr>
-          <p:cNvPr id="4" name="Content Placeholder 3">
+          <p:cNvPr id="5" name="Content Placeholder 4">
             <a:extLst>
               <a:ext uri="{FF2B5EF4-FFF2-40B4-BE49-F238E27FC236}">
-                <a16:creationId xmlns:a16="http://schemas.microsoft.com/office/drawing/2014/main" id="{011EB1D5-0AFC-852E-AC8C-65814213A793}"/>
+                <a16:creationId xmlns:a16="http://schemas.microsoft.com/office/drawing/2014/main" id="{06C01474-C0CF-AEF7-8C3F-F89CF61EA16B}"/>
               </a:ext>
             </a:extLst>
           </p:cNvPr>
@@ -7615,17 +9186,17 @@
         </p:blipFill>
         <p:spPr>
           <a:xfrm>
-            <a:off x="6900692" y="1243657"/>
-            <a:ext cx="4410512" cy="4974263"/>
+            <a:off x="6171162" y="925473"/>
+            <a:ext cx="4870910" cy="5007054"/>
           </a:xfrm>
         </p:spPr>
       </p:pic>
       <p:sp>
         <p:nvSpPr>
-          <p:cNvPr id="6" name="TextBox 5">
+          <p:cNvPr id="8" name="TextBox 7">
             <a:extLst>
               <a:ext uri="{FF2B5EF4-FFF2-40B4-BE49-F238E27FC236}">
-                <a16:creationId xmlns:a16="http://schemas.microsoft.com/office/drawing/2014/main" id="{B240B654-1BCC-E639-1031-DA5FFB9537FD}"/>
+                <a16:creationId xmlns:a16="http://schemas.microsoft.com/office/drawing/2014/main" id="{1DB379D0-1978-4056-13DD-F70EF1C82FCE}"/>
               </a:ext>
             </a:extLst>
           </p:cNvPr>
@@ -7650,16 +9221,55 @@
           <a:p>
             <a:r>
               <a:rPr lang="en-US" sz="2800" dirty="0" err="1"/>
-              <a:t>ST_DWithin</a:t>
+              <a:t>ST_Intersects</a:t>
             </a:r>
             <a:endParaRPr lang="en-US" sz="2800" dirty="0"/>
+          </a:p>
+        </p:txBody>
+      </p:sp>
+      <p:sp>
+        <p:nvSpPr>
+          <p:cNvPr id="10" name="TextBox 9">
+            <a:extLst>
+              <a:ext uri="{FF2B5EF4-FFF2-40B4-BE49-F238E27FC236}">
+                <a16:creationId xmlns:a16="http://schemas.microsoft.com/office/drawing/2014/main" id="{A5C4D3E5-F133-4EB2-E478-B33E9BFCBEFA}"/>
+              </a:ext>
+            </a:extLst>
+          </p:cNvPr>
+          <p:cNvSpPr txBox="1"/>
+          <p:nvPr/>
+        </p:nvSpPr>
+        <p:spPr>
+          <a:xfrm>
+            <a:off x="498762" y="1609498"/>
+            <a:ext cx="6096000" cy="400110"/>
+          </a:xfrm>
+          <a:prstGeom prst="rect">
+            <a:avLst/>
+          </a:prstGeom>
+          <a:noFill/>
+        </p:spPr>
+        <p:txBody>
+          <a:bodyPr wrap="square">
+            <a:spAutoFit/>
+          </a:bodyPr>
+          <a:lstStyle/>
+          <a:p>
+            <a:r>
+              <a:rPr lang="en-US" sz="2000" dirty="0" err="1"/>
+              <a:t>ST_Intersects</a:t>
+            </a:r>
+            <a:r>
+              <a:rPr lang="en-US" sz="2000" dirty="0"/>
+              <a:t>(geometry A, geometry B)</a:t>
+            </a:r>
           </a:p>
         </p:txBody>
       </p:sp>
     </p:spTree>
     <p:extLst>
       <p:ext uri="{BB962C8B-B14F-4D97-AF65-F5344CB8AC3E}">
-        <p14:creationId xmlns:p14="http://schemas.microsoft.com/office/powerpoint/2010/main" val="1320587357"/>
+        <p14:creationId xmlns:p14="http://schemas.microsoft.com/office/powerpoint/2010/main" val="1862931028"/>
       </p:ext>
     </p:extLst>
   </p:cSld>
@@ -8707,7 +10317,7 @@
         <p:spPr>
           <a:xfrm>
             <a:off x="581191" y="1340739"/>
-            <a:ext cx="11029615" cy="2383536"/>
+            <a:ext cx="11029615" cy="2535936"/>
           </a:xfrm>
         </p:spPr>
         <p:txBody>
@@ -8720,6 +10330,9 @@
               <a:rPr lang="en-US" sz="2000" dirty="0"/>
               <a:t>List all subway stations where express trains stop that are within 50 meters of major roads.</a:t>
             </a:r>
+          </a:p>
+          <a:p>
+            <a:endParaRPr lang="en-US" sz="2000" dirty="0"/>
           </a:p>
           <a:p>
             <a:pPr marL="324000" lvl="1" indent="0">
@@ -8834,23 +10447,7 @@
                   <a:srgbClr val="00B0F0"/>
                 </a:solidFill>
               </a:rPr>
-              <a:t> = '</a:t>
-            </a:r>
-            <a:r>
-              <a:rPr lang="en-US" sz="2000" dirty="0" err="1">
-                <a:solidFill>
-                  <a:srgbClr val="00B0F0"/>
-                </a:solidFill>
-              </a:rPr>
-              <a:t>Major'AND</a:t>
-            </a:r>
-            <a:r>
-              <a:rPr lang="en-US" sz="2000" dirty="0">
-                <a:solidFill>
-                  <a:srgbClr val="00B0F0"/>
-                </a:solidFill>
-              </a:rPr>
-              <a:t> </a:t>
+              <a:t> = 'Major’ AND </a:t>
             </a:r>
             <a:r>
               <a:rPr lang="en-US" sz="2000" dirty="0" err="1">
